--- a/Brines/UF.pptx
+++ b/Brines/UF.pptx
@@ -5,20 +5,25 @@
     <p:sldMasterId id="2147483648" r:id="rId4"/>
   </p:sldMasterIdLst>
   <p:notesMasterIdLst>
-    <p:notesMasterId r:id="rId16"/>
+    <p:notesMasterId r:id="rId21"/>
   </p:notesMasterIdLst>
   <p:sldIdLst>
     <p:sldId id="256" r:id="rId5"/>
     <p:sldId id="272" r:id="rId6"/>
     <p:sldId id="271" r:id="rId7"/>
-    <p:sldId id="275" r:id="rId8"/>
-    <p:sldId id="277" r:id="rId9"/>
-    <p:sldId id="278" r:id="rId10"/>
-    <p:sldId id="276" r:id="rId11"/>
-    <p:sldId id="273" r:id="rId12"/>
-    <p:sldId id="279" r:id="rId13"/>
-    <p:sldId id="263" r:id="rId14"/>
-    <p:sldId id="259" r:id="rId15"/>
+    <p:sldId id="280" r:id="rId8"/>
+    <p:sldId id="281" r:id="rId9"/>
+    <p:sldId id="282" r:id="rId10"/>
+    <p:sldId id="275" r:id="rId11"/>
+    <p:sldId id="277" r:id="rId12"/>
+    <p:sldId id="278" r:id="rId13"/>
+    <p:sldId id="276" r:id="rId14"/>
+    <p:sldId id="273" r:id="rId15"/>
+    <p:sldId id="279" r:id="rId16"/>
+    <p:sldId id="283" r:id="rId17"/>
+    <p:sldId id="284" r:id="rId18"/>
+    <p:sldId id="263" r:id="rId19"/>
+    <p:sldId id="259" r:id="rId20"/>
   </p:sldIdLst>
   <p:sldSz cx="9144000" cy="5143500" type="screen16x9"/>
   <p:notesSz cx="6858000" cy="9144000"/>
@@ -181,6 +186,14 @@
 </p:presentation>
 </file>
 
+<file path=ppt/revisionInfo.xml><?xml version="1.0" encoding="utf-8"?>
+<p1510:revInfo xmlns:a="http://schemas.openxmlformats.org/drawingml/2006/main" xmlns:r="http://schemas.openxmlformats.org/officeDocument/2006/relationships" xmlns:p1510="http://schemas.microsoft.com/office/powerpoint/2015/10/main">
+  <p1510:revLst>
+    <p1510:client id="{D6969838-2830-4C5A-A646-4BA4C2E445E3}" v="7" dt="2024-01-23T19:32:12.613"/>
+  </p1510:revLst>
+</p1510:revInfo>
+</file>
+
 <file path=ppt/notesMasters/notesMaster1.xml><?xml version="1.0" encoding="utf-8"?>
 <p:notesMaster xmlns:a="http://schemas.openxmlformats.org/drawingml/2006/main" xmlns:r="http://schemas.openxmlformats.org/officeDocument/2006/relationships" xmlns:p="http://schemas.openxmlformats.org/presentationml/2006/main">
   <p:cSld>
@@ -263,7 +276,7 @@
           <a:p>
             <a:fld id="{C7EFC83C-B988-4A9E-9713-F559C31F4362}" type="datetimeFigureOut">
               <a:rPr lang="nl-NL" smtClean="0"/>
-              <a:t>22-1-2024</a:t>
+              <a:t>23-1-2024</a:t>
             </a:fld>
             <a:endParaRPr lang="nl-NL"/>
           </a:p>
@@ -528,6 +541,561 @@
     </a:lvl9pPr>
   </p:notesStyle>
 </p:notesMaster>
+</file>
+
+<file path=ppt/notesSlides/notesSlide1.xml><?xml version="1.0" encoding="utf-8"?>
+<p:notes xmlns:a="http://schemas.openxmlformats.org/drawingml/2006/main" xmlns:r="http://schemas.openxmlformats.org/officeDocument/2006/relationships" xmlns:p="http://schemas.openxmlformats.org/presentationml/2006/main">
+  <p:cSld>
+    <p:spTree>
+      <p:nvGrpSpPr>
+        <p:cNvPr id="1" name=""/>
+        <p:cNvGrpSpPr/>
+        <p:nvPr/>
+      </p:nvGrpSpPr>
+      <p:grpSpPr>
+        <a:xfrm>
+          <a:off x="0" y="0"/>
+          <a:ext cx="0" cy="0"/>
+          <a:chOff x="0" y="0"/>
+          <a:chExt cx="0" cy="0"/>
+        </a:xfrm>
+      </p:grpSpPr>
+      <p:sp>
+        <p:nvSpPr>
+          <p:cNvPr id="2" name="Slide Image Placeholder 1"/>
+          <p:cNvSpPr>
+            <a:spLocks noGrp="1" noRot="1" noChangeAspect="1"/>
+          </p:cNvSpPr>
+          <p:nvPr>
+            <p:ph type="sldImg"/>
+          </p:nvPr>
+        </p:nvSpPr>
+        <p:spPr/>
+      </p:sp>
+      <p:sp>
+        <p:nvSpPr>
+          <p:cNvPr id="3" name="Notes Placeholder 2"/>
+          <p:cNvSpPr>
+            <a:spLocks noGrp="1"/>
+          </p:cNvSpPr>
+          <p:nvPr>
+            <p:ph type="body" idx="1"/>
+          </p:nvPr>
+        </p:nvSpPr>
+        <p:spPr/>
+        <p:txBody>
+          <a:bodyPr/>
+          <a:lstStyle/>
+          <a:p>
+            <a:r>
+              <a:rPr lang="es-ES" dirty="0"/>
+              <a:t>El resultado que proporcionaste es el resumen de un modelo no lineal que ajusta la variable de respuesta "</a:t>
+            </a:r>
+            <a:r>
+              <a:rPr lang="es-ES" dirty="0" err="1"/>
+              <a:t>Intensity</a:t>
+            </a:r>
+            <a:r>
+              <a:rPr lang="es-ES" dirty="0"/>
+              <a:t>" en función del tiempo ("Day") utilizando un modelo cuadrático. Aquí está la interpretación de los resultados:</a:t>
+            </a:r>
+          </a:p>
+          <a:p>
+            <a:endParaRPr lang="es-ES" dirty="0"/>
+          </a:p>
+          <a:p>
+            <a:r>
+              <a:rPr lang="es-ES" dirty="0"/>
+              <a:t>Coeficientes del Modelo:</a:t>
+            </a:r>
+          </a:p>
+          <a:p>
+            <a:r>
+              <a:rPr lang="es-ES" dirty="0"/>
+              <a:t>b0 (Intercepto): 0.0006098. Este es el valor esperado de la intensidad cuando "Day" es igual a cero.</a:t>
+            </a:r>
+          </a:p>
+          <a:p>
+            <a:endParaRPr lang="es-ES" dirty="0"/>
+          </a:p>
+          <a:p>
+            <a:r>
+              <a:rPr lang="es-ES" dirty="0"/>
+              <a:t>b1 (Coeficiente de "Day"): 8.894e-06. Este coeficiente indica la tasa de cambio lineal en la intensidad respecto al tiempo.</a:t>
+            </a:r>
+          </a:p>
+          <a:p>
+            <a:endParaRPr lang="es-ES" dirty="0"/>
+          </a:p>
+          <a:p>
+            <a:r>
+              <a:rPr lang="es-ES" dirty="0"/>
+              <a:t>b2 (Coeficiente de "Day^2"): -2.776e-07. Este coeficiente indica la tasa de cambio cuadrática en la intensidad respecto al tiempo.</a:t>
+            </a:r>
+          </a:p>
+          <a:p>
+            <a:endParaRPr lang="es-ES" dirty="0"/>
+          </a:p>
+          <a:p>
+            <a:r>
+              <a:rPr lang="es-ES" dirty="0"/>
+              <a:t>Significancia Estadística:</a:t>
+            </a:r>
+          </a:p>
+          <a:p>
+            <a:r>
+              <a:rPr lang="es-ES" dirty="0"/>
+              <a:t>Todos los coeficientes son estadísticamente significativos según las estrellas y el valor p:</a:t>
+            </a:r>
+          </a:p>
+          <a:p>
+            <a:r>
+              <a:rPr lang="es-ES" dirty="0"/>
+              <a:t>b0: Muy significativo (p &lt; 0.001).</a:t>
+            </a:r>
+          </a:p>
+          <a:p>
+            <a:r>
+              <a:rPr lang="es-ES" dirty="0"/>
+              <a:t>b1: Significativo (0.01 &lt; p &lt; 0.05).</a:t>
+            </a:r>
+          </a:p>
+          <a:p>
+            <a:r>
+              <a:rPr lang="es-ES" dirty="0"/>
+              <a:t>b2: Significativo (0.01 &lt; p &lt; 0.05).</a:t>
+            </a:r>
+          </a:p>
+          <a:p>
+            <a:r>
+              <a:rPr lang="es-ES" dirty="0"/>
+              <a:t>Residual Standard Error:</a:t>
+            </a:r>
+          </a:p>
+          <a:p>
+            <a:r>
+              <a:rPr lang="es-ES" dirty="0"/>
+              <a:t>La "Residual standard error" es 0.004356. Es la desviación estándar de los residuos, que son las diferencias entre los valores observados y los valores predichos por el modelo.</a:t>
+            </a:r>
+          </a:p>
+          <a:p>
+            <a:r>
+              <a:rPr lang="es-ES" dirty="0"/>
+              <a:t>Número de Grados de Libertad y Convergencia:</a:t>
+            </a:r>
+          </a:p>
+          <a:p>
+            <a:r>
+              <a:rPr lang="es-ES" dirty="0"/>
+              <a:t>El modelo se ajustó a 188807 grados de libertad.</a:t>
+            </a:r>
+          </a:p>
+          <a:p>
+            <a:endParaRPr lang="es-ES" dirty="0"/>
+          </a:p>
+          <a:p>
+            <a:r>
+              <a:rPr lang="es-ES" dirty="0"/>
+              <a:t>El modelo alcanzó la convergencia en una sola iteración con una tolerancia de convergencia muy pequeña (3.226e-10).</a:t>
+            </a:r>
+          </a:p>
+          <a:p>
+            <a:endParaRPr lang="es-ES" dirty="0"/>
+          </a:p>
+          <a:p>
+            <a:r>
+              <a:rPr lang="es-ES" dirty="0"/>
+              <a:t>Interpretación Global:</a:t>
+            </a:r>
+          </a:p>
+          <a:p>
+            <a:r>
+              <a:rPr lang="es-ES" dirty="0"/>
+              <a:t>El modelo cuadrático proporciona una descripción significativa de cómo la intensidad cambia en función del tiempo.</a:t>
+            </a:r>
+          </a:p>
+          <a:p>
+            <a:endParaRPr lang="es-ES" dirty="0"/>
+          </a:p>
+          <a:p>
+            <a:r>
+              <a:rPr lang="es-ES" dirty="0"/>
+              <a:t>El intercepto (b0) es la intensidad estimada al comienzo del período de tiempo considerado.</a:t>
+            </a:r>
+          </a:p>
+          <a:p>
+            <a:endParaRPr lang="es-ES" dirty="0"/>
+          </a:p>
+          <a:p>
+            <a:r>
+              <a:rPr lang="es-ES" dirty="0"/>
+              <a:t>El coeficiente lineal (b1) y el coeficiente cuadrático (b2) indican las tasas de cambio lineal y cuadrática en la intensidad a lo largo del tiempo.</a:t>
+            </a:r>
+          </a:p>
+          <a:p>
+            <a:endParaRPr lang="es-ES" dirty="0"/>
+          </a:p>
+          <a:p>
+            <a:r>
+              <a:rPr lang="es-ES" dirty="0"/>
+              <a:t>En resumen, el modelo sugiere que la intensidad cambia de manera significativa con el tiempo, y la tasa de cambio no es constante. La significancia de los coeficientes y el buen ajuste del modelo (bajo residual standard error y rápida convergencia) respaldan la utilidad del modelo para describir la relación entre "</a:t>
+            </a:r>
+            <a:r>
+              <a:rPr lang="es-ES" dirty="0" err="1"/>
+              <a:t>Intensity</a:t>
+            </a:r>
+            <a:r>
+              <a:rPr lang="es-ES" dirty="0"/>
+              <a:t>" y "Day". La interpretación precisa dependerá del contexto específico de tu investigación y de la naturaleza de tus datos.</a:t>
+            </a:r>
+          </a:p>
+          <a:p>
+            <a:endParaRPr lang="es-ES" dirty="0"/>
+          </a:p>
+          <a:p>
+            <a:endParaRPr lang="es-ES" dirty="0"/>
+          </a:p>
+          <a:p>
+            <a:endParaRPr lang="es-ES" dirty="0"/>
+          </a:p>
+          <a:p>
+            <a:endParaRPr lang="es-ES" dirty="0"/>
+          </a:p>
+          <a:p>
+            <a:endParaRPr lang="nl-NL" dirty="0"/>
+          </a:p>
+        </p:txBody>
+      </p:sp>
+      <p:sp>
+        <p:nvSpPr>
+          <p:cNvPr id="4" name="Slide Number Placeholder 3"/>
+          <p:cNvSpPr>
+            <a:spLocks noGrp="1"/>
+          </p:cNvSpPr>
+          <p:nvPr>
+            <p:ph type="sldNum" sz="quarter" idx="5"/>
+          </p:nvPr>
+        </p:nvSpPr>
+        <p:spPr/>
+        <p:txBody>
+          <a:bodyPr/>
+          <a:lstStyle/>
+          <a:p>
+            <a:fld id="{55D45D2F-C69D-4D90-B22B-9B2DC58DBD55}" type="slidenum">
+              <a:rPr lang="nl-NL" smtClean="0"/>
+              <a:t>12</a:t>
+            </a:fld>
+            <a:endParaRPr lang="nl-NL"/>
+          </a:p>
+        </p:txBody>
+      </p:sp>
+    </p:spTree>
+    <p:extLst>
+      <p:ext uri="{BB962C8B-B14F-4D97-AF65-F5344CB8AC3E}">
+        <p14:creationId xmlns:p14="http://schemas.microsoft.com/office/powerpoint/2010/main" val="2463932513"/>
+      </p:ext>
+    </p:extLst>
+  </p:cSld>
+  <p:clrMapOvr>
+    <a:masterClrMapping/>
+  </p:clrMapOvr>
+</p:notes>
+</file>
+
+<file path=ppt/notesSlides/notesSlide2.xml><?xml version="1.0" encoding="utf-8"?>
+<p:notes xmlns:a="http://schemas.openxmlformats.org/drawingml/2006/main" xmlns:r="http://schemas.openxmlformats.org/officeDocument/2006/relationships" xmlns:p="http://schemas.openxmlformats.org/presentationml/2006/main">
+  <p:cSld>
+    <p:spTree>
+      <p:nvGrpSpPr>
+        <p:cNvPr id="1" name=""/>
+        <p:cNvGrpSpPr/>
+        <p:nvPr/>
+      </p:nvGrpSpPr>
+      <p:grpSpPr>
+        <a:xfrm>
+          <a:off x="0" y="0"/>
+          <a:ext cx="0" cy="0"/>
+          <a:chOff x="0" y="0"/>
+          <a:chExt cx="0" cy="0"/>
+        </a:xfrm>
+      </p:grpSpPr>
+      <p:sp>
+        <p:nvSpPr>
+          <p:cNvPr id="2" name="Slide Image Placeholder 1"/>
+          <p:cNvSpPr>
+            <a:spLocks noGrp="1" noRot="1" noChangeAspect="1"/>
+          </p:cNvSpPr>
+          <p:nvPr>
+            <p:ph type="sldImg"/>
+          </p:nvPr>
+        </p:nvSpPr>
+        <p:spPr/>
+      </p:sp>
+      <p:sp>
+        <p:nvSpPr>
+          <p:cNvPr id="3" name="Notes Placeholder 2"/>
+          <p:cNvSpPr>
+            <a:spLocks noGrp="1"/>
+          </p:cNvSpPr>
+          <p:nvPr>
+            <p:ph type="body" idx="1"/>
+          </p:nvPr>
+        </p:nvSpPr>
+        <p:spPr/>
+        <p:txBody>
+          <a:bodyPr/>
+          <a:lstStyle/>
+          <a:p>
+            <a:pPr algn="l">
+              <a:buFont typeface="+mj-lt"/>
+              <a:buAutoNum type="arabicPeriod"/>
+            </a:pPr>
+            <a:r>
+              <a:rPr lang="es-ES" b="1" i="0" dirty="0">
+                <a:solidFill>
+                  <a:srgbClr val="374151"/>
+                </a:solidFill>
+                <a:effectLst/>
+                <a:latin typeface="Söhne"/>
+              </a:rPr>
+              <a:t>Coeficiente Lineal (</a:t>
+            </a:r>
+            <a:r>
+              <a:rPr lang="es-ES" b="1" i="0" dirty="0">
+                <a:solidFill>
+                  <a:srgbClr val="374151"/>
+                </a:solidFill>
+                <a:effectLst/>
+                <a:latin typeface="KaTeX_Main"/>
+              </a:rPr>
+              <a:t>�1</a:t>
+            </a:r>
+            <a:r>
+              <a:rPr lang="es-ES" b="1" i="1" dirty="0">
+                <a:solidFill>
+                  <a:srgbClr val="374151"/>
+                </a:solidFill>
+                <a:effectLst/>
+                <a:latin typeface="KaTeX_Math"/>
+              </a:rPr>
+              <a:t>b</a:t>
+            </a:r>
+            <a:r>
+              <a:rPr lang="es-ES" b="1" i="0" dirty="0">
+                <a:solidFill>
+                  <a:srgbClr val="374151"/>
+                </a:solidFill>
+                <a:effectLst/>
+                <a:latin typeface="KaTeX_Main"/>
+              </a:rPr>
+              <a:t>1​</a:t>
+            </a:r>
+            <a:r>
+              <a:rPr lang="es-ES" b="1" i="0" dirty="0">
+                <a:solidFill>
+                  <a:srgbClr val="374151"/>
+                </a:solidFill>
+                <a:effectLst/>
+                <a:latin typeface="Söhne"/>
+              </a:rPr>
+              <a:t>):</a:t>
+            </a:r>
+            <a:r>
+              <a:rPr lang="es-ES" b="0" i="0" dirty="0">
+                <a:solidFill>
+                  <a:srgbClr val="374151"/>
+                </a:solidFill>
+                <a:effectLst/>
+                <a:latin typeface="Söhne"/>
+              </a:rPr>
+              <a:t> Este coeficiente indica la tasa de cambio lineal en la intensidad respecto al tiempo. Si </a:t>
+            </a:r>
+            <a:r>
+              <a:rPr lang="es-ES" b="0" i="0" dirty="0">
+                <a:solidFill>
+                  <a:srgbClr val="374151"/>
+                </a:solidFill>
+                <a:effectLst/>
+                <a:latin typeface="KaTeX_Main"/>
+              </a:rPr>
+              <a:t>�1</a:t>
+            </a:r>
+            <a:r>
+              <a:rPr lang="es-ES" b="0" i="1" dirty="0">
+                <a:solidFill>
+                  <a:srgbClr val="374151"/>
+                </a:solidFill>
+                <a:effectLst/>
+                <a:latin typeface="KaTeX_Math"/>
+              </a:rPr>
+              <a:t>b</a:t>
+            </a:r>
+            <a:r>
+              <a:rPr lang="es-ES" b="0" i="0" dirty="0">
+                <a:solidFill>
+                  <a:srgbClr val="374151"/>
+                </a:solidFill>
+                <a:effectLst/>
+                <a:latin typeface="KaTeX_Main"/>
+              </a:rPr>
+              <a:t>1​</a:t>
+            </a:r>
+            <a:r>
+              <a:rPr lang="es-ES" b="0" i="0" dirty="0">
+                <a:solidFill>
+                  <a:srgbClr val="374151"/>
+                </a:solidFill>
+                <a:effectLst/>
+                <a:latin typeface="Söhne"/>
+              </a:rPr>
+              <a:t> es negativo, sugiere que la intensidad está disminuyendo con el tiempo.</a:t>
+            </a:r>
+          </a:p>
+          <a:p>
+            <a:pPr algn="l">
+              <a:buFont typeface="+mj-lt"/>
+              <a:buAutoNum type="arabicPeriod"/>
+            </a:pPr>
+            <a:r>
+              <a:rPr lang="es-ES" b="1" i="0" dirty="0">
+                <a:solidFill>
+                  <a:srgbClr val="374151"/>
+                </a:solidFill>
+                <a:effectLst/>
+                <a:latin typeface="Söhne"/>
+              </a:rPr>
+              <a:t>Coeficiente Cuadrático (</a:t>
+            </a:r>
+            <a:r>
+              <a:rPr lang="es-ES" b="1" i="0" dirty="0">
+                <a:solidFill>
+                  <a:srgbClr val="374151"/>
+                </a:solidFill>
+                <a:effectLst/>
+                <a:latin typeface="KaTeX_Main"/>
+              </a:rPr>
+              <a:t>�2</a:t>
+            </a:r>
+            <a:r>
+              <a:rPr lang="es-ES" b="1" i="1" dirty="0">
+                <a:solidFill>
+                  <a:srgbClr val="374151"/>
+                </a:solidFill>
+                <a:effectLst/>
+                <a:latin typeface="KaTeX_Math"/>
+              </a:rPr>
+              <a:t>b</a:t>
+            </a:r>
+            <a:r>
+              <a:rPr lang="es-ES" b="1" i="0" dirty="0">
+                <a:solidFill>
+                  <a:srgbClr val="374151"/>
+                </a:solidFill>
+                <a:effectLst/>
+                <a:latin typeface="KaTeX_Main"/>
+              </a:rPr>
+              <a:t>2​</a:t>
+            </a:r>
+            <a:r>
+              <a:rPr lang="es-ES" b="1" i="0" dirty="0">
+                <a:solidFill>
+                  <a:srgbClr val="374151"/>
+                </a:solidFill>
+                <a:effectLst/>
+                <a:latin typeface="Söhne"/>
+              </a:rPr>
+              <a:t>):</a:t>
+            </a:r>
+            <a:r>
+              <a:rPr lang="es-ES" b="0" i="0" dirty="0">
+                <a:solidFill>
+                  <a:srgbClr val="374151"/>
+                </a:solidFill>
+                <a:effectLst/>
+                <a:latin typeface="Söhne"/>
+              </a:rPr>
+              <a:t> El coeficiente cuadrático indica la tasa de cambio cuadrática en la intensidad. Si </a:t>
+            </a:r>
+            <a:r>
+              <a:rPr lang="es-ES" b="0" i="0" dirty="0">
+                <a:solidFill>
+                  <a:srgbClr val="374151"/>
+                </a:solidFill>
+                <a:effectLst/>
+                <a:latin typeface="KaTeX_Main"/>
+              </a:rPr>
+              <a:t>�2</a:t>
+            </a:r>
+            <a:r>
+              <a:rPr lang="es-ES" b="0" i="1" dirty="0">
+                <a:solidFill>
+                  <a:srgbClr val="374151"/>
+                </a:solidFill>
+                <a:effectLst/>
+                <a:latin typeface="KaTeX_Math"/>
+              </a:rPr>
+              <a:t>b</a:t>
+            </a:r>
+            <a:r>
+              <a:rPr lang="es-ES" b="0" i="0" dirty="0">
+                <a:solidFill>
+                  <a:srgbClr val="374151"/>
+                </a:solidFill>
+                <a:effectLst/>
+                <a:latin typeface="KaTeX_Main"/>
+              </a:rPr>
+              <a:t>2​</a:t>
+            </a:r>
+            <a:r>
+              <a:rPr lang="es-ES" b="0" i="0" dirty="0">
+                <a:solidFill>
+                  <a:srgbClr val="374151"/>
+                </a:solidFill>
+                <a:effectLst/>
+                <a:latin typeface="Söhne"/>
+              </a:rPr>
+              <a:t> es positivo, puede sugerir que la disminución en la intensidad está desacelerando con el tiempo, y si es negativo, podría indicar una aceleración en la disminución.</a:t>
+            </a:r>
+          </a:p>
+          <a:p>
+            <a:endParaRPr lang="nl-NL" dirty="0"/>
+          </a:p>
+        </p:txBody>
+      </p:sp>
+      <p:sp>
+        <p:nvSpPr>
+          <p:cNvPr id="4" name="Slide Number Placeholder 3"/>
+          <p:cNvSpPr>
+            <a:spLocks noGrp="1"/>
+          </p:cNvSpPr>
+          <p:nvPr>
+            <p:ph type="sldNum" sz="quarter" idx="5"/>
+          </p:nvPr>
+        </p:nvSpPr>
+        <p:spPr/>
+        <p:txBody>
+          <a:bodyPr/>
+          <a:lstStyle/>
+          <a:p>
+            <a:fld id="{55D45D2F-C69D-4D90-B22B-9B2DC58DBD55}" type="slidenum">
+              <a:rPr lang="nl-NL" smtClean="0"/>
+              <a:t>13</a:t>
+            </a:fld>
+            <a:endParaRPr lang="nl-NL"/>
+          </a:p>
+        </p:txBody>
+      </p:sp>
+    </p:spTree>
+    <p:extLst>
+      <p:ext uri="{BB962C8B-B14F-4D97-AF65-F5344CB8AC3E}">
+        <p14:creationId xmlns:p14="http://schemas.microsoft.com/office/powerpoint/2010/main" val="2799106267"/>
+      </p:ext>
+    </p:extLst>
+  </p:cSld>
+  <p:clrMapOvr>
+    <a:masterClrMapping/>
+  </p:clrMapOvr>
+</p:notes>
 </file>
 
 <file path=ppt/slideLayouts/slideLayout1.xml><?xml version="1.0" encoding="utf-8"?>
@@ -8076,79 +8644,176 @@
       </p:grpSpPr>
       <p:sp>
         <p:nvSpPr>
-          <p:cNvPr id="7" name="Tijdelijke aanduiding voor afbeelding 6"/>
+          <p:cNvPr id="3" name="Title 2">
+            <a:extLst>
+              <a:ext uri="{FF2B5EF4-FFF2-40B4-BE49-F238E27FC236}">
+                <a16:creationId xmlns:a16="http://schemas.microsoft.com/office/drawing/2014/main" id="{2E4AF904-CB08-F340-7698-66705C30594E}"/>
+              </a:ext>
+            </a:extLst>
+          </p:cNvPr>
           <p:cNvSpPr>
             <a:spLocks noGrp="1"/>
           </p:cNvSpPr>
           <p:nvPr>
-            <p:ph type="pic" sz="quarter" idx="16"/>
-          </p:nvPr>
-        </p:nvSpPr>
-        <p:spPr/>
+            <p:ph type="title"/>
+          </p:nvPr>
+        </p:nvSpPr>
+        <p:spPr>
+          <a:xfrm>
+            <a:off x="561600" y="169210"/>
+            <a:ext cx="8330400" cy="593681"/>
+          </a:xfrm>
+        </p:spPr>
         <p:txBody>
           <a:bodyPr/>
           <a:lstStyle/>
           <a:p>
+            <a:r>
+              <a:rPr lang="en-US" sz="1200" dirty="0">
+                <a:effectLst/>
+                <a:latin typeface="Verdana" panose="020B0604030504040204" pitchFamily="34" charset="0"/>
+                <a:ea typeface="Calibri" panose="020F0502020204030204" pitchFamily="34" charset="0"/>
+                <a:cs typeface="Times New Roman" panose="02020603050405020304" pitchFamily="18" charset="0"/>
+              </a:rPr>
+              <a:t>Is there significant difference within days,  with all Temperatures, in Mass 45? </a:t>
+            </a:r>
+            <a:br>
+              <a:rPr lang="en-US" sz="2800" dirty="0">
+                <a:effectLst/>
+                <a:latin typeface="Verdana" panose="020B0604030504040204" pitchFamily="34" charset="0"/>
+                <a:ea typeface="Calibri" panose="020F0502020204030204" pitchFamily="34" charset="0"/>
+                <a:cs typeface="Times New Roman" panose="02020603050405020304" pitchFamily="18" charset="0"/>
+              </a:rPr>
+            </a:br>
             <a:endParaRPr lang="en-GB" dirty="0"/>
           </a:p>
         </p:txBody>
       </p:sp>
       <p:sp>
         <p:nvSpPr>
-          <p:cNvPr id="2" name="Titel 1"/>
+          <p:cNvPr id="4" name="Slide Number Placeholder 3">
+            <a:extLst>
+              <a:ext uri="{FF2B5EF4-FFF2-40B4-BE49-F238E27FC236}">
+                <a16:creationId xmlns:a16="http://schemas.microsoft.com/office/drawing/2014/main" id="{E759A487-083D-362F-7E77-C80D6A9C5BB4}"/>
+              </a:ext>
+            </a:extLst>
+          </p:cNvPr>
           <p:cNvSpPr>
             <a:spLocks noGrp="1"/>
           </p:cNvSpPr>
           <p:nvPr>
-            <p:ph type="title"/>
-          </p:nvPr>
-        </p:nvSpPr>
-        <p:spPr>
-          <a:xfrm>
-            <a:off x="561600" y="172641"/>
-            <a:ext cx="8330400" cy="576832"/>
-          </a:xfrm>
-        </p:spPr>
+            <p:ph type="sldNum" sz="quarter" idx="11"/>
+          </p:nvPr>
+        </p:nvSpPr>
+        <p:spPr/>
         <p:txBody>
           <a:bodyPr/>
           <a:lstStyle/>
           <a:p>
-            <a:r>
-              <a:rPr lang="en-GB" dirty="0"/>
-              <a:t>Full screen image with title</a:t>
-            </a:r>
-          </a:p>
-        </p:txBody>
-      </p:sp>
-      <p:sp>
-        <p:nvSpPr>
-          <p:cNvPr id="8" name="Tijdelijke aanduiding voor dianummer 7"/>
-          <p:cNvSpPr>
-            <a:spLocks noGrp="1"/>
-          </p:cNvSpPr>
-          <p:nvPr>
-            <p:ph type="sldNum" sz="quarter" idx="17"/>
-          </p:nvPr>
-        </p:nvSpPr>
-        <p:spPr/>
-        <p:txBody>
-          <a:bodyPr/>
-          <a:lstStyle/>
-          <a:p>
             <a:pPr algn="r"/>
             <a:fld id="{F25965E0-7062-474C-8671-DB3A3CE669B0}" type="slidenum">
-              <a:rPr lang="en-GB" smtClean="0"/>
+              <a:rPr lang="en-GB" noProof="0" smtClean="0"/>
               <a:pPr algn="r"/>
               <a:t>10</a:t>
             </a:fld>
-            <a:endParaRPr lang="en-GB" dirty="0"/>
-          </a:p>
-        </p:txBody>
-      </p:sp>
+            <a:endParaRPr lang="en-GB" noProof="0" dirty="0"/>
+          </a:p>
+        </p:txBody>
+      </p:sp>
+      <p:pic>
+        <p:nvPicPr>
+          <p:cNvPr id="10" name="Picture 9">
+            <a:extLst>
+              <a:ext uri="{FF2B5EF4-FFF2-40B4-BE49-F238E27FC236}">
+                <a16:creationId xmlns:a16="http://schemas.microsoft.com/office/drawing/2014/main" id="{6CAA5EE7-5FC7-F4B1-A96D-4C83CF69316E}"/>
+              </a:ext>
+            </a:extLst>
+          </p:cNvPr>
+          <p:cNvPicPr>
+            <a:picLocks noChangeAspect="1"/>
+          </p:cNvPicPr>
+          <p:nvPr/>
+        </p:nvPicPr>
+        <p:blipFill>
+          <a:blip r:embed="rId2"/>
+          <a:stretch>
+            <a:fillRect/>
+          </a:stretch>
+        </p:blipFill>
+        <p:spPr>
+          <a:xfrm>
+            <a:off x="5098273" y="965272"/>
+            <a:ext cx="3599327" cy="3599327"/>
+          </a:xfrm>
+          <a:prstGeom prst="rect">
+            <a:avLst/>
+          </a:prstGeom>
+        </p:spPr>
+      </p:pic>
+      <p:pic>
+        <p:nvPicPr>
+          <p:cNvPr id="12" name="Picture 11">
+            <a:extLst>
+              <a:ext uri="{FF2B5EF4-FFF2-40B4-BE49-F238E27FC236}">
+                <a16:creationId xmlns:a16="http://schemas.microsoft.com/office/drawing/2014/main" id="{AAE490E3-2FC8-C80A-BCB4-0B7C615F2E52}"/>
+              </a:ext>
+            </a:extLst>
+          </p:cNvPr>
+          <p:cNvPicPr>
+            <a:picLocks noChangeAspect="1"/>
+          </p:cNvPicPr>
+          <p:nvPr/>
+        </p:nvPicPr>
+        <p:blipFill>
+          <a:blip r:embed="rId3"/>
+          <a:stretch>
+            <a:fillRect/>
+          </a:stretch>
+        </p:blipFill>
+        <p:spPr>
+          <a:xfrm>
+            <a:off x="627280" y="1079922"/>
+            <a:ext cx="4152900" cy="904875"/>
+          </a:xfrm>
+          <a:prstGeom prst="rect">
+            <a:avLst/>
+          </a:prstGeom>
+        </p:spPr>
+      </p:pic>
+      <p:pic>
+        <p:nvPicPr>
+          <p:cNvPr id="14" name="Picture 13">
+            <a:extLst>
+              <a:ext uri="{FF2B5EF4-FFF2-40B4-BE49-F238E27FC236}">
+                <a16:creationId xmlns:a16="http://schemas.microsoft.com/office/drawing/2014/main" id="{497C73DB-03F1-9665-9AC6-6CB73C130694}"/>
+              </a:ext>
+            </a:extLst>
+          </p:cNvPr>
+          <p:cNvPicPr>
+            <a:picLocks noChangeAspect="1"/>
+          </p:cNvPicPr>
+          <p:nvPr/>
+        </p:nvPicPr>
+        <p:blipFill>
+          <a:blip r:embed="rId4"/>
+          <a:stretch>
+            <a:fillRect/>
+          </a:stretch>
+        </p:blipFill>
+        <p:spPr>
+          <a:xfrm>
+            <a:off x="336767" y="2702701"/>
+            <a:ext cx="4733925" cy="514350"/>
+          </a:xfrm>
+          <a:prstGeom prst="rect">
+            <a:avLst/>
+          </a:prstGeom>
+        </p:spPr>
+      </p:pic>
     </p:spTree>
     <p:extLst>
       <p:ext uri="{BB962C8B-B14F-4D97-AF65-F5344CB8AC3E}">
-        <p14:creationId xmlns:p14="http://schemas.microsoft.com/office/powerpoint/2010/main" val="3765826031"/>
+        <p14:creationId xmlns:p14="http://schemas.microsoft.com/office/powerpoint/2010/main" val="2804350028"/>
       </p:ext>
     </p:extLst>
   </p:cSld>
@@ -8177,6 +8842,1360 @@
       </p:grpSpPr>
       <p:sp>
         <p:nvSpPr>
+          <p:cNvPr id="2" name="Text Placeholder 1">
+            <a:extLst>
+              <a:ext uri="{FF2B5EF4-FFF2-40B4-BE49-F238E27FC236}">
+                <a16:creationId xmlns:a16="http://schemas.microsoft.com/office/drawing/2014/main" id="{A67D0562-40B3-E9AC-B7F1-28B2712627FB}"/>
+              </a:ext>
+            </a:extLst>
+          </p:cNvPr>
+          <p:cNvSpPr>
+            <a:spLocks noGrp="1"/>
+          </p:cNvSpPr>
+          <p:nvPr>
+            <p:ph type="body" sz="quarter" idx="10"/>
+          </p:nvPr>
+        </p:nvSpPr>
+        <p:spPr/>
+        <p:txBody>
+          <a:bodyPr numCol="2"/>
+          <a:lstStyle/>
+          <a:p>
+            <a:r>
+              <a:rPr lang="en-GB" dirty="0"/>
+              <a:t>Day 15: Temperature is not significant (F value=0.860)</a:t>
+            </a:r>
+          </a:p>
+          <a:p>
+            <a:endParaRPr lang="en-GB" dirty="0"/>
+          </a:p>
+          <a:p>
+            <a:endParaRPr lang="en-GB" dirty="0"/>
+          </a:p>
+          <a:p>
+            <a:endParaRPr lang="en-GB" dirty="0"/>
+          </a:p>
+          <a:p>
+            <a:endParaRPr lang="en-GB" dirty="0"/>
+          </a:p>
+          <a:p>
+            <a:endParaRPr lang="en-GB" dirty="0"/>
+          </a:p>
+          <a:p>
+            <a:r>
+              <a:rPr lang="en-GB" dirty="0"/>
+              <a:t>Day 18: Temperature is significant (F value=0.029)</a:t>
+            </a:r>
+          </a:p>
+          <a:p>
+            <a:endParaRPr lang="en-GB" dirty="0"/>
+          </a:p>
+          <a:p>
+            <a:endParaRPr lang="en-GB" dirty="0"/>
+          </a:p>
+        </p:txBody>
+      </p:sp>
+      <p:sp>
+        <p:nvSpPr>
+          <p:cNvPr id="3" name="Title 2">
+            <a:extLst>
+              <a:ext uri="{FF2B5EF4-FFF2-40B4-BE49-F238E27FC236}">
+                <a16:creationId xmlns:a16="http://schemas.microsoft.com/office/drawing/2014/main" id="{A681B626-5D1C-5BD0-FA07-9033B01D3122}"/>
+              </a:ext>
+            </a:extLst>
+          </p:cNvPr>
+          <p:cNvSpPr>
+            <a:spLocks noGrp="1"/>
+          </p:cNvSpPr>
+          <p:nvPr>
+            <p:ph type="title"/>
+          </p:nvPr>
+        </p:nvSpPr>
+        <p:spPr>
+          <a:xfrm>
+            <a:off x="561600" y="169210"/>
+            <a:ext cx="8330400" cy="963348"/>
+          </a:xfrm>
+        </p:spPr>
+        <p:txBody>
+          <a:bodyPr/>
+          <a:lstStyle/>
+          <a:p>
+            <a:pPr algn="ctr"/>
+            <a:r>
+              <a:rPr lang="en-US" sz="1400" b="0" i="0" dirty="0">
+                <a:solidFill>
+                  <a:schemeClr val="tx1"/>
+                </a:solidFill>
+                <a:effectLst/>
+                <a:latin typeface="+mj-lt"/>
+              </a:rPr>
+              <a:t>When does the influence of temperature become significant?</a:t>
+            </a:r>
+            <a:br>
+              <a:rPr lang="en-US" sz="1400" b="0" i="0" dirty="0">
+                <a:solidFill>
+                  <a:schemeClr val="tx1"/>
+                </a:solidFill>
+                <a:effectLst/>
+                <a:latin typeface="+mj-lt"/>
+              </a:rPr>
+            </a:br>
+            <a:r>
+              <a:rPr lang="en-US" sz="1400" b="0" i="0" dirty="0">
+                <a:solidFill>
+                  <a:schemeClr val="tx1"/>
+                </a:solidFill>
+                <a:effectLst/>
+                <a:latin typeface="+mj-lt"/>
+              </a:rPr>
+              <a:t> </a:t>
+            </a:r>
+            <a:r>
+              <a:rPr lang="en-US" sz="1400" b="0" i="0" dirty="0">
+                <a:solidFill>
+                  <a:srgbClr val="C00000"/>
+                </a:solidFill>
+                <a:effectLst/>
+                <a:latin typeface="+mj-lt"/>
+              </a:rPr>
+              <a:t>Study the effect of temperature on each day (starting on day 15)</a:t>
+            </a:r>
+            <a:endParaRPr lang="en-GB" sz="1400" dirty="0">
+              <a:solidFill>
+                <a:srgbClr val="C00000"/>
+              </a:solidFill>
+              <a:latin typeface="+mj-lt"/>
+            </a:endParaRPr>
+          </a:p>
+        </p:txBody>
+      </p:sp>
+      <p:sp>
+        <p:nvSpPr>
+          <p:cNvPr id="4" name="Slide Number Placeholder 3">
+            <a:extLst>
+              <a:ext uri="{FF2B5EF4-FFF2-40B4-BE49-F238E27FC236}">
+                <a16:creationId xmlns:a16="http://schemas.microsoft.com/office/drawing/2014/main" id="{8600F044-86F0-6AD6-791D-7F13F118D526}"/>
+              </a:ext>
+            </a:extLst>
+          </p:cNvPr>
+          <p:cNvSpPr>
+            <a:spLocks noGrp="1"/>
+          </p:cNvSpPr>
+          <p:nvPr>
+            <p:ph type="sldNum" sz="quarter" idx="11"/>
+          </p:nvPr>
+        </p:nvSpPr>
+        <p:spPr/>
+        <p:txBody>
+          <a:bodyPr/>
+          <a:lstStyle/>
+          <a:p>
+            <a:pPr algn="r"/>
+            <a:fld id="{F25965E0-7062-474C-8671-DB3A3CE669B0}" type="slidenum">
+              <a:rPr lang="en-GB" noProof="0" smtClean="0"/>
+              <a:pPr algn="r"/>
+              <a:t>11</a:t>
+            </a:fld>
+            <a:endParaRPr lang="en-GB" noProof="0" dirty="0"/>
+          </a:p>
+        </p:txBody>
+      </p:sp>
+      <p:pic>
+        <p:nvPicPr>
+          <p:cNvPr id="6" name="Picture 5">
+            <a:extLst>
+              <a:ext uri="{FF2B5EF4-FFF2-40B4-BE49-F238E27FC236}">
+                <a16:creationId xmlns:a16="http://schemas.microsoft.com/office/drawing/2014/main" id="{238A7B77-D83F-3C5E-9BEC-E24558A93BB4}"/>
+              </a:ext>
+            </a:extLst>
+          </p:cNvPr>
+          <p:cNvPicPr>
+            <a:picLocks noChangeAspect="1"/>
+          </p:cNvPicPr>
+          <p:nvPr/>
+        </p:nvPicPr>
+        <p:blipFill>
+          <a:blip r:embed="rId2"/>
+          <a:stretch>
+            <a:fillRect/>
+          </a:stretch>
+        </p:blipFill>
+        <p:spPr>
+          <a:xfrm>
+            <a:off x="725450" y="2136317"/>
+            <a:ext cx="3769100" cy="1181100"/>
+          </a:xfrm>
+          <a:prstGeom prst="rect">
+            <a:avLst/>
+          </a:prstGeom>
+        </p:spPr>
+      </p:pic>
+      <p:pic>
+        <p:nvPicPr>
+          <p:cNvPr id="9" name="Picture 8">
+            <a:extLst>
+              <a:ext uri="{FF2B5EF4-FFF2-40B4-BE49-F238E27FC236}">
+                <a16:creationId xmlns:a16="http://schemas.microsoft.com/office/drawing/2014/main" id="{C789B1D3-841A-1A79-DADF-D5A52A297A01}"/>
+              </a:ext>
+            </a:extLst>
+          </p:cNvPr>
+          <p:cNvPicPr>
+            <a:picLocks noChangeAspect="1"/>
+          </p:cNvPicPr>
+          <p:nvPr/>
+        </p:nvPicPr>
+        <p:blipFill>
+          <a:blip r:embed="rId3"/>
+          <a:stretch>
+            <a:fillRect/>
+          </a:stretch>
+        </p:blipFill>
+        <p:spPr>
+          <a:xfrm>
+            <a:off x="4726800" y="2097438"/>
+            <a:ext cx="4388400" cy="1181100"/>
+          </a:xfrm>
+          <a:prstGeom prst="rect">
+            <a:avLst/>
+          </a:prstGeom>
+        </p:spPr>
+      </p:pic>
+      <p:sp>
+        <p:nvSpPr>
+          <p:cNvPr id="13" name="TextBox 12">
+            <a:extLst>
+              <a:ext uri="{FF2B5EF4-FFF2-40B4-BE49-F238E27FC236}">
+                <a16:creationId xmlns:a16="http://schemas.microsoft.com/office/drawing/2014/main" id="{B932CC2E-B032-EA2A-94DC-3482BDDECEFD}"/>
+              </a:ext>
+            </a:extLst>
+          </p:cNvPr>
+          <p:cNvSpPr txBox="1"/>
+          <p:nvPr/>
+        </p:nvSpPr>
+        <p:spPr>
+          <a:xfrm>
+            <a:off x="453600" y="3724575"/>
+            <a:ext cx="7661650" cy="523220"/>
+          </a:xfrm>
+          <a:prstGeom prst="rect">
+            <a:avLst/>
+          </a:prstGeom>
+          <a:noFill/>
+        </p:spPr>
+        <p:txBody>
+          <a:bodyPr wrap="square">
+            <a:spAutoFit/>
+          </a:bodyPr>
+          <a:lstStyle/>
+          <a:p>
+            <a:r>
+              <a:rPr lang="en-US" sz="1400" dirty="0"/>
+              <a:t>The influence of temperature on different days was studied using those 4 masses, and no conclusive conclusions were reached.</a:t>
+            </a:r>
+            <a:endParaRPr lang="en-GB" sz="1400" dirty="0"/>
+          </a:p>
+        </p:txBody>
+      </p:sp>
+      <p:sp>
+        <p:nvSpPr>
+          <p:cNvPr id="14" name="Arrow: Right 13">
+            <a:extLst>
+              <a:ext uri="{FF2B5EF4-FFF2-40B4-BE49-F238E27FC236}">
+                <a16:creationId xmlns:a16="http://schemas.microsoft.com/office/drawing/2014/main" id="{9A94EF54-5711-725D-419B-747AE947FEBA}"/>
+              </a:ext>
+            </a:extLst>
+          </p:cNvPr>
+          <p:cNvSpPr/>
+          <p:nvPr/>
+        </p:nvSpPr>
+        <p:spPr>
+          <a:xfrm>
+            <a:off x="2768323" y="4001303"/>
+            <a:ext cx="1022350" cy="313850"/>
+          </a:xfrm>
+          <a:prstGeom prst="rightArrow">
+            <a:avLst/>
+          </a:prstGeom>
+          <a:solidFill>
+            <a:schemeClr val="accent3"/>
+          </a:solidFill>
+          <a:ln>
+            <a:noFill/>
+          </a:ln>
+        </p:spPr>
+        <p:style>
+          <a:lnRef idx="2">
+            <a:schemeClr val="accent1">
+              <a:shade val="50000"/>
+            </a:schemeClr>
+          </a:lnRef>
+          <a:fillRef idx="1">
+            <a:schemeClr val="accent1"/>
+          </a:fillRef>
+          <a:effectRef idx="0">
+            <a:schemeClr val="accent1"/>
+          </a:effectRef>
+          <a:fontRef idx="minor">
+            <a:schemeClr val="lt1"/>
+          </a:fontRef>
+        </p:style>
+        <p:txBody>
+          <a:bodyPr rot="0" spcFirstLastPara="0" vertOverflow="overflow" horzOverflow="overflow" vert="horz" wrap="square" lIns="91440" tIns="45720" rIns="91440" bIns="72000" numCol="1" spcCol="0" rtlCol="0" fromWordArt="0" anchor="ctr" anchorCtr="0" forceAA="0" compatLnSpc="1">
+            <a:prstTxWarp prst="textNoShape">
+              <a:avLst/>
+            </a:prstTxWarp>
+            <a:spAutoFit/>
+          </a:bodyPr>
+          <a:lstStyle/>
+          <a:p>
+            <a:pPr algn="ctr"/>
+            <a:endParaRPr lang="en-GB" sz="1400" dirty="0">
+              <a:solidFill>
+                <a:schemeClr val="tx1"/>
+              </a:solidFill>
+            </a:endParaRPr>
+          </a:p>
+        </p:txBody>
+      </p:sp>
+      <p:sp>
+        <p:nvSpPr>
+          <p:cNvPr id="15" name="TextBox 14">
+            <a:extLst>
+              <a:ext uri="{FF2B5EF4-FFF2-40B4-BE49-F238E27FC236}">
+                <a16:creationId xmlns:a16="http://schemas.microsoft.com/office/drawing/2014/main" id="{ABACFDED-F30D-F651-7F59-7E3BCE541059}"/>
+              </a:ext>
+            </a:extLst>
+          </p:cNvPr>
+          <p:cNvSpPr txBox="1"/>
+          <p:nvPr/>
+        </p:nvSpPr>
+        <p:spPr>
+          <a:xfrm>
+            <a:off x="4062243" y="4025688"/>
+            <a:ext cx="2826415" cy="302712"/>
+          </a:xfrm>
+          <a:prstGeom prst="rect">
+            <a:avLst/>
+          </a:prstGeom>
+        </p:spPr>
+        <p:style>
+          <a:lnRef idx="1">
+            <a:schemeClr val="accent1"/>
+          </a:lnRef>
+          <a:fillRef idx="2">
+            <a:schemeClr val="accent1"/>
+          </a:fillRef>
+          <a:effectRef idx="1">
+            <a:schemeClr val="accent1"/>
+          </a:effectRef>
+          <a:fontRef idx="minor">
+            <a:schemeClr val="dk1"/>
+          </a:fontRef>
+        </p:style>
+        <p:txBody>
+          <a:bodyPr wrap="none" rtlCol="0">
+            <a:spAutoFit/>
+          </a:bodyPr>
+          <a:lstStyle/>
+          <a:p>
+            <a:pPr>
+              <a:lnSpc>
+                <a:spcPts val="1800"/>
+              </a:lnSpc>
+            </a:pPr>
+            <a:r>
+              <a:rPr lang="en-GB" sz="1400" dirty="0">
+                <a:latin typeface="Verdana" pitchFamily="34" charset="0"/>
+              </a:rPr>
+              <a:t>Other masses studied as well</a:t>
+            </a:r>
+          </a:p>
+        </p:txBody>
+      </p:sp>
+    </p:spTree>
+    <p:extLst>
+      <p:ext uri="{BB962C8B-B14F-4D97-AF65-F5344CB8AC3E}">
+        <p14:creationId xmlns:p14="http://schemas.microsoft.com/office/powerpoint/2010/main" val="3057929992"/>
+      </p:ext>
+    </p:extLst>
+  </p:cSld>
+  <p:clrMapOvr>
+    <a:masterClrMapping/>
+  </p:clrMapOvr>
+</p:sld>
+</file>
+
+<file path=ppt/slides/slide12.xml><?xml version="1.0" encoding="utf-8"?>
+<p:sld xmlns:a="http://schemas.openxmlformats.org/drawingml/2006/main" xmlns:r="http://schemas.openxmlformats.org/officeDocument/2006/relationships" xmlns:p="http://schemas.openxmlformats.org/presentationml/2006/main">
+  <p:cSld>
+    <p:spTree>
+      <p:nvGrpSpPr>
+        <p:cNvPr id="1" name=""/>
+        <p:cNvGrpSpPr/>
+        <p:nvPr/>
+      </p:nvGrpSpPr>
+      <p:grpSpPr>
+        <a:xfrm>
+          <a:off x="0" y="0"/>
+          <a:ext cx="0" cy="0"/>
+          <a:chOff x="0" y="0"/>
+          <a:chExt cx="0" cy="0"/>
+        </a:xfrm>
+      </p:grpSpPr>
+      <p:sp>
+        <p:nvSpPr>
+          <p:cNvPr id="3" name="Title 2">
+            <a:extLst>
+              <a:ext uri="{FF2B5EF4-FFF2-40B4-BE49-F238E27FC236}">
+                <a16:creationId xmlns:a16="http://schemas.microsoft.com/office/drawing/2014/main" id="{81AE38EE-51B2-C3E1-10C5-A03F86E20203}"/>
+              </a:ext>
+            </a:extLst>
+          </p:cNvPr>
+          <p:cNvSpPr>
+            <a:spLocks noGrp="1"/>
+          </p:cNvSpPr>
+          <p:nvPr>
+            <p:ph type="title"/>
+          </p:nvPr>
+        </p:nvSpPr>
+        <p:spPr/>
+        <p:txBody>
+          <a:bodyPr/>
+          <a:lstStyle/>
+          <a:p>
+            <a:r>
+              <a:rPr lang="en-GB" dirty="0"/>
+              <a:t>No linear model</a:t>
+            </a:r>
+          </a:p>
+        </p:txBody>
+      </p:sp>
+      <p:sp>
+        <p:nvSpPr>
+          <p:cNvPr id="4" name="Slide Number Placeholder 3">
+            <a:extLst>
+              <a:ext uri="{FF2B5EF4-FFF2-40B4-BE49-F238E27FC236}">
+                <a16:creationId xmlns:a16="http://schemas.microsoft.com/office/drawing/2014/main" id="{798D19F0-0CE3-9922-D4CD-4C8420F51CB1}"/>
+              </a:ext>
+            </a:extLst>
+          </p:cNvPr>
+          <p:cNvSpPr>
+            <a:spLocks noGrp="1"/>
+          </p:cNvSpPr>
+          <p:nvPr>
+            <p:ph type="sldNum" sz="quarter" idx="11"/>
+          </p:nvPr>
+        </p:nvSpPr>
+        <p:spPr/>
+        <p:txBody>
+          <a:bodyPr/>
+          <a:lstStyle/>
+          <a:p>
+            <a:pPr algn="r"/>
+            <a:fld id="{F25965E0-7062-474C-8671-DB3A3CE669B0}" type="slidenum">
+              <a:rPr lang="en-GB" noProof="0" smtClean="0"/>
+              <a:pPr algn="r"/>
+              <a:t>12</a:t>
+            </a:fld>
+            <a:endParaRPr lang="en-GB" noProof="0" dirty="0"/>
+          </a:p>
+        </p:txBody>
+      </p:sp>
+      <p:pic>
+        <p:nvPicPr>
+          <p:cNvPr id="6" name="Picture 5">
+            <a:extLst>
+              <a:ext uri="{FF2B5EF4-FFF2-40B4-BE49-F238E27FC236}">
+                <a16:creationId xmlns:a16="http://schemas.microsoft.com/office/drawing/2014/main" id="{7F7B24B2-D921-86A1-5285-01CA5E4F60C7}"/>
+              </a:ext>
+            </a:extLst>
+          </p:cNvPr>
+          <p:cNvPicPr>
+            <a:picLocks noChangeAspect="1"/>
+          </p:cNvPicPr>
+          <p:nvPr/>
+        </p:nvPicPr>
+        <p:blipFill>
+          <a:blip r:embed="rId3"/>
+          <a:stretch>
+            <a:fillRect/>
+          </a:stretch>
+        </p:blipFill>
+        <p:spPr>
+          <a:xfrm>
+            <a:off x="737367" y="1485900"/>
+            <a:ext cx="5619750" cy="2171700"/>
+          </a:xfrm>
+          <a:prstGeom prst="rect">
+            <a:avLst/>
+          </a:prstGeom>
+        </p:spPr>
+      </p:pic>
+      <p:sp>
+        <p:nvSpPr>
+          <p:cNvPr id="8" name="TextBox 7">
+            <a:extLst>
+              <a:ext uri="{FF2B5EF4-FFF2-40B4-BE49-F238E27FC236}">
+                <a16:creationId xmlns:a16="http://schemas.microsoft.com/office/drawing/2014/main" id="{9A58B64F-971B-9AA9-9EAE-0DC290341C64}"/>
+              </a:ext>
+            </a:extLst>
+          </p:cNvPr>
+          <p:cNvSpPr txBox="1"/>
+          <p:nvPr/>
+        </p:nvSpPr>
+        <p:spPr>
+          <a:xfrm>
+            <a:off x="3891600" y="246712"/>
+            <a:ext cx="4572000" cy="369332"/>
+          </a:xfrm>
+          <a:prstGeom prst="rect">
+            <a:avLst/>
+          </a:prstGeom>
+          <a:noFill/>
+        </p:spPr>
+        <p:txBody>
+          <a:bodyPr wrap="square">
+            <a:spAutoFit/>
+          </a:bodyPr>
+          <a:lstStyle/>
+          <a:p>
+            <a:r>
+              <a:rPr lang="en-US" b="0" i="0" dirty="0">
+                <a:solidFill>
+                  <a:srgbClr val="374151"/>
+                </a:solidFill>
+                <a:effectLst/>
+                <a:latin typeface="+mn-lt"/>
+              </a:rPr>
+              <a:t>Intensity=</a:t>
+            </a:r>
+            <a:r>
+              <a:rPr lang="en-US" b="0" i="1" dirty="0">
+                <a:solidFill>
+                  <a:srgbClr val="374151"/>
+                </a:solidFill>
+                <a:effectLst/>
+                <a:latin typeface="+mn-lt"/>
+              </a:rPr>
+              <a:t>b</a:t>
+            </a:r>
+            <a:r>
+              <a:rPr lang="en-US" b="0" i="0" dirty="0">
+                <a:solidFill>
+                  <a:srgbClr val="374151"/>
+                </a:solidFill>
+                <a:effectLst/>
+                <a:latin typeface="+mn-lt"/>
+              </a:rPr>
+              <a:t>0​+</a:t>
+            </a:r>
+            <a:r>
+              <a:rPr lang="en-US" b="0" i="1" dirty="0">
+                <a:solidFill>
+                  <a:srgbClr val="374151"/>
+                </a:solidFill>
+                <a:effectLst/>
+                <a:latin typeface="+mn-lt"/>
+              </a:rPr>
+              <a:t>b</a:t>
+            </a:r>
+            <a:r>
+              <a:rPr lang="en-US" b="0" i="0" dirty="0">
+                <a:solidFill>
+                  <a:srgbClr val="374151"/>
+                </a:solidFill>
+                <a:effectLst/>
+                <a:latin typeface="+mn-lt"/>
+              </a:rPr>
+              <a:t>1​⋅Day+</a:t>
+            </a:r>
+            <a:r>
+              <a:rPr lang="en-US" b="0" i="1" dirty="0">
+                <a:solidFill>
+                  <a:srgbClr val="374151"/>
+                </a:solidFill>
+                <a:effectLst/>
+                <a:latin typeface="+mn-lt"/>
+              </a:rPr>
+              <a:t>b</a:t>
+            </a:r>
+            <a:r>
+              <a:rPr lang="en-US" b="0" i="0" dirty="0">
+                <a:solidFill>
+                  <a:srgbClr val="374151"/>
+                </a:solidFill>
+                <a:effectLst/>
+                <a:latin typeface="+mn-lt"/>
+              </a:rPr>
+              <a:t>2​⋅Day</a:t>
+            </a:r>
+            <a:r>
+              <a:rPr lang="en-US" b="0" i="0" baseline="30000" dirty="0">
+                <a:solidFill>
+                  <a:srgbClr val="374151"/>
+                </a:solidFill>
+                <a:effectLst/>
+                <a:latin typeface="+mn-lt"/>
+              </a:rPr>
+              <a:t>2</a:t>
+            </a:r>
+            <a:endParaRPr lang="nl-NL" baseline="30000" dirty="0">
+              <a:latin typeface="+mn-lt"/>
+            </a:endParaRPr>
+          </a:p>
+        </p:txBody>
+      </p:sp>
+      <p:sp>
+        <p:nvSpPr>
+          <p:cNvPr id="9" name="TextBox 8">
+            <a:extLst>
+              <a:ext uri="{FF2B5EF4-FFF2-40B4-BE49-F238E27FC236}">
+                <a16:creationId xmlns:a16="http://schemas.microsoft.com/office/drawing/2014/main" id="{45C40387-3355-9CD6-021F-62A3D3CB7AC7}"/>
+              </a:ext>
+            </a:extLst>
+          </p:cNvPr>
+          <p:cNvSpPr txBox="1"/>
+          <p:nvPr/>
+        </p:nvSpPr>
+        <p:spPr>
+          <a:xfrm>
+            <a:off x="1063515" y="4074293"/>
+            <a:ext cx="6537752" cy="323165"/>
+          </a:xfrm>
+          <a:prstGeom prst="rect">
+            <a:avLst/>
+          </a:prstGeom>
+          <a:noFill/>
+        </p:spPr>
+        <p:txBody>
+          <a:bodyPr wrap="none" rtlCol="0">
+            <a:spAutoFit/>
+          </a:bodyPr>
+          <a:lstStyle/>
+          <a:p>
+            <a:pPr>
+              <a:lnSpc>
+                <a:spcPts val="1800"/>
+              </a:lnSpc>
+            </a:pPr>
+            <a:r>
+              <a:rPr lang="nl-NL" dirty="0" err="1">
+                <a:latin typeface="+mn-lt"/>
+              </a:rPr>
+              <a:t>Intensity</a:t>
+            </a:r>
+            <a:r>
+              <a:rPr lang="nl-NL" dirty="0">
+                <a:latin typeface="+mn-lt"/>
+              </a:rPr>
+              <a:t>=</a:t>
+            </a:r>
+            <a:r>
+              <a:rPr lang="es-ES" dirty="0">
+                <a:latin typeface="+mn-lt"/>
+              </a:rPr>
+              <a:t> 0.0006098+8.894e-06Day-2.776e-07 Day</a:t>
+            </a:r>
+            <a:r>
+              <a:rPr lang="es-ES" baseline="30000" dirty="0">
+                <a:latin typeface="+mn-lt"/>
+              </a:rPr>
+              <a:t>2</a:t>
+            </a:r>
+            <a:endParaRPr lang="nl-NL" baseline="30000" dirty="0" err="1">
+              <a:latin typeface="+mn-lt"/>
+            </a:endParaRPr>
+          </a:p>
+        </p:txBody>
+      </p:sp>
+    </p:spTree>
+    <p:extLst>
+      <p:ext uri="{BB962C8B-B14F-4D97-AF65-F5344CB8AC3E}">
+        <p14:creationId xmlns:p14="http://schemas.microsoft.com/office/powerpoint/2010/main" val="1144826759"/>
+      </p:ext>
+    </p:extLst>
+  </p:cSld>
+  <p:clrMapOvr>
+    <a:masterClrMapping/>
+  </p:clrMapOvr>
+</p:sld>
+</file>
+
+<file path=ppt/slides/slide13.xml><?xml version="1.0" encoding="utf-8"?>
+<p:sld xmlns:a="http://schemas.openxmlformats.org/drawingml/2006/main" xmlns:r="http://schemas.openxmlformats.org/officeDocument/2006/relationships" xmlns:p="http://schemas.openxmlformats.org/presentationml/2006/main">
+  <p:cSld>
+    <p:spTree>
+      <p:nvGrpSpPr>
+        <p:cNvPr id="1" name=""/>
+        <p:cNvGrpSpPr/>
+        <p:nvPr/>
+      </p:nvGrpSpPr>
+      <p:grpSpPr>
+        <a:xfrm>
+          <a:off x="0" y="0"/>
+          <a:ext cx="0" cy="0"/>
+          <a:chOff x="0" y="0"/>
+          <a:chExt cx="0" cy="0"/>
+        </a:xfrm>
+      </p:grpSpPr>
+      <p:sp>
+        <p:nvSpPr>
+          <p:cNvPr id="2" name="Text Placeholder 1">
+            <a:extLst>
+              <a:ext uri="{FF2B5EF4-FFF2-40B4-BE49-F238E27FC236}">
+                <a16:creationId xmlns:a16="http://schemas.microsoft.com/office/drawing/2014/main" id="{BB1709F7-0CDE-D45F-557B-7822FC24EAAF}"/>
+              </a:ext>
+            </a:extLst>
+          </p:cNvPr>
+          <p:cNvSpPr>
+            <a:spLocks noGrp="1"/>
+          </p:cNvSpPr>
+          <p:nvPr>
+            <p:ph type="body" sz="quarter" idx="10"/>
+          </p:nvPr>
+        </p:nvSpPr>
+        <p:spPr/>
+        <p:txBody>
+          <a:bodyPr/>
+          <a:lstStyle/>
+          <a:p>
+            <a:pPr algn="just"/>
+            <a:r>
+              <a:rPr lang="en-US" sz="1400" dirty="0">
+                <a:solidFill>
+                  <a:srgbClr val="374151"/>
+                </a:solidFill>
+                <a:latin typeface="+mn-lt"/>
+              </a:rPr>
+              <a:t>U</a:t>
+            </a:r>
+            <a:r>
+              <a:rPr lang="en-US" sz="1400" b="0" i="0" dirty="0">
+                <a:solidFill>
+                  <a:srgbClr val="374151"/>
+                </a:solidFill>
+                <a:effectLst/>
+                <a:latin typeface="+mn-lt"/>
+              </a:rPr>
+              <a:t>se the vertex of the parabola corresponding to the quadratic function. </a:t>
+            </a:r>
+          </a:p>
+          <a:p>
+            <a:pPr algn="just"/>
+            <a:r>
+              <a:rPr lang="en-US" sz="1400" b="0" i="0" dirty="0">
+                <a:solidFill>
+                  <a:srgbClr val="374151"/>
+                </a:solidFill>
+                <a:effectLst/>
+                <a:latin typeface="+mn-lt"/>
+              </a:rPr>
+              <a:t>The vertex of a quadratic parabola of the form </a:t>
+            </a:r>
+            <a:r>
+              <a:rPr lang="en-US" sz="1400" b="0" i="1" dirty="0">
+                <a:solidFill>
+                  <a:srgbClr val="374151"/>
+                </a:solidFill>
+                <a:effectLst/>
+                <a:latin typeface="+mn-lt"/>
+              </a:rPr>
+              <a:t>ax</a:t>
+            </a:r>
+            <a:r>
+              <a:rPr lang="en-US" sz="1400" b="0" i="0" baseline="30000" dirty="0">
+                <a:solidFill>
+                  <a:srgbClr val="374151"/>
+                </a:solidFill>
+                <a:effectLst/>
+                <a:latin typeface="+mn-lt"/>
+              </a:rPr>
+              <a:t>2</a:t>
+            </a:r>
+            <a:r>
+              <a:rPr lang="en-US" sz="1400" b="0" i="0" dirty="0">
+                <a:solidFill>
+                  <a:srgbClr val="374151"/>
+                </a:solidFill>
+                <a:effectLst/>
+                <a:latin typeface="+mn-lt"/>
+              </a:rPr>
+              <a:t>+</a:t>
+            </a:r>
+            <a:r>
+              <a:rPr lang="en-US" sz="1400" b="0" i="1" dirty="0">
+                <a:solidFill>
+                  <a:srgbClr val="374151"/>
+                </a:solidFill>
+                <a:effectLst/>
+                <a:latin typeface="+mn-lt"/>
+              </a:rPr>
+              <a:t>bx</a:t>
+            </a:r>
+            <a:r>
+              <a:rPr lang="en-US" sz="1400" b="0" i="0" dirty="0">
+                <a:solidFill>
+                  <a:srgbClr val="374151"/>
+                </a:solidFill>
+                <a:effectLst/>
+                <a:latin typeface="+mn-lt"/>
+              </a:rPr>
+              <a:t>+</a:t>
+            </a:r>
+            <a:r>
+              <a:rPr lang="en-US" sz="1400" b="0" i="1" dirty="0">
+                <a:solidFill>
+                  <a:srgbClr val="374151"/>
+                </a:solidFill>
+                <a:effectLst/>
+                <a:latin typeface="+mn-lt"/>
+              </a:rPr>
+              <a:t>c</a:t>
+            </a:r>
+            <a:r>
+              <a:rPr lang="en-US" sz="1400" b="0" i="0" dirty="0">
+                <a:solidFill>
+                  <a:srgbClr val="374151"/>
+                </a:solidFill>
+                <a:effectLst/>
+                <a:latin typeface="+mn-lt"/>
+              </a:rPr>
+              <a:t> would be, in this case, (−</a:t>
+            </a:r>
+            <a:r>
+              <a:rPr lang="en-US" sz="1400" b="0" i="1" dirty="0">
+                <a:solidFill>
+                  <a:srgbClr val="374151"/>
+                </a:solidFill>
+                <a:effectLst/>
+                <a:latin typeface="+mn-lt"/>
+              </a:rPr>
+              <a:t>b</a:t>
+            </a:r>
+            <a:r>
+              <a:rPr lang="en-US" sz="1400" b="0" i="0" dirty="0">
+                <a:solidFill>
+                  <a:srgbClr val="374151"/>
+                </a:solidFill>
+                <a:effectLst/>
+                <a:latin typeface="+mn-lt"/>
+              </a:rPr>
+              <a:t>1​/(2</a:t>
+            </a:r>
+            <a:r>
+              <a:rPr lang="en-US" sz="1400" b="0" i="1" dirty="0">
+                <a:solidFill>
+                  <a:srgbClr val="374151"/>
+                </a:solidFill>
+                <a:effectLst/>
+                <a:latin typeface="+mn-lt"/>
+              </a:rPr>
+              <a:t>b</a:t>
+            </a:r>
+            <a:r>
+              <a:rPr lang="en-US" sz="1400" b="0" i="0" dirty="0">
+                <a:solidFill>
+                  <a:srgbClr val="374151"/>
+                </a:solidFill>
+                <a:effectLst/>
+                <a:latin typeface="+mn-lt"/>
+              </a:rPr>
+              <a:t>2​), </a:t>
+            </a:r>
+            <a:r>
+              <a:rPr lang="en-US" sz="1400" b="0" i="1" dirty="0">
+                <a:solidFill>
+                  <a:srgbClr val="374151"/>
+                </a:solidFill>
+                <a:effectLst/>
+                <a:latin typeface="+mn-lt"/>
+              </a:rPr>
+              <a:t>f</a:t>
+            </a:r>
+            <a:r>
+              <a:rPr lang="en-US" sz="1400" b="0" i="0" dirty="0">
+                <a:solidFill>
+                  <a:srgbClr val="374151"/>
+                </a:solidFill>
+                <a:effectLst/>
+                <a:latin typeface="+mn-lt"/>
+              </a:rPr>
+              <a:t>(−</a:t>
+            </a:r>
+            <a:r>
+              <a:rPr lang="en-US" sz="1400" b="0" i="1" dirty="0">
+                <a:solidFill>
+                  <a:srgbClr val="374151"/>
+                </a:solidFill>
+                <a:effectLst/>
+                <a:latin typeface="+mn-lt"/>
+              </a:rPr>
+              <a:t>b</a:t>
+            </a:r>
+            <a:r>
+              <a:rPr lang="en-US" sz="1400" b="0" i="0" dirty="0">
+                <a:solidFill>
+                  <a:srgbClr val="374151"/>
+                </a:solidFill>
+                <a:effectLst/>
+                <a:latin typeface="+mn-lt"/>
+              </a:rPr>
+              <a:t>1​/(2</a:t>
+            </a:r>
+            <a:r>
+              <a:rPr lang="en-US" sz="1400" b="0" i="1" dirty="0">
+                <a:solidFill>
+                  <a:srgbClr val="374151"/>
+                </a:solidFill>
+                <a:effectLst/>
+                <a:latin typeface="+mn-lt"/>
+              </a:rPr>
+              <a:t>b</a:t>
+            </a:r>
+            <a:r>
+              <a:rPr lang="en-US" sz="1400" b="0" i="0" dirty="0">
+                <a:solidFill>
+                  <a:srgbClr val="374151"/>
+                </a:solidFill>
+                <a:effectLst/>
+                <a:latin typeface="+mn-lt"/>
+              </a:rPr>
+              <a:t>2​)). </a:t>
+            </a:r>
+          </a:p>
+          <a:p>
+            <a:pPr algn="just"/>
+            <a:r>
+              <a:rPr lang="en-US" sz="1400" b="0" i="0" dirty="0">
+                <a:solidFill>
+                  <a:srgbClr val="374151"/>
+                </a:solidFill>
+                <a:effectLst/>
+                <a:latin typeface="+mn-lt"/>
+              </a:rPr>
+              <a:t>The value of −</a:t>
+            </a:r>
+            <a:r>
+              <a:rPr lang="en-US" sz="1400" b="0" i="1" dirty="0">
+                <a:solidFill>
+                  <a:srgbClr val="374151"/>
+                </a:solidFill>
+                <a:effectLst/>
+                <a:latin typeface="+mn-lt"/>
+              </a:rPr>
+              <a:t>b</a:t>
+            </a:r>
+            <a:r>
+              <a:rPr lang="en-US" sz="1400" b="0" i="0" dirty="0">
+                <a:solidFill>
+                  <a:srgbClr val="374151"/>
+                </a:solidFill>
+                <a:effectLst/>
+                <a:latin typeface="+mn-lt"/>
+              </a:rPr>
+              <a:t>1​/(2</a:t>
+            </a:r>
+            <a:r>
+              <a:rPr lang="en-US" sz="1400" b="0" i="1" dirty="0">
+                <a:solidFill>
+                  <a:srgbClr val="374151"/>
+                </a:solidFill>
+                <a:effectLst/>
+                <a:latin typeface="+mn-lt"/>
+              </a:rPr>
+              <a:t>b</a:t>
+            </a:r>
+            <a:r>
+              <a:rPr lang="en-US" sz="1400" b="0" i="0" dirty="0">
+                <a:solidFill>
+                  <a:srgbClr val="374151"/>
+                </a:solidFill>
+                <a:effectLst/>
+                <a:latin typeface="+mn-lt"/>
+              </a:rPr>
+              <a:t>2​) will give  the day on which the intensity reached its minimum or maximum.</a:t>
+            </a:r>
+          </a:p>
+          <a:p>
+            <a:pPr algn="just"/>
+            <a:r>
+              <a:rPr lang="en-US" sz="1400" dirty="0">
+                <a:latin typeface="+mn-lt"/>
+              </a:rPr>
+              <a:t>Day at which the intensity reached its minimum or maximum: 16.02 </a:t>
+            </a:r>
+          </a:p>
+          <a:p>
+            <a:pPr algn="just"/>
+            <a:r>
+              <a:rPr lang="en-US" sz="1400" dirty="0">
+                <a:latin typeface="+mn-lt"/>
+              </a:rPr>
+              <a:t>Intensity on that day: 0.000681 </a:t>
+            </a:r>
+            <a:endParaRPr lang="nl-NL" sz="1400" dirty="0">
+              <a:latin typeface="+mn-lt"/>
+            </a:endParaRPr>
+          </a:p>
+        </p:txBody>
+      </p:sp>
+      <p:sp>
+        <p:nvSpPr>
+          <p:cNvPr id="3" name="Title 2">
+            <a:extLst>
+              <a:ext uri="{FF2B5EF4-FFF2-40B4-BE49-F238E27FC236}">
+                <a16:creationId xmlns:a16="http://schemas.microsoft.com/office/drawing/2014/main" id="{A31D4737-4826-C1E4-5F21-9981291F1DF7}"/>
+              </a:ext>
+            </a:extLst>
+          </p:cNvPr>
+          <p:cNvSpPr>
+            <a:spLocks noGrp="1"/>
+          </p:cNvSpPr>
+          <p:nvPr>
+            <p:ph type="title"/>
+          </p:nvPr>
+        </p:nvSpPr>
+        <p:spPr/>
+        <p:txBody>
+          <a:bodyPr/>
+          <a:lstStyle/>
+          <a:p>
+            <a:r>
+              <a:rPr lang="nl-NL" dirty="0" err="1"/>
+              <a:t>When</a:t>
+            </a:r>
+            <a:r>
+              <a:rPr lang="nl-NL" dirty="0"/>
+              <a:t> </a:t>
+            </a:r>
+            <a:r>
+              <a:rPr lang="nl-NL" dirty="0" err="1"/>
+              <a:t>did</a:t>
+            </a:r>
+            <a:r>
+              <a:rPr lang="nl-NL" dirty="0"/>
+              <a:t> </a:t>
+            </a:r>
+            <a:r>
+              <a:rPr lang="nl-NL" dirty="0" err="1"/>
+              <a:t>the</a:t>
+            </a:r>
+            <a:r>
+              <a:rPr lang="nl-NL" dirty="0"/>
+              <a:t> </a:t>
+            </a:r>
+            <a:r>
+              <a:rPr lang="nl-NL" dirty="0" err="1"/>
+              <a:t>intensity</a:t>
+            </a:r>
+            <a:r>
+              <a:rPr lang="nl-NL" dirty="0"/>
+              <a:t> </a:t>
+            </a:r>
+            <a:r>
+              <a:rPr lang="nl-NL" dirty="0" err="1"/>
+              <a:t>reach</a:t>
+            </a:r>
+            <a:r>
+              <a:rPr lang="nl-NL" dirty="0"/>
+              <a:t> </a:t>
+            </a:r>
+            <a:r>
+              <a:rPr lang="nl-NL" dirty="0" err="1"/>
+              <a:t>its</a:t>
+            </a:r>
+            <a:r>
+              <a:rPr lang="nl-NL" dirty="0"/>
+              <a:t> maximum?</a:t>
+            </a:r>
+          </a:p>
+        </p:txBody>
+      </p:sp>
+      <p:sp>
+        <p:nvSpPr>
+          <p:cNvPr id="4" name="Slide Number Placeholder 3">
+            <a:extLst>
+              <a:ext uri="{FF2B5EF4-FFF2-40B4-BE49-F238E27FC236}">
+                <a16:creationId xmlns:a16="http://schemas.microsoft.com/office/drawing/2014/main" id="{E6878C19-B317-4FF0-3F99-25147E4D4338}"/>
+              </a:ext>
+            </a:extLst>
+          </p:cNvPr>
+          <p:cNvSpPr>
+            <a:spLocks noGrp="1"/>
+          </p:cNvSpPr>
+          <p:nvPr>
+            <p:ph type="sldNum" sz="quarter" idx="11"/>
+          </p:nvPr>
+        </p:nvSpPr>
+        <p:spPr/>
+        <p:txBody>
+          <a:bodyPr/>
+          <a:lstStyle/>
+          <a:p>
+            <a:pPr algn="r"/>
+            <a:fld id="{F25965E0-7062-474C-8671-DB3A3CE669B0}" type="slidenum">
+              <a:rPr lang="en-GB" noProof="0" smtClean="0"/>
+              <a:pPr algn="r"/>
+              <a:t>13</a:t>
+            </a:fld>
+            <a:endParaRPr lang="en-GB" noProof="0" dirty="0"/>
+          </a:p>
+        </p:txBody>
+      </p:sp>
+    </p:spTree>
+    <p:extLst>
+      <p:ext uri="{BB962C8B-B14F-4D97-AF65-F5344CB8AC3E}">
+        <p14:creationId xmlns:p14="http://schemas.microsoft.com/office/powerpoint/2010/main" val="2116937404"/>
+      </p:ext>
+    </p:extLst>
+  </p:cSld>
+  <p:clrMapOvr>
+    <a:masterClrMapping/>
+  </p:clrMapOvr>
+</p:sld>
+</file>
+
+<file path=ppt/slides/slide14.xml><?xml version="1.0" encoding="utf-8"?>
+<p:sld xmlns:a="http://schemas.openxmlformats.org/drawingml/2006/main" xmlns:r="http://schemas.openxmlformats.org/officeDocument/2006/relationships" xmlns:p="http://schemas.openxmlformats.org/presentationml/2006/main">
+  <p:cSld>
+    <p:spTree>
+      <p:nvGrpSpPr>
+        <p:cNvPr id="1" name=""/>
+        <p:cNvGrpSpPr/>
+        <p:nvPr/>
+      </p:nvGrpSpPr>
+      <p:grpSpPr>
+        <a:xfrm>
+          <a:off x="0" y="0"/>
+          <a:ext cx="0" cy="0"/>
+          <a:chOff x="0" y="0"/>
+          <a:chExt cx="0" cy="0"/>
+        </a:xfrm>
+      </p:grpSpPr>
+      <p:sp>
+        <p:nvSpPr>
+          <p:cNvPr id="2" name="Text Placeholder 1">
+            <a:extLst>
+              <a:ext uri="{FF2B5EF4-FFF2-40B4-BE49-F238E27FC236}">
+                <a16:creationId xmlns:a16="http://schemas.microsoft.com/office/drawing/2014/main" id="{C9E4C348-E7EF-035D-6F2F-BE58FE96FEC4}"/>
+              </a:ext>
+            </a:extLst>
+          </p:cNvPr>
+          <p:cNvSpPr>
+            <a:spLocks noGrp="1"/>
+          </p:cNvSpPr>
+          <p:nvPr>
+            <p:ph type="body" sz="quarter" idx="10"/>
+          </p:nvPr>
+        </p:nvSpPr>
+        <p:spPr/>
+        <p:txBody>
+          <a:bodyPr/>
+          <a:lstStyle/>
+          <a:p>
+            <a:endParaRPr lang="nl-NL"/>
+          </a:p>
+        </p:txBody>
+      </p:sp>
+      <p:sp>
+        <p:nvSpPr>
+          <p:cNvPr id="3" name="Title 2">
+            <a:extLst>
+              <a:ext uri="{FF2B5EF4-FFF2-40B4-BE49-F238E27FC236}">
+                <a16:creationId xmlns:a16="http://schemas.microsoft.com/office/drawing/2014/main" id="{D8A84E37-5C6F-4D57-CCD6-F6D758C761EC}"/>
+              </a:ext>
+            </a:extLst>
+          </p:cNvPr>
+          <p:cNvSpPr>
+            <a:spLocks noGrp="1"/>
+          </p:cNvSpPr>
+          <p:nvPr>
+            <p:ph type="title"/>
+          </p:nvPr>
+        </p:nvSpPr>
+        <p:spPr>
+          <a:xfrm>
+            <a:off x="561600" y="169210"/>
+            <a:ext cx="8330400" cy="960655"/>
+          </a:xfrm>
+        </p:spPr>
+        <p:txBody>
+          <a:bodyPr/>
+          <a:lstStyle/>
+          <a:p>
+            <a:r>
+              <a:rPr lang="en-US" sz="1600" dirty="0"/>
+              <a:t>Can we say that the change on day 16 was significantly different between temperatures of 15 and 30 degrees?</a:t>
+            </a:r>
+            <a:endParaRPr lang="nl-NL" sz="1600" dirty="0"/>
+          </a:p>
+        </p:txBody>
+      </p:sp>
+      <p:sp>
+        <p:nvSpPr>
+          <p:cNvPr id="4" name="Slide Number Placeholder 3">
+            <a:extLst>
+              <a:ext uri="{FF2B5EF4-FFF2-40B4-BE49-F238E27FC236}">
+                <a16:creationId xmlns:a16="http://schemas.microsoft.com/office/drawing/2014/main" id="{306CE8CD-92CC-212A-DF4C-14EBE27C3795}"/>
+              </a:ext>
+            </a:extLst>
+          </p:cNvPr>
+          <p:cNvSpPr>
+            <a:spLocks noGrp="1"/>
+          </p:cNvSpPr>
+          <p:nvPr>
+            <p:ph type="sldNum" sz="quarter" idx="11"/>
+          </p:nvPr>
+        </p:nvSpPr>
+        <p:spPr/>
+        <p:txBody>
+          <a:bodyPr/>
+          <a:lstStyle/>
+          <a:p>
+            <a:pPr algn="r"/>
+            <a:fld id="{F25965E0-7062-474C-8671-DB3A3CE669B0}" type="slidenum">
+              <a:rPr lang="en-GB" noProof="0" smtClean="0"/>
+              <a:pPr algn="r"/>
+              <a:t>14</a:t>
+            </a:fld>
+            <a:endParaRPr lang="en-GB" noProof="0" dirty="0"/>
+          </a:p>
+        </p:txBody>
+      </p:sp>
+    </p:spTree>
+    <p:extLst>
+      <p:ext uri="{BB962C8B-B14F-4D97-AF65-F5344CB8AC3E}">
+        <p14:creationId xmlns:p14="http://schemas.microsoft.com/office/powerpoint/2010/main" val="3924669336"/>
+      </p:ext>
+    </p:extLst>
+  </p:cSld>
+  <p:clrMapOvr>
+    <a:masterClrMapping/>
+  </p:clrMapOvr>
+</p:sld>
+</file>
+
+<file path=ppt/slides/slide15.xml><?xml version="1.0" encoding="utf-8"?>
+<p:sld xmlns:a="http://schemas.openxmlformats.org/drawingml/2006/main" xmlns:r="http://schemas.openxmlformats.org/officeDocument/2006/relationships" xmlns:p="http://schemas.openxmlformats.org/presentationml/2006/main">
+  <p:cSld>
+    <p:spTree>
+      <p:nvGrpSpPr>
+        <p:cNvPr id="1" name=""/>
+        <p:cNvGrpSpPr/>
+        <p:nvPr/>
+      </p:nvGrpSpPr>
+      <p:grpSpPr>
+        <a:xfrm>
+          <a:off x="0" y="0"/>
+          <a:ext cx="0" cy="0"/>
+          <a:chOff x="0" y="0"/>
+          <a:chExt cx="0" cy="0"/>
+        </a:xfrm>
+      </p:grpSpPr>
+      <p:sp>
+        <p:nvSpPr>
+          <p:cNvPr id="7" name="Tijdelijke aanduiding voor afbeelding 6"/>
+          <p:cNvSpPr>
+            <a:spLocks noGrp="1"/>
+          </p:cNvSpPr>
+          <p:nvPr>
+            <p:ph type="pic" sz="quarter" idx="16"/>
+          </p:nvPr>
+        </p:nvSpPr>
+        <p:spPr/>
+        <p:txBody>
+          <a:bodyPr/>
+          <a:lstStyle/>
+          <a:p>
+            <a:endParaRPr lang="en-GB" dirty="0"/>
+          </a:p>
+        </p:txBody>
+      </p:sp>
+      <p:sp>
+        <p:nvSpPr>
+          <p:cNvPr id="2" name="Titel 1"/>
+          <p:cNvSpPr>
+            <a:spLocks noGrp="1"/>
+          </p:cNvSpPr>
+          <p:nvPr>
+            <p:ph type="title"/>
+          </p:nvPr>
+        </p:nvSpPr>
+        <p:spPr>
+          <a:xfrm>
+            <a:off x="561600" y="172641"/>
+            <a:ext cx="8330400" cy="576832"/>
+          </a:xfrm>
+        </p:spPr>
+        <p:txBody>
+          <a:bodyPr/>
+          <a:lstStyle/>
+          <a:p>
+            <a:r>
+              <a:rPr lang="en-GB" dirty="0"/>
+              <a:t>Full screen image with title</a:t>
+            </a:r>
+          </a:p>
+        </p:txBody>
+      </p:sp>
+      <p:sp>
+        <p:nvSpPr>
+          <p:cNvPr id="8" name="Tijdelijke aanduiding voor dianummer 7"/>
+          <p:cNvSpPr>
+            <a:spLocks noGrp="1"/>
+          </p:cNvSpPr>
+          <p:nvPr>
+            <p:ph type="sldNum" sz="quarter" idx="17"/>
+          </p:nvPr>
+        </p:nvSpPr>
+        <p:spPr/>
+        <p:txBody>
+          <a:bodyPr/>
+          <a:lstStyle/>
+          <a:p>
+            <a:pPr algn="r"/>
+            <a:fld id="{F25965E0-7062-474C-8671-DB3A3CE669B0}" type="slidenum">
+              <a:rPr lang="en-GB" smtClean="0"/>
+              <a:pPr algn="r"/>
+              <a:t>15</a:t>
+            </a:fld>
+            <a:endParaRPr lang="en-GB" dirty="0"/>
+          </a:p>
+        </p:txBody>
+      </p:sp>
+    </p:spTree>
+    <p:extLst>
+      <p:ext uri="{BB962C8B-B14F-4D97-AF65-F5344CB8AC3E}">
+        <p14:creationId xmlns:p14="http://schemas.microsoft.com/office/powerpoint/2010/main" val="3765826031"/>
+      </p:ext>
+    </p:extLst>
+  </p:cSld>
+  <p:clrMapOvr>
+    <a:masterClrMapping/>
+  </p:clrMapOvr>
+</p:sld>
+</file>
+
+<file path=ppt/slides/slide16.xml><?xml version="1.0" encoding="utf-8"?>
+<p:sld xmlns:a="http://schemas.openxmlformats.org/drawingml/2006/main" xmlns:r="http://schemas.openxmlformats.org/officeDocument/2006/relationships" xmlns:p="http://schemas.openxmlformats.org/presentationml/2006/main">
+  <p:cSld>
+    <p:spTree>
+      <p:nvGrpSpPr>
+        <p:cNvPr id="1" name=""/>
+        <p:cNvGrpSpPr/>
+        <p:nvPr/>
+      </p:nvGrpSpPr>
+      <p:grpSpPr>
+        <a:xfrm>
+          <a:off x="0" y="0"/>
+          <a:ext cx="0" cy="0"/>
+          <a:chOff x="0" y="0"/>
+          <a:chExt cx="0" cy="0"/>
+        </a:xfrm>
+      </p:grpSpPr>
+      <p:sp>
+        <p:nvSpPr>
           <p:cNvPr id="4" name="Titel 3"/>
           <p:cNvSpPr>
             <a:spLocks noGrp="1"/>
@@ -8269,7 +10288,7 @@
             <a:fld id="{F25965E0-7062-474C-8671-DB3A3CE669B0}" type="slidenum">
               <a:rPr lang="en-GB" smtClean="0"/>
               <a:pPr algn="r"/>
-              <a:t>11</a:t>
+              <a:t>16</a:t>
             </a:fld>
             <a:endParaRPr lang="en-GB" dirty="0"/>
           </a:p>
@@ -8834,6 +10853,601 @@
 </file>
 
 <file path=ppt/slides/slide4.xml><?xml version="1.0" encoding="utf-8"?>
+<p:sld xmlns:a="http://schemas.openxmlformats.org/drawingml/2006/main" xmlns:r="http://schemas.openxmlformats.org/officeDocument/2006/relationships" xmlns:p="http://schemas.openxmlformats.org/presentationml/2006/main">
+  <p:cSld>
+    <p:spTree>
+      <p:nvGrpSpPr>
+        <p:cNvPr id="1" name=""/>
+        <p:cNvGrpSpPr/>
+        <p:nvPr/>
+      </p:nvGrpSpPr>
+      <p:grpSpPr>
+        <a:xfrm>
+          <a:off x="0" y="0"/>
+          <a:ext cx="0" cy="0"/>
+          <a:chOff x="0" y="0"/>
+          <a:chExt cx="0" cy="0"/>
+        </a:xfrm>
+      </p:grpSpPr>
+      <p:sp>
+        <p:nvSpPr>
+          <p:cNvPr id="3" name="Title 2">
+            <a:extLst>
+              <a:ext uri="{FF2B5EF4-FFF2-40B4-BE49-F238E27FC236}">
+                <a16:creationId xmlns:a16="http://schemas.microsoft.com/office/drawing/2014/main" id="{EE9F499C-9F86-FC88-831E-82AD3400BE7F}"/>
+              </a:ext>
+            </a:extLst>
+          </p:cNvPr>
+          <p:cNvSpPr>
+            <a:spLocks noGrp="1"/>
+          </p:cNvSpPr>
+          <p:nvPr>
+            <p:ph type="title"/>
+          </p:nvPr>
+        </p:nvSpPr>
+        <p:spPr>
+          <a:xfrm>
+            <a:off x="561600" y="169210"/>
+            <a:ext cx="8330400" cy="555544"/>
+          </a:xfrm>
+        </p:spPr>
+        <p:txBody>
+          <a:bodyPr/>
+          <a:lstStyle/>
+          <a:p>
+            <a:pPr algn="ctr"/>
+            <a:r>
+              <a:rPr lang="nl-NL" sz="1800" dirty="0"/>
+              <a:t>PCA </a:t>
+            </a:r>
+            <a:r>
+              <a:rPr lang="nl-NL" sz="1800" dirty="0" err="1"/>
+              <a:t>to</a:t>
+            </a:r>
+            <a:r>
+              <a:rPr lang="nl-NL" sz="1800" dirty="0"/>
+              <a:t> </a:t>
+            </a:r>
+            <a:r>
+              <a:rPr lang="nl-NL" sz="1800" dirty="0" err="1"/>
+              <a:t>remove</a:t>
+            </a:r>
+            <a:r>
+              <a:rPr lang="nl-NL" sz="1800" dirty="0"/>
+              <a:t> </a:t>
+            </a:r>
+            <a:r>
+              <a:rPr lang="nl-NL" sz="1800" dirty="0" err="1"/>
+              <a:t>outliers</a:t>
+            </a:r>
+            <a:r>
+              <a:rPr lang="nl-NL" sz="1800" dirty="0"/>
+              <a:t> </a:t>
+            </a:r>
+            <a:r>
+              <a:rPr lang="nl-NL" sz="1800" dirty="0" err="1"/>
+              <a:t>and</a:t>
+            </a:r>
+            <a:r>
+              <a:rPr lang="nl-NL" sz="1800" dirty="0"/>
+              <a:t> </a:t>
+            </a:r>
+            <a:r>
+              <a:rPr lang="nl-NL" sz="1800" dirty="0" err="1"/>
+              <a:t>identify</a:t>
+            </a:r>
+            <a:r>
+              <a:rPr lang="nl-NL" sz="1800" dirty="0"/>
+              <a:t> important </a:t>
+            </a:r>
+            <a:r>
+              <a:rPr lang="nl-NL" sz="1800" dirty="0" err="1"/>
+              <a:t>masses</a:t>
+            </a:r>
+            <a:endParaRPr lang="nl-NL" sz="1800" dirty="0"/>
+          </a:p>
+        </p:txBody>
+      </p:sp>
+      <p:sp>
+        <p:nvSpPr>
+          <p:cNvPr id="4" name="Slide Number Placeholder 3">
+            <a:extLst>
+              <a:ext uri="{FF2B5EF4-FFF2-40B4-BE49-F238E27FC236}">
+                <a16:creationId xmlns:a16="http://schemas.microsoft.com/office/drawing/2014/main" id="{237517AA-2223-256B-CC93-75A4247D3BEB}"/>
+              </a:ext>
+            </a:extLst>
+          </p:cNvPr>
+          <p:cNvSpPr>
+            <a:spLocks noGrp="1"/>
+          </p:cNvSpPr>
+          <p:nvPr>
+            <p:ph type="sldNum" sz="quarter" idx="11"/>
+          </p:nvPr>
+        </p:nvSpPr>
+        <p:spPr/>
+        <p:txBody>
+          <a:bodyPr/>
+          <a:lstStyle/>
+          <a:p>
+            <a:pPr algn="r"/>
+            <a:fld id="{F25965E0-7062-474C-8671-DB3A3CE669B0}" type="slidenum">
+              <a:rPr lang="en-GB" noProof="0" smtClean="0"/>
+              <a:pPr algn="r"/>
+              <a:t>4</a:t>
+            </a:fld>
+            <a:endParaRPr lang="en-GB" noProof="0" dirty="0"/>
+          </a:p>
+        </p:txBody>
+      </p:sp>
+      <p:pic>
+        <p:nvPicPr>
+          <p:cNvPr id="6" name="Picture 5">
+            <a:extLst>
+              <a:ext uri="{FF2B5EF4-FFF2-40B4-BE49-F238E27FC236}">
+                <a16:creationId xmlns:a16="http://schemas.microsoft.com/office/drawing/2014/main" id="{AECCBB7F-F140-F6CC-F4BE-DB8BC0232AE7}"/>
+              </a:ext>
+            </a:extLst>
+          </p:cNvPr>
+          <p:cNvPicPr>
+            <a:picLocks noChangeAspect="1"/>
+          </p:cNvPicPr>
+          <p:nvPr/>
+        </p:nvPicPr>
+        <p:blipFill>
+          <a:blip r:embed="rId2"/>
+          <a:stretch>
+            <a:fillRect/>
+          </a:stretch>
+        </p:blipFill>
+        <p:spPr>
+          <a:xfrm>
+            <a:off x="4521200" y="2533650"/>
+            <a:ext cx="3479799" cy="2609849"/>
+          </a:xfrm>
+          <a:prstGeom prst="rect">
+            <a:avLst/>
+          </a:prstGeom>
+        </p:spPr>
+      </p:pic>
+      <p:sp>
+        <p:nvSpPr>
+          <p:cNvPr id="5" name="AutoShape 2">
+            <a:extLst>
+              <a:ext uri="{FF2B5EF4-FFF2-40B4-BE49-F238E27FC236}">
+                <a16:creationId xmlns:a16="http://schemas.microsoft.com/office/drawing/2014/main" id="{DE1AB278-76F8-0E6E-52C7-70641AAD226A}"/>
+              </a:ext>
+            </a:extLst>
+          </p:cNvPr>
+          <p:cNvSpPr>
+            <a:spLocks noGrp="1" noChangeAspect="1" noChangeArrowheads="1"/>
+          </p:cNvSpPr>
+          <p:nvPr>
+            <p:ph type="body" sz="quarter" idx="10"/>
+          </p:nvPr>
+        </p:nvSpPr>
+        <p:spPr bwMode="auto">
+          <a:prstGeom prst="rect">
+            <a:avLst/>
+          </a:prstGeom>
+          <a:noFill/>
+          <a:extLst>
+            <a:ext uri="{909E8E84-426E-40DD-AFC4-6F175D3DCCD1}">
+              <a14:hiddenFill xmlns:a14="http://schemas.microsoft.com/office/drawing/2010/main">
+                <a:solidFill>
+                  <a:srgbClr val="FFFFFF"/>
+                </a:solidFill>
+              </a14:hiddenFill>
+            </a:ext>
+          </a:extLst>
+        </p:spPr>
+        <p:txBody>
+          <a:bodyPr vert="horz" wrap="square" lIns="91440" tIns="45720" rIns="91440" bIns="45720" numCol="1" anchor="t" anchorCtr="0" compatLnSpc="1">
+            <a:prstTxWarp prst="textNoShape">
+              <a:avLst/>
+            </a:prstTxWarp>
+          </a:bodyPr>
+          <a:lstStyle/>
+          <a:p>
+            <a:r>
+              <a:rPr lang="nl-NL" dirty="0"/>
+              <a:t>5 </a:t>
+            </a:r>
+            <a:r>
+              <a:rPr lang="nl-NL" dirty="0" err="1"/>
+              <a:t>outliers</a:t>
+            </a:r>
+            <a:r>
+              <a:rPr lang="nl-NL" dirty="0"/>
+              <a:t> </a:t>
+            </a:r>
+            <a:r>
+              <a:rPr lang="nl-NL" dirty="0" err="1"/>
+              <a:t>were</a:t>
+            </a:r>
+            <a:r>
+              <a:rPr lang="nl-NL" dirty="0"/>
+              <a:t> found in dataset</a:t>
+            </a:r>
+          </a:p>
+          <a:p>
+            <a:r>
+              <a:rPr lang="nl-NL" dirty="0"/>
+              <a:t>No important </a:t>
+            </a:r>
+            <a:r>
+              <a:rPr lang="nl-NL" dirty="0" err="1"/>
+              <a:t>masses</a:t>
+            </a:r>
+            <a:r>
+              <a:rPr lang="nl-NL" dirty="0"/>
+              <a:t> </a:t>
+            </a:r>
+            <a:r>
+              <a:rPr lang="nl-NL" dirty="0" err="1"/>
+              <a:t>were</a:t>
+            </a:r>
+            <a:r>
+              <a:rPr lang="nl-NL" dirty="0"/>
+              <a:t> </a:t>
+            </a:r>
+            <a:r>
+              <a:rPr lang="nl-NL" dirty="0" err="1"/>
+              <a:t>highlighted</a:t>
+            </a:r>
+            <a:endParaRPr lang="nl-NL" dirty="0"/>
+          </a:p>
+        </p:txBody>
+      </p:sp>
+    </p:spTree>
+    <p:extLst>
+      <p:ext uri="{BB962C8B-B14F-4D97-AF65-F5344CB8AC3E}">
+        <p14:creationId xmlns:p14="http://schemas.microsoft.com/office/powerpoint/2010/main" val="1805856657"/>
+      </p:ext>
+    </p:extLst>
+  </p:cSld>
+  <p:clrMapOvr>
+    <a:masterClrMapping/>
+  </p:clrMapOvr>
+</p:sld>
+</file>
+
+<file path=ppt/slides/slide5.xml><?xml version="1.0" encoding="utf-8"?>
+<p:sld xmlns:a="http://schemas.openxmlformats.org/drawingml/2006/main" xmlns:r="http://schemas.openxmlformats.org/officeDocument/2006/relationships" xmlns:p="http://schemas.openxmlformats.org/presentationml/2006/main">
+  <p:cSld>
+    <p:spTree>
+      <p:nvGrpSpPr>
+        <p:cNvPr id="1" name=""/>
+        <p:cNvGrpSpPr/>
+        <p:nvPr/>
+      </p:nvGrpSpPr>
+      <p:grpSpPr>
+        <a:xfrm>
+          <a:off x="0" y="0"/>
+          <a:ext cx="0" cy="0"/>
+          <a:chOff x="0" y="0"/>
+          <a:chExt cx="0" cy="0"/>
+        </a:xfrm>
+      </p:grpSpPr>
+      <p:sp>
+        <p:nvSpPr>
+          <p:cNvPr id="3" name="Title 2">
+            <a:extLst>
+              <a:ext uri="{FF2B5EF4-FFF2-40B4-BE49-F238E27FC236}">
+                <a16:creationId xmlns:a16="http://schemas.microsoft.com/office/drawing/2014/main" id="{F8782EA8-B321-F1BF-3831-4D180408DE49}"/>
+              </a:ext>
+            </a:extLst>
+          </p:cNvPr>
+          <p:cNvSpPr>
+            <a:spLocks noGrp="1"/>
+          </p:cNvSpPr>
+          <p:nvPr>
+            <p:ph type="title"/>
+          </p:nvPr>
+        </p:nvSpPr>
+        <p:spPr/>
+        <p:txBody>
+          <a:bodyPr/>
+          <a:lstStyle/>
+          <a:p>
+            <a:r>
+              <a:rPr lang="nl-NL" dirty="0"/>
+              <a:t> A </a:t>
+            </a:r>
+            <a:r>
+              <a:rPr lang="nl-NL" dirty="0" err="1"/>
+              <a:t>linear</a:t>
+            </a:r>
+            <a:r>
+              <a:rPr lang="nl-NL" dirty="0"/>
+              <a:t>-mixed model </a:t>
+            </a:r>
+            <a:r>
+              <a:rPr lang="nl-NL" dirty="0" err="1"/>
+              <a:t>with</a:t>
+            </a:r>
+            <a:r>
+              <a:rPr lang="nl-NL" dirty="0"/>
+              <a:t> </a:t>
+            </a:r>
+            <a:r>
+              <a:rPr lang="nl-NL" dirty="0" err="1"/>
+              <a:t>all</a:t>
+            </a:r>
+            <a:r>
+              <a:rPr lang="nl-NL" dirty="0"/>
+              <a:t> </a:t>
+            </a:r>
+            <a:r>
+              <a:rPr lang="nl-NL" dirty="0" err="1"/>
+              <a:t>masses</a:t>
+            </a:r>
+            <a:endParaRPr lang="nl-NL" dirty="0"/>
+          </a:p>
+        </p:txBody>
+      </p:sp>
+      <p:sp>
+        <p:nvSpPr>
+          <p:cNvPr id="4" name="Slide Number Placeholder 3">
+            <a:extLst>
+              <a:ext uri="{FF2B5EF4-FFF2-40B4-BE49-F238E27FC236}">
+                <a16:creationId xmlns:a16="http://schemas.microsoft.com/office/drawing/2014/main" id="{7D759922-F1C9-DFC0-1B93-339C9C7F7AC8}"/>
+              </a:ext>
+            </a:extLst>
+          </p:cNvPr>
+          <p:cNvSpPr>
+            <a:spLocks noGrp="1"/>
+          </p:cNvSpPr>
+          <p:nvPr>
+            <p:ph type="sldNum" sz="quarter" idx="11"/>
+          </p:nvPr>
+        </p:nvSpPr>
+        <p:spPr/>
+        <p:txBody>
+          <a:bodyPr/>
+          <a:lstStyle/>
+          <a:p>
+            <a:pPr algn="r"/>
+            <a:fld id="{F25965E0-7062-474C-8671-DB3A3CE669B0}" type="slidenum">
+              <a:rPr lang="en-GB" noProof="0" smtClean="0"/>
+              <a:pPr algn="r"/>
+              <a:t>5</a:t>
+            </a:fld>
+            <a:endParaRPr lang="en-GB" noProof="0" dirty="0"/>
+          </a:p>
+        </p:txBody>
+      </p:sp>
+      <p:pic>
+        <p:nvPicPr>
+          <p:cNvPr id="6" name="Picture 5">
+            <a:extLst>
+              <a:ext uri="{FF2B5EF4-FFF2-40B4-BE49-F238E27FC236}">
+                <a16:creationId xmlns:a16="http://schemas.microsoft.com/office/drawing/2014/main" id="{66479A42-8A0B-0382-1D75-5577EB23F0E2}"/>
+              </a:ext>
+            </a:extLst>
+          </p:cNvPr>
+          <p:cNvPicPr>
+            <a:picLocks noChangeAspect="1"/>
+          </p:cNvPicPr>
+          <p:nvPr/>
+        </p:nvPicPr>
+        <p:blipFill>
+          <a:blip r:embed="rId2"/>
+          <a:stretch>
+            <a:fillRect/>
+          </a:stretch>
+        </p:blipFill>
+        <p:spPr>
+          <a:xfrm>
+            <a:off x="660399" y="1145267"/>
+            <a:ext cx="4744721" cy="3064299"/>
+          </a:xfrm>
+          <a:prstGeom prst="rect">
+            <a:avLst/>
+          </a:prstGeom>
+        </p:spPr>
+      </p:pic>
+      <p:sp>
+        <p:nvSpPr>
+          <p:cNvPr id="7" name="TextBox 6">
+            <a:extLst>
+              <a:ext uri="{FF2B5EF4-FFF2-40B4-BE49-F238E27FC236}">
+                <a16:creationId xmlns:a16="http://schemas.microsoft.com/office/drawing/2014/main" id="{B6A85890-EA59-3B7F-0874-722817FCF4A2}"/>
+              </a:ext>
+            </a:extLst>
+          </p:cNvPr>
+          <p:cNvSpPr txBox="1"/>
+          <p:nvPr/>
+        </p:nvSpPr>
+        <p:spPr>
+          <a:xfrm>
+            <a:off x="5004240" y="2571750"/>
+            <a:ext cx="3798027" cy="302712"/>
+          </a:xfrm>
+          <a:prstGeom prst="rect">
+            <a:avLst/>
+          </a:prstGeom>
+        </p:spPr>
+        <p:style>
+          <a:lnRef idx="1">
+            <a:schemeClr val="accent1"/>
+          </a:lnRef>
+          <a:fillRef idx="2">
+            <a:schemeClr val="accent1"/>
+          </a:fillRef>
+          <a:effectRef idx="1">
+            <a:schemeClr val="accent1"/>
+          </a:effectRef>
+          <a:fontRef idx="minor">
+            <a:schemeClr val="dk1"/>
+          </a:fontRef>
+        </p:style>
+        <p:txBody>
+          <a:bodyPr wrap="none" rtlCol="0">
+            <a:spAutoFit/>
+          </a:bodyPr>
+          <a:lstStyle/>
+          <a:p>
+            <a:pPr>
+              <a:lnSpc>
+                <a:spcPts val="1800"/>
+              </a:lnSpc>
+            </a:pPr>
+            <a:r>
+              <a:rPr lang="nl-NL" sz="1400" dirty="0" err="1">
+                <a:latin typeface="Verdana" pitchFamily="34" charset="0"/>
+              </a:rPr>
+              <a:t>Temperature</a:t>
+            </a:r>
+            <a:r>
+              <a:rPr lang="nl-NL" sz="1400" dirty="0">
+                <a:latin typeface="Verdana" pitchFamily="34" charset="0"/>
+              </a:rPr>
+              <a:t> </a:t>
+            </a:r>
+            <a:r>
+              <a:rPr lang="nl-NL" sz="1400" dirty="0" err="1">
+                <a:latin typeface="Verdana" pitchFamily="34" charset="0"/>
+              </a:rPr>
+              <a:t>and</a:t>
+            </a:r>
+            <a:r>
+              <a:rPr lang="nl-NL" sz="1400" dirty="0">
+                <a:latin typeface="Verdana" pitchFamily="34" charset="0"/>
+              </a:rPr>
+              <a:t> </a:t>
+            </a:r>
+            <a:r>
+              <a:rPr lang="nl-NL" sz="1400" dirty="0" err="1">
+                <a:latin typeface="Verdana" pitchFamily="34" charset="0"/>
+              </a:rPr>
+              <a:t>day</a:t>
+            </a:r>
+            <a:r>
+              <a:rPr lang="nl-NL" sz="1400" dirty="0">
+                <a:latin typeface="Verdana" pitchFamily="34" charset="0"/>
+              </a:rPr>
+              <a:t> are </a:t>
+            </a:r>
+            <a:r>
+              <a:rPr lang="nl-NL" sz="1400" dirty="0" err="1">
+                <a:latin typeface="Verdana" pitchFamily="34" charset="0"/>
+              </a:rPr>
+              <a:t>not</a:t>
+            </a:r>
+            <a:r>
+              <a:rPr lang="nl-NL" sz="1400" dirty="0">
+                <a:latin typeface="Verdana" pitchFamily="34" charset="0"/>
+              </a:rPr>
+              <a:t> significant</a:t>
+            </a:r>
+          </a:p>
+        </p:txBody>
+      </p:sp>
+    </p:spTree>
+    <p:extLst>
+      <p:ext uri="{BB962C8B-B14F-4D97-AF65-F5344CB8AC3E}">
+        <p14:creationId xmlns:p14="http://schemas.microsoft.com/office/powerpoint/2010/main" val="1874969847"/>
+      </p:ext>
+    </p:extLst>
+  </p:cSld>
+  <p:clrMapOvr>
+    <a:masterClrMapping/>
+  </p:clrMapOvr>
+</p:sld>
+</file>
+
+<file path=ppt/slides/slide6.xml><?xml version="1.0" encoding="utf-8"?>
+<p:sld xmlns:a="http://schemas.openxmlformats.org/drawingml/2006/main" xmlns:r="http://schemas.openxmlformats.org/officeDocument/2006/relationships" xmlns:p="http://schemas.openxmlformats.org/presentationml/2006/main">
+  <p:cSld>
+    <p:spTree>
+      <p:nvGrpSpPr>
+        <p:cNvPr id="1" name=""/>
+        <p:cNvGrpSpPr/>
+        <p:nvPr/>
+      </p:nvGrpSpPr>
+      <p:grpSpPr>
+        <a:xfrm>
+          <a:off x="0" y="0"/>
+          <a:ext cx="0" cy="0"/>
+          <a:chOff x="0" y="0"/>
+          <a:chExt cx="0" cy="0"/>
+        </a:xfrm>
+      </p:grpSpPr>
+      <p:pic>
+        <p:nvPicPr>
+          <p:cNvPr id="5" name="Picture 4">
+            <a:extLst>
+              <a:ext uri="{FF2B5EF4-FFF2-40B4-BE49-F238E27FC236}">
+                <a16:creationId xmlns:a16="http://schemas.microsoft.com/office/drawing/2014/main" id="{2A986B79-CABE-0E10-C533-8F95820BD1CC}"/>
+              </a:ext>
+            </a:extLst>
+          </p:cNvPr>
+          <p:cNvPicPr>
+            <a:picLocks noChangeAspect="1"/>
+          </p:cNvPicPr>
+          <p:nvPr/>
+        </p:nvPicPr>
+        <p:blipFill>
+          <a:blip r:embed="rId2"/>
+          <a:stretch>
+            <a:fillRect/>
+          </a:stretch>
+        </p:blipFill>
+        <p:spPr>
+          <a:xfrm>
+            <a:off x="1849120" y="64552"/>
+            <a:ext cx="6119147" cy="4628045"/>
+          </a:xfrm>
+          <a:prstGeom prst="rect">
+            <a:avLst/>
+          </a:prstGeom>
+        </p:spPr>
+      </p:pic>
+      <p:sp>
+        <p:nvSpPr>
+          <p:cNvPr id="4" name="Slide Number Placeholder 3">
+            <a:extLst>
+              <a:ext uri="{FF2B5EF4-FFF2-40B4-BE49-F238E27FC236}">
+                <a16:creationId xmlns:a16="http://schemas.microsoft.com/office/drawing/2014/main" id="{AC5CE59B-B1AB-2FEB-9223-63FB185D4E88}"/>
+              </a:ext>
+            </a:extLst>
+          </p:cNvPr>
+          <p:cNvSpPr>
+            <a:spLocks noGrp="1"/>
+          </p:cNvSpPr>
+          <p:nvPr>
+            <p:ph type="sldNum" sz="quarter" idx="11"/>
+          </p:nvPr>
+        </p:nvSpPr>
+        <p:spPr/>
+        <p:txBody>
+          <a:bodyPr/>
+          <a:lstStyle/>
+          <a:p>
+            <a:pPr algn="r"/>
+            <a:fld id="{F25965E0-7062-474C-8671-DB3A3CE669B0}" type="slidenum">
+              <a:rPr lang="en-GB" noProof="0" smtClean="0"/>
+              <a:pPr algn="r"/>
+              <a:t>6</a:t>
+            </a:fld>
+            <a:endParaRPr lang="en-GB" noProof="0" dirty="0"/>
+          </a:p>
+        </p:txBody>
+      </p:sp>
+    </p:spTree>
+    <p:extLst>
+      <p:ext uri="{BB962C8B-B14F-4D97-AF65-F5344CB8AC3E}">
+        <p14:creationId xmlns:p14="http://schemas.microsoft.com/office/powerpoint/2010/main" val="2877605687"/>
+      </p:ext>
+    </p:extLst>
+  </p:cSld>
+  <p:clrMapOvr>
+    <a:masterClrMapping/>
+  </p:clrMapOvr>
+</p:sld>
+</file>
+
+<file path=ppt/slides/slide7.xml><?xml version="1.0" encoding="utf-8"?>
 <p:sld xmlns:a="http://schemas.openxmlformats.org/drawingml/2006/main" xmlns:r="http://schemas.openxmlformats.org/officeDocument/2006/relationships" xmlns:p="http://schemas.openxmlformats.org/presentationml/2006/main">
   <p:cSld>
     <p:spTree>
@@ -8982,7 +11596,7 @@
             <a:fld id="{F25965E0-7062-474C-8671-DB3A3CE669B0}" type="slidenum">
               <a:rPr lang="en-GB" noProof="0" smtClean="0"/>
               <a:pPr algn="r"/>
-              <a:t>4</a:t>
+              <a:t>7</a:t>
             </a:fld>
             <a:endParaRPr lang="en-GB" noProof="0" dirty="0"/>
           </a:p>
@@ -9031,7 +11645,7 @@
 </p:sld>
 </file>
 
-<file path=ppt/slides/slide5.xml><?xml version="1.0" encoding="utf-8"?>
+<file path=ppt/slides/slide8.xml><?xml version="1.0" encoding="utf-8"?>
 <p:sld xmlns:a="http://schemas.openxmlformats.org/drawingml/2006/main" xmlns:r="http://schemas.openxmlformats.org/officeDocument/2006/relationships" xmlns:p="http://schemas.openxmlformats.org/presentationml/2006/main">
   <p:cSld>
     <p:spTree>
@@ -9136,7 +11750,7 @@
             <a:fld id="{F25965E0-7062-474C-8671-DB3A3CE669B0}" type="slidenum">
               <a:rPr lang="en-GB" noProof="0" smtClean="0"/>
               <a:pPr algn="r"/>
-              <a:t>5</a:t>
+              <a:t>8</a:t>
             </a:fld>
             <a:endParaRPr lang="en-GB" noProof="0" dirty="0"/>
           </a:p>
@@ -9245,7 +11859,7 @@
 </p:sld>
 </file>
 
-<file path=ppt/slides/slide6.xml><?xml version="1.0" encoding="utf-8"?>
+<file path=ppt/slides/slide9.xml><?xml version="1.0" encoding="utf-8"?>
 <p:sld xmlns:a="http://schemas.openxmlformats.org/drawingml/2006/main" xmlns:r="http://schemas.openxmlformats.org/officeDocument/2006/relationships" xmlns:p="http://schemas.openxmlformats.org/presentationml/2006/main">
   <p:cSld>
     <p:spTree>
@@ -9350,7 +11964,7 @@
             <a:fld id="{F25965E0-7062-474C-8671-DB3A3CE669B0}" type="slidenum">
               <a:rPr lang="en-GB" noProof="0" smtClean="0"/>
               <a:pPr algn="r"/>
-              <a:t>6</a:t>
+              <a:t>9</a:t>
             </a:fld>
             <a:endParaRPr lang="en-GB" noProof="0" dirty="0"/>
           </a:p>
@@ -9450,724 +12064,6 @@
     <p:extLst>
       <p:ext uri="{BB962C8B-B14F-4D97-AF65-F5344CB8AC3E}">
         <p14:creationId xmlns:p14="http://schemas.microsoft.com/office/powerpoint/2010/main" val="3697640760"/>
-      </p:ext>
-    </p:extLst>
-  </p:cSld>
-  <p:clrMapOvr>
-    <a:masterClrMapping/>
-  </p:clrMapOvr>
-</p:sld>
-</file>
-
-<file path=ppt/slides/slide7.xml><?xml version="1.0" encoding="utf-8"?>
-<p:sld xmlns:a="http://schemas.openxmlformats.org/drawingml/2006/main" xmlns:r="http://schemas.openxmlformats.org/officeDocument/2006/relationships" xmlns:p="http://schemas.openxmlformats.org/presentationml/2006/main">
-  <p:cSld>
-    <p:spTree>
-      <p:nvGrpSpPr>
-        <p:cNvPr id="1" name=""/>
-        <p:cNvGrpSpPr/>
-        <p:nvPr/>
-      </p:nvGrpSpPr>
-      <p:grpSpPr>
-        <a:xfrm>
-          <a:off x="0" y="0"/>
-          <a:ext cx="0" cy="0"/>
-          <a:chOff x="0" y="0"/>
-          <a:chExt cx="0" cy="0"/>
-        </a:xfrm>
-      </p:grpSpPr>
-      <p:sp>
-        <p:nvSpPr>
-          <p:cNvPr id="3" name="Title 2">
-            <a:extLst>
-              <a:ext uri="{FF2B5EF4-FFF2-40B4-BE49-F238E27FC236}">
-                <a16:creationId xmlns:a16="http://schemas.microsoft.com/office/drawing/2014/main" id="{2E4AF904-CB08-F340-7698-66705C30594E}"/>
-              </a:ext>
-            </a:extLst>
-          </p:cNvPr>
-          <p:cNvSpPr>
-            <a:spLocks noGrp="1"/>
-          </p:cNvSpPr>
-          <p:nvPr>
-            <p:ph type="title"/>
-          </p:nvPr>
-        </p:nvSpPr>
-        <p:spPr>
-          <a:xfrm>
-            <a:off x="561600" y="169210"/>
-            <a:ext cx="8330400" cy="593681"/>
-          </a:xfrm>
-        </p:spPr>
-        <p:txBody>
-          <a:bodyPr/>
-          <a:lstStyle/>
-          <a:p>
-            <a:r>
-              <a:rPr lang="en-US" sz="1200" dirty="0">
-                <a:effectLst/>
-                <a:latin typeface="Verdana" panose="020B0604030504040204" pitchFamily="34" charset="0"/>
-                <a:ea typeface="Calibri" panose="020F0502020204030204" pitchFamily="34" charset="0"/>
-                <a:cs typeface="Times New Roman" panose="02020603050405020304" pitchFamily="18" charset="0"/>
-              </a:rPr>
-              <a:t>Is there significant difference within days,  with all Temperatures, in Mass 45? </a:t>
-            </a:r>
-            <a:br>
-              <a:rPr lang="en-US" sz="2800" dirty="0">
-                <a:effectLst/>
-                <a:latin typeface="Verdana" panose="020B0604030504040204" pitchFamily="34" charset="0"/>
-                <a:ea typeface="Calibri" panose="020F0502020204030204" pitchFamily="34" charset="0"/>
-                <a:cs typeface="Times New Roman" panose="02020603050405020304" pitchFamily="18" charset="0"/>
-              </a:rPr>
-            </a:br>
-            <a:endParaRPr lang="en-GB" dirty="0"/>
-          </a:p>
-        </p:txBody>
-      </p:sp>
-      <p:sp>
-        <p:nvSpPr>
-          <p:cNvPr id="4" name="Slide Number Placeholder 3">
-            <a:extLst>
-              <a:ext uri="{FF2B5EF4-FFF2-40B4-BE49-F238E27FC236}">
-                <a16:creationId xmlns:a16="http://schemas.microsoft.com/office/drawing/2014/main" id="{E759A487-083D-362F-7E77-C80D6A9C5BB4}"/>
-              </a:ext>
-            </a:extLst>
-          </p:cNvPr>
-          <p:cNvSpPr>
-            <a:spLocks noGrp="1"/>
-          </p:cNvSpPr>
-          <p:nvPr>
-            <p:ph type="sldNum" sz="quarter" idx="11"/>
-          </p:nvPr>
-        </p:nvSpPr>
-        <p:spPr/>
-        <p:txBody>
-          <a:bodyPr/>
-          <a:lstStyle/>
-          <a:p>
-            <a:pPr algn="r"/>
-            <a:fld id="{F25965E0-7062-474C-8671-DB3A3CE669B0}" type="slidenum">
-              <a:rPr lang="en-GB" noProof="0" smtClean="0"/>
-              <a:pPr algn="r"/>
-              <a:t>7</a:t>
-            </a:fld>
-            <a:endParaRPr lang="en-GB" noProof="0" dirty="0"/>
-          </a:p>
-        </p:txBody>
-      </p:sp>
-      <p:pic>
-        <p:nvPicPr>
-          <p:cNvPr id="10" name="Picture 9">
-            <a:extLst>
-              <a:ext uri="{FF2B5EF4-FFF2-40B4-BE49-F238E27FC236}">
-                <a16:creationId xmlns:a16="http://schemas.microsoft.com/office/drawing/2014/main" id="{6CAA5EE7-5FC7-F4B1-A96D-4C83CF69316E}"/>
-              </a:ext>
-            </a:extLst>
-          </p:cNvPr>
-          <p:cNvPicPr>
-            <a:picLocks noChangeAspect="1"/>
-          </p:cNvPicPr>
-          <p:nvPr/>
-        </p:nvPicPr>
-        <p:blipFill>
-          <a:blip r:embed="rId2"/>
-          <a:stretch>
-            <a:fillRect/>
-          </a:stretch>
-        </p:blipFill>
-        <p:spPr>
-          <a:xfrm>
-            <a:off x="5098273" y="965272"/>
-            <a:ext cx="3599327" cy="3599327"/>
-          </a:xfrm>
-          <a:prstGeom prst="rect">
-            <a:avLst/>
-          </a:prstGeom>
-        </p:spPr>
-      </p:pic>
-      <p:pic>
-        <p:nvPicPr>
-          <p:cNvPr id="12" name="Picture 11">
-            <a:extLst>
-              <a:ext uri="{FF2B5EF4-FFF2-40B4-BE49-F238E27FC236}">
-                <a16:creationId xmlns:a16="http://schemas.microsoft.com/office/drawing/2014/main" id="{AAE490E3-2FC8-C80A-BCB4-0B7C615F2E52}"/>
-              </a:ext>
-            </a:extLst>
-          </p:cNvPr>
-          <p:cNvPicPr>
-            <a:picLocks noChangeAspect="1"/>
-          </p:cNvPicPr>
-          <p:nvPr/>
-        </p:nvPicPr>
-        <p:blipFill>
-          <a:blip r:embed="rId3"/>
-          <a:stretch>
-            <a:fillRect/>
-          </a:stretch>
-        </p:blipFill>
-        <p:spPr>
-          <a:xfrm>
-            <a:off x="627280" y="1079922"/>
-            <a:ext cx="4152900" cy="904875"/>
-          </a:xfrm>
-          <a:prstGeom prst="rect">
-            <a:avLst/>
-          </a:prstGeom>
-        </p:spPr>
-      </p:pic>
-      <p:pic>
-        <p:nvPicPr>
-          <p:cNvPr id="14" name="Picture 13">
-            <a:extLst>
-              <a:ext uri="{FF2B5EF4-FFF2-40B4-BE49-F238E27FC236}">
-                <a16:creationId xmlns:a16="http://schemas.microsoft.com/office/drawing/2014/main" id="{497C73DB-03F1-9665-9AC6-6CB73C130694}"/>
-              </a:ext>
-            </a:extLst>
-          </p:cNvPr>
-          <p:cNvPicPr>
-            <a:picLocks noChangeAspect="1"/>
-          </p:cNvPicPr>
-          <p:nvPr/>
-        </p:nvPicPr>
-        <p:blipFill>
-          <a:blip r:embed="rId4"/>
-          <a:stretch>
-            <a:fillRect/>
-          </a:stretch>
-        </p:blipFill>
-        <p:spPr>
-          <a:xfrm>
-            <a:off x="336767" y="2702701"/>
-            <a:ext cx="4733925" cy="514350"/>
-          </a:xfrm>
-          <a:prstGeom prst="rect">
-            <a:avLst/>
-          </a:prstGeom>
-        </p:spPr>
-      </p:pic>
-    </p:spTree>
-    <p:extLst>
-      <p:ext uri="{BB962C8B-B14F-4D97-AF65-F5344CB8AC3E}">
-        <p14:creationId xmlns:p14="http://schemas.microsoft.com/office/powerpoint/2010/main" val="2804350028"/>
-      </p:ext>
-    </p:extLst>
-  </p:cSld>
-  <p:clrMapOvr>
-    <a:masterClrMapping/>
-  </p:clrMapOvr>
-</p:sld>
-</file>
-
-<file path=ppt/slides/slide8.xml><?xml version="1.0" encoding="utf-8"?>
-<p:sld xmlns:a="http://schemas.openxmlformats.org/drawingml/2006/main" xmlns:r="http://schemas.openxmlformats.org/officeDocument/2006/relationships" xmlns:p="http://schemas.openxmlformats.org/presentationml/2006/main">
-  <p:cSld>
-    <p:spTree>
-      <p:nvGrpSpPr>
-        <p:cNvPr id="1" name=""/>
-        <p:cNvGrpSpPr/>
-        <p:nvPr/>
-      </p:nvGrpSpPr>
-      <p:grpSpPr>
-        <a:xfrm>
-          <a:off x="0" y="0"/>
-          <a:ext cx="0" cy="0"/>
-          <a:chOff x="0" y="0"/>
-          <a:chExt cx="0" cy="0"/>
-        </a:xfrm>
-      </p:grpSpPr>
-      <p:sp>
-        <p:nvSpPr>
-          <p:cNvPr id="2" name="Text Placeholder 1">
-            <a:extLst>
-              <a:ext uri="{FF2B5EF4-FFF2-40B4-BE49-F238E27FC236}">
-                <a16:creationId xmlns:a16="http://schemas.microsoft.com/office/drawing/2014/main" id="{A67D0562-40B3-E9AC-B7F1-28B2712627FB}"/>
-              </a:ext>
-            </a:extLst>
-          </p:cNvPr>
-          <p:cNvSpPr>
-            <a:spLocks noGrp="1"/>
-          </p:cNvSpPr>
-          <p:nvPr>
-            <p:ph type="body" sz="quarter" idx="10"/>
-          </p:nvPr>
-        </p:nvSpPr>
-        <p:spPr/>
-        <p:txBody>
-          <a:bodyPr numCol="2"/>
-          <a:lstStyle/>
-          <a:p>
-            <a:r>
-              <a:rPr lang="en-GB" dirty="0"/>
-              <a:t>Day 15: Temperature is not significant (F value=0.860)</a:t>
-            </a:r>
-          </a:p>
-          <a:p>
-            <a:endParaRPr lang="en-GB" dirty="0"/>
-          </a:p>
-          <a:p>
-            <a:endParaRPr lang="en-GB" dirty="0"/>
-          </a:p>
-          <a:p>
-            <a:endParaRPr lang="en-GB" dirty="0"/>
-          </a:p>
-          <a:p>
-            <a:endParaRPr lang="en-GB" dirty="0"/>
-          </a:p>
-          <a:p>
-            <a:endParaRPr lang="en-GB" dirty="0"/>
-          </a:p>
-          <a:p>
-            <a:r>
-              <a:rPr lang="en-GB" dirty="0"/>
-              <a:t>Day 18: Temperature is significant (F value=0.029)</a:t>
-            </a:r>
-          </a:p>
-          <a:p>
-            <a:endParaRPr lang="en-GB" dirty="0"/>
-          </a:p>
-          <a:p>
-            <a:endParaRPr lang="en-GB" dirty="0"/>
-          </a:p>
-        </p:txBody>
-      </p:sp>
-      <p:sp>
-        <p:nvSpPr>
-          <p:cNvPr id="3" name="Title 2">
-            <a:extLst>
-              <a:ext uri="{FF2B5EF4-FFF2-40B4-BE49-F238E27FC236}">
-                <a16:creationId xmlns:a16="http://schemas.microsoft.com/office/drawing/2014/main" id="{A681B626-5D1C-5BD0-FA07-9033B01D3122}"/>
-              </a:ext>
-            </a:extLst>
-          </p:cNvPr>
-          <p:cNvSpPr>
-            <a:spLocks noGrp="1"/>
-          </p:cNvSpPr>
-          <p:nvPr>
-            <p:ph type="title"/>
-          </p:nvPr>
-        </p:nvSpPr>
-        <p:spPr>
-          <a:xfrm>
-            <a:off x="561600" y="169210"/>
-            <a:ext cx="8330400" cy="963348"/>
-          </a:xfrm>
-        </p:spPr>
-        <p:txBody>
-          <a:bodyPr/>
-          <a:lstStyle/>
-          <a:p>
-            <a:pPr algn="ctr"/>
-            <a:r>
-              <a:rPr lang="en-US" sz="1400" b="0" i="0" dirty="0">
-                <a:solidFill>
-                  <a:schemeClr val="tx1"/>
-                </a:solidFill>
-                <a:effectLst/>
-                <a:latin typeface="+mj-lt"/>
-              </a:rPr>
-              <a:t>When does the influence of temperature become significant?</a:t>
-            </a:r>
-            <a:br>
-              <a:rPr lang="en-US" sz="1400" b="0" i="0" dirty="0">
-                <a:solidFill>
-                  <a:schemeClr val="tx1"/>
-                </a:solidFill>
-                <a:effectLst/>
-                <a:latin typeface="+mj-lt"/>
-              </a:rPr>
-            </a:br>
-            <a:r>
-              <a:rPr lang="en-US" sz="1400" b="0" i="0" dirty="0">
-                <a:solidFill>
-                  <a:schemeClr val="tx1"/>
-                </a:solidFill>
-                <a:effectLst/>
-                <a:latin typeface="+mj-lt"/>
-              </a:rPr>
-              <a:t> </a:t>
-            </a:r>
-            <a:r>
-              <a:rPr lang="en-US" sz="1400" b="0" i="0" dirty="0">
-                <a:solidFill>
-                  <a:srgbClr val="C00000"/>
-                </a:solidFill>
-                <a:effectLst/>
-                <a:latin typeface="+mj-lt"/>
-              </a:rPr>
-              <a:t>Study the effect of temperature on each day (starting on day 15)</a:t>
-            </a:r>
-            <a:endParaRPr lang="en-GB" sz="1400" dirty="0">
-              <a:solidFill>
-                <a:srgbClr val="C00000"/>
-              </a:solidFill>
-              <a:latin typeface="+mj-lt"/>
-            </a:endParaRPr>
-          </a:p>
-        </p:txBody>
-      </p:sp>
-      <p:sp>
-        <p:nvSpPr>
-          <p:cNvPr id="4" name="Slide Number Placeholder 3">
-            <a:extLst>
-              <a:ext uri="{FF2B5EF4-FFF2-40B4-BE49-F238E27FC236}">
-                <a16:creationId xmlns:a16="http://schemas.microsoft.com/office/drawing/2014/main" id="{8600F044-86F0-6AD6-791D-7F13F118D526}"/>
-              </a:ext>
-            </a:extLst>
-          </p:cNvPr>
-          <p:cNvSpPr>
-            <a:spLocks noGrp="1"/>
-          </p:cNvSpPr>
-          <p:nvPr>
-            <p:ph type="sldNum" sz="quarter" idx="11"/>
-          </p:nvPr>
-        </p:nvSpPr>
-        <p:spPr/>
-        <p:txBody>
-          <a:bodyPr/>
-          <a:lstStyle/>
-          <a:p>
-            <a:pPr algn="r"/>
-            <a:fld id="{F25965E0-7062-474C-8671-DB3A3CE669B0}" type="slidenum">
-              <a:rPr lang="en-GB" noProof="0" smtClean="0"/>
-              <a:pPr algn="r"/>
-              <a:t>8</a:t>
-            </a:fld>
-            <a:endParaRPr lang="en-GB" noProof="0" dirty="0"/>
-          </a:p>
-        </p:txBody>
-      </p:sp>
-      <p:pic>
-        <p:nvPicPr>
-          <p:cNvPr id="6" name="Picture 5">
-            <a:extLst>
-              <a:ext uri="{FF2B5EF4-FFF2-40B4-BE49-F238E27FC236}">
-                <a16:creationId xmlns:a16="http://schemas.microsoft.com/office/drawing/2014/main" id="{238A7B77-D83F-3C5E-9BEC-E24558A93BB4}"/>
-              </a:ext>
-            </a:extLst>
-          </p:cNvPr>
-          <p:cNvPicPr>
-            <a:picLocks noChangeAspect="1"/>
-          </p:cNvPicPr>
-          <p:nvPr/>
-        </p:nvPicPr>
-        <p:blipFill>
-          <a:blip r:embed="rId2"/>
-          <a:stretch>
-            <a:fillRect/>
-          </a:stretch>
-        </p:blipFill>
-        <p:spPr>
-          <a:xfrm>
-            <a:off x="725450" y="2136317"/>
-            <a:ext cx="3769100" cy="1181100"/>
-          </a:xfrm>
-          <a:prstGeom prst="rect">
-            <a:avLst/>
-          </a:prstGeom>
-        </p:spPr>
-      </p:pic>
-      <p:pic>
-        <p:nvPicPr>
-          <p:cNvPr id="9" name="Picture 8">
-            <a:extLst>
-              <a:ext uri="{FF2B5EF4-FFF2-40B4-BE49-F238E27FC236}">
-                <a16:creationId xmlns:a16="http://schemas.microsoft.com/office/drawing/2014/main" id="{C789B1D3-841A-1A79-DADF-D5A52A297A01}"/>
-              </a:ext>
-            </a:extLst>
-          </p:cNvPr>
-          <p:cNvPicPr>
-            <a:picLocks noChangeAspect="1"/>
-          </p:cNvPicPr>
-          <p:nvPr/>
-        </p:nvPicPr>
-        <p:blipFill>
-          <a:blip r:embed="rId3"/>
-          <a:stretch>
-            <a:fillRect/>
-          </a:stretch>
-        </p:blipFill>
-        <p:spPr>
-          <a:xfrm>
-            <a:off x="4726800" y="2097438"/>
-            <a:ext cx="4388400" cy="1181100"/>
-          </a:xfrm>
-          <a:prstGeom prst="rect">
-            <a:avLst/>
-          </a:prstGeom>
-        </p:spPr>
-      </p:pic>
-      <p:sp>
-        <p:nvSpPr>
-          <p:cNvPr id="13" name="TextBox 12">
-            <a:extLst>
-              <a:ext uri="{FF2B5EF4-FFF2-40B4-BE49-F238E27FC236}">
-                <a16:creationId xmlns:a16="http://schemas.microsoft.com/office/drawing/2014/main" id="{B932CC2E-B032-EA2A-94DC-3482BDDECEFD}"/>
-              </a:ext>
-            </a:extLst>
-          </p:cNvPr>
-          <p:cNvSpPr txBox="1"/>
-          <p:nvPr/>
-        </p:nvSpPr>
-        <p:spPr>
-          <a:xfrm>
-            <a:off x="453600" y="3724575"/>
-            <a:ext cx="7661650" cy="523220"/>
-          </a:xfrm>
-          <a:prstGeom prst="rect">
-            <a:avLst/>
-          </a:prstGeom>
-          <a:noFill/>
-        </p:spPr>
-        <p:txBody>
-          <a:bodyPr wrap="square">
-            <a:spAutoFit/>
-          </a:bodyPr>
-          <a:lstStyle/>
-          <a:p>
-            <a:r>
-              <a:rPr lang="en-US" sz="1400" dirty="0"/>
-              <a:t>The influence of temperature on different days was studied using those 4 masses, and no conclusive conclusions were reached.</a:t>
-            </a:r>
-            <a:endParaRPr lang="en-GB" sz="1400" dirty="0"/>
-          </a:p>
-        </p:txBody>
-      </p:sp>
-      <p:sp>
-        <p:nvSpPr>
-          <p:cNvPr id="14" name="Arrow: Right 13">
-            <a:extLst>
-              <a:ext uri="{FF2B5EF4-FFF2-40B4-BE49-F238E27FC236}">
-                <a16:creationId xmlns:a16="http://schemas.microsoft.com/office/drawing/2014/main" id="{9A94EF54-5711-725D-419B-747AE947FEBA}"/>
-              </a:ext>
-            </a:extLst>
-          </p:cNvPr>
-          <p:cNvSpPr/>
-          <p:nvPr/>
-        </p:nvSpPr>
-        <p:spPr>
-          <a:xfrm>
-            <a:off x="2768323" y="4001303"/>
-            <a:ext cx="1022350" cy="313850"/>
-          </a:xfrm>
-          <a:prstGeom prst="rightArrow">
-            <a:avLst/>
-          </a:prstGeom>
-          <a:solidFill>
-            <a:schemeClr val="accent3"/>
-          </a:solidFill>
-          <a:ln>
-            <a:noFill/>
-          </a:ln>
-        </p:spPr>
-        <p:style>
-          <a:lnRef idx="2">
-            <a:schemeClr val="accent1">
-              <a:shade val="50000"/>
-            </a:schemeClr>
-          </a:lnRef>
-          <a:fillRef idx="1">
-            <a:schemeClr val="accent1"/>
-          </a:fillRef>
-          <a:effectRef idx="0">
-            <a:schemeClr val="accent1"/>
-          </a:effectRef>
-          <a:fontRef idx="minor">
-            <a:schemeClr val="lt1"/>
-          </a:fontRef>
-        </p:style>
-        <p:txBody>
-          <a:bodyPr rot="0" spcFirstLastPara="0" vertOverflow="overflow" horzOverflow="overflow" vert="horz" wrap="square" lIns="91440" tIns="45720" rIns="91440" bIns="72000" numCol="1" spcCol="0" rtlCol="0" fromWordArt="0" anchor="ctr" anchorCtr="0" forceAA="0" compatLnSpc="1">
-            <a:prstTxWarp prst="textNoShape">
-              <a:avLst/>
-            </a:prstTxWarp>
-            <a:spAutoFit/>
-          </a:bodyPr>
-          <a:lstStyle/>
-          <a:p>
-            <a:pPr algn="ctr"/>
-            <a:endParaRPr lang="en-GB" sz="1400" dirty="0">
-              <a:solidFill>
-                <a:schemeClr val="tx1"/>
-              </a:solidFill>
-            </a:endParaRPr>
-          </a:p>
-        </p:txBody>
-      </p:sp>
-      <p:sp>
-        <p:nvSpPr>
-          <p:cNvPr id="15" name="TextBox 14">
-            <a:extLst>
-              <a:ext uri="{FF2B5EF4-FFF2-40B4-BE49-F238E27FC236}">
-                <a16:creationId xmlns:a16="http://schemas.microsoft.com/office/drawing/2014/main" id="{ABACFDED-F30D-F651-7F59-7E3BCE541059}"/>
-              </a:ext>
-            </a:extLst>
-          </p:cNvPr>
-          <p:cNvSpPr txBox="1"/>
-          <p:nvPr/>
-        </p:nvSpPr>
-        <p:spPr>
-          <a:xfrm>
-            <a:off x="4062243" y="4025688"/>
-            <a:ext cx="2826415" cy="302712"/>
-          </a:xfrm>
-          <a:prstGeom prst="rect">
-            <a:avLst/>
-          </a:prstGeom>
-        </p:spPr>
-        <p:style>
-          <a:lnRef idx="1">
-            <a:schemeClr val="accent1"/>
-          </a:lnRef>
-          <a:fillRef idx="2">
-            <a:schemeClr val="accent1"/>
-          </a:fillRef>
-          <a:effectRef idx="1">
-            <a:schemeClr val="accent1"/>
-          </a:effectRef>
-          <a:fontRef idx="minor">
-            <a:schemeClr val="dk1"/>
-          </a:fontRef>
-        </p:style>
-        <p:txBody>
-          <a:bodyPr wrap="none" rtlCol="0">
-            <a:spAutoFit/>
-          </a:bodyPr>
-          <a:lstStyle/>
-          <a:p>
-            <a:pPr>
-              <a:lnSpc>
-                <a:spcPts val="1800"/>
-              </a:lnSpc>
-            </a:pPr>
-            <a:r>
-              <a:rPr lang="en-GB" sz="1400" dirty="0">
-                <a:latin typeface="Verdana" pitchFamily="34" charset="0"/>
-              </a:rPr>
-              <a:t>Other masses studied as well</a:t>
-            </a:r>
-          </a:p>
-        </p:txBody>
-      </p:sp>
-    </p:spTree>
-    <p:extLst>
-      <p:ext uri="{BB962C8B-B14F-4D97-AF65-F5344CB8AC3E}">
-        <p14:creationId xmlns:p14="http://schemas.microsoft.com/office/powerpoint/2010/main" val="3057929992"/>
-      </p:ext>
-    </p:extLst>
-  </p:cSld>
-  <p:clrMapOvr>
-    <a:masterClrMapping/>
-  </p:clrMapOvr>
-</p:sld>
-</file>
-
-<file path=ppt/slides/slide9.xml><?xml version="1.0" encoding="utf-8"?>
-<p:sld xmlns:a="http://schemas.openxmlformats.org/drawingml/2006/main" xmlns:r="http://schemas.openxmlformats.org/officeDocument/2006/relationships" xmlns:p="http://schemas.openxmlformats.org/presentationml/2006/main">
-  <p:cSld>
-    <p:spTree>
-      <p:nvGrpSpPr>
-        <p:cNvPr id="1" name=""/>
-        <p:cNvGrpSpPr/>
-        <p:nvPr/>
-      </p:nvGrpSpPr>
-      <p:grpSpPr>
-        <a:xfrm>
-          <a:off x="0" y="0"/>
-          <a:ext cx="0" cy="0"/>
-          <a:chOff x="0" y="0"/>
-          <a:chExt cx="0" cy="0"/>
-        </a:xfrm>
-      </p:grpSpPr>
-      <p:sp>
-        <p:nvSpPr>
-          <p:cNvPr id="2" name="Text Placeholder 1">
-            <a:extLst>
-              <a:ext uri="{FF2B5EF4-FFF2-40B4-BE49-F238E27FC236}">
-                <a16:creationId xmlns:a16="http://schemas.microsoft.com/office/drawing/2014/main" id="{EEBFBA4A-ADE7-E707-51A3-80839A27236D}"/>
-              </a:ext>
-            </a:extLst>
-          </p:cNvPr>
-          <p:cNvSpPr>
-            <a:spLocks noGrp="1"/>
-          </p:cNvSpPr>
-          <p:nvPr>
-            <p:ph type="body" sz="quarter" idx="10"/>
-          </p:nvPr>
-        </p:nvSpPr>
-        <p:spPr/>
-        <p:txBody>
-          <a:bodyPr/>
-          <a:lstStyle/>
-          <a:p>
-            <a:r>
-              <a:rPr lang="en-GB"/>
-              <a:t>2023-12-19-30C(3)</a:t>
-            </a:r>
-          </a:p>
-        </p:txBody>
-      </p:sp>
-      <p:sp>
-        <p:nvSpPr>
-          <p:cNvPr id="3" name="Title 2">
-            <a:extLst>
-              <a:ext uri="{FF2B5EF4-FFF2-40B4-BE49-F238E27FC236}">
-                <a16:creationId xmlns:a16="http://schemas.microsoft.com/office/drawing/2014/main" id="{81AE38EE-51B2-C3E1-10C5-A03F86E20203}"/>
-              </a:ext>
-            </a:extLst>
-          </p:cNvPr>
-          <p:cNvSpPr>
-            <a:spLocks noGrp="1"/>
-          </p:cNvSpPr>
-          <p:nvPr>
-            <p:ph type="title"/>
-          </p:nvPr>
-        </p:nvSpPr>
-        <p:spPr/>
-        <p:txBody>
-          <a:bodyPr/>
-          <a:lstStyle/>
-          <a:p>
-            <a:r>
-              <a:rPr lang="en-GB" dirty="0"/>
-              <a:t>Outlier removal by PCA</a:t>
-            </a:r>
-          </a:p>
-        </p:txBody>
-      </p:sp>
-      <p:sp>
-        <p:nvSpPr>
-          <p:cNvPr id="4" name="Slide Number Placeholder 3">
-            <a:extLst>
-              <a:ext uri="{FF2B5EF4-FFF2-40B4-BE49-F238E27FC236}">
-                <a16:creationId xmlns:a16="http://schemas.microsoft.com/office/drawing/2014/main" id="{798D19F0-0CE3-9922-D4CD-4C8420F51CB1}"/>
-              </a:ext>
-            </a:extLst>
-          </p:cNvPr>
-          <p:cNvSpPr>
-            <a:spLocks noGrp="1"/>
-          </p:cNvSpPr>
-          <p:nvPr>
-            <p:ph type="sldNum" sz="quarter" idx="11"/>
-          </p:nvPr>
-        </p:nvSpPr>
-        <p:spPr/>
-        <p:txBody>
-          <a:bodyPr/>
-          <a:lstStyle/>
-          <a:p>
-            <a:pPr algn="r"/>
-            <a:fld id="{F25965E0-7062-474C-8671-DB3A3CE669B0}" type="slidenum">
-              <a:rPr lang="en-GB" noProof="0" smtClean="0"/>
-              <a:pPr algn="r"/>
-              <a:t>9</a:t>
-            </a:fld>
-            <a:endParaRPr lang="en-GB" noProof="0" dirty="0"/>
-          </a:p>
-        </p:txBody>
-      </p:sp>
-    </p:spTree>
-    <p:extLst>
-      <p:ext uri="{BB962C8B-B14F-4D97-AF65-F5344CB8AC3E}">
-        <p14:creationId xmlns:p14="http://schemas.microsoft.com/office/powerpoint/2010/main" val="1144826759"/>
       </p:ext>
     </p:extLst>
   </p:cSld>
@@ -10773,8 +12669,25 @@
 </file>
 
 <file path=customXml/item1.xml><?xml version="1.0" encoding="utf-8"?>
-<ct:contentTypeSchema xmlns:ct="http://schemas.microsoft.com/office/2006/metadata/contentType" xmlns:ma="http://schemas.microsoft.com/office/2006/metadata/properties/metaAttributes" ct:_="" ma:_="" ma:contentTypeName="Document" ma:contentTypeID="0x0101001C14183A65C2C645ADA7BC5603AF44F2" ma:contentTypeVersion="16" ma:contentTypeDescription="Een nieuw document maken." ma:contentTypeScope="" ma:versionID="ae474be890e7efc7038591d6ea12ce71">
-  <xsd:schema xmlns:xsd="http://www.w3.org/2001/XMLSchema" xmlns:xs="http://www.w3.org/2001/XMLSchema" xmlns:p="http://schemas.microsoft.com/office/2006/metadata/properties" xmlns:ns3="f57bc8fc-db93-4706-8ea7-8a418546d01a" xmlns:ns4="b86151ff-f084-444e-9e9a-673684c5f9bc" targetNamespace="http://schemas.microsoft.com/office/2006/metadata/properties" ma:root="true" ma:fieldsID="beb0569d9455430a02882877650f7725" ns3:_="" ns4:_="">
+<?mso-contentType ?>
+<FormTemplates xmlns="http://schemas.microsoft.com/sharepoint/v3/contenttype/forms">
+  <Display>DocumentLibraryForm</Display>
+  <Edit>DocumentLibraryForm</Edit>
+  <New>DocumentLibraryForm</New>
+</FormTemplates>
+</file>
+
+<file path=customXml/item2.xml><?xml version="1.0" encoding="utf-8"?>
+<p:properties xmlns:p="http://schemas.microsoft.com/office/2006/metadata/properties" xmlns:xsi="http://www.w3.org/2001/XMLSchema-instance" xmlns:pc="http://schemas.microsoft.com/office/infopath/2007/PartnerControls">
+  <documentManagement>
+    <_activity xmlns="f57bc8fc-db93-4706-8ea7-8a418546d01a" xsi:nil="true"/>
+  </documentManagement>
+</p:properties>
+</file>
+
+<file path=customXml/item3.xml><?xml version="1.0" encoding="utf-8"?>
+<ct:contentTypeSchema xmlns:ct="http://schemas.microsoft.com/office/2006/metadata/contentType" xmlns:ma="http://schemas.microsoft.com/office/2006/metadata/properties/metaAttributes" ct:_="" ma:_="" ma:contentTypeName="Document" ma:contentTypeID="0x0101001C14183A65C2C645ADA7BC5603AF44F2" ma:contentTypeVersion="17" ma:contentTypeDescription="Een nieuw document maken." ma:contentTypeScope="" ma:versionID="1aa2312143aad0b902a6d3a3827e15fc">
+  <xsd:schema xmlns:xsd="http://www.w3.org/2001/XMLSchema" xmlns:xs="http://www.w3.org/2001/XMLSchema" xmlns:p="http://schemas.microsoft.com/office/2006/metadata/properties" xmlns:ns3="f57bc8fc-db93-4706-8ea7-8a418546d01a" xmlns:ns4="b86151ff-f084-444e-9e9a-673684c5f9bc" targetNamespace="http://schemas.microsoft.com/office/2006/metadata/properties" ma:root="true" ma:fieldsID="593e55f8c287e1bed5532cd1bae45574" ns3:_="" ns4:_="">
     <xsd:import namespace="f57bc8fc-db93-4706-8ea7-8a418546d01a"/>
     <xsd:import namespace="b86151ff-f084-444e-9e9a-673684c5f9bc"/>
     <xsd:element name="properties">
@@ -10799,6 +12712,7 @@
                 <xsd:element ref="ns3:_activity" minOccurs="0"/>
                 <xsd:element ref="ns3:MediaServiceObjectDetectorVersions" minOccurs="0"/>
                 <xsd:element ref="ns3:MediaServiceSystemTags" minOccurs="0"/>
+                <xsd:element ref="ns3:MediaServiceSearchProperties" minOccurs="0"/>
               </xsd:all>
             </xsd:complexType>
           </xsd:element>
@@ -10874,6 +12788,11 @@
       </xsd:simpleType>
     </xsd:element>
     <xsd:element name="MediaServiceSystemTags" ma:index="23" nillable="true" ma:displayName="MediaServiceSystemTags" ma:hidden="true" ma:internalName="MediaServiceSystemTags" ma:readOnly="true">
+      <xsd:simpleType>
+        <xsd:restriction base="dms:Note"/>
+      </xsd:simpleType>
+    </xsd:element>
+    <xsd:element name="MediaServiceSearchProperties" ma:index="24" nillable="true" ma:displayName="MediaServiceSearchProperties" ma:hidden="true" ma:internalName="MediaServiceSearchProperties" ma:readOnly="true">
       <xsd:simpleType>
         <xsd:restriction base="dms:Note"/>
       </xsd:simpleType>
@@ -11013,25 +12932,33 @@
 </ct:contentTypeSchema>
 </file>
 
-<file path=customXml/item2.xml><?xml version="1.0" encoding="utf-8"?>
-<?mso-contentType ?>
-<FormTemplates xmlns="http://schemas.microsoft.com/sharepoint/v3/contenttype/forms">
-  <Display>DocumentLibraryForm</Display>
-  <Edit>DocumentLibraryForm</Edit>
-  <New>DocumentLibraryForm</New>
-</FormTemplates>
+<file path=customXml/itemProps1.xml><?xml version="1.0" encoding="utf-8"?>
+<ds:datastoreItem xmlns:ds="http://schemas.openxmlformats.org/officeDocument/2006/customXml" ds:itemID="{87607CC5-44B2-436F-9F2B-DC7C5A87C49F}">
+  <ds:schemaRefs>
+    <ds:schemaRef ds:uri="http://schemas.microsoft.com/sharepoint/v3/contenttype/forms"/>
+  </ds:schemaRefs>
+</ds:datastoreItem>
 </file>
 
-<file path=customXml/item3.xml><?xml version="1.0" encoding="utf-8"?>
-<p:properties xmlns:p="http://schemas.microsoft.com/office/2006/metadata/properties" xmlns:xsi="http://www.w3.org/2001/XMLSchema-instance" xmlns:pc="http://schemas.microsoft.com/office/infopath/2007/PartnerControls">
-  <documentManagement>
-    <_activity xmlns="f57bc8fc-db93-4706-8ea7-8a418546d01a" xsi:nil="true"/>
-  </documentManagement>
-</p:properties>
+<file path=customXml/itemProps2.xml><?xml version="1.0" encoding="utf-8"?>
+<ds:datastoreItem xmlns:ds="http://schemas.openxmlformats.org/officeDocument/2006/customXml" ds:itemID="{B28F7ED2-CE71-4841-996C-F21FB056F158}">
+  <ds:schemaRefs>
+    <ds:schemaRef ds:uri="http://purl.org/dc/terms/"/>
+    <ds:schemaRef ds:uri="http://purl.org/dc/dcmitype/"/>
+    <ds:schemaRef ds:uri="http://schemas.microsoft.com/office/2006/documentManagement/types"/>
+    <ds:schemaRef ds:uri="b86151ff-f084-444e-9e9a-673684c5f9bc"/>
+    <ds:schemaRef ds:uri="http://purl.org/dc/elements/1.1/"/>
+    <ds:schemaRef ds:uri="http://schemas.microsoft.com/office/infopath/2007/PartnerControls"/>
+    <ds:schemaRef ds:uri="http://schemas.openxmlformats.org/package/2006/metadata/core-properties"/>
+    <ds:schemaRef ds:uri="f57bc8fc-db93-4706-8ea7-8a418546d01a"/>
+    <ds:schemaRef ds:uri="http://schemas.microsoft.com/office/2006/metadata/properties"/>
+    <ds:schemaRef ds:uri="http://www.w3.org/XML/1998/namespace"/>
+  </ds:schemaRefs>
+</ds:datastoreItem>
 </file>
 
-<file path=customXml/itemProps1.xml><?xml version="1.0" encoding="utf-8"?>
-<ds:datastoreItem xmlns:ds="http://schemas.openxmlformats.org/officeDocument/2006/customXml" ds:itemID="{74E666FB-AEAC-4BE3-A28E-D6F517CD68D7}">
+<file path=customXml/itemProps3.xml><?xml version="1.0" encoding="utf-8"?>
+<ds:datastoreItem xmlns:ds="http://schemas.openxmlformats.org/officeDocument/2006/customXml" ds:itemID="{AC0038DB-4FF1-49B4-B3FB-6D288AC969BD}">
   <ds:schemaRefs>
     <ds:schemaRef ds:uri="http://schemas.microsoft.com/office/2006/metadata/contentType"/>
     <ds:schemaRef ds:uri="http://schemas.microsoft.com/office/2006/metadata/properties/metaAttributes"/>
@@ -11047,29 +12974,4 @@
     <ds:schemaRef ds:uri="http://schemas.microsoft.com/internal/obd"/>
   </ds:schemaRefs>
 </ds:datastoreItem>
-</file>
-
-<file path=customXml/itemProps2.xml><?xml version="1.0" encoding="utf-8"?>
-<ds:datastoreItem xmlns:ds="http://schemas.openxmlformats.org/officeDocument/2006/customXml" ds:itemID="{87607CC5-44B2-436F-9F2B-DC7C5A87C49F}">
-  <ds:schemaRefs>
-    <ds:schemaRef ds:uri="http://schemas.microsoft.com/sharepoint/v3/contenttype/forms"/>
-  </ds:schemaRefs>
-</ds:datastoreItem>
-</file>
-
-<file path=customXml/itemProps3.xml><?xml version="1.0" encoding="utf-8"?>
-<ds:datastoreItem xmlns:ds="http://schemas.openxmlformats.org/officeDocument/2006/customXml" ds:itemID="{B28F7ED2-CE71-4841-996C-F21FB056F158}">
-  <ds:schemaRefs>
-    <ds:schemaRef ds:uri="http://schemas.microsoft.com/office/2006/documentManagement/types"/>
-    <ds:schemaRef ds:uri="http://schemas.microsoft.com/office/infopath/2007/PartnerControls"/>
-    <ds:schemaRef ds:uri="http://purl.org/dc/elements/1.1/"/>
-    <ds:schemaRef ds:uri="http://schemas.microsoft.com/office/2006/metadata/properties"/>
-    <ds:schemaRef ds:uri="http://purl.org/dc/terms/"/>
-    <ds:schemaRef ds:uri="http://schemas.openxmlformats.org/package/2006/metadata/core-properties"/>
-    <ds:schemaRef ds:uri="b86151ff-f084-444e-9e9a-673684c5f9bc"/>
-    <ds:schemaRef ds:uri="f57bc8fc-db93-4706-8ea7-8a418546d01a"/>
-    <ds:schemaRef ds:uri="http://www.w3.org/XML/1998/namespace"/>
-    <ds:schemaRef ds:uri="http://purl.org/dc/dcmitype/"/>
-  </ds:schemaRefs>
-</ds:datastoreItem>
 </file>
--- a/Brines/UF.pptx
+++ b/Brines/UF.pptx
@@ -5,25 +5,26 @@
     <p:sldMasterId id="2147483648" r:id="rId4"/>
   </p:sldMasterIdLst>
   <p:notesMasterIdLst>
-    <p:notesMasterId r:id="rId21"/>
+    <p:notesMasterId r:id="rId22"/>
   </p:notesMasterIdLst>
   <p:sldIdLst>
     <p:sldId id="256" r:id="rId5"/>
     <p:sldId id="272" r:id="rId6"/>
     <p:sldId id="271" r:id="rId7"/>
-    <p:sldId id="280" r:id="rId8"/>
-    <p:sldId id="281" r:id="rId9"/>
-    <p:sldId id="282" r:id="rId10"/>
-    <p:sldId id="275" r:id="rId11"/>
-    <p:sldId id="277" r:id="rId12"/>
-    <p:sldId id="278" r:id="rId13"/>
-    <p:sldId id="276" r:id="rId14"/>
-    <p:sldId id="273" r:id="rId15"/>
-    <p:sldId id="279" r:id="rId16"/>
-    <p:sldId id="283" r:id="rId17"/>
-    <p:sldId id="284" r:id="rId18"/>
-    <p:sldId id="263" r:id="rId19"/>
-    <p:sldId id="259" r:id="rId20"/>
+    <p:sldId id="273" r:id="rId8"/>
+    <p:sldId id="280" r:id="rId9"/>
+    <p:sldId id="285" r:id="rId10"/>
+    <p:sldId id="281" r:id="rId11"/>
+    <p:sldId id="282" r:id="rId12"/>
+    <p:sldId id="275" r:id="rId13"/>
+    <p:sldId id="277" r:id="rId14"/>
+    <p:sldId id="278" r:id="rId15"/>
+    <p:sldId id="276" r:id="rId16"/>
+    <p:sldId id="279" r:id="rId17"/>
+    <p:sldId id="283" r:id="rId18"/>
+    <p:sldId id="284" r:id="rId19"/>
+    <p:sldId id="263" r:id="rId20"/>
+    <p:sldId id="259" r:id="rId21"/>
   </p:sldIdLst>
   <p:sldSz cx="9144000" cy="5143500" type="screen16x9"/>
   <p:notesSz cx="6858000" cy="9144000"/>
@@ -276,7 +277,7 @@
           <a:p>
             <a:fld id="{C7EFC83C-B988-4A9E-9713-F559C31F4362}" type="datetimeFigureOut">
               <a:rPr lang="nl-NL" smtClean="0"/>
-              <a:t>23-1-2024</a:t>
+              <a:t>24-1-2024</a:t>
             </a:fld>
             <a:endParaRPr lang="nl-NL"/>
           </a:p>
@@ -588,181 +589,10 @@
           <a:lstStyle/>
           <a:p>
             <a:r>
-              <a:rPr lang="es-ES" dirty="0"/>
-              <a:t>El resultado que proporcionaste es el resumen de un modelo no lineal que ajusta la variable de respuesta "</a:t>
-            </a:r>
-            <a:r>
-              <a:rPr lang="es-ES" dirty="0" err="1"/>
-              <a:t>Intensity</a:t>
-            </a:r>
-            <a:r>
-              <a:rPr lang="es-ES" dirty="0"/>
-              <a:t>" en función del tiempo ("Day") utilizando un modelo cuadrático. Aquí está la interpretación de los resultados:</a:t>
-            </a:r>
-          </a:p>
-          <a:p>
-            <a:endParaRPr lang="es-ES" dirty="0"/>
-          </a:p>
-          <a:p>
-            <a:r>
-              <a:rPr lang="es-ES" dirty="0"/>
-              <a:t>Coeficientes del Modelo:</a:t>
-            </a:r>
-          </a:p>
-          <a:p>
-            <a:r>
-              <a:rPr lang="es-ES" dirty="0"/>
-              <a:t>b0 (Intercepto): 0.0006098. Este es el valor esperado de la intensidad cuando "Day" es igual a cero.</a:t>
-            </a:r>
-          </a:p>
-          <a:p>
-            <a:endParaRPr lang="es-ES" dirty="0"/>
-          </a:p>
-          <a:p>
-            <a:r>
-              <a:rPr lang="es-ES" dirty="0"/>
-              <a:t>b1 (Coeficiente de "Day"): 8.894e-06. Este coeficiente indica la tasa de cambio lineal en la intensidad respecto al tiempo.</a:t>
-            </a:r>
-          </a:p>
-          <a:p>
-            <a:endParaRPr lang="es-ES" dirty="0"/>
-          </a:p>
-          <a:p>
-            <a:r>
-              <a:rPr lang="es-ES" dirty="0"/>
-              <a:t>b2 (Coeficiente de "Day^2"): -2.776e-07. Este coeficiente indica la tasa de cambio cuadrática en la intensidad respecto al tiempo.</a:t>
-            </a:r>
-          </a:p>
-          <a:p>
-            <a:endParaRPr lang="es-ES" dirty="0"/>
-          </a:p>
-          <a:p>
-            <a:r>
-              <a:rPr lang="es-ES" dirty="0"/>
-              <a:t>Significancia Estadística:</a:t>
-            </a:r>
-          </a:p>
-          <a:p>
-            <a:r>
-              <a:rPr lang="es-ES" dirty="0"/>
-              <a:t>Todos los coeficientes son estadísticamente significativos según las estrellas y el valor p:</a:t>
-            </a:r>
-          </a:p>
-          <a:p>
-            <a:r>
-              <a:rPr lang="es-ES" dirty="0"/>
-              <a:t>b0: Muy significativo (p &lt; 0.001).</a:t>
-            </a:r>
-          </a:p>
-          <a:p>
-            <a:r>
-              <a:rPr lang="es-ES" dirty="0"/>
-              <a:t>b1: Significativo (0.01 &lt; p &lt; 0.05).</a:t>
-            </a:r>
-          </a:p>
-          <a:p>
-            <a:r>
-              <a:rPr lang="es-ES" dirty="0"/>
-              <a:t>b2: Significativo (0.01 &lt; p &lt; 0.05).</a:t>
-            </a:r>
-          </a:p>
-          <a:p>
-            <a:r>
-              <a:rPr lang="es-ES" dirty="0"/>
-              <a:t>Residual Standard Error:</a:t>
-            </a:r>
-          </a:p>
-          <a:p>
-            <a:r>
-              <a:rPr lang="es-ES" dirty="0"/>
-              <a:t>La "Residual standard error" es 0.004356. Es la desviación estándar de los residuos, que son las diferencias entre los valores observados y los valores predichos por el modelo.</a:t>
-            </a:r>
-          </a:p>
-          <a:p>
-            <a:r>
-              <a:rPr lang="es-ES" dirty="0"/>
-              <a:t>Número de Grados de Libertad y Convergencia:</a:t>
-            </a:r>
-          </a:p>
-          <a:p>
-            <a:r>
-              <a:rPr lang="es-ES" dirty="0"/>
-              <a:t>El modelo se ajustó a 188807 grados de libertad.</a:t>
-            </a:r>
-          </a:p>
-          <a:p>
-            <a:endParaRPr lang="es-ES" dirty="0"/>
-          </a:p>
-          <a:p>
-            <a:r>
-              <a:rPr lang="es-ES" dirty="0"/>
-              <a:t>El modelo alcanzó la convergencia en una sola iteración con una tolerancia de convergencia muy pequeña (3.226e-10).</a:t>
-            </a:r>
-          </a:p>
-          <a:p>
-            <a:endParaRPr lang="es-ES" dirty="0"/>
-          </a:p>
-          <a:p>
-            <a:r>
-              <a:rPr lang="es-ES" dirty="0"/>
-              <a:t>Interpretación Global:</a:t>
-            </a:r>
-          </a:p>
-          <a:p>
-            <a:r>
-              <a:rPr lang="es-ES" dirty="0"/>
-              <a:t>El modelo cuadrático proporciona una descripción significativa de cómo la intensidad cambia en función del tiempo.</a:t>
-            </a:r>
-          </a:p>
-          <a:p>
-            <a:endParaRPr lang="es-ES" dirty="0"/>
-          </a:p>
-          <a:p>
-            <a:r>
-              <a:rPr lang="es-ES" dirty="0"/>
-              <a:t>El intercepto (b0) es la intensidad estimada al comienzo del período de tiempo considerado.</a:t>
-            </a:r>
-          </a:p>
-          <a:p>
-            <a:endParaRPr lang="es-ES" dirty="0"/>
-          </a:p>
-          <a:p>
-            <a:r>
-              <a:rPr lang="es-ES" dirty="0"/>
-              <a:t>El coeficiente lineal (b1) y el coeficiente cuadrático (b2) indican las tasas de cambio lineal y cuadrática en la intensidad a lo largo del tiempo.</a:t>
-            </a:r>
-          </a:p>
-          <a:p>
-            <a:endParaRPr lang="es-ES" dirty="0"/>
-          </a:p>
-          <a:p>
-            <a:r>
-              <a:rPr lang="es-ES" dirty="0"/>
-              <a:t>En resumen, el modelo sugiere que la intensidad cambia de manera significativa con el tiempo, y la tasa de cambio no es constante. La significancia de los coeficientes y el buen ajuste del modelo (bajo residual standard error y rápida convergencia) respaldan la utilidad del modelo para describir la relación entre "</a:t>
-            </a:r>
-            <a:r>
-              <a:rPr lang="es-ES" dirty="0" err="1"/>
-              <a:t>Intensity</a:t>
-            </a:r>
-            <a:r>
-              <a:rPr lang="es-ES" dirty="0"/>
-              <a:t>" y "Day". La interpretación precisa dependerá del contexto específico de tu investigación y de la naturaleza de tus datos.</a:t>
-            </a:r>
-          </a:p>
-          <a:p>
-            <a:endParaRPr lang="es-ES" dirty="0"/>
-          </a:p>
-          <a:p>
-            <a:endParaRPr lang="es-ES" dirty="0"/>
-          </a:p>
-          <a:p>
-            <a:endParaRPr lang="es-ES" dirty="0"/>
-          </a:p>
-          <a:p>
-            <a:endParaRPr lang="es-ES" dirty="0"/>
-          </a:p>
-          <a:p>
-            <a:endParaRPr lang="nl-NL" dirty="0"/>
+              <a:rPr lang="en-US" dirty="0"/>
+              <a:t>where the variables are decomposed into two new columns, "Mass" (containing the names of the pivoted columns) and "Intensity" (containing the values associated with those columns).</a:t>
+            </a:r>
+            <a:endParaRPr lang="en-GB" dirty="0"/>
           </a:p>
         </p:txBody>
       </p:sp>
@@ -783,7 +613,7 @@
           <a:p>
             <a:fld id="{55D45D2F-C69D-4D90-B22B-9B2DC58DBD55}" type="slidenum">
               <a:rPr lang="nl-NL" smtClean="0"/>
-              <a:t>12</a:t>
+              <a:t>6</a:t>
             </a:fld>
             <a:endParaRPr lang="nl-NL"/>
           </a:p>
@@ -792,7 +622,7 @@
     </p:spTree>
     <p:extLst>
       <p:ext uri="{BB962C8B-B14F-4D97-AF65-F5344CB8AC3E}">
-        <p14:creationId xmlns:p14="http://schemas.microsoft.com/office/powerpoint/2010/main" val="2463932513"/>
+        <p14:creationId xmlns:p14="http://schemas.microsoft.com/office/powerpoint/2010/main" val="1221425531"/>
       </p:ext>
     </p:extLst>
   </p:cSld>
@@ -846,6 +676,265 @@
           <a:bodyPr/>
           <a:lstStyle/>
           <a:p>
+            <a:r>
+              <a:rPr lang="es-ES" dirty="0"/>
+              <a:t>El resultado que proporcionaste es el resumen de un modelo no lineal que ajusta la variable de respuesta "</a:t>
+            </a:r>
+            <a:r>
+              <a:rPr lang="es-ES" dirty="0" err="1"/>
+              <a:t>Intensity</a:t>
+            </a:r>
+            <a:r>
+              <a:rPr lang="es-ES" dirty="0"/>
+              <a:t>" en función del tiempo ("Day") utilizando un modelo cuadrático. Aquí está la interpretación de los resultados:</a:t>
+            </a:r>
+          </a:p>
+          <a:p>
+            <a:endParaRPr lang="es-ES" dirty="0"/>
+          </a:p>
+          <a:p>
+            <a:r>
+              <a:rPr lang="es-ES" dirty="0"/>
+              <a:t>Coeficientes del Modelo:</a:t>
+            </a:r>
+          </a:p>
+          <a:p>
+            <a:r>
+              <a:rPr lang="es-ES" dirty="0"/>
+              <a:t>b0 (Intercepto): 0.0006098. Este es el valor esperado de la intensidad cuando "Day" es igual a cero.</a:t>
+            </a:r>
+          </a:p>
+          <a:p>
+            <a:endParaRPr lang="es-ES" dirty="0"/>
+          </a:p>
+          <a:p>
+            <a:r>
+              <a:rPr lang="es-ES" dirty="0"/>
+              <a:t>b1 (Coeficiente de "Day"): 8.894e-06. Este coeficiente indica la tasa de cambio lineal en la intensidad respecto al tiempo.</a:t>
+            </a:r>
+          </a:p>
+          <a:p>
+            <a:endParaRPr lang="es-ES" dirty="0"/>
+          </a:p>
+          <a:p>
+            <a:r>
+              <a:rPr lang="es-ES" dirty="0"/>
+              <a:t>b2 (Coeficiente de "Day^2"): -2.776e-07. Este coeficiente indica la tasa de cambio cuadrática en la intensidad respecto al tiempo.</a:t>
+            </a:r>
+          </a:p>
+          <a:p>
+            <a:endParaRPr lang="es-ES" dirty="0"/>
+          </a:p>
+          <a:p>
+            <a:r>
+              <a:rPr lang="es-ES" dirty="0"/>
+              <a:t>Significancia Estadística:</a:t>
+            </a:r>
+          </a:p>
+          <a:p>
+            <a:r>
+              <a:rPr lang="es-ES" dirty="0"/>
+              <a:t>Todos los coeficientes son estadísticamente significativos según las estrellas y el valor p:</a:t>
+            </a:r>
+          </a:p>
+          <a:p>
+            <a:r>
+              <a:rPr lang="es-ES" dirty="0"/>
+              <a:t>b0: Muy significativo (p &lt; 0.001).</a:t>
+            </a:r>
+          </a:p>
+          <a:p>
+            <a:r>
+              <a:rPr lang="es-ES" dirty="0"/>
+              <a:t>b1: Significativo (0.01 &lt; p &lt; 0.05).</a:t>
+            </a:r>
+          </a:p>
+          <a:p>
+            <a:r>
+              <a:rPr lang="es-ES" dirty="0"/>
+              <a:t>b2: Significativo (0.01 &lt; p &lt; 0.05).</a:t>
+            </a:r>
+          </a:p>
+          <a:p>
+            <a:r>
+              <a:rPr lang="es-ES" dirty="0"/>
+              <a:t>Residual Standard Error:</a:t>
+            </a:r>
+          </a:p>
+          <a:p>
+            <a:r>
+              <a:rPr lang="es-ES" dirty="0"/>
+              <a:t>La "Residual standard error" es 0.004356. Es la desviación estándar de los residuos, que son las diferencias entre los valores observados y los valores predichos por el modelo.</a:t>
+            </a:r>
+          </a:p>
+          <a:p>
+            <a:r>
+              <a:rPr lang="es-ES" dirty="0"/>
+              <a:t>Número de Grados de Libertad y Convergencia:</a:t>
+            </a:r>
+          </a:p>
+          <a:p>
+            <a:r>
+              <a:rPr lang="es-ES" dirty="0"/>
+              <a:t>El modelo se ajustó a 188807 grados de libertad.</a:t>
+            </a:r>
+          </a:p>
+          <a:p>
+            <a:endParaRPr lang="es-ES" dirty="0"/>
+          </a:p>
+          <a:p>
+            <a:r>
+              <a:rPr lang="es-ES" dirty="0"/>
+              <a:t>El modelo alcanzó la convergencia en una sola iteración con una tolerancia de convergencia muy pequeña (3.226e-10).</a:t>
+            </a:r>
+          </a:p>
+          <a:p>
+            <a:endParaRPr lang="es-ES" dirty="0"/>
+          </a:p>
+          <a:p>
+            <a:r>
+              <a:rPr lang="es-ES" dirty="0"/>
+              <a:t>Interpretación Global:</a:t>
+            </a:r>
+          </a:p>
+          <a:p>
+            <a:r>
+              <a:rPr lang="es-ES" dirty="0"/>
+              <a:t>El modelo cuadrático proporciona una descripción significativa de cómo la intensidad cambia en función del tiempo.</a:t>
+            </a:r>
+          </a:p>
+          <a:p>
+            <a:endParaRPr lang="es-ES" dirty="0"/>
+          </a:p>
+          <a:p>
+            <a:r>
+              <a:rPr lang="es-ES" dirty="0"/>
+              <a:t>El intercepto (b0) es la intensidad estimada al comienzo del período de tiempo considerado.</a:t>
+            </a:r>
+          </a:p>
+          <a:p>
+            <a:endParaRPr lang="es-ES" dirty="0"/>
+          </a:p>
+          <a:p>
+            <a:r>
+              <a:rPr lang="es-ES" dirty="0"/>
+              <a:t>El coeficiente lineal (b1) y el coeficiente cuadrático (b2) indican las tasas de cambio lineal y cuadrática en la intensidad a lo largo del tiempo.</a:t>
+            </a:r>
+          </a:p>
+          <a:p>
+            <a:endParaRPr lang="es-ES" dirty="0"/>
+          </a:p>
+          <a:p>
+            <a:r>
+              <a:rPr lang="es-ES" dirty="0"/>
+              <a:t>En resumen, el modelo sugiere que la intensidad cambia de manera significativa con el tiempo, y la tasa de cambio no es constante. La significancia de los coeficientes y el buen ajuste del modelo (bajo residual standard error y rápida convergencia) respaldan la utilidad del modelo para describir la relación entre "</a:t>
+            </a:r>
+            <a:r>
+              <a:rPr lang="es-ES" dirty="0" err="1"/>
+              <a:t>Intensity</a:t>
+            </a:r>
+            <a:r>
+              <a:rPr lang="es-ES" dirty="0"/>
+              <a:t>" y "Day". La interpretación precisa dependerá del contexto específico de tu investigación y de la naturaleza de tus datos.</a:t>
+            </a:r>
+          </a:p>
+          <a:p>
+            <a:endParaRPr lang="es-ES" dirty="0"/>
+          </a:p>
+          <a:p>
+            <a:endParaRPr lang="es-ES" dirty="0"/>
+          </a:p>
+          <a:p>
+            <a:endParaRPr lang="es-ES" dirty="0"/>
+          </a:p>
+          <a:p>
+            <a:endParaRPr lang="es-ES" dirty="0"/>
+          </a:p>
+          <a:p>
+            <a:endParaRPr lang="nl-NL" dirty="0"/>
+          </a:p>
+        </p:txBody>
+      </p:sp>
+      <p:sp>
+        <p:nvSpPr>
+          <p:cNvPr id="4" name="Slide Number Placeholder 3"/>
+          <p:cNvSpPr>
+            <a:spLocks noGrp="1"/>
+          </p:cNvSpPr>
+          <p:nvPr>
+            <p:ph type="sldNum" sz="quarter" idx="5"/>
+          </p:nvPr>
+        </p:nvSpPr>
+        <p:spPr/>
+        <p:txBody>
+          <a:bodyPr/>
+          <a:lstStyle/>
+          <a:p>
+            <a:fld id="{55D45D2F-C69D-4D90-B22B-9B2DC58DBD55}" type="slidenum">
+              <a:rPr lang="nl-NL" smtClean="0"/>
+              <a:t>13</a:t>
+            </a:fld>
+            <a:endParaRPr lang="nl-NL"/>
+          </a:p>
+        </p:txBody>
+      </p:sp>
+    </p:spTree>
+    <p:extLst>
+      <p:ext uri="{BB962C8B-B14F-4D97-AF65-F5344CB8AC3E}">
+        <p14:creationId xmlns:p14="http://schemas.microsoft.com/office/powerpoint/2010/main" val="2463932513"/>
+      </p:ext>
+    </p:extLst>
+  </p:cSld>
+  <p:clrMapOvr>
+    <a:masterClrMapping/>
+  </p:clrMapOvr>
+</p:notes>
+</file>
+
+<file path=ppt/notesSlides/notesSlide3.xml><?xml version="1.0" encoding="utf-8"?>
+<p:notes xmlns:a="http://schemas.openxmlformats.org/drawingml/2006/main" xmlns:r="http://schemas.openxmlformats.org/officeDocument/2006/relationships" xmlns:p="http://schemas.openxmlformats.org/presentationml/2006/main">
+  <p:cSld>
+    <p:spTree>
+      <p:nvGrpSpPr>
+        <p:cNvPr id="1" name=""/>
+        <p:cNvGrpSpPr/>
+        <p:nvPr/>
+      </p:nvGrpSpPr>
+      <p:grpSpPr>
+        <a:xfrm>
+          <a:off x="0" y="0"/>
+          <a:ext cx="0" cy="0"/>
+          <a:chOff x="0" y="0"/>
+          <a:chExt cx="0" cy="0"/>
+        </a:xfrm>
+      </p:grpSpPr>
+      <p:sp>
+        <p:nvSpPr>
+          <p:cNvPr id="2" name="Slide Image Placeholder 1"/>
+          <p:cNvSpPr>
+            <a:spLocks noGrp="1" noRot="1" noChangeAspect="1"/>
+          </p:cNvSpPr>
+          <p:nvPr>
+            <p:ph type="sldImg"/>
+          </p:nvPr>
+        </p:nvSpPr>
+        <p:spPr/>
+      </p:sp>
+      <p:sp>
+        <p:nvSpPr>
+          <p:cNvPr id="3" name="Notes Placeholder 2"/>
+          <p:cNvSpPr>
+            <a:spLocks noGrp="1"/>
+          </p:cNvSpPr>
+          <p:nvPr>
+            <p:ph type="body" idx="1"/>
+          </p:nvPr>
+        </p:nvSpPr>
+        <p:spPr/>
+        <p:txBody>
+          <a:bodyPr/>
+          <a:lstStyle/>
+          <a:p>
             <a:pPr algn="l">
               <a:buFont typeface="+mj-lt"/>
               <a:buAutoNum type="arabicPeriod"/>
@@ -1079,7 +1168,7 @@
           <a:p>
             <a:fld id="{55D45D2F-C69D-4D90-B22B-9B2DC58DBD55}" type="slidenum">
               <a:rPr lang="nl-NL" smtClean="0"/>
-              <a:t>13</a:t>
+              <a:t>14</a:t>
             </a:fld>
             <a:endParaRPr lang="nl-NL"/>
           </a:p>
@@ -8661,7 +8750,7 @@
         <p:spPr>
           <a:xfrm>
             <a:off x="561600" y="169210"/>
-            <a:ext cx="8330400" cy="593681"/>
+            <a:ext cx="8330400" cy="535640"/>
           </a:xfrm>
         </p:spPr>
         <p:txBody>
@@ -8675,7 +8764,23 @@
                 <a:ea typeface="Calibri" panose="020F0502020204030204" pitchFamily="34" charset="0"/>
                 <a:cs typeface="Times New Roman" panose="02020603050405020304" pitchFamily="18" charset="0"/>
               </a:rPr>
-              <a:t>Is there significant difference within days,  with all Temperatures, in Mass 45? </a:t>
+              <a:t>Is there significant difference within days,  with all Temperatures, </a:t>
+            </a:r>
+            <a:r>
+              <a:rPr lang="en-US" sz="1200" dirty="0">
+                <a:ea typeface="Calibri" panose="020F0502020204030204" pitchFamily="34" charset="0"/>
+                <a:cs typeface="Times New Roman" panose="02020603050405020304" pitchFamily="18" charset="0"/>
+              </a:rPr>
+              <a:t>in Masses 57, 60 and 74</a:t>
+            </a:r>
+            <a:r>
+              <a:rPr lang="en-US" sz="1200" dirty="0">
+                <a:effectLst/>
+                <a:latin typeface="Verdana" panose="020B0604030504040204" pitchFamily="34" charset="0"/>
+                <a:ea typeface="Calibri" panose="020F0502020204030204" pitchFamily="34" charset="0"/>
+                <a:cs typeface="Times New Roman" panose="02020603050405020304" pitchFamily="18" charset="0"/>
+              </a:rPr>
+              <a:t>? </a:t>
             </a:r>
             <a:br>
               <a:rPr lang="en-US" sz="2800" dirty="0">
@@ -8715,6 +8820,418 @@
               <a:rPr lang="en-GB" noProof="0" smtClean="0"/>
               <a:pPr algn="r"/>
               <a:t>10</a:t>
+            </a:fld>
+            <a:endParaRPr lang="en-GB" noProof="0" dirty="0"/>
+          </a:p>
+        </p:txBody>
+      </p:sp>
+      <p:pic>
+        <p:nvPicPr>
+          <p:cNvPr id="8" name="Picture 7">
+            <a:extLst>
+              <a:ext uri="{FF2B5EF4-FFF2-40B4-BE49-F238E27FC236}">
+                <a16:creationId xmlns:a16="http://schemas.microsoft.com/office/drawing/2014/main" id="{2569925D-151D-3CEA-2E59-8A0B44B21B4C}"/>
+              </a:ext>
+            </a:extLst>
+          </p:cNvPr>
+          <p:cNvPicPr>
+            <a:picLocks noChangeAspect="1"/>
+          </p:cNvPicPr>
+          <p:nvPr/>
+        </p:nvPicPr>
+        <p:blipFill>
+          <a:blip r:embed="rId2"/>
+          <a:stretch>
+            <a:fillRect/>
+          </a:stretch>
+        </p:blipFill>
+        <p:spPr>
+          <a:xfrm>
+            <a:off x="234950" y="1567797"/>
+            <a:ext cx="4756150" cy="1724025"/>
+          </a:xfrm>
+          <a:prstGeom prst="rect">
+            <a:avLst/>
+          </a:prstGeom>
+        </p:spPr>
+      </p:pic>
+      <p:pic>
+        <p:nvPicPr>
+          <p:cNvPr id="10" name="Picture 9">
+            <a:extLst>
+              <a:ext uri="{FF2B5EF4-FFF2-40B4-BE49-F238E27FC236}">
+                <a16:creationId xmlns:a16="http://schemas.microsoft.com/office/drawing/2014/main" id="{9225D1E6-B15B-8431-28E1-AA9064612C32}"/>
+              </a:ext>
+            </a:extLst>
+          </p:cNvPr>
+          <p:cNvPicPr>
+            <a:picLocks noChangeAspect="1"/>
+          </p:cNvPicPr>
+          <p:nvPr/>
+        </p:nvPicPr>
+        <p:blipFill>
+          <a:blip r:embed="rId3"/>
+          <a:stretch>
+            <a:fillRect/>
+          </a:stretch>
+        </p:blipFill>
+        <p:spPr>
+          <a:xfrm>
+            <a:off x="234950" y="4028124"/>
+            <a:ext cx="8801100" cy="504825"/>
+          </a:xfrm>
+          <a:prstGeom prst="rect">
+            <a:avLst/>
+          </a:prstGeom>
+        </p:spPr>
+      </p:pic>
+      <p:pic>
+        <p:nvPicPr>
+          <p:cNvPr id="12" name="Picture 11">
+            <a:extLst>
+              <a:ext uri="{FF2B5EF4-FFF2-40B4-BE49-F238E27FC236}">
+                <a16:creationId xmlns:a16="http://schemas.microsoft.com/office/drawing/2014/main" id="{A16D8BE0-929B-CF1A-BB76-F63C7868E8F5}"/>
+              </a:ext>
+            </a:extLst>
+          </p:cNvPr>
+          <p:cNvPicPr>
+            <a:picLocks noChangeAspect="1"/>
+          </p:cNvPicPr>
+          <p:nvPr/>
+        </p:nvPicPr>
+        <p:blipFill>
+          <a:blip r:embed="rId4"/>
+          <a:stretch>
+            <a:fillRect/>
+          </a:stretch>
+        </p:blipFill>
+        <p:spPr>
+          <a:xfrm>
+            <a:off x="5607050" y="1084524"/>
+            <a:ext cx="2975350" cy="2975350"/>
+          </a:xfrm>
+          <a:prstGeom prst="rect">
+            <a:avLst/>
+          </a:prstGeom>
+        </p:spPr>
+      </p:pic>
+    </p:spTree>
+    <p:extLst>
+      <p:ext uri="{BB962C8B-B14F-4D97-AF65-F5344CB8AC3E}">
+        <p14:creationId xmlns:p14="http://schemas.microsoft.com/office/powerpoint/2010/main" val="1022849291"/>
+      </p:ext>
+    </p:extLst>
+  </p:cSld>
+  <p:clrMapOvr>
+    <a:masterClrMapping/>
+  </p:clrMapOvr>
+</p:sld>
+</file>
+
+<file path=ppt/slides/slide11.xml><?xml version="1.0" encoding="utf-8"?>
+<p:sld xmlns:a="http://schemas.openxmlformats.org/drawingml/2006/main" xmlns:r="http://schemas.openxmlformats.org/officeDocument/2006/relationships" xmlns:p="http://schemas.openxmlformats.org/presentationml/2006/main">
+  <p:cSld>
+    <p:spTree>
+      <p:nvGrpSpPr>
+        <p:cNvPr id="1" name=""/>
+        <p:cNvGrpSpPr/>
+        <p:nvPr/>
+      </p:nvGrpSpPr>
+      <p:grpSpPr>
+        <a:xfrm>
+          <a:off x="0" y="0"/>
+          <a:ext cx="0" cy="0"/>
+          <a:chOff x="0" y="0"/>
+          <a:chExt cx="0" cy="0"/>
+        </a:xfrm>
+      </p:grpSpPr>
+      <p:sp>
+        <p:nvSpPr>
+          <p:cNvPr id="3" name="Title 2">
+            <a:extLst>
+              <a:ext uri="{FF2B5EF4-FFF2-40B4-BE49-F238E27FC236}">
+                <a16:creationId xmlns:a16="http://schemas.microsoft.com/office/drawing/2014/main" id="{2E4AF904-CB08-F340-7698-66705C30594E}"/>
+              </a:ext>
+            </a:extLst>
+          </p:cNvPr>
+          <p:cNvSpPr>
+            <a:spLocks noGrp="1"/>
+          </p:cNvSpPr>
+          <p:nvPr>
+            <p:ph type="title"/>
+          </p:nvPr>
+        </p:nvSpPr>
+        <p:spPr>
+          <a:xfrm>
+            <a:off x="561600" y="169210"/>
+            <a:ext cx="8330400" cy="554690"/>
+          </a:xfrm>
+        </p:spPr>
+        <p:txBody>
+          <a:bodyPr/>
+          <a:lstStyle/>
+          <a:p>
+            <a:r>
+              <a:rPr lang="en-US" sz="1200" dirty="0">
+                <a:effectLst/>
+                <a:latin typeface="Verdana" panose="020B0604030504040204" pitchFamily="34" charset="0"/>
+                <a:ea typeface="Calibri" panose="020F0502020204030204" pitchFamily="34" charset="0"/>
+                <a:cs typeface="Times New Roman" panose="02020603050405020304" pitchFamily="18" charset="0"/>
+              </a:rPr>
+              <a:t>Is there significant difference within days,  with all Temperatures, </a:t>
+            </a:r>
+            <a:r>
+              <a:rPr lang="en-US" sz="1200" dirty="0">
+                <a:ea typeface="Calibri" panose="020F0502020204030204" pitchFamily="34" charset="0"/>
+                <a:cs typeface="Times New Roman" panose="02020603050405020304" pitchFamily="18" charset="0"/>
+              </a:rPr>
+              <a:t>in Masses 57 and 74</a:t>
+            </a:r>
+            <a:r>
+              <a:rPr lang="en-US" sz="1200" dirty="0">
+                <a:effectLst/>
+                <a:latin typeface="Verdana" panose="020B0604030504040204" pitchFamily="34" charset="0"/>
+                <a:ea typeface="Calibri" panose="020F0502020204030204" pitchFamily="34" charset="0"/>
+                <a:cs typeface="Times New Roman" panose="02020603050405020304" pitchFamily="18" charset="0"/>
+              </a:rPr>
+              <a:t>? </a:t>
+            </a:r>
+            <a:br>
+              <a:rPr lang="en-US" sz="2800" dirty="0">
+                <a:effectLst/>
+                <a:latin typeface="Verdana" panose="020B0604030504040204" pitchFamily="34" charset="0"/>
+                <a:ea typeface="Calibri" panose="020F0502020204030204" pitchFamily="34" charset="0"/>
+                <a:cs typeface="Times New Roman" panose="02020603050405020304" pitchFamily="18" charset="0"/>
+              </a:rPr>
+            </a:br>
+            <a:endParaRPr lang="en-GB" dirty="0"/>
+          </a:p>
+        </p:txBody>
+      </p:sp>
+      <p:sp>
+        <p:nvSpPr>
+          <p:cNvPr id="4" name="Slide Number Placeholder 3">
+            <a:extLst>
+              <a:ext uri="{FF2B5EF4-FFF2-40B4-BE49-F238E27FC236}">
+                <a16:creationId xmlns:a16="http://schemas.microsoft.com/office/drawing/2014/main" id="{E759A487-083D-362F-7E77-C80D6A9C5BB4}"/>
+              </a:ext>
+            </a:extLst>
+          </p:cNvPr>
+          <p:cNvSpPr>
+            <a:spLocks noGrp="1"/>
+          </p:cNvSpPr>
+          <p:nvPr>
+            <p:ph type="sldNum" sz="quarter" idx="11"/>
+          </p:nvPr>
+        </p:nvSpPr>
+        <p:spPr/>
+        <p:txBody>
+          <a:bodyPr/>
+          <a:lstStyle/>
+          <a:p>
+            <a:pPr algn="r"/>
+            <a:fld id="{F25965E0-7062-474C-8671-DB3A3CE669B0}" type="slidenum">
+              <a:rPr lang="en-GB" noProof="0" smtClean="0"/>
+              <a:pPr algn="r"/>
+              <a:t>11</a:t>
+            </a:fld>
+            <a:endParaRPr lang="en-GB" noProof="0" dirty="0"/>
+          </a:p>
+        </p:txBody>
+      </p:sp>
+      <p:pic>
+        <p:nvPicPr>
+          <p:cNvPr id="5" name="Picture 4">
+            <a:extLst>
+              <a:ext uri="{FF2B5EF4-FFF2-40B4-BE49-F238E27FC236}">
+                <a16:creationId xmlns:a16="http://schemas.microsoft.com/office/drawing/2014/main" id="{1934FD82-DB8D-18D1-3832-C58A83607FA0}"/>
+              </a:ext>
+            </a:extLst>
+          </p:cNvPr>
+          <p:cNvPicPr>
+            <a:picLocks noChangeAspect="1"/>
+          </p:cNvPicPr>
+          <p:nvPr/>
+        </p:nvPicPr>
+        <p:blipFill>
+          <a:blip r:embed="rId2"/>
+          <a:stretch>
+            <a:fillRect/>
+          </a:stretch>
+        </p:blipFill>
+        <p:spPr>
+          <a:xfrm>
+            <a:off x="5270500" y="1307655"/>
+            <a:ext cx="3314700" cy="3314700"/>
+          </a:xfrm>
+          <a:prstGeom prst="rect">
+            <a:avLst/>
+          </a:prstGeom>
+        </p:spPr>
+      </p:pic>
+      <p:pic>
+        <p:nvPicPr>
+          <p:cNvPr id="7" name="Picture 6">
+            <a:extLst>
+              <a:ext uri="{FF2B5EF4-FFF2-40B4-BE49-F238E27FC236}">
+                <a16:creationId xmlns:a16="http://schemas.microsoft.com/office/drawing/2014/main" id="{4CC8E983-71D0-9BA2-4068-DB64F76D310B}"/>
+              </a:ext>
+            </a:extLst>
+          </p:cNvPr>
+          <p:cNvPicPr>
+            <a:picLocks noChangeAspect="1"/>
+          </p:cNvPicPr>
+          <p:nvPr/>
+        </p:nvPicPr>
+        <p:blipFill>
+          <a:blip r:embed="rId3"/>
+          <a:stretch>
+            <a:fillRect/>
+          </a:stretch>
+        </p:blipFill>
+        <p:spPr>
+          <a:xfrm>
+            <a:off x="469900" y="1530350"/>
+            <a:ext cx="4724400" cy="1598481"/>
+          </a:xfrm>
+          <a:prstGeom prst="rect">
+            <a:avLst/>
+          </a:prstGeom>
+        </p:spPr>
+      </p:pic>
+      <p:pic>
+        <p:nvPicPr>
+          <p:cNvPr id="11" name="Picture 10">
+            <a:extLst>
+              <a:ext uri="{FF2B5EF4-FFF2-40B4-BE49-F238E27FC236}">
+                <a16:creationId xmlns:a16="http://schemas.microsoft.com/office/drawing/2014/main" id="{487BCF51-63A3-8F62-486C-DE8773D2FC47}"/>
+              </a:ext>
+            </a:extLst>
+          </p:cNvPr>
+          <p:cNvPicPr>
+            <a:picLocks noChangeAspect="1"/>
+          </p:cNvPicPr>
+          <p:nvPr/>
+        </p:nvPicPr>
+        <p:blipFill>
+          <a:blip r:embed="rId4"/>
+          <a:stretch>
+            <a:fillRect/>
+          </a:stretch>
+        </p:blipFill>
+        <p:spPr>
+          <a:xfrm>
+            <a:off x="320163" y="3803159"/>
+            <a:ext cx="5191637" cy="499179"/>
+          </a:xfrm>
+          <a:prstGeom prst="rect">
+            <a:avLst/>
+          </a:prstGeom>
+        </p:spPr>
+      </p:pic>
+    </p:spTree>
+    <p:extLst>
+      <p:ext uri="{BB962C8B-B14F-4D97-AF65-F5344CB8AC3E}">
+        <p14:creationId xmlns:p14="http://schemas.microsoft.com/office/powerpoint/2010/main" val="3697640760"/>
+      </p:ext>
+    </p:extLst>
+  </p:cSld>
+  <p:clrMapOvr>
+    <a:masterClrMapping/>
+  </p:clrMapOvr>
+</p:sld>
+</file>
+
+<file path=ppt/slides/slide12.xml><?xml version="1.0" encoding="utf-8"?>
+<p:sld xmlns:a="http://schemas.openxmlformats.org/drawingml/2006/main" xmlns:r="http://schemas.openxmlformats.org/officeDocument/2006/relationships" xmlns:p="http://schemas.openxmlformats.org/presentationml/2006/main">
+  <p:cSld>
+    <p:spTree>
+      <p:nvGrpSpPr>
+        <p:cNvPr id="1" name=""/>
+        <p:cNvGrpSpPr/>
+        <p:nvPr/>
+      </p:nvGrpSpPr>
+      <p:grpSpPr>
+        <a:xfrm>
+          <a:off x="0" y="0"/>
+          <a:ext cx="0" cy="0"/>
+          <a:chOff x="0" y="0"/>
+          <a:chExt cx="0" cy="0"/>
+        </a:xfrm>
+      </p:grpSpPr>
+      <p:sp>
+        <p:nvSpPr>
+          <p:cNvPr id="3" name="Title 2">
+            <a:extLst>
+              <a:ext uri="{FF2B5EF4-FFF2-40B4-BE49-F238E27FC236}">
+                <a16:creationId xmlns:a16="http://schemas.microsoft.com/office/drawing/2014/main" id="{2E4AF904-CB08-F340-7698-66705C30594E}"/>
+              </a:ext>
+            </a:extLst>
+          </p:cNvPr>
+          <p:cNvSpPr>
+            <a:spLocks noGrp="1"/>
+          </p:cNvSpPr>
+          <p:nvPr>
+            <p:ph type="title"/>
+          </p:nvPr>
+        </p:nvSpPr>
+        <p:spPr>
+          <a:xfrm>
+            <a:off x="561600" y="169210"/>
+            <a:ext cx="8330400" cy="593681"/>
+          </a:xfrm>
+        </p:spPr>
+        <p:txBody>
+          <a:bodyPr/>
+          <a:lstStyle/>
+          <a:p>
+            <a:r>
+              <a:rPr lang="en-US" sz="1200" dirty="0">
+                <a:effectLst/>
+                <a:latin typeface="Verdana" panose="020B0604030504040204" pitchFamily="34" charset="0"/>
+                <a:ea typeface="Calibri" panose="020F0502020204030204" pitchFamily="34" charset="0"/>
+                <a:cs typeface="Times New Roman" panose="02020603050405020304" pitchFamily="18" charset="0"/>
+              </a:rPr>
+              <a:t>Is there significant difference within days,  with all Temperatures, in Mass 45? </a:t>
+            </a:r>
+            <a:br>
+              <a:rPr lang="en-US" sz="2800" dirty="0">
+                <a:effectLst/>
+                <a:latin typeface="Verdana" panose="020B0604030504040204" pitchFamily="34" charset="0"/>
+                <a:ea typeface="Calibri" panose="020F0502020204030204" pitchFamily="34" charset="0"/>
+                <a:cs typeface="Times New Roman" panose="02020603050405020304" pitchFamily="18" charset="0"/>
+              </a:rPr>
+            </a:br>
+            <a:endParaRPr lang="en-GB" dirty="0"/>
+          </a:p>
+        </p:txBody>
+      </p:sp>
+      <p:sp>
+        <p:nvSpPr>
+          <p:cNvPr id="4" name="Slide Number Placeholder 3">
+            <a:extLst>
+              <a:ext uri="{FF2B5EF4-FFF2-40B4-BE49-F238E27FC236}">
+                <a16:creationId xmlns:a16="http://schemas.microsoft.com/office/drawing/2014/main" id="{E759A487-083D-362F-7E77-C80D6A9C5BB4}"/>
+              </a:ext>
+            </a:extLst>
+          </p:cNvPr>
+          <p:cNvSpPr>
+            <a:spLocks noGrp="1"/>
+          </p:cNvSpPr>
+          <p:nvPr>
+            <p:ph type="sldNum" sz="quarter" idx="11"/>
+          </p:nvPr>
+        </p:nvSpPr>
+        <p:spPr/>
+        <p:txBody>
+          <a:bodyPr/>
+          <a:lstStyle/>
+          <a:p>
+            <a:pPr algn="r"/>
+            <a:fld id="{F25965E0-7062-474C-8671-DB3A3CE669B0}" type="slidenum">
+              <a:rPr lang="en-GB" noProof="0" smtClean="0"/>
+              <a:pPr algn="r"/>
+              <a:t>12</a:t>
             </a:fld>
             <a:endParaRPr lang="en-GB" noProof="0" dirty="0"/>
           </a:p>
@@ -8823,7 +9340,7 @@
 </p:sld>
 </file>
 
-<file path=ppt/slides/slide11.xml><?xml version="1.0" encoding="utf-8"?>
+<file path=ppt/slides/slide13.xml><?xml version="1.0" encoding="utf-8"?>
 <p:sld xmlns:a="http://schemas.openxmlformats.org/drawingml/2006/main" xmlns:r="http://schemas.openxmlformats.org/officeDocument/2006/relationships" xmlns:p="http://schemas.openxmlformats.org/presentationml/2006/main">
   <p:cSld>
     <p:spTree>
@@ -8842,409 +9359,6 @@
       </p:grpSpPr>
       <p:sp>
         <p:nvSpPr>
-          <p:cNvPr id="2" name="Text Placeholder 1">
-            <a:extLst>
-              <a:ext uri="{FF2B5EF4-FFF2-40B4-BE49-F238E27FC236}">
-                <a16:creationId xmlns:a16="http://schemas.microsoft.com/office/drawing/2014/main" id="{A67D0562-40B3-E9AC-B7F1-28B2712627FB}"/>
-              </a:ext>
-            </a:extLst>
-          </p:cNvPr>
-          <p:cNvSpPr>
-            <a:spLocks noGrp="1"/>
-          </p:cNvSpPr>
-          <p:nvPr>
-            <p:ph type="body" sz="quarter" idx="10"/>
-          </p:nvPr>
-        </p:nvSpPr>
-        <p:spPr/>
-        <p:txBody>
-          <a:bodyPr numCol="2"/>
-          <a:lstStyle/>
-          <a:p>
-            <a:r>
-              <a:rPr lang="en-GB" dirty="0"/>
-              <a:t>Day 15: Temperature is not significant (F value=0.860)</a:t>
-            </a:r>
-          </a:p>
-          <a:p>
-            <a:endParaRPr lang="en-GB" dirty="0"/>
-          </a:p>
-          <a:p>
-            <a:endParaRPr lang="en-GB" dirty="0"/>
-          </a:p>
-          <a:p>
-            <a:endParaRPr lang="en-GB" dirty="0"/>
-          </a:p>
-          <a:p>
-            <a:endParaRPr lang="en-GB" dirty="0"/>
-          </a:p>
-          <a:p>
-            <a:endParaRPr lang="en-GB" dirty="0"/>
-          </a:p>
-          <a:p>
-            <a:r>
-              <a:rPr lang="en-GB" dirty="0"/>
-              <a:t>Day 18: Temperature is significant (F value=0.029)</a:t>
-            </a:r>
-          </a:p>
-          <a:p>
-            <a:endParaRPr lang="en-GB" dirty="0"/>
-          </a:p>
-          <a:p>
-            <a:endParaRPr lang="en-GB" dirty="0"/>
-          </a:p>
-        </p:txBody>
-      </p:sp>
-      <p:sp>
-        <p:nvSpPr>
-          <p:cNvPr id="3" name="Title 2">
-            <a:extLst>
-              <a:ext uri="{FF2B5EF4-FFF2-40B4-BE49-F238E27FC236}">
-                <a16:creationId xmlns:a16="http://schemas.microsoft.com/office/drawing/2014/main" id="{A681B626-5D1C-5BD0-FA07-9033B01D3122}"/>
-              </a:ext>
-            </a:extLst>
-          </p:cNvPr>
-          <p:cNvSpPr>
-            <a:spLocks noGrp="1"/>
-          </p:cNvSpPr>
-          <p:nvPr>
-            <p:ph type="title"/>
-          </p:nvPr>
-        </p:nvSpPr>
-        <p:spPr>
-          <a:xfrm>
-            <a:off x="561600" y="169210"/>
-            <a:ext cx="8330400" cy="963348"/>
-          </a:xfrm>
-        </p:spPr>
-        <p:txBody>
-          <a:bodyPr/>
-          <a:lstStyle/>
-          <a:p>
-            <a:pPr algn="ctr"/>
-            <a:r>
-              <a:rPr lang="en-US" sz="1400" b="0" i="0" dirty="0">
-                <a:solidFill>
-                  <a:schemeClr val="tx1"/>
-                </a:solidFill>
-                <a:effectLst/>
-                <a:latin typeface="+mj-lt"/>
-              </a:rPr>
-              <a:t>When does the influence of temperature become significant?</a:t>
-            </a:r>
-            <a:br>
-              <a:rPr lang="en-US" sz="1400" b="0" i="0" dirty="0">
-                <a:solidFill>
-                  <a:schemeClr val="tx1"/>
-                </a:solidFill>
-                <a:effectLst/>
-                <a:latin typeface="+mj-lt"/>
-              </a:rPr>
-            </a:br>
-            <a:r>
-              <a:rPr lang="en-US" sz="1400" b="0" i="0" dirty="0">
-                <a:solidFill>
-                  <a:schemeClr val="tx1"/>
-                </a:solidFill>
-                <a:effectLst/>
-                <a:latin typeface="+mj-lt"/>
-              </a:rPr>
-              <a:t> </a:t>
-            </a:r>
-            <a:r>
-              <a:rPr lang="en-US" sz="1400" b="0" i="0" dirty="0">
-                <a:solidFill>
-                  <a:srgbClr val="C00000"/>
-                </a:solidFill>
-                <a:effectLst/>
-                <a:latin typeface="+mj-lt"/>
-              </a:rPr>
-              <a:t>Study the effect of temperature on each day (starting on day 15)</a:t>
-            </a:r>
-            <a:endParaRPr lang="en-GB" sz="1400" dirty="0">
-              <a:solidFill>
-                <a:srgbClr val="C00000"/>
-              </a:solidFill>
-              <a:latin typeface="+mj-lt"/>
-            </a:endParaRPr>
-          </a:p>
-        </p:txBody>
-      </p:sp>
-      <p:sp>
-        <p:nvSpPr>
-          <p:cNvPr id="4" name="Slide Number Placeholder 3">
-            <a:extLst>
-              <a:ext uri="{FF2B5EF4-FFF2-40B4-BE49-F238E27FC236}">
-                <a16:creationId xmlns:a16="http://schemas.microsoft.com/office/drawing/2014/main" id="{8600F044-86F0-6AD6-791D-7F13F118D526}"/>
-              </a:ext>
-            </a:extLst>
-          </p:cNvPr>
-          <p:cNvSpPr>
-            <a:spLocks noGrp="1"/>
-          </p:cNvSpPr>
-          <p:nvPr>
-            <p:ph type="sldNum" sz="quarter" idx="11"/>
-          </p:nvPr>
-        </p:nvSpPr>
-        <p:spPr/>
-        <p:txBody>
-          <a:bodyPr/>
-          <a:lstStyle/>
-          <a:p>
-            <a:pPr algn="r"/>
-            <a:fld id="{F25965E0-7062-474C-8671-DB3A3CE669B0}" type="slidenum">
-              <a:rPr lang="en-GB" noProof="0" smtClean="0"/>
-              <a:pPr algn="r"/>
-              <a:t>11</a:t>
-            </a:fld>
-            <a:endParaRPr lang="en-GB" noProof="0" dirty="0"/>
-          </a:p>
-        </p:txBody>
-      </p:sp>
-      <p:pic>
-        <p:nvPicPr>
-          <p:cNvPr id="6" name="Picture 5">
-            <a:extLst>
-              <a:ext uri="{FF2B5EF4-FFF2-40B4-BE49-F238E27FC236}">
-                <a16:creationId xmlns:a16="http://schemas.microsoft.com/office/drawing/2014/main" id="{238A7B77-D83F-3C5E-9BEC-E24558A93BB4}"/>
-              </a:ext>
-            </a:extLst>
-          </p:cNvPr>
-          <p:cNvPicPr>
-            <a:picLocks noChangeAspect="1"/>
-          </p:cNvPicPr>
-          <p:nvPr/>
-        </p:nvPicPr>
-        <p:blipFill>
-          <a:blip r:embed="rId2"/>
-          <a:stretch>
-            <a:fillRect/>
-          </a:stretch>
-        </p:blipFill>
-        <p:spPr>
-          <a:xfrm>
-            <a:off x="725450" y="2136317"/>
-            <a:ext cx="3769100" cy="1181100"/>
-          </a:xfrm>
-          <a:prstGeom prst="rect">
-            <a:avLst/>
-          </a:prstGeom>
-        </p:spPr>
-      </p:pic>
-      <p:pic>
-        <p:nvPicPr>
-          <p:cNvPr id="9" name="Picture 8">
-            <a:extLst>
-              <a:ext uri="{FF2B5EF4-FFF2-40B4-BE49-F238E27FC236}">
-                <a16:creationId xmlns:a16="http://schemas.microsoft.com/office/drawing/2014/main" id="{C789B1D3-841A-1A79-DADF-D5A52A297A01}"/>
-              </a:ext>
-            </a:extLst>
-          </p:cNvPr>
-          <p:cNvPicPr>
-            <a:picLocks noChangeAspect="1"/>
-          </p:cNvPicPr>
-          <p:nvPr/>
-        </p:nvPicPr>
-        <p:blipFill>
-          <a:blip r:embed="rId3"/>
-          <a:stretch>
-            <a:fillRect/>
-          </a:stretch>
-        </p:blipFill>
-        <p:spPr>
-          <a:xfrm>
-            <a:off x="4726800" y="2097438"/>
-            <a:ext cx="4388400" cy="1181100"/>
-          </a:xfrm>
-          <a:prstGeom prst="rect">
-            <a:avLst/>
-          </a:prstGeom>
-        </p:spPr>
-      </p:pic>
-      <p:sp>
-        <p:nvSpPr>
-          <p:cNvPr id="13" name="TextBox 12">
-            <a:extLst>
-              <a:ext uri="{FF2B5EF4-FFF2-40B4-BE49-F238E27FC236}">
-                <a16:creationId xmlns:a16="http://schemas.microsoft.com/office/drawing/2014/main" id="{B932CC2E-B032-EA2A-94DC-3482BDDECEFD}"/>
-              </a:ext>
-            </a:extLst>
-          </p:cNvPr>
-          <p:cNvSpPr txBox="1"/>
-          <p:nvPr/>
-        </p:nvSpPr>
-        <p:spPr>
-          <a:xfrm>
-            <a:off x="453600" y="3724575"/>
-            <a:ext cx="7661650" cy="523220"/>
-          </a:xfrm>
-          <a:prstGeom prst="rect">
-            <a:avLst/>
-          </a:prstGeom>
-          <a:noFill/>
-        </p:spPr>
-        <p:txBody>
-          <a:bodyPr wrap="square">
-            <a:spAutoFit/>
-          </a:bodyPr>
-          <a:lstStyle/>
-          <a:p>
-            <a:r>
-              <a:rPr lang="en-US" sz="1400" dirty="0"/>
-              <a:t>The influence of temperature on different days was studied using those 4 masses, and no conclusive conclusions were reached.</a:t>
-            </a:r>
-            <a:endParaRPr lang="en-GB" sz="1400" dirty="0"/>
-          </a:p>
-        </p:txBody>
-      </p:sp>
-      <p:sp>
-        <p:nvSpPr>
-          <p:cNvPr id="14" name="Arrow: Right 13">
-            <a:extLst>
-              <a:ext uri="{FF2B5EF4-FFF2-40B4-BE49-F238E27FC236}">
-                <a16:creationId xmlns:a16="http://schemas.microsoft.com/office/drawing/2014/main" id="{9A94EF54-5711-725D-419B-747AE947FEBA}"/>
-              </a:ext>
-            </a:extLst>
-          </p:cNvPr>
-          <p:cNvSpPr/>
-          <p:nvPr/>
-        </p:nvSpPr>
-        <p:spPr>
-          <a:xfrm>
-            <a:off x="2768323" y="4001303"/>
-            <a:ext cx="1022350" cy="313850"/>
-          </a:xfrm>
-          <a:prstGeom prst="rightArrow">
-            <a:avLst/>
-          </a:prstGeom>
-          <a:solidFill>
-            <a:schemeClr val="accent3"/>
-          </a:solidFill>
-          <a:ln>
-            <a:noFill/>
-          </a:ln>
-        </p:spPr>
-        <p:style>
-          <a:lnRef idx="2">
-            <a:schemeClr val="accent1">
-              <a:shade val="50000"/>
-            </a:schemeClr>
-          </a:lnRef>
-          <a:fillRef idx="1">
-            <a:schemeClr val="accent1"/>
-          </a:fillRef>
-          <a:effectRef idx="0">
-            <a:schemeClr val="accent1"/>
-          </a:effectRef>
-          <a:fontRef idx="minor">
-            <a:schemeClr val="lt1"/>
-          </a:fontRef>
-        </p:style>
-        <p:txBody>
-          <a:bodyPr rot="0" spcFirstLastPara="0" vertOverflow="overflow" horzOverflow="overflow" vert="horz" wrap="square" lIns="91440" tIns="45720" rIns="91440" bIns="72000" numCol="1" spcCol="0" rtlCol="0" fromWordArt="0" anchor="ctr" anchorCtr="0" forceAA="0" compatLnSpc="1">
-            <a:prstTxWarp prst="textNoShape">
-              <a:avLst/>
-            </a:prstTxWarp>
-            <a:spAutoFit/>
-          </a:bodyPr>
-          <a:lstStyle/>
-          <a:p>
-            <a:pPr algn="ctr"/>
-            <a:endParaRPr lang="en-GB" sz="1400" dirty="0">
-              <a:solidFill>
-                <a:schemeClr val="tx1"/>
-              </a:solidFill>
-            </a:endParaRPr>
-          </a:p>
-        </p:txBody>
-      </p:sp>
-      <p:sp>
-        <p:nvSpPr>
-          <p:cNvPr id="15" name="TextBox 14">
-            <a:extLst>
-              <a:ext uri="{FF2B5EF4-FFF2-40B4-BE49-F238E27FC236}">
-                <a16:creationId xmlns:a16="http://schemas.microsoft.com/office/drawing/2014/main" id="{ABACFDED-F30D-F651-7F59-7E3BCE541059}"/>
-              </a:ext>
-            </a:extLst>
-          </p:cNvPr>
-          <p:cNvSpPr txBox="1"/>
-          <p:nvPr/>
-        </p:nvSpPr>
-        <p:spPr>
-          <a:xfrm>
-            <a:off x="4062243" y="4025688"/>
-            <a:ext cx="2826415" cy="302712"/>
-          </a:xfrm>
-          <a:prstGeom prst="rect">
-            <a:avLst/>
-          </a:prstGeom>
-        </p:spPr>
-        <p:style>
-          <a:lnRef idx="1">
-            <a:schemeClr val="accent1"/>
-          </a:lnRef>
-          <a:fillRef idx="2">
-            <a:schemeClr val="accent1"/>
-          </a:fillRef>
-          <a:effectRef idx="1">
-            <a:schemeClr val="accent1"/>
-          </a:effectRef>
-          <a:fontRef idx="minor">
-            <a:schemeClr val="dk1"/>
-          </a:fontRef>
-        </p:style>
-        <p:txBody>
-          <a:bodyPr wrap="none" rtlCol="0">
-            <a:spAutoFit/>
-          </a:bodyPr>
-          <a:lstStyle/>
-          <a:p>
-            <a:pPr>
-              <a:lnSpc>
-                <a:spcPts val="1800"/>
-              </a:lnSpc>
-            </a:pPr>
-            <a:r>
-              <a:rPr lang="en-GB" sz="1400" dirty="0">
-                <a:latin typeface="Verdana" pitchFamily="34" charset="0"/>
-              </a:rPr>
-              <a:t>Other masses studied as well</a:t>
-            </a:r>
-          </a:p>
-        </p:txBody>
-      </p:sp>
-    </p:spTree>
-    <p:extLst>
-      <p:ext uri="{BB962C8B-B14F-4D97-AF65-F5344CB8AC3E}">
-        <p14:creationId xmlns:p14="http://schemas.microsoft.com/office/powerpoint/2010/main" val="3057929992"/>
-      </p:ext>
-    </p:extLst>
-  </p:cSld>
-  <p:clrMapOvr>
-    <a:masterClrMapping/>
-  </p:clrMapOvr>
-</p:sld>
-</file>
-
-<file path=ppt/slides/slide12.xml><?xml version="1.0" encoding="utf-8"?>
-<p:sld xmlns:a="http://schemas.openxmlformats.org/drawingml/2006/main" xmlns:r="http://schemas.openxmlformats.org/officeDocument/2006/relationships" xmlns:p="http://schemas.openxmlformats.org/presentationml/2006/main">
-  <p:cSld>
-    <p:spTree>
-      <p:nvGrpSpPr>
-        <p:cNvPr id="1" name=""/>
-        <p:cNvGrpSpPr/>
-        <p:nvPr/>
-      </p:nvGrpSpPr>
-      <p:grpSpPr>
-        <a:xfrm>
-          <a:off x="0" y="0"/>
-          <a:ext cx="0" cy="0"/>
-          <a:chOff x="0" y="0"/>
-          <a:chExt cx="0" cy="0"/>
-        </a:xfrm>
-      </p:grpSpPr>
-      <p:sp>
-        <p:nvSpPr>
           <p:cNvPr id="3" name="Title 2">
             <a:extLst>
               <a:ext uri="{FF2B5EF4-FFF2-40B4-BE49-F238E27FC236}">
@@ -9296,7 +9410,7 @@
             <a:fld id="{F25965E0-7062-474C-8671-DB3A3CE669B0}" type="slidenum">
               <a:rPr lang="en-GB" noProof="0" smtClean="0"/>
               <a:pPr algn="r"/>
-              <a:t>12</a:t>
+              <a:t>13</a:t>
             </a:fld>
             <a:endParaRPr lang="en-GB" noProof="0" dirty="0"/>
           </a:p>
@@ -9324,8 +9438,8 @@
         </p:blipFill>
         <p:spPr>
           <a:xfrm>
-            <a:off x="737367" y="1485900"/>
-            <a:ext cx="5619750" cy="2171700"/>
+            <a:off x="737366" y="1131147"/>
+            <a:ext cx="6537751" cy="2526453"/>
           </a:xfrm>
           <a:prstGeom prst="rect">
             <a:avLst/>
@@ -9513,440 +9627,6 @@
     <p:extLst>
       <p:ext uri="{BB962C8B-B14F-4D97-AF65-F5344CB8AC3E}">
         <p14:creationId xmlns:p14="http://schemas.microsoft.com/office/powerpoint/2010/main" val="1144826759"/>
-      </p:ext>
-    </p:extLst>
-  </p:cSld>
-  <p:clrMapOvr>
-    <a:masterClrMapping/>
-  </p:clrMapOvr>
-</p:sld>
-</file>
-
-<file path=ppt/slides/slide13.xml><?xml version="1.0" encoding="utf-8"?>
-<p:sld xmlns:a="http://schemas.openxmlformats.org/drawingml/2006/main" xmlns:r="http://schemas.openxmlformats.org/officeDocument/2006/relationships" xmlns:p="http://schemas.openxmlformats.org/presentationml/2006/main">
-  <p:cSld>
-    <p:spTree>
-      <p:nvGrpSpPr>
-        <p:cNvPr id="1" name=""/>
-        <p:cNvGrpSpPr/>
-        <p:nvPr/>
-      </p:nvGrpSpPr>
-      <p:grpSpPr>
-        <a:xfrm>
-          <a:off x="0" y="0"/>
-          <a:ext cx="0" cy="0"/>
-          <a:chOff x="0" y="0"/>
-          <a:chExt cx="0" cy="0"/>
-        </a:xfrm>
-      </p:grpSpPr>
-      <p:sp>
-        <p:nvSpPr>
-          <p:cNvPr id="2" name="Text Placeholder 1">
-            <a:extLst>
-              <a:ext uri="{FF2B5EF4-FFF2-40B4-BE49-F238E27FC236}">
-                <a16:creationId xmlns:a16="http://schemas.microsoft.com/office/drawing/2014/main" id="{BB1709F7-0CDE-D45F-557B-7822FC24EAAF}"/>
-              </a:ext>
-            </a:extLst>
-          </p:cNvPr>
-          <p:cNvSpPr>
-            <a:spLocks noGrp="1"/>
-          </p:cNvSpPr>
-          <p:nvPr>
-            <p:ph type="body" sz="quarter" idx="10"/>
-          </p:nvPr>
-        </p:nvSpPr>
-        <p:spPr/>
-        <p:txBody>
-          <a:bodyPr/>
-          <a:lstStyle/>
-          <a:p>
-            <a:pPr algn="just"/>
-            <a:r>
-              <a:rPr lang="en-US" sz="1400" dirty="0">
-                <a:solidFill>
-                  <a:srgbClr val="374151"/>
-                </a:solidFill>
-                <a:latin typeface="+mn-lt"/>
-              </a:rPr>
-              <a:t>U</a:t>
-            </a:r>
-            <a:r>
-              <a:rPr lang="en-US" sz="1400" b="0" i="0" dirty="0">
-                <a:solidFill>
-                  <a:srgbClr val="374151"/>
-                </a:solidFill>
-                <a:effectLst/>
-                <a:latin typeface="+mn-lt"/>
-              </a:rPr>
-              <a:t>se the vertex of the parabola corresponding to the quadratic function. </a:t>
-            </a:r>
-          </a:p>
-          <a:p>
-            <a:pPr algn="just"/>
-            <a:r>
-              <a:rPr lang="en-US" sz="1400" b="0" i="0" dirty="0">
-                <a:solidFill>
-                  <a:srgbClr val="374151"/>
-                </a:solidFill>
-                <a:effectLst/>
-                <a:latin typeface="+mn-lt"/>
-              </a:rPr>
-              <a:t>The vertex of a quadratic parabola of the form </a:t>
-            </a:r>
-            <a:r>
-              <a:rPr lang="en-US" sz="1400" b="0" i="1" dirty="0">
-                <a:solidFill>
-                  <a:srgbClr val="374151"/>
-                </a:solidFill>
-                <a:effectLst/>
-                <a:latin typeface="+mn-lt"/>
-              </a:rPr>
-              <a:t>ax</a:t>
-            </a:r>
-            <a:r>
-              <a:rPr lang="en-US" sz="1400" b="0" i="0" baseline="30000" dirty="0">
-                <a:solidFill>
-                  <a:srgbClr val="374151"/>
-                </a:solidFill>
-                <a:effectLst/>
-                <a:latin typeface="+mn-lt"/>
-              </a:rPr>
-              <a:t>2</a:t>
-            </a:r>
-            <a:r>
-              <a:rPr lang="en-US" sz="1400" b="0" i="0" dirty="0">
-                <a:solidFill>
-                  <a:srgbClr val="374151"/>
-                </a:solidFill>
-                <a:effectLst/>
-                <a:latin typeface="+mn-lt"/>
-              </a:rPr>
-              <a:t>+</a:t>
-            </a:r>
-            <a:r>
-              <a:rPr lang="en-US" sz="1400" b="0" i="1" dirty="0">
-                <a:solidFill>
-                  <a:srgbClr val="374151"/>
-                </a:solidFill>
-                <a:effectLst/>
-                <a:latin typeface="+mn-lt"/>
-              </a:rPr>
-              <a:t>bx</a:t>
-            </a:r>
-            <a:r>
-              <a:rPr lang="en-US" sz="1400" b="0" i="0" dirty="0">
-                <a:solidFill>
-                  <a:srgbClr val="374151"/>
-                </a:solidFill>
-                <a:effectLst/>
-                <a:latin typeface="+mn-lt"/>
-              </a:rPr>
-              <a:t>+</a:t>
-            </a:r>
-            <a:r>
-              <a:rPr lang="en-US" sz="1400" b="0" i="1" dirty="0">
-                <a:solidFill>
-                  <a:srgbClr val="374151"/>
-                </a:solidFill>
-                <a:effectLst/>
-                <a:latin typeface="+mn-lt"/>
-              </a:rPr>
-              <a:t>c</a:t>
-            </a:r>
-            <a:r>
-              <a:rPr lang="en-US" sz="1400" b="0" i="0" dirty="0">
-                <a:solidFill>
-                  <a:srgbClr val="374151"/>
-                </a:solidFill>
-                <a:effectLst/>
-                <a:latin typeface="+mn-lt"/>
-              </a:rPr>
-              <a:t> would be, in this case, (−</a:t>
-            </a:r>
-            <a:r>
-              <a:rPr lang="en-US" sz="1400" b="0" i="1" dirty="0">
-                <a:solidFill>
-                  <a:srgbClr val="374151"/>
-                </a:solidFill>
-                <a:effectLst/>
-                <a:latin typeface="+mn-lt"/>
-              </a:rPr>
-              <a:t>b</a:t>
-            </a:r>
-            <a:r>
-              <a:rPr lang="en-US" sz="1400" b="0" i="0" dirty="0">
-                <a:solidFill>
-                  <a:srgbClr val="374151"/>
-                </a:solidFill>
-                <a:effectLst/>
-                <a:latin typeface="+mn-lt"/>
-              </a:rPr>
-              <a:t>1​/(2</a:t>
-            </a:r>
-            <a:r>
-              <a:rPr lang="en-US" sz="1400" b="0" i="1" dirty="0">
-                <a:solidFill>
-                  <a:srgbClr val="374151"/>
-                </a:solidFill>
-                <a:effectLst/>
-                <a:latin typeface="+mn-lt"/>
-              </a:rPr>
-              <a:t>b</a:t>
-            </a:r>
-            <a:r>
-              <a:rPr lang="en-US" sz="1400" b="0" i="0" dirty="0">
-                <a:solidFill>
-                  <a:srgbClr val="374151"/>
-                </a:solidFill>
-                <a:effectLst/>
-                <a:latin typeface="+mn-lt"/>
-              </a:rPr>
-              <a:t>2​), </a:t>
-            </a:r>
-            <a:r>
-              <a:rPr lang="en-US" sz="1400" b="0" i="1" dirty="0">
-                <a:solidFill>
-                  <a:srgbClr val="374151"/>
-                </a:solidFill>
-                <a:effectLst/>
-                <a:latin typeface="+mn-lt"/>
-              </a:rPr>
-              <a:t>f</a:t>
-            </a:r>
-            <a:r>
-              <a:rPr lang="en-US" sz="1400" b="0" i="0" dirty="0">
-                <a:solidFill>
-                  <a:srgbClr val="374151"/>
-                </a:solidFill>
-                <a:effectLst/>
-                <a:latin typeface="+mn-lt"/>
-              </a:rPr>
-              <a:t>(−</a:t>
-            </a:r>
-            <a:r>
-              <a:rPr lang="en-US" sz="1400" b="0" i="1" dirty="0">
-                <a:solidFill>
-                  <a:srgbClr val="374151"/>
-                </a:solidFill>
-                <a:effectLst/>
-                <a:latin typeface="+mn-lt"/>
-              </a:rPr>
-              <a:t>b</a:t>
-            </a:r>
-            <a:r>
-              <a:rPr lang="en-US" sz="1400" b="0" i="0" dirty="0">
-                <a:solidFill>
-                  <a:srgbClr val="374151"/>
-                </a:solidFill>
-                <a:effectLst/>
-                <a:latin typeface="+mn-lt"/>
-              </a:rPr>
-              <a:t>1​/(2</a:t>
-            </a:r>
-            <a:r>
-              <a:rPr lang="en-US" sz="1400" b="0" i="1" dirty="0">
-                <a:solidFill>
-                  <a:srgbClr val="374151"/>
-                </a:solidFill>
-                <a:effectLst/>
-                <a:latin typeface="+mn-lt"/>
-              </a:rPr>
-              <a:t>b</a:t>
-            </a:r>
-            <a:r>
-              <a:rPr lang="en-US" sz="1400" b="0" i="0" dirty="0">
-                <a:solidFill>
-                  <a:srgbClr val="374151"/>
-                </a:solidFill>
-                <a:effectLst/>
-                <a:latin typeface="+mn-lt"/>
-              </a:rPr>
-              <a:t>2​)). </a:t>
-            </a:r>
-          </a:p>
-          <a:p>
-            <a:pPr algn="just"/>
-            <a:r>
-              <a:rPr lang="en-US" sz="1400" b="0" i="0" dirty="0">
-                <a:solidFill>
-                  <a:srgbClr val="374151"/>
-                </a:solidFill>
-                <a:effectLst/>
-                <a:latin typeface="+mn-lt"/>
-              </a:rPr>
-              <a:t>The value of −</a:t>
-            </a:r>
-            <a:r>
-              <a:rPr lang="en-US" sz="1400" b="0" i="1" dirty="0">
-                <a:solidFill>
-                  <a:srgbClr val="374151"/>
-                </a:solidFill>
-                <a:effectLst/>
-                <a:latin typeface="+mn-lt"/>
-              </a:rPr>
-              <a:t>b</a:t>
-            </a:r>
-            <a:r>
-              <a:rPr lang="en-US" sz="1400" b="0" i="0" dirty="0">
-                <a:solidFill>
-                  <a:srgbClr val="374151"/>
-                </a:solidFill>
-                <a:effectLst/>
-                <a:latin typeface="+mn-lt"/>
-              </a:rPr>
-              <a:t>1​/(2</a:t>
-            </a:r>
-            <a:r>
-              <a:rPr lang="en-US" sz="1400" b="0" i="1" dirty="0">
-                <a:solidFill>
-                  <a:srgbClr val="374151"/>
-                </a:solidFill>
-                <a:effectLst/>
-                <a:latin typeface="+mn-lt"/>
-              </a:rPr>
-              <a:t>b</a:t>
-            </a:r>
-            <a:r>
-              <a:rPr lang="en-US" sz="1400" b="0" i="0" dirty="0">
-                <a:solidFill>
-                  <a:srgbClr val="374151"/>
-                </a:solidFill>
-                <a:effectLst/>
-                <a:latin typeface="+mn-lt"/>
-              </a:rPr>
-              <a:t>2​) will give  the day on which the intensity reached its minimum or maximum.</a:t>
-            </a:r>
-          </a:p>
-          <a:p>
-            <a:pPr algn="just"/>
-            <a:r>
-              <a:rPr lang="en-US" sz="1400" dirty="0">
-                <a:latin typeface="+mn-lt"/>
-              </a:rPr>
-              <a:t>Day at which the intensity reached its minimum or maximum: 16.02 </a:t>
-            </a:r>
-          </a:p>
-          <a:p>
-            <a:pPr algn="just"/>
-            <a:r>
-              <a:rPr lang="en-US" sz="1400" dirty="0">
-                <a:latin typeface="+mn-lt"/>
-              </a:rPr>
-              <a:t>Intensity on that day: 0.000681 </a:t>
-            </a:r>
-            <a:endParaRPr lang="nl-NL" sz="1400" dirty="0">
-              <a:latin typeface="+mn-lt"/>
-            </a:endParaRPr>
-          </a:p>
-        </p:txBody>
-      </p:sp>
-      <p:sp>
-        <p:nvSpPr>
-          <p:cNvPr id="3" name="Title 2">
-            <a:extLst>
-              <a:ext uri="{FF2B5EF4-FFF2-40B4-BE49-F238E27FC236}">
-                <a16:creationId xmlns:a16="http://schemas.microsoft.com/office/drawing/2014/main" id="{A31D4737-4826-C1E4-5F21-9981291F1DF7}"/>
-              </a:ext>
-            </a:extLst>
-          </p:cNvPr>
-          <p:cNvSpPr>
-            <a:spLocks noGrp="1"/>
-          </p:cNvSpPr>
-          <p:nvPr>
-            <p:ph type="title"/>
-          </p:nvPr>
-        </p:nvSpPr>
-        <p:spPr/>
-        <p:txBody>
-          <a:bodyPr/>
-          <a:lstStyle/>
-          <a:p>
-            <a:r>
-              <a:rPr lang="nl-NL" dirty="0" err="1"/>
-              <a:t>When</a:t>
-            </a:r>
-            <a:r>
-              <a:rPr lang="nl-NL" dirty="0"/>
-              <a:t> </a:t>
-            </a:r>
-            <a:r>
-              <a:rPr lang="nl-NL" dirty="0" err="1"/>
-              <a:t>did</a:t>
-            </a:r>
-            <a:r>
-              <a:rPr lang="nl-NL" dirty="0"/>
-              <a:t> </a:t>
-            </a:r>
-            <a:r>
-              <a:rPr lang="nl-NL" dirty="0" err="1"/>
-              <a:t>the</a:t>
-            </a:r>
-            <a:r>
-              <a:rPr lang="nl-NL" dirty="0"/>
-              <a:t> </a:t>
-            </a:r>
-            <a:r>
-              <a:rPr lang="nl-NL" dirty="0" err="1"/>
-              <a:t>intensity</a:t>
-            </a:r>
-            <a:r>
-              <a:rPr lang="nl-NL" dirty="0"/>
-              <a:t> </a:t>
-            </a:r>
-            <a:r>
-              <a:rPr lang="nl-NL" dirty="0" err="1"/>
-              <a:t>reach</a:t>
-            </a:r>
-            <a:r>
-              <a:rPr lang="nl-NL" dirty="0"/>
-              <a:t> </a:t>
-            </a:r>
-            <a:r>
-              <a:rPr lang="nl-NL" dirty="0" err="1"/>
-              <a:t>its</a:t>
-            </a:r>
-            <a:r>
-              <a:rPr lang="nl-NL" dirty="0"/>
-              <a:t> maximum?</a:t>
-            </a:r>
-          </a:p>
-        </p:txBody>
-      </p:sp>
-      <p:sp>
-        <p:nvSpPr>
-          <p:cNvPr id="4" name="Slide Number Placeholder 3">
-            <a:extLst>
-              <a:ext uri="{FF2B5EF4-FFF2-40B4-BE49-F238E27FC236}">
-                <a16:creationId xmlns:a16="http://schemas.microsoft.com/office/drawing/2014/main" id="{E6878C19-B317-4FF0-3F99-25147E4D4338}"/>
-              </a:ext>
-            </a:extLst>
-          </p:cNvPr>
-          <p:cNvSpPr>
-            <a:spLocks noGrp="1"/>
-          </p:cNvSpPr>
-          <p:nvPr>
-            <p:ph type="sldNum" sz="quarter" idx="11"/>
-          </p:nvPr>
-        </p:nvSpPr>
-        <p:spPr/>
-        <p:txBody>
-          <a:bodyPr/>
-          <a:lstStyle/>
-          <a:p>
-            <a:pPr algn="r"/>
-            <a:fld id="{F25965E0-7062-474C-8671-DB3A3CE669B0}" type="slidenum">
-              <a:rPr lang="en-GB" noProof="0" smtClean="0"/>
-              <a:pPr algn="r"/>
-              <a:t>13</a:t>
-            </a:fld>
-            <a:endParaRPr lang="en-GB" noProof="0" dirty="0"/>
-          </a:p>
-        </p:txBody>
-      </p:sp>
-    </p:spTree>
-    <p:extLst>
-      <p:ext uri="{BB962C8B-B14F-4D97-AF65-F5344CB8AC3E}">
-        <p14:creationId xmlns:p14="http://schemas.microsoft.com/office/powerpoint/2010/main" val="2116937404"/>
       </p:ext>
     </p:extLst>
   </p:cSld>
@@ -9978,7 +9658,7 @@
           <p:cNvPr id="2" name="Text Placeholder 1">
             <a:extLst>
               <a:ext uri="{FF2B5EF4-FFF2-40B4-BE49-F238E27FC236}">
-                <a16:creationId xmlns:a16="http://schemas.microsoft.com/office/drawing/2014/main" id="{C9E4C348-E7EF-035D-6F2F-BE58FE96FEC4}"/>
+                <a16:creationId xmlns:a16="http://schemas.microsoft.com/office/drawing/2014/main" id="{BB1709F7-0CDE-D45F-557B-7822FC24EAAF}"/>
               </a:ext>
             </a:extLst>
           </p:cNvPr>
@@ -9994,7 +9674,283 @@
           <a:bodyPr/>
           <a:lstStyle/>
           <a:p>
-            <a:endParaRPr lang="nl-NL"/>
+            <a:pPr algn="just"/>
+            <a:r>
+              <a:rPr lang="en-US" sz="1400" dirty="0">
+                <a:solidFill>
+                  <a:srgbClr val="374151"/>
+                </a:solidFill>
+                <a:latin typeface="+mn-lt"/>
+              </a:rPr>
+              <a:t>U</a:t>
+            </a:r>
+            <a:r>
+              <a:rPr lang="en-US" sz="1400" b="0" i="0" dirty="0">
+                <a:solidFill>
+                  <a:srgbClr val="374151"/>
+                </a:solidFill>
+                <a:effectLst/>
+                <a:latin typeface="+mn-lt"/>
+              </a:rPr>
+              <a:t>se the vertex of the parabola corresponding to the quadratic function. </a:t>
+            </a:r>
+          </a:p>
+          <a:p>
+            <a:pPr algn="just"/>
+            <a:r>
+              <a:rPr lang="en-US" sz="1400" b="0" i="0" dirty="0">
+                <a:solidFill>
+                  <a:srgbClr val="374151"/>
+                </a:solidFill>
+                <a:effectLst/>
+                <a:latin typeface="+mn-lt"/>
+              </a:rPr>
+              <a:t>The vertex of a quadratic parabola of the form </a:t>
+            </a:r>
+            <a:r>
+              <a:rPr lang="en-US" sz="1400" b="0" i="1" dirty="0">
+                <a:solidFill>
+                  <a:srgbClr val="374151"/>
+                </a:solidFill>
+                <a:effectLst/>
+                <a:latin typeface="+mn-lt"/>
+              </a:rPr>
+              <a:t>ax</a:t>
+            </a:r>
+            <a:r>
+              <a:rPr lang="en-US" sz="1400" b="0" i="0" baseline="30000" dirty="0">
+                <a:solidFill>
+                  <a:srgbClr val="374151"/>
+                </a:solidFill>
+                <a:effectLst/>
+                <a:latin typeface="+mn-lt"/>
+              </a:rPr>
+              <a:t>2</a:t>
+            </a:r>
+            <a:r>
+              <a:rPr lang="en-US" sz="1400" b="0" i="0" dirty="0">
+                <a:solidFill>
+                  <a:srgbClr val="374151"/>
+                </a:solidFill>
+                <a:effectLst/>
+                <a:latin typeface="+mn-lt"/>
+              </a:rPr>
+              <a:t>+</a:t>
+            </a:r>
+            <a:r>
+              <a:rPr lang="en-US" sz="1400" b="0" i="1" dirty="0">
+                <a:solidFill>
+                  <a:srgbClr val="374151"/>
+                </a:solidFill>
+                <a:effectLst/>
+                <a:latin typeface="+mn-lt"/>
+              </a:rPr>
+              <a:t>bx</a:t>
+            </a:r>
+            <a:r>
+              <a:rPr lang="en-US" sz="1400" b="0" i="0" dirty="0">
+                <a:solidFill>
+                  <a:srgbClr val="374151"/>
+                </a:solidFill>
+                <a:effectLst/>
+                <a:latin typeface="+mn-lt"/>
+              </a:rPr>
+              <a:t>+</a:t>
+            </a:r>
+            <a:r>
+              <a:rPr lang="en-US" sz="1400" b="0" i="1" dirty="0">
+                <a:solidFill>
+                  <a:srgbClr val="374151"/>
+                </a:solidFill>
+                <a:effectLst/>
+                <a:latin typeface="+mn-lt"/>
+              </a:rPr>
+              <a:t>c</a:t>
+            </a:r>
+            <a:r>
+              <a:rPr lang="en-US" sz="1400" b="0" i="0" dirty="0">
+                <a:solidFill>
+                  <a:srgbClr val="374151"/>
+                </a:solidFill>
+                <a:effectLst/>
+                <a:latin typeface="+mn-lt"/>
+              </a:rPr>
+              <a:t> would be, in this case, (−</a:t>
+            </a:r>
+            <a:r>
+              <a:rPr lang="en-US" sz="1400" b="0" i="1" dirty="0">
+                <a:solidFill>
+                  <a:srgbClr val="374151"/>
+                </a:solidFill>
+                <a:effectLst/>
+                <a:latin typeface="+mn-lt"/>
+              </a:rPr>
+              <a:t>b</a:t>
+            </a:r>
+            <a:r>
+              <a:rPr lang="en-US" sz="1400" b="0" i="0" dirty="0">
+                <a:solidFill>
+                  <a:srgbClr val="374151"/>
+                </a:solidFill>
+                <a:effectLst/>
+                <a:latin typeface="+mn-lt"/>
+              </a:rPr>
+              <a:t>1​/(2</a:t>
+            </a:r>
+            <a:r>
+              <a:rPr lang="en-US" sz="1400" b="0" i="1" dirty="0">
+                <a:solidFill>
+                  <a:srgbClr val="374151"/>
+                </a:solidFill>
+                <a:effectLst/>
+                <a:latin typeface="+mn-lt"/>
+              </a:rPr>
+              <a:t>b</a:t>
+            </a:r>
+            <a:r>
+              <a:rPr lang="en-US" sz="1400" b="0" i="0" dirty="0">
+                <a:solidFill>
+                  <a:srgbClr val="374151"/>
+                </a:solidFill>
+                <a:effectLst/>
+                <a:latin typeface="+mn-lt"/>
+              </a:rPr>
+              <a:t>2​), </a:t>
+            </a:r>
+            <a:r>
+              <a:rPr lang="en-US" sz="1400" b="0" i="1" dirty="0">
+                <a:solidFill>
+                  <a:srgbClr val="374151"/>
+                </a:solidFill>
+                <a:effectLst/>
+                <a:latin typeface="+mn-lt"/>
+              </a:rPr>
+              <a:t>f</a:t>
+            </a:r>
+            <a:r>
+              <a:rPr lang="en-US" sz="1400" b="0" i="0" dirty="0">
+                <a:solidFill>
+                  <a:srgbClr val="374151"/>
+                </a:solidFill>
+                <a:effectLst/>
+                <a:latin typeface="+mn-lt"/>
+              </a:rPr>
+              <a:t>(−</a:t>
+            </a:r>
+            <a:r>
+              <a:rPr lang="en-US" sz="1400" b="0" i="1" dirty="0">
+                <a:solidFill>
+                  <a:srgbClr val="374151"/>
+                </a:solidFill>
+                <a:effectLst/>
+                <a:latin typeface="+mn-lt"/>
+              </a:rPr>
+              <a:t>b</a:t>
+            </a:r>
+            <a:r>
+              <a:rPr lang="en-US" sz="1400" b="0" i="0" dirty="0">
+                <a:solidFill>
+                  <a:srgbClr val="374151"/>
+                </a:solidFill>
+                <a:effectLst/>
+                <a:latin typeface="+mn-lt"/>
+              </a:rPr>
+              <a:t>1​/(2</a:t>
+            </a:r>
+            <a:r>
+              <a:rPr lang="en-US" sz="1400" b="0" i="1" dirty="0">
+                <a:solidFill>
+                  <a:srgbClr val="374151"/>
+                </a:solidFill>
+                <a:effectLst/>
+                <a:latin typeface="+mn-lt"/>
+              </a:rPr>
+              <a:t>b</a:t>
+            </a:r>
+            <a:r>
+              <a:rPr lang="en-US" sz="1400" b="0" i="0" dirty="0">
+                <a:solidFill>
+                  <a:srgbClr val="374151"/>
+                </a:solidFill>
+                <a:effectLst/>
+                <a:latin typeface="+mn-lt"/>
+              </a:rPr>
+              <a:t>2​)). </a:t>
+            </a:r>
+          </a:p>
+          <a:p>
+            <a:pPr algn="just"/>
+            <a:r>
+              <a:rPr lang="en-US" sz="1400" b="0" i="0" dirty="0">
+                <a:solidFill>
+                  <a:srgbClr val="374151"/>
+                </a:solidFill>
+                <a:effectLst/>
+                <a:latin typeface="+mn-lt"/>
+              </a:rPr>
+              <a:t>The value of −</a:t>
+            </a:r>
+            <a:r>
+              <a:rPr lang="en-US" sz="1400" b="0" i="1" dirty="0">
+                <a:solidFill>
+                  <a:srgbClr val="374151"/>
+                </a:solidFill>
+                <a:effectLst/>
+                <a:latin typeface="+mn-lt"/>
+              </a:rPr>
+              <a:t>b</a:t>
+            </a:r>
+            <a:r>
+              <a:rPr lang="en-US" sz="1400" b="0" i="0" dirty="0">
+                <a:solidFill>
+                  <a:srgbClr val="374151"/>
+                </a:solidFill>
+                <a:effectLst/>
+                <a:latin typeface="+mn-lt"/>
+              </a:rPr>
+              <a:t>1​/(2</a:t>
+            </a:r>
+            <a:r>
+              <a:rPr lang="en-US" sz="1400" b="0" i="1" dirty="0">
+                <a:solidFill>
+                  <a:srgbClr val="374151"/>
+                </a:solidFill>
+                <a:effectLst/>
+                <a:latin typeface="+mn-lt"/>
+              </a:rPr>
+              <a:t>b</a:t>
+            </a:r>
+            <a:r>
+              <a:rPr lang="en-US" sz="1400" b="0" i="0" dirty="0">
+                <a:solidFill>
+                  <a:srgbClr val="374151"/>
+                </a:solidFill>
+                <a:effectLst/>
+                <a:latin typeface="+mn-lt"/>
+              </a:rPr>
+              <a:t>2​) will give  the day on which the intensity reached its minimum or maximum.</a:t>
+            </a:r>
+          </a:p>
+          <a:p>
+            <a:pPr algn="just"/>
+            <a:r>
+              <a:rPr lang="en-US" sz="1400" dirty="0">
+                <a:latin typeface="+mn-lt"/>
+              </a:rPr>
+              <a:t>Day at which the intensity reached its minimum or maximum: 16.02 </a:t>
+            </a:r>
+          </a:p>
+          <a:p>
+            <a:pPr algn="just"/>
+            <a:r>
+              <a:rPr lang="en-US" sz="1400" dirty="0">
+                <a:latin typeface="+mn-lt"/>
+              </a:rPr>
+              <a:t>Intensity on that day: 0.000681 </a:t>
+            </a:r>
+            <a:endParaRPr lang="nl-NL" sz="1400" dirty="0">
+              <a:latin typeface="+mn-lt"/>
+            </a:endParaRPr>
           </a:p>
         </p:txBody>
       </p:sp>
@@ -10003,7 +9959,7 @@
           <p:cNvPr id="3" name="Title 2">
             <a:extLst>
               <a:ext uri="{FF2B5EF4-FFF2-40B4-BE49-F238E27FC236}">
-                <a16:creationId xmlns:a16="http://schemas.microsoft.com/office/drawing/2014/main" id="{D8A84E37-5C6F-4D57-CCD6-F6D758C761EC}"/>
+                <a16:creationId xmlns:a16="http://schemas.microsoft.com/office/drawing/2014/main" id="{A31D4737-4826-C1E4-5F21-9981291F1DF7}"/>
               </a:ext>
             </a:extLst>
           </p:cNvPr>
@@ -10014,21 +9970,59 @@
             <p:ph type="title"/>
           </p:nvPr>
         </p:nvSpPr>
-        <p:spPr>
-          <a:xfrm>
-            <a:off x="561600" y="169210"/>
-            <a:ext cx="8330400" cy="960655"/>
-          </a:xfrm>
-        </p:spPr>
+        <p:spPr/>
         <p:txBody>
           <a:bodyPr/>
           <a:lstStyle/>
           <a:p>
             <a:r>
-              <a:rPr lang="en-US" sz="1600" dirty="0"/>
-              <a:t>Can we say that the change on day 16 was significantly different between temperatures of 15 and 30 degrees?</a:t>
-            </a:r>
-            <a:endParaRPr lang="nl-NL" sz="1600" dirty="0"/>
+              <a:rPr lang="nl-NL" dirty="0" err="1"/>
+              <a:t>When</a:t>
+            </a:r>
+            <a:r>
+              <a:rPr lang="nl-NL" dirty="0"/>
+              <a:t> </a:t>
+            </a:r>
+            <a:r>
+              <a:rPr lang="nl-NL" dirty="0" err="1"/>
+              <a:t>did</a:t>
+            </a:r>
+            <a:r>
+              <a:rPr lang="nl-NL" dirty="0"/>
+              <a:t> </a:t>
+            </a:r>
+            <a:r>
+              <a:rPr lang="nl-NL" dirty="0" err="1"/>
+              <a:t>the</a:t>
+            </a:r>
+            <a:r>
+              <a:rPr lang="nl-NL" dirty="0"/>
+              <a:t> </a:t>
+            </a:r>
+            <a:r>
+              <a:rPr lang="nl-NL" dirty="0" err="1"/>
+              <a:t>intensity</a:t>
+            </a:r>
+            <a:r>
+              <a:rPr lang="nl-NL" dirty="0"/>
+              <a:t> </a:t>
+            </a:r>
+            <a:r>
+              <a:rPr lang="nl-NL" dirty="0" err="1"/>
+              <a:t>reach</a:t>
+            </a:r>
+            <a:r>
+              <a:rPr lang="nl-NL" dirty="0"/>
+              <a:t> </a:t>
+            </a:r>
+            <a:r>
+              <a:rPr lang="nl-NL" dirty="0" err="1"/>
+              <a:t>its</a:t>
+            </a:r>
+            <a:r>
+              <a:rPr lang="nl-NL" dirty="0"/>
+              <a:t> maximum?</a:t>
+            </a:r>
           </a:p>
         </p:txBody>
       </p:sp>
@@ -10037,7 +10031,7 @@
           <p:cNvPr id="4" name="Slide Number Placeholder 3">
             <a:extLst>
               <a:ext uri="{FF2B5EF4-FFF2-40B4-BE49-F238E27FC236}">
-                <a16:creationId xmlns:a16="http://schemas.microsoft.com/office/drawing/2014/main" id="{306CE8CD-92CC-212A-DF4C-14EBE27C3795}"/>
+                <a16:creationId xmlns:a16="http://schemas.microsoft.com/office/drawing/2014/main" id="{E6878C19-B317-4FF0-3F99-25147E4D4338}"/>
               </a:ext>
             </a:extLst>
           </p:cNvPr>
@@ -10066,7 +10060,7 @@
     </p:spTree>
     <p:extLst>
       <p:ext uri="{BB962C8B-B14F-4D97-AF65-F5344CB8AC3E}">
-        <p14:creationId xmlns:p14="http://schemas.microsoft.com/office/powerpoint/2010/main" val="3924669336"/>
+        <p14:creationId xmlns:p14="http://schemas.microsoft.com/office/powerpoint/2010/main" val="2116937404"/>
       </p:ext>
     </p:extLst>
   </p:cSld>
@@ -10095,12 +10089,18 @@
       </p:grpSpPr>
       <p:sp>
         <p:nvSpPr>
-          <p:cNvPr id="7" name="Tijdelijke aanduiding voor afbeelding 6"/>
+          <p:cNvPr id="2" name="Text Placeholder 1">
+            <a:extLst>
+              <a:ext uri="{FF2B5EF4-FFF2-40B4-BE49-F238E27FC236}">
+                <a16:creationId xmlns:a16="http://schemas.microsoft.com/office/drawing/2014/main" id="{C9E4C348-E7EF-035D-6F2F-BE58FE96FEC4}"/>
+              </a:ext>
+            </a:extLst>
+          </p:cNvPr>
           <p:cNvSpPr>
             <a:spLocks noGrp="1"/>
           </p:cNvSpPr>
           <p:nvPr>
-            <p:ph type="pic" sz="quarter" idx="16"/>
+            <p:ph type="body" sz="quarter" idx="10"/>
           </p:nvPr>
         </p:nvSpPr>
         <p:spPr/>
@@ -10108,13 +10108,19 @@
           <a:bodyPr/>
           <a:lstStyle/>
           <a:p>
-            <a:endParaRPr lang="en-GB" dirty="0"/>
-          </a:p>
-        </p:txBody>
-      </p:sp>
-      <p:sp>
-        <p:nvSpPr>
-          <p:cNvPr id="2" name="Titel 1"/>
+            <a:endParaRPr lang="nl-NL"/>
+          </a:p>
+        </p:txBody>
+      </p:sp>
+      <p:sp>
+        <p:nvSpPr>
+          <p:cNvPr id="3" name="Title 2">
+            <a:extLst>
+              <a:ext uri="{FF2B5EF4-FFF2-40B4-BE49-F238E27FC236}">
+                <a16:creationId xmlns:a16="http://schemas.microsoft.com/office/drawing/2014/main" id="{D8A84E37-5C6F-4D57-CCD6-F6D758C761EC}"/>
+              </a:ext>
+            </a:extLst>
+          </p:cNvPr>
           <p:cNvSpPr>
             <a:spLocks noGrp="1"/>
           </p:cNvSpPr>
@@ -10124,8 +10130,8 @@
         </p:nvSpPr>
         <p:spPr>
           <a:xfrm>
-            <a:off x="561600" y="172641"/>
-            <a:ext cx="8330400" cy="576832"/>
+            <a:off x="561600" y="169210"/>
+            <a:ext cx="8330400" cy="960655"/>
           </a:xfrm>
         </p:spPr>
         <p:txBody>
@@ -10133,20 +10139,27 @@
           <a:lstStyle/>
           <a:p>
             <a:r>
-              <a:rPr lang="en-GB" dirty="0"/>
-              <a:t>Full screen image with title</a:t>
-            </a:r>
-          </a:p>
-        </p:txBody>
-      </p:sp>
-      <p:sp>
-        <p:nvSpPr>
-          <p:cNvPr id="8" name="Tijdelijke aanduiding voor dianummer 7"/>
+              <a:rPr lang="en-US" sz="1600" dirty="0"/>
+              <a:t>Can we say that the change on day 16 was significantly different between temperatures of 15 and 30 degrees?</a:t>
+            </a:r>
+            <a:endParaRPr lang="nl-NL" sz="1600" dirty="0"/>
+          </a:p>
+        </p:txBody>
+      </p:sp>
+      <p:sp>
+        <p:nvSpPr>
+          <p:cNvPr id="4" name="Slide Number Placeholder 3">
+            <a:extLst>
+              <a:ext uri="{FF2B5EF4-FFF2-40B4-BE49-F238E27FC236}">
+                <a16:creationId xmlns:a16="http://schemas.microsoft.com/office/drawing/2014/main" id="{306CE8CD-92CC-212A-DF4C-14EBE27C3795}"/>
+              </a:ext>
+            </a:extLst>
+          </p:cNvPr>
           <p:cNvSpPr>
             <a:spLocks noGrp="1"/>
           </p:cNvSpPr>
           <p:nvPr>
-            <p:ph type="sldNum" sz="quarter" idx="17"/>
+            <p:ph type="sldNum" sz="quarter" idx="11"/>
           </p:nvPr>
         </p:nvSpPr>
         <p:spPr/>
@@ -10156,18 +10169,18 @@
           <a:p>
             <a:pPr algn="r"/>
             <a:fld id="{F25965E0-7062-474C-8671-DB3A3CE669B0}" type="slidenum">
-              <a:rPr lang="en-GB" smtClean="0"/>
+              <a:rPr lang="en-GB" noProof="0" smtClean="0"/>
               <a:pPr algn="r"/>
               <a:t>15</a:t>
             </a:fld>
-            <a:endParaRPr lang="en-GB" dirty="0"/>
+            <a:endParaRPr lang="en-GB" noProof="0" dirty="0"/>
           </a:p>
         </p:txBody>
       </p:sp>
     </p:spTree>
     <p:extLst>
       <p:ext uri="{BB962C8B-B14F-4D97-AF65-F5344CB8AC3E}">
-        <p14:creationId xmlns:p14="http://schemas.microsoft.com/office/powerpoint/2010/main" val="3765826031"/>
+        <p14:creationId xmlns:p14="http://schemas.microsoft.com/office/powerpoint/2010/main" val="3924669336"/>
       </p:ext>
     </p:extLst>
   </p:cSld>
@@ -10196,6 +10209,107 @@
       </p:grpSpPr>
       <p:sp>
         <p:nvSpPr>
+          <p:cNvPr id="7" name="Tijdelijke aanduiding voor afbeelding 6"/>
+          <p:cNvSpPr>
+            <a:spLocks noGrp="1"/>
+          </p:cNvSpPr>
+          <p:nvPr>
+            <p:ph type="pic" sz="quarter" idx="16"/>
+          </p:nvPr>
+        </p:nvSpPr>
+        <p:spPr/>
+        <p:txBody>
+          <a:bodyPr/>
+          <a:lstStyle/>
+          <a:p>
+            <a:endParaRPr lang="en-GB" dirty="0"/>
+          </a:p>
+        </p:txBody>
+      </p:sp>
+      <p:sp>
+        <p:nvSpPr>
+          <p:cNvPr id="2" name="Titel 1"/>
+          <p:cNvSpPr>
+            <a:spLocks noGrp="1"/>
+          </p:cNvSpPr>
+          <p:nvPr>
+            <p:ph type="title"/>
+          </p:nvPr>
+        </p:nvSpPr>
+        <p:spPr>
+          <a:xfrm>
+            <a:off x="561600" y="172641"/>
+            <a:ext cx="8330400" cy="576832"/>
+          </a:xfrm>
+        </p:spPr>
+        <p:txBody>
+          <a:bodyPr/>
+          <a:lstStyle/>
+          <a:p>
+            <a:r>
+              <a:rPr lang="en-GB" dirty="0"/>
+              <a:t>Full screen image with title</a:t>
+            </a:r>
+          </a:p>
+        </p:txBody>
+      </p:sp>
+      <p:sp>
+        <p:nvSpPr>
+          <p:cNvPr id="8" name="Tijdelijke aanduiding voor dianummer 7"/>
+          <p:cNvSpPr>
+            <a:spLocks noGrp="1"/>
+          </p:cNvSpPr>
+          <p:nvPr>
+            <p:ph type="sldNum" sz="quarter" idx="17"/>
+          </p:nvPr>
+        </p:nvSpPr>
+        <p:spPr/>
+        <p:txBody>
+          <a:bodyPr/>
+          <a:lstStyle/>
+          <a:p>
+            <a:pPr algn="r"/>
+            <a:fld id="{F25965E0-7062-474C-8671-DB3A3CE669B0}" type="slidenum">
+              <a:rPr lang="en-GB" smtClean="0"/>
+              <a:pPr algn="r"/>
+              <a:t>16</a:t>
+            </a:fld>
+            <a:endParaRPr lang="en-GB" dirty="0"/>
+          </a:p>
+        </p:txBody>
+      </p:sp>
+    </p:spTree>
+    <p:extLst>
+      <p:ext uri="{BB962C8B-B14F-4D97-AF65-F5344CB8AC3E}">
+        <p14:creationId xmlns:p14="http://schemas.microsoft.com/office/powerpoint/2010/main" val="3765826031"/>
+      </p:ext>
+    </p:extLst>
+  </p:cSld>
+  <p:clrMapOvr>
+    <a:masterClrMapping/>
+  </p:clrMapOvr>
+</p:sld>
+</file>
+
+<file path=ppt/slides/slide17.xml><?xml version="1.0" encoding="utf-8"?>
+<p:sld xmlns:a="http://schemas.openxmlformats.org/drawingml/2006/main" xmlns:r="http://schemas.openxmlformats.org/officeDocument/2006/relationships" xmlns:p="http://schemas.openxmlformats.org/presentationml/2006/main">
+  <p:cSld>
+    <p:spTree>
+      <p:nvGrpSpPr>
+        <p:cNvPr id="1" name=""/>
+        <p:cNvGrpSpPr/>
+        <p:nvPr/>
+      </p:nvGrpSpPr>
+      <p:grpSpPr>
+        <a:xfrm>
+          <a:off x="0" y="0"/>
+          <a:ext cx="0" cy="0"/>
+          <a:chOff x="0" y="0"/>
+          <a:chExt cx="0" cy="0"/>
+        </a:xfrm>
+      </p:grpSpPr>
+      <p:sp>
+        <p:nvSpPr>
           <p:cNvPr id="4" name="Titel 3"/>
           <p:cNvSpPr>
             <a:spLocks noGrp="1"/>
@@ -10288,7 +10402,7 @@
             <a:fld id="{F25965E0-7062-474C-8671-DB3A3CE669B0}" type="slidenum">
               <a:rPr lang="en-GB" smtClean="0"/>
               <a:pPr algn="r"/>
-              <a:t>16</a:t>
+              <a:t>17</a:t>
             </a:fld>
             <a:endParaRPr lang="en-GB" dirty="0"/>
           </a:p>
@@ -10871,10 +10985,65 @@
       </p:grpSpPr>
       <p:sp>
         <p:nvSpPr>
+          <p:cNvPr id="2" name="Text Placeholder 1">
+            <a:extLst>
+              <a:ext uri="{FF2B5EF4-FFF2-40B4-BE49-F238E27FC236}">
+                <a16:creationId xmlns:a16="http://schemas.microsoft.com/office/drawing/2014/main" id="{A67D0562-40B3-E9AC-B7F1-28B2712627FB}"/>
+              </a:ext>
+            </a:extLst>
+          </p:cNvPr>
+          <p:cNvSpPr>
+            <a:spLocks noGrp="1"/>
+          </p:cNvSpPr>
+          <p:nvPr>
+            <p:ph type="body" sz="quarter" idx="10"/>
+          </p:nvPr>
+        </p:nvSpPr>
+        <p:spPr/>
+        <p:txBody>
+          <a:bodyPr numCol="2"/>
+          <a:lstStyle/>
+          <a:p>
+            <a:r>
+              <a:rPr lang="en-GB" dirty="0"/>
+              <a:t>Day 15: Temperature is not significant (F value=0.860)</a:t>
+            </a:r>
+          </a:p>
+          <a:p>
+            <a:endParaRPr lang="en-GB" dirty="0"/>
+          </a:p>
+          <a:p>
+            <a:endParaRPr lang="en-GB" dirty="0"/>
+          </a:p>
+          <a:p>
+            <a:endParaRPr lang="en-GB" dirty="0"/>
+          </a:p>
+          <a:p>
+            <a:endParaRPr lang="en-GB" dirty="0"/>
+          </a:p>
+          <a:p>
+            <a:endParaRPr lang="en-GB" dirty="0"/>
+          </a:p>
+          <a:p>
+            <a:r>
+              <a:rPr lang="en-GB" dirty="0"/>
+              <a:t>Day 18: Temperature is significant (F value=0.029)</a:t>
+            </a:r>
+          </a:p>
+          <a:p>
+            <a:endParaRPr lang="en-GB" dirty="0"/>
+          </a:p>
+          <a:p>
+            <a:endParaRPr lang="en-GB" dirty="0"/>
+          </a:p>
+        </p:txBody>
+      </p:sp>
+      <p:sp>
+        <p:nvSpPr>
           <p:cNvPr id="3" name="Title 2">
             <a:extLst>
               <a:ext uri="{FF2B5EF4-FFF2-40B4-BE49-F238E27FC236}">
-                <a16:creationId xmlns:a16="http://schemas.microsoft.com/office/drawing/2014/main" id="{EE9F499C-9F86-FC88-831E-82AD3400BE7F}"/>
+                <a16:creationId xmlns:a16="http://schemas.microsoft.com/office/drawing/2014/main" id="{A681B626-5D1C-5BD0-FA07-9033B01D3122}"/>
               </a:ext>
             </a:extLst>
           </p:cNvPr>
@@ -10888,7 +11057,7 @@
         <p:spPr>
           <a:xfrm>
             <a:off x="561600" y="169210"/>
-            <a:ext cx="8330400" cy="555544"/>
+            <a:ext cx="8330400" cy="963348"/>
           </a:xfrm>
         </p:spPr>
         <p:txBody>
@@ -10897,54 +11066,50 @@
           <a:p>
             <a:pPr algn="ctr"/>
             <a:r>
-              <a:rPr lang="nl-NL" sz="1800" dirty="0"/>
-              <a:t>PCA </a:t>
-            </a:r>
-            <a:r>
-              <a:rPr lang="nl-NL" sz="1800" dirty="0" err="1"/>
-              <a:t>to</a:t>
-            </a:r>
-            <a:r>
-              <a:rPr lang="nl-NL" sz="1800" dirty="0"/>
+              <a:rPr lang="en-US" sz="1400" b="0" i="0" dirty="0">
+                <a:solidFill>
+                  <a:schemeClr val="tx1"/>
+                </a:solidFill>
+                <a:effectLst/>
+                <a:latin typeface="+mj-lt"/>
+              </a:rPr>
+              <a:t>When does the influence of temperature become significant?</a:t>
+            </a:r>
+            <a:br>
+              <a:rPr lang="en-US" sz="1400" b="0" i="0" dirty="0">
+                <a:solidFill>
+                  <a:schemeClr val="tx1"/>
+                </a:solidFill>
+                <a:effectLst/>
+                <a:latin typeface="+mj-lt"/>
+              </a:rPr>
+            </a:br>
+            <a:r>
+              <a:rPr lang="en-US" sz="1400" b="0" i="0" dirty="0">
+                <a:solidFill>
+                  <a:schemeClr val="tx1"/>
+                </a:solidFill>
+                <a:effectLst/>
+                <a:latin typeface="+mj-lt"/>
+              </a:rPr>
               <a:t> </a:t>
             </a:r>
             <a:r>
-              <a:rPr lang="nl-NL" sz="1800" dirty="0" err="1"/>
-              <a:t>remove</a:t>
-            </a:r>
-            <a:r>
-              <a:rPr lang="nl-NL" sz="1800" dirty="0"/>
-              <a:t> </a:t>
-            </a:r>
-            <a:r>
-              <a:rPr lang="nl-NL" sz="1800" dirty="0" err="1"/>
-              <a:t>outliers</a:t>
-            </a:r>
-            <a:r>
-              <a:rPr lang="nl-NL" sz="1800" dirty="0"/>
-              <a:t> </a:t>
-            </a:r>
-            <a:r>
-              <a:rPr lang="nl-NL" sz="1800" dirty="0" err="1"/>
-              <a:t>and</a:t>
-            </a:r>
-            <a:r>
-              <a:rPr lang="nl-NL" sz="1800" dirty="0"/>
-              <a:t> </a:t>
-            </a:r>
-            <a:r>
-              <a:rPr lang="nl-NL" sz="1800" dirty="0" err="1"/>
-              <a:t>identify</a:t>
-            </a:r>
-            <a:r>
-              <a:rPr lang="nl-NL" sz="1800" dirty="0"/>
-              <a:t> important </a:t>
-            </a:r>
-            <a:r>
-              <a:rPr lang="nl-NL" sz="1800" dirty="0" err="1"/>
-              <a:t>masses</a:t>
-            </a:r>
-            <a:endParaRPr lang="nl-NL" sz="1800" dirty="0"/>
+              <a:rPr lang="en-US" sz="1400" b="0" i="0" dirty="0">
+                <a:solidFill>
+                  <a:srgbClr val="C00000"/>
+                </a:solidFill>
+                <a:effectLst/>
+                <a:latin typeface="+mj-lt"/>
+              </a:rPr>
+              <a:t>Study the effect of temperature on each day (starting on day 15)</a:t>
+            </a:r>
+            <a:endParaRPr lang="en-GB" sz="1400" dirty="0">
+              <a:solidFill>
+                <a:srgbClr val="C00000"/>
+              </a:solidFill>
+              <a:latin typeface="+mj-lt"/>
+            </a:endParaRPr>
           </a:p>
         </p:txBody>
       </p:sp>
@@ -10953,7 +11118,7 @@
           <p:cNvPr id="4" name="Slide Number Placeholder 3">
             <a:extLst>
               <a:ext uri="{FF2B5EF4-FFF2-40B4-BE49-F238E27FC236}">
-                <a16:creationId xmlns:a16="http://schemas.microsoft.com/office/drawing/2014/main" id="{237517AA-2223-256B-CC93-75A4247D3BEB}"/>
+                <a16:creationId xmlns:a16="http://schemas.microsoft.com/office/drawing/2014/main" id="{8600F044-86F0-6AD6-791D-7F13F118D526}"/>
               </a:ext>
             </a:extLst>
           </p:cNvPr>
@@ -10984,7 +11149,7 @@
           <p:cNvPr id="6" name="Picture 5">
             <a:extLst>
               <a:ext uri="{FF2B5EF4-FFF2-40B4-BE49-F238E27FC236}">
-                <a16:creationId xmlns:a16="http://schemas.microsoft.com/office/drawing/2014/main" id="{AECCBB7F-F140-F6CC-F4BE-DB8BC0232AE7}"/>
+                <a16:creationId xmlns:a16="http://schemas.microsoft.com/office/drawing/2014/main" id="{238A7B77-D83F-3C5E-9BEC-E24558A93BB4}"/>
               </a:ext>
             </a:extLst>
           </p:cNvPr>
@@ -11001,107 +11166,209 @@
         </p:blipFill>
         <p:spPr>
           <a:xfrm>
-            <a:off x="4521200" y="2533650"/>
-            <a:ext cx="3479799" cy="2609849"/>
+            <a:off x="425613" y="2136317"/>
+            <a:ext cx="4068937" cy="1275058"/>
           </a:xfrm>
           <a:prstGeom prst="rect">
             <a:avLst/>
           </a:prstGeom>
         </p:spPr>
       </p:pic>
-      <p:sp>
-        <p:nvSpPr>
-          <p:cNvPr id="5" name="AutoShape 2">
+      <p:pic>
+        <p:nvPicPr>
+          <p:cNvPr id="9" name="Picture 8">
             <a:extLst>
               <a:ext uri="{FF2B5EF4-FFF2-40B4-BE49-F238E27FC236}">
-                <a16:creationId xmlns:a16="http://schemas.microsoft.com/office/drawing/2014/main" id="{DE1AB278-76F8-0E6E-52C7-70641AAD226A}"/>
+                <a16:creationId xmlns:a16="http://schemas.microsoft.com/office/drawing/2014/main" id="{C789B1D3-841A-1A79-DADF-D5A52A297A01}"/>
               </a:ext>
             </a:extLst>
           </p:cNvPr>
-          <p:cNvSpPr>
-            <a:spLocks noGrp="1" noChangeAspect="1" noChangeArrowheads="1"/>
-          </p:cNvSpPr>
-          <p:nvPr>
-            <p:ph type="body" sz="quarter" idx="10"/>
-          </p:nvPr>
-        </p:nvSpPr>
-        <p:spPr bwMode="auto">
+          <p:cNvPicPr>
+            <a:picLocks noChangeAspect="1"/>
+          </p:cNvPicPr>
+          <p:nvPr/>
+        </p:nvPicPr>
+        <p:blipFill>
+          <a:blip r:embed="rId3"/>
+          <a:stretch>
+            <a:fillRect/>
+          </a:stretch>
+        </p:blipFill>
+        <p:spPr>
+          <a:xfrm>
+            <a:off x="4694458" y="2164768"/>
+            <a:ext cx="4388400" cy="1181100"/>
+          </a:xfrm>
+          <a:prstGeom prst="rect">
+            <a:avLst/>
+          </a:prstGeom>
+        </p:spPr>
+      </p:pic>
+      <p:sp>
+        <p:nvSpPr>
+          <p:cNvPr id="13" name="TextBox 12">
+            <a:extLst>
+              <a:ext uri="{FF2B5EF4-FFF2-40B4-BE49-F238E27FC236}">
+                <a16:creationId xmlns:a16="http://schemas.microsoft.com/office/drawing/2014/main" id="{B932CC2E-B032-EA2A-94DC-3482BDDECEFD}"/>
+              </a:ext>
+            </a:extLst>
+          </p:cNvPr>
+          <p:cNvSpPr txBox="1"/>
+          <p:nvPr/>
+        </p:nvSpPr>
+        <p:spPr>
+          <a:xfrm>
+            <a:off x="425613" y="3594916"/>
+            <a:ext cx="7661650" cy="954107"/>
+          </a:xfrm>
           <a:prstGeom prst="rect">
             <a:avLst/>
           </a:prstGeom>
           <a:noFill/>
-          <a:extLst>
-            <a:ext uri="{909E8E84-426E-40DD-AFC4-6F175D3DCCD1}">
-              <a14:hiddenFill xmlns:a14="http://schemas.microsoft.com/office/drawing/2010/main">
-                <a:solidFill>
-                  <a:srgbClr val="FFFFFF"/>
-                </a:solidFill>
-              </a14:hiddenFill>
-            </a:ext>
-          </a:extLst>
         </p:spPr>
         <p:txBody>
-          <a:bodyPr vert="horz" wrap="square" lIns="91440" tIns="45720" rIns="91440" bIns="45720" numCol="1" anchor="t" anchorCtr="0" compatLnSpc="1">
+          <a:bodyPr wrap="square">
+            <a:spAutoFit/>
+          </a:bodyPr>
+          <a:lstStyle/>
+          <a:p>
+            <a:r>
+              <a:rPr lang="en-US" sz="1400" dirty="0"/>
+              <a:t>However, Temperature before day 15 is sometimes significant, and after day 18 is sometimes not significant. There is no logic trend.</a:t>
+            </a:r>
+          </a:p>
+          <a:p>
+            <a:endParaRPr lang="en-US" sz="1400" dirty="0"/>
+          </a:p>
+          <a:p>
+            <a:r>
+              <a:rPr lang="en-US" sz="1400" dirty="0"/>
+              <a:t>No conclusive conclusions were reached.</a:t>
+            </a:r>
+            <a:endParaRPr lang="en-GB" sz="1400" dirty="0"/>
+          </a:p>
+        </p:txBody>
+      </p:sp>
+      <p:sp>
+        <p:nvSpPr>
+          <p:cNvPr id="14" name="Arrow: Right 13">
+            <a:extLst>
+              <a:ext uri="{FF2B5EF4-FFF2-40B4-BE49-F238E27FC236}">
+                <a16:creationId xmlns:a16="http://schemas.microsoft.com/office/drawing/2014/main" id="{9A94EF54-5711-725D-419B-747AE947FEBA}"/>
+              </a:ext>
+            </a:extLst>
+          </p:cNvPr>
+          <p:cNvSpPr/>
+          <p:nvPr/>
+        </p:nvSpPr>
+        <p:spPr>
+          <a:xfrm>
+            <a:off x="3670250" y="4238321"/>
+            <a:ext cx="1022350" cy="313850"/>
+          </a:xfrm>
+          <a:prstGeom prst="rightArrow">
+            <a:avLst/>
+          </a:prstGeom>
+          <a:solidFill>
+            <a:schemeClr val="accent3"/>
+          </a:solidFill>
+          <a:ln>
+            <a:noFill/>
+          </a:ln>
+        </p:spPr>
+        <p:style>
+          <a:lnRef idx="2">
+            <a:schemeClr val="accent1">
+              <a:shade val="50000"/>
+            </a:schemeClr>
+          </a:lnRef>
+          <a:fillRef idx="1">
+            <a:schemeClr val="accent1"/>
+          </a:fillRef>
+          <a:effectRef idx="0">
+            <a:schemeClr val="accent1"/>
+          </a:effectRef>
+          <a:fontRef idx="minor">
+            <a:schemeClr val="lt1"/>
+          </a:fontRef>
+        </p:style>
+        <p:txBody>
+          <a:bodyPr rot="0" spcFirstLastPara="0" vertOverflow="overflow" horzOverflow="overflow" vert="horz" wrap="square" lIns="91440" tIns="45720" rIns="91440" bIns="72000" numCol="1" spcCol="0" rtlCol="0" fromWordArt="0" anchor="ctr" anchorCtr="0" forceAA="0" compatLnSpc="1">
             <a:prstTxWarp prst="textNoShape">
               <a:avLst/>
             </a:prstTxWarp>
+            <a:spAutoFit/>
           </a:bodyPr>
           <a:lstStyle/>
           <a:p>
-            <a:r>
-              <a:rPr lang="nl-NL" dirty="0"/>
-              <a:t>5 </a:t>
-            </a:r>
-            <a:r>
-              <a:rPr lang="nl-NL" dirty="0" err="1"/>
-              <a:t>outliers</a:t>
-            </a:r>
-            <a:r>
-              <a:rPr lang="nl-NL" dirty="0"/>
-              <a:t> </a:t>
-            </a:r>
-            <a:r>
-              <a:rPr lang="nl-NL" dirty="0" err="1"/>
-              <a:t>were</a:t>
-            </a:r>
-            <a:r>
-              <a:rPr lang="nl-NL" dirty="0"/>
-              <a:t> found in dataset</a:t>
-            </a:r>
-          </a:p>
-          <a:p>
-            <a:r>
-              <a:rPr lang="nl-NL" dirty="0"/>
-              <a:t>No important </a:t>
-            </a:r>
-            <a:r>
-              <a:rPr lang="nl-NL" dirty="0" err="1"/>
-              <a:t>masses</a:t>
-            </a:r>
-            <a:r>
-              <a:rPr lang="nl-NL" dirty="0"/>
-              <a:t> </a:t>
-            </a:r>
-            <a:r>
-              <a:rPr lang="nl-NL" dirty="0" err="1"/>
-              <a:t>were</a:t>
-            </a:r>
-            <a:r>
-              <a:rPr lang="nl-NL" dirty="0"/>
-              <a:t> </a:t>
-            </a:r>
-            <a:r>
-              <a:rPr lang="nl-NL" dirty="0" err="1"/>
-              <a:t>highlighted</a:t>
-            </a:r>
-            <a:endParaRPr lang="nl-NL" dirty="0"/>
+            <a:pPr algn="ctr"/>
+            <a:endParaRPr lang="en-GB" sz="1400" dirty="0">
+              <a:solidFill>
+                <a:schemeClr val="tx1"/>
+              </a:solidFill>
+            </a:endParaRPr>
+          </a:p>
+        </p:txBody>
+      </p:sp>
+      <p:sp>
+        <p:nvSpPr>
+          <p:cNvPr id="15" name="TextBox 14">
+            <a:extLst>
+              <a:ext uri="{FF2B5EF4-FFF2-40B4-BE49-F238E27FC236}">
+                <a16:creationId xmlns:a16="http://schemas.microsoft.com/office/drawing/2014/main" id="{ABACFDED-F30D-F651-7F59-7E3BCE541059}"/>
+              </a:ext>
+            </a:extLst>
+          </p:cNvPr>
+          <p:cNvSpPr txBox="1"/>
+          <p:nvPr/>
+        </p:nvSpPr>
+        <p:spPr>
+          <a:xfrm>
+            <a:off x="4760187" y="4202000"/>
+            <a:ext cx="3762568" cy="302712"/>
+          </a:xfrm>
+          <a:prstGeom prst="rect">
+            <a:avLst/>
+          </a:prstGeom>
+        </p:spPr>
+        <p:style>
+          <a:lnRef idx="1">
+            <a:schemeClr val="accent1"/>
+          </a:lnRef>
+          <a:fillRef idx="2">
+            <a:schemeClr val="accent1"/>
+          </a:fillRef>
+          <a:effectRef idx="1">
+            <a:schemeClr val="accent1"/>
+          </a:effectRef>
+          <a:fontRef idx="minor">
+            <a:schemeClr val="dk1"/>
+          </a:fontRef>
+        </p:style>
+        <p:txBody>
+          <a:bodyPr wrap="none" rtlCol="0">
+            <a:spAutoFit/>
+          </a:bodyPr>
+          <a:lstStyle/>
+          <a:p>
+            <a:pPr>
+              <a:lnSpc>
+                <a:spcPts val="1800"/>
+              </a:lnSpc>
+            </a:pPr>
+            <a:r>
+              <a:rPr lang="en-GB" sz="1400" dirty="0">
+                <a:latin typeface="Verdana" pitchFamily="34" charset="0"/>
+              </a:rPr>
+              <a:t>Other masses should be studied as well</a:t>
+            </a:r>
           </a:p>
         </p:txBody>
       </p:sp>
     </p:spTree>
     <p:extLst>
       <p:ext uri="{BB962C8B-B14F-4D97-AF65-F5344CB8AC3E}">
-        <p14:creationId xmlns:p14="http://schemas.microsoft.com/office/powerpoint/2010/main" val="1805856657"/>
+        <p14:creationId xmlns:p14="http://schemas.microsoft.com/office/powerpoint/2010/main" val="1789955787"/>
       </p:ext>
     </p:extLst>
   </p:cSld>
@@ -11133,6 +11400,424 @@
           <p:cNvPr id="3" name="Title 2">
             <a:extLst>
               <a:ext uri="{FF2B5EF4-FFF2-40B4-BE49-F238E27FC236}">
+                <a16:creationId xmlns:a16="http://schemas.microsoft.com/office/drawing/2014/main" id="{EE9F499C-9F86-FC88-831E-82AD3400BE7F}"/>
+              </a:ext>
+            </a:extLst>
+          </p:cNvPr>
+          <p:cNvSpPr>
+            <a:spLocks noGrp="1"/>
+          </p:cNvSpPr>
+          <p:nvPr>
+            <p:ph type="title"/>
+          </p:nvPr>
+        </p:nvSpPr>
+        <p:spPr>
+          <a:xfrm>
+            <a:off x="561600" y="169210"/>
+            <a:ext cx="8330400" cy="555544"/>
+          </a:xfrm>
+        </p:spPr>
+        <p:txBody>
+          <a:bodyPr/>
+          <a:lstStyle/>
+          <a:p>
+            <a:pPr algn="ctr"/>
+            <a:r>
+              <a:rPr lang="nl-NL" sz="1800" dirty="0" err="1"/>
+              <a:t>Outlier</a:t>
+            </a:r>
+            <a:r>
+              <a:rPr lang="nl-NL" sz="1800" dirty="0"/>
+              <a:t> </a:t>
+            </a:r>
+            <a:r>
+              <a:rPr lang="nl-NL" sz="1800" dirty="0" err="1"/>
+              <a:t>removal</a:t>
+            </a:r>
+            <a:r>
+              <a:rPr lang="nl-NL" sz="1800" dirty="0"/>
+              <a:t> </a:t>
+            </a:r>
+            <a:r>
+              <a:rPr lang="nl-NL" sz="1800" dirty="0" err="1"/>
+              <a:t>and</a:t>
+            </a:r>
+            <a:r>
+              <a:rPr lang="nl-NL" sz="1800" dirty="0"/>
+              <a:t> </a:t>
+            </a:r>
+            <a:r>
+              <a:rPr lang="nl-NL" sz="1800" dirty="0" err="1"/>
+              <a:t>identification</a:t>
+            </a:r>
+            <a:r>
+              <a:rPr lang="nl-NL" sz="1800" dirty="0"/>
+              <a:t> of important </a:t>
+            </a:r>
+            <a:r>
+              <a:rPr lang="nl-NL" sz="1800" dirty="0" err="1"/>
+              <a:t>masses</a:t>
+            </a:r>
+            <a:endParaRPr lang="nl-NL" sz="1800" dirty="0"/>
+          </a:p>
+        </p:txBody>
+      </p:sp>
+      <p:sp>
+        <p:nvSpPr>
+          <p:cNvPr id="4" name="Slide Number Placeholder 3">
+            <a:extLst>
+              <a:ext uri="{FF2B5EF4-FFF2-40B4-BE49-F238E27FC236}">
+                <a16:creationId xmlns:a16="http://schemas.microsoft.com/office/drawing/2014/main" id="{237517AA-2223-256B-CC93-75A4247D3BEB}"/>
+              </a:ext>
+            </a:extLst>
+          </p:cNvPr>
+          <p:cNvSpPr>
+            <a:spLocks noGrp="1"/>
+          </p:cNvSpPr>
+          <p:nvPr>
+            <p:ph type="sldNum" sz="quarter" idx="11"/>
+          </p:nvPr>
+        </p:nvSpPr>
+        <p:spPr/>
+        <p:txBody>
+          <a:bodyPr/>
+          <a:lstStyle/>
+          <a:p>
+            <a:pPr algn="r"/>
+            <a:fld id="{F25965E0-7062-474C-8671-DB3A3CE669B0}" type="slidenum">
+              <a:rPr lang="en-GB" noProof="0" smtClean="0"/>
+              <a:pPr algn="r"/>
+              <a:t>5</a:t>
+            </a:fld>
+            <a:endParaRPr lang="en-GB" noProof="0" dirty="0"/>
+          </a:p>
+        </p:txBody>
+      </p:sp>
+      <p:pic>
+        <p:nvPicPr>
+          <p:cNvPr id="6" name="Picture 5">
+            <a:extLst>
+              <a:ext uri="{FF2B5EF4-FFF2-40B4-BE49-F238E27FC236}">
+                <a16:creationId xmlns:a16="http://schemas.microsoft.com/office/drawing/2014/main" id="{AECCBB7F-F140-F6CC-F4BE-DB8BC0232AE7}"/>
+              </a:ext>
+            </a:extLst>
+          </p:cNvPr>
+          <p:cNvPicPr>
+            <a:picLocks noChangeAspect="1"/>
+          </p:cNvPicPr>
+          <p:nvPr/>
+        </p:nvPicPr>
+        <p:blipFill>
+          <a:blip r:embed="rId2"/>
+          <a:stretch>
+            <a:fillRect/>
+          </a:stretch>
+        </p:blipFill>
+        <p:spPr>
+          <a:xfrm>
+            <a:off x="4572000" y="2163751"/>
+            <a:ext cx="3479799" cy="2609849"/>
+          </a:xfrm>
+          <a:prstGeom prst="rect">
+            <a:avLst/>
+          </a:prstGeom>
+        </p:spPr>
+      </p:pic>
+      <p:sp>
+        <p:nvSpPr>
+          <p:cNvPr id="5" name="AutoShape 2">
+            <a:extLst>
+              <a:ext uri="{FF2B5EF4-FFF2-40B4-BE49-F238E27FC236}">
+                <a16:creationId xmlns:a16="http://schemas.microsoft.com/office/drawing/2014/main" id="{DE1AB278-76F8-0E6E-52C7-70641AAD226A}"/>
+              </a:ext>
+            </a:extLst>
+          </p:cNvPr>
+          <p:cNvSpPr>
+            <a:spLocks noGrp="1" noChangeAspect="1" noChangeArrowheads="1"/>
+          </p:cNvSpPr>
+          <p:nvPr>
+            <p:ph type="body" sz="quarter" idx="10"/>
+          </p:nvPr>
+        </p:nvSpPr>
+        <p:spPr bwMode="auto">
+          <a:xfrm>
+            <a:off x="493200" y="1025550"/>
+            <a:ext cx="8398800" cy="3092400"/>
+          </a:xfrm>
+          <a:prstGeom prst="rect">
+            <a:avLst/>
+          </a:prstGeom>
+          <a:noFill/>
+          <a:extLst>
+            <a:ext uri="{909E8E84-426E-40DD-AFC4-6F175D3DCCD1}">
+              <a14:hiddenFill xmlns:a14="http://schemas.microsoft.com/office/drawing/2010/main">
+                <a:solidFill>
+                  <a:srgbClr val="FFFFFF"/>
+                </a:solidFill>
+              </a14:hiddenFill>
+            </a:ext>
+          </a:extLst>
+        </p:spPr>
+        <p:txBody>
+          <a:bodyPr vert="horz" wrap="square" lIns="91440" tIns="45720" rIns="91440" bIns="45720" numCol="1" anchor="t" anchorCtr="0" compatLnSpc="1">
+            <a:prstTxWarp prst="textNoShape">
+              <a:avLst/>
+            </a:prstTxWarp>
+          </a:bodyPr>
+          <a:lstStyle/>
+          <a:p>
+            <a:r>
+              <a:rPr lang="nl-NL" dirty="0"/>
+              <a:t>5 </a:t>
+            </a:r>
+            <a:r>
+              <a:rPr lang="nl-NL" dirty="0" err="1"/>
+              <a:t>outliers</a:t>
+            </a:r>
+            <a:r>
+              <a:rPr lang="nl-NL" dirty="0"/>
+              <a:t> </a:t>
+            </a:r>
+            <a:r>
+              <a:rPr lang="nl-NL" dirty="0" err="1"/>
+              <a:t>were</a:t>
+            </a:r>
+            <a:r>
+              <a:rPr lang="nl-NL" dirty="0"/>
+              <a:t> found in dataset: </a:t>
+            </a:r>
+            <a:r>
+              <a:rPr lang="nl-NL" sz="1400" dirty="0"/>
+              <a:t>c("2023-12-19_30C (3)", "2023-12-19_15C (1)", "11-12-2023_15C (4)", "11-12-2023_15C (3)", "20-22-2023_15C (3)")</a:t>
+            </a:r>
+          </a:p>
+          <a:p>
+            <a:r>
+              <a:rPr lang="nl-NL" dirty="0"/>
+              <a:t>No important </a:t>
+            </a:r>
+            <a:r>
+              <a:rPr lang="nl-NL" dirty="0" err="1"/>
+              <a:t>masses</a:t>
+            </a:r>
+            <a:r>
+              <a:rPr lang="nl-NL" dirty="0"/>
+              <a:t> </a:t>
+            </a:r>
+            <a:r>
+              <a:rPr lang="nl-NL" dirty="0" err="1"/>
+              <a:t>were</a:t>
+            </a:r>
+            <a:r>
+              <a:rPr lang="nl-NL" dirty="0"/>
+              <a:t> </a:t>
+            </a:r>
+            <a:r>
+              <a:rPr lang="nl-NL" dirty="0" err="1"/>
+              <a:t>highlighted</a:t>
+            </a:r>
+            <a:endParaRPr lang="nl-NL" dirty="0"/>
+          </a:p>
+        </p:txBody>
+      </p:sp>
+    </p:spTree>
+    <p:extLst>
+      <p:ext uri="{BB962C8B-B14F-4D97-AF65-F5344CB8AC3E}">
+        <p14:creationId xmlns:p14="http://schemas.microsoft.com/office/powerpoint/2010/main" val="4059869668"/>
+      </p:ext>
+    </p:extLst>
+  </p:cSld>
+  <p:clrMapOvr>
+    <a:masterClrMapping/>
+  </p:clrMapOvr>
+</p:sld>
+</file>
+
+<file path=ppt/slides/slide6.xml><?xml version="1.0" encoding="utf-8"?>
+<p:sld xmlns:a="http://schemas.openxmlformats.org/drawingml/2006/main" xmlns:r="http://schemas.openxmlformats.org/officeDocument/2006/relationships" xmlns:p="http://schemas.openxmlformats.org/presentationml/2006/main">
+  <p:cSld>
+    <p:spTree>
+      <p:nvGrpSpPr>
+        <p:cNvPr id="1" name=""/>
+        <p:cNvGrpSpPr/>
+        <p:nvPr/>
+      </p:nvGrpSpPr>
+      <p:grpSpPr>
+        <a:xfrm>
+          <a:off x="0" y="0"/>
+          <a:ext cx="0" cy="0"/>
+          <a:chOff x="0" y="0"/>
+          <a:chExt cx="0" cy="0"/>
+        </a:xfrm>
+      </p:grpSpPr>
+      <p:sp>
+        <p:nvSpPr>
+          <p:cNvPr id="2" name="Text Placeholder 1">
+            <a:extLst>
+              <a:ext uri="{FF2B5EF4-FFF2-40B4-BE49-F238E27FC236}">
+                <a16:creationId xmlns:a16="http://schemas.microsoft.com/office/drawing/2014/main" id="{7ED67F89-1A9F-4828-6F5D-B0758F97FB3E}"/>
+              </a:ext>
+            </a:extLst>
+          </p:cNvPr>
+          <p:cNvSpPr>
+            <a:spLocks noGrp="1"/>
+          </p:cNvSpPr>
+          <p:nvPr>
+            <p:ph type="body" sz="quarter" idx="10"/>
+          </p:nvPr>
+        </p:nvSpPr>
+        <p:spPr/>
+        <p:txBody>
+          <a:bodyPr/>
+          <a:lstStyle/>
+          <a:p>
+            <a:r>
+              <a:rPr lang="en-GB" dirty="0"/>
+              <a:t>All the masses were considered in the new analysis</a:t>
+            </a:r>
+          </a:p>
+          <a:p>
+            <a:r>
+              <a:rPr lang="en-US" dirty="0"/>
+              <a:t>This transforms a dataset from wide format to long format:</a:t>
+            </a:r>
+          </a:p>
+          <a:p>
+            <a:endParaRPr lang="en-US" dirty="0"/>
+          </a:p>
+          <a:p>
+            <a:r>
+              <a:rPr lang="en-US" dirty="0" err="1"/>
+              <a:t>LargeData</a:t>
+            </a:r>
+            <a:r>
+              <a:rPr lang="en-US" dirty="0"/>
+              <a:t> &lt;- </a:t>
+            </a:r>
+            <a:r>
+              <a:rPr lang="en-US" dirty="0" err="1"/>
+              <a:t>pivot_longer</a:t>
+            </a:r>
+            <a:r>
+              <a:rPr lang="en-US" dirty="0"/>
+              <a:t>(X, cols = -c(Name, Date, Day, Temp), </a:t>
+            </a:r>
+            <a:r>
+              <a:rPr lang="en-US" dirty="0" err="1"/>
+              <a:t>names_to</a:t>
+            </a:r>
+            <a:r>
+              <a:rPr lang="en-US" dirty="0"/>
+              <a:t> = "Mass", </a:t>
+            </a:r>
+            <a:r>
+              <a:rPr lang="en-US" dirty="0" err="1"/>
+              <a:t>values_to</a:t>
+            </a:r>
+            <a:r>
+              <a:rPr lang="en-US" dirty="0"/>
+              <a:t> = "Intensity")</a:t>
+            </a:r>
+          </a:p>
+          <a:p>
+            <a:endParaRPr lang="en-GB" dirty="0"/>
+          </a:p>
+        </p:txBody>
+      </p:sp>
+      <p:sp>
+        <p:nvSpPr>
+          <p:cNvPr id="3" name="Title 2">
+            <a:extLst>
+              <a:ext uri="{FF2B5EF4-FFF2-40B4-BE49-F238E27FC236}">
+                <a16:creationId xmlns:a16="http://schemas.microsoft.com/office/drawing/2014/main" id="{F9539B37-A7EF-9120-1E49-924616873611}"/>
+              </a:ext>
+            </a:extLst>
+          </p:cNvPr>
+          <p:cNvSpPr>
+            <a:spLocks noGrp="1"/>
+          </p:cNvSpPr>
+          <p:nvPr>
+            <p:ph type="title"/>
+          </p:nvPr>
+        </p:nvSpPr>
+        <p:spPr/>
+        <p:txBody>
+          <a:bodyPr/>
+          <a:lstStyle/>
+          <a:p>
+            <a:r>
+              <a:rPr lang="en-GB" dirty="0"/>
+              <a:t>R code</a:t>
+            </a:r>
+          </a:p>
+        </p:txBody>
+      </p:sp>
+      <p:sp>
+        <p:nvSpPr>
+          <p:cNvPr id="4" name="Slide Number Placeholder 3">
+            <a:extLst>
+              <a:ext uri="{FF2B5EF4-FFF2-40B4-BE49-F238E27FC236}">
+                <a16:creationId xmlns:a16="http://schemas.microsoft.com/office/drawing/2014/main" id="{EC201487-1BEE-BBC9-3524-D2344296974F}"/>
+              </a:ext>
+            </a:extLst>
+          </p:cNvPr>
+          <p:cNvSpPr>
+            <a:spLocks noGrp="1"/>
+          </p:cNvSpPr>
+          <p:nvPr>
+            <p:ph type="sldNum" sz="quarter" idx="11"/>
+          </p:nvPr>
+        </p:nvSpPr>
+        <p:spPr/>
+        <p:txBody>
+          <a:bodyPr/>
+          <a:lstStyle/>
+          <a:p>
+            <a:pPr algn="r"/>
+            <a:fld id="{F25965E0-7062-474C-8671-DB3A3CE669B0}" type="slidenum">
+              <a:rPr lang="en-GB" noProof="0" smtClean="0"/>
+              <a:pPr algn="r"/>
+              <a:t>6</a:t>
+            </a:fld>
+            <a:endParaRPr lang="en-GB" noProof="0" dirty="0"/>
+          </a:p>
+        </p:txBody>
+      </p:sp>
+    </p:spTree>
+    <p:extLst>
+      <p:ext uri="{BB962C8B-B14F-4D97-AF65-F5344CB8AC3E}">
+        <p14:creationId xmlns:p14="http://schemas.microsoft.com/office/powerpoint/2010/main" val="1831396057"/>
+      </p:ext>
+    </p:extLst>
+  </p:cSld>
+  <p:clrMapOvr>
+    <a:masterClrMapping/>
+  </p:clrMapOvr>
+</p:sld>
+</file>
+
+<file path=ppt/slides/slide7.xml><?xml version="1.0" encoding="utf-8"?>
+<p:sld xmlns:a="http://schemas.openxmlformats.org/drawingml/2006/main" xmlns:r="http://schemas.openxmlformats.org/officeDocument/2006/relationships" xmlns:p="http://schemas.openxmlformats.org/presentationml/2006/main">
+  <p:cSld>
+    <p:spTree>
+      <p:nvGrpSpPr>
+        <p:cNvPr id="1" name=""/>
+        <p:cNvGrpSpPr/>
+        <p:nvPr/>
+      </p:nvGrpSpPr>
+      <p:grpSpPr>
+        <a:xfrm>
+          <a:off x="0" y="0"/>
+          <a:ext cx="0" cy="0"/>
+          <a:chOff x="0" y="0"/>
+          <a:chExt cx="0" cy="0"/>
+        </a:xfrm>
+      </p:grpSpPr>
+      <p:sp>
+        <p:nvSpPr>
+          <p:cNvPr id="3" name="Title 2">
+            <a:extLst>
+              <a:ext uri="{FF2B5EF4-FFF2-40B4-BE49-F238E27FC236}">
                 <a16:creationId xmlns:a16="http://schemas.microsoft.com/office/drawing/2014/main" id="{F8782EA8-B321-F1BF-3831-4D180408DE49}"/>
               </a:ext>
             </a:extLst>
@@ -11210,7 +11895,7 @@
             <a:fld id="{F25965E0-7062-474C-8671-DB3A3CE669B0}" type="slidenum">
               <a:rPr lang="en-GB" noProof="0" smtClean="0"/>
               <a:pPr algn="r"/>
-              <a:t>5</a:t>
+              <a:t>7</a:t>
             </a:fld>
             <a:endParaRPr lang="en-GB" noProof="0" dirty="0"/>
           </a:p>
@@ -11356,7 +12041,7 @@
 </p:sld>
 </file>
 
-<file path=ppt/slides/slide6.xml><?xml version="1.0" encoding="utf-8"?>
+<file path=ppt/slides/slide8.xml><?xml version="1.0" encoding="utf-8"?>
 <p:sld xmlns:a="http://schemas.openxmlformats.org/drawingml/2006/main" xmlns:r="http://schemas.openxmlformats.org/officeDocument/2006/relationships" xmlns:p="http://schemas.openxmlformats.org/presentationml/2006/main">
   <p:cSld>
     <p:spTree>
@@ -11428,7 +12113,7 @@
             <a:fld id="{F25965E0-7062-474C-8671-DB3A3CE669B0}" type="slidenum">
               <a:rPr lang="en-GB" noProof="0" smtClean="0"/>
               <a:pPr algn="r"/>
-              <a:t>6</a:t>
+              <a:t>8</a:t>
             </a:fld>
             <a:endParaRPr lang="en-GB" noProof="0" dirty="0"/>
           </a:p>
@@ -11447,7 +12132,7 @@
 </p:sld>
 </file>
 
-<file path=ppt/slides/slide7.xml><?xml version="1.0" encoding="utf-8"?>
+<file path=ppt/slides/slide9.xml><?xml version="1.0" encoding="utf-8"?>
 <p:sld xmlns:a="http://schemas.openxmlformats.org/drawingml/2006/main" xmlns:r="http://schemas.openxmlformats.org/officeDocument/2006/relationships" xmlns:p="http://schemas.openxmlformats.org/presentationml/2006/main">
   <p:cSld>
     <p:spTree>
@@ -11596,7 +12281,7 @@
             <a:fld id="{F25965E0-7062-474C-8671-DB3A3CE669B0}" type="slidenum">
               <a:rPr lang="en-GB" noProof="0" smtClean="0"/>
               <a:pPr algn="r"/>
-              <a:t>7</a:t>
+              <a:t>9</a:t>
             </a:fld>
             <a:endParaRPr lang="en-GB" noProof="0" dirty="0"/>
           </a:p>
@@ -11636,434 +12321,6 @@
     <p:extLst>
       <p:ext uri="{BB962C8B-B14F-4D97-AF65-F5344CB8AC3E}">
         <p14:creationId xmlns:p14="http://schemas.microsoft.com/office/powerpoint/2010/main" val="865172299"/>
-      </p:ext>
-    </p:extLst>
-  </p:cSld>
-  <p:clrMapOvr>
-    <a:masterClrMapping/>
-  </p:clrMapOvr>
-</p:sld>
-</file>
-
-<file path=ppt/slides/slide8.xml><?xml version="1.0" encoding="utf-8"?>
-<p:sld xmlns:a="http://schemas.openxmlformats.org/drawingml/2006/main" xmlns:r="http://schemas.openxmlformats.org/officeDocument/2006/relationships" xmlns:p="http://schemas.openxmlformats.org/presentationml/2006/main">
-  <p:cSld>
-    <p:spTree>
-      <p:nvGrpSpPr>
-        <p:cNvPr id="1" name=""/>
-        <p:cNvGrpSpPr/>
-        <p:nvPr/>
-      </p:nvGrpSpPr>
-      <p:grpSpPr>
-        <a:xfrm>
-          <a:off x="0" y="0"/>
-          <a:ext cx="0" cy="0"/>
-          <a:chOff x="0" y="0"/>
-          <a:chExt cx="0" cy="0"/>
-        </a:xfrm>
-      </p:grpSpPr>
-      <p:sp>
-        <p:nvSpPr>
-          <p:cNvPr id="3" name="Title 2">
-            <a:extLst>
-              <a:ext uri="{FF2B5EF4-FFF2-40B4-BE49-F238E27FC236}">
-                <a16:creationId xmlns:a16="http://schemas.microsoft.com/office/drawing/2014/main" id="{2E4AF904-CB08-F340-7698-66705C30594E}"/>
-              </a:ext>
-            </a:extLst>
-          </p:cNvPr>
-          <p:cNvSpPr>
-            <a:spLocks noGrp="1"/>
-          </p:cNvSpPr>
-          <p:nvPr>
-            <p:ph type="title"/>
-          </p:nvPr>
-        </p:nvSpPr>
-        <p:spPr>
-          <a:xfrm>
-            <a:off x="561600" y="169210"/>
-            <a:ext cx="8330400" cy="535640"/>
-          </a:xfrm>
-        </p:spPr>
-        <p:txBody>
-          <a:bodyPr/>
-          <a:lstStyle/>
-          <a:p>
-            <a:r>
-              <a:rPr lang="en-US" sz="1200" dirty="0">
-                <a:effectLst/>
-                <a:latin typeface="Verdana" panose="020B0604030504040204" pitchFamily="34" charset="0"/>
-                <a:ea typeface="Calibri" panose="020F0502020204030204" pitchFamily="34" charset="0"/>
-                <a:cs typeface="Times New Roman" panose="02020603050405020304" pitchFamily="18" charset="0"/>
-              </a:rPr>
-              <a:t>Is there significant difference within days,  with all Temperatures, </a:t>
-            </a:r>
-            <a:r>
-              <a:rPr lang="en-US" sz="1200" dirty="0">
-                <a:ea typeface="Calibri" panose="020F0502020204030204" pitchFamily="34" charset="0"/>
-                <a:cs typeface="Times New Roman" panose="02020603050405020304" pitchFamily="18" charset="0"/>
-              </a:rPr>
-              <a:t>in Masses 57, 60 and 74</a:t>
-            </a:r>
-            <a:r>
-              <a:rPr lang="en-US" sz="1200" dirty="0">
-                <a:effectLst/>
-                <a:latin typeface="Verdana" panose="020B0604030504040204" pitchFamily="34" charset="0"/>
-                <a:ea typeface="Calibri" panose="020F0502020204030204" pitchFamily="34" charset="0"/>
-                <a:cs typeface="Times New Roman" panose="02020603050405020304" pitchFamily="18" charset="0"/>
-              </a:rPr>
-              <a:t>? </a:t>
-            </a:r>
-            <a:br>
-              <a:rPr lang="en-US" sz="2800" dirty="0">
-                <a:effectLst/>
-                <a:latin typeface="Verdana" panose="020B0604030504040204" pitchFamily="34" charset="0"/>
-                <a:ea typeface="Calibri" panose="020F0502020204030204" pitchFamily="34" charset="0"/>
-                <a:cs typeface="Times New Roman" panose="02020603050405020304" pitchFamily="18" charset="0"/>
-              </a:rPr>
-            </a:br>
-            <a:endParaRPr lang="en-GB" dirty="0"/>
-          </a:p>
-        </p:txBody>
-      </p:sp>
-      <p:sp>
-        <p:nvSpPr>
-          <p:cNvPr id="4" name="Slide Number Placeholder 3">
-            <a:extLst>
-              <a:ext uri="{FF2B5EF4-FFF2-40B4-BE49-F238E27FC236}">
-                <a16:creationId xmlns:a16="http://schemas.microsoft.com/office/drawing/2014/main" id="{E759A487-083D-362F-7E77-C80D6A9C5BB4}"/>
-              </a:ext>
-            </a:extLst>
-          </p:cNvPr>
-          <p:cNvSpPr>
-            <a:spLocks noGrp="1"/>
-          </p:cNvSpPr>
-          <p:nvPr>
-            <p:ph type="sldNum" sz="quarter" idx="11"/>
-          </p:nvPr>
-        </p:nvSpPr>
-        <p:spPr/>
-        <p:txBody>
-          <a:bodyPr/>
-          <a:lstStyle/>
-          <a:p>
-            <a:pPr algn="r"/>
-            <a:fld id="{F25965E0-7062-474C-8671-DB3A3CE669B0}" type="slidenum">
-              <a:rPr lang="en-GB" noProof="0" smtClean="0"/>
-              <a:pPr algn="r"/>
-              <a:t>8</a:t>
-            </a:fld>
-            <a:endParaRPr lang="en-GB" noProof="0" dirty="0"/>
-          </a:p>
-        </p:txBody>
-      </p:sp>
-      <p:pic>
-        <p:nvPicPr>
-          <p:cNvPr id="8" name="Picture 7">
-            <a:extLst>
-              <a:ext uri="{FF2B5EF4-FFF2-40B4-BE49-F238E27FC236}">
-                <a16:creationId xmlns:a16="http://schemas.microsoft.com/office/drawing/2014/main" id="{2569925D-151D-3CEA-2E59-8A0B44B21B4C}"/>
-              </a:ext>
-            </a:extLst>
-          </p:cNvPr>
-          <p:cNvPicPr>
-            <a:picLocks noChangeAspect="1"/>
-          </p:cNvPicPr>
-          <p:nvPr/>
-        </p:nvPicPr>
-        <p:blipFill>
-          <a:blip r:embed="rId2"/>
-          <a:stretch>
-            <a:fillRect/>
-          </a:stretch>
-        </p:blipFill>
-        <p:spPr>
-          <a:xfrm>
-            <a:off x="234950" y="1567797"/>
-            <a:ext cx="4756150" cy="1724025"/>
-          </a:xfrm>
-          <a:prstGeom prst="rect">
-            <a:avLst/>
-          </a:prstGeom>
-        </p:spPr>
-      </p:pic>
-      <p:pic>
-        <p:nvPicPr>
-          <p:cNvPr id="10" name="Picture 9">
-            <a:extLst>
-              <a:ext uri="{FF2B5EF4-FFF2-40B4-BE49-F238E27FC236}">
-                <a16:creationId xmlns:a16="http://schemas.microsoft.com/office/drawing/2014/main" id="{9225D1E6-B15B-8431-28E1-AA9064612C32}"/>
-              </a:ext>
-            </a:extLst>
-          </p:cNvPr>
-          <p:cNvPicPr>
-            <a:picLocks noChangeAspect="1"/>
-          </p:cNvPicPr>
-          <p:nvPr/>
-        </p:nvPicPr>
-        <p:blipFill>
-          <a:blip r:embed="rId3"/>
-          <a:stretch>
-            <a:fillRect/>
-          </a:stretch>
-        </p:blipFill>
-        <p:spPr>
-          <a:xfrm>
-            <a:off x="234950" y="4028124"/>
-            <a:ext cx="8801100" cy="504825"/>
-          </a:xfrm>
-          <a:prstGeom prst="rect">
-            <a:avLst/>
-          </a:prstGeom>
-        </p:spPr>
-      </p:pic>
-      <p:pic>
-        <p:nvPicPr>
-          <p:cNvPr id="12" name="Picture 11">
-            <a:extLst>
-              <a:ext uri="{FF2B5EF4-FFF2-40B4-BE49-F238E27FC236}">
-                <a16:creationId xmlns:a16="http://schemas.microsoft.com/office/drawing/2014/main" id="{A16D8BE0-929B-CF1A-BB76-F63C7868E8F5}"/>
-              </a:ext>
-            </a:extLst>
-          </p:cNvPr>
-          <p:cNvPicPr>
-            <a:picLocks noChangeAspect="1"/>
-          </p:cNvPicPr>
-          <p:nvPr/>
-        </p:nvPicPr>
-        <p:blipFill>
-          <a:blip r:embed="rId4"/>
-          <a:stretch>
-            <a:fillRect/>
-          </a:stretch>
-        </p:blipFill>
-        <p:spPr>
-          <a:xfrm>
-            <a:off x="5607050" y="1084524"/>
-            <a:ext cx="2975350" cy="2975350"/>
-          </a:xfrm>
-          <a:prstGeom prst="rect">
-            <a:avLst/>
-          </a:prstGeom>
-        </p:spPr>
-      </p:pic>
-    </p:spTree>
-    <p:extLst>
-      <p:ext uri="{BB962C8B-B14F-4D97-AF65-F5344CB8AC3E}">
-        <p14:creationId xmlns:p14="http://schemas.microsoft.com/office/powerpoint/2010/main" val="1022849291"/>
-      </p:ext>
-    </p:extLst>
-  </p:cSld>
-  <p:clrMapOvr>
-    <a:masterClrMapping/>
-  </p:clrMapOvr>
-</p:sld>
-</file>
-
-<file path=ppt/slides/slide9.xml><?xml version="1.0" encoding="utf-8"?>
-<p:sld xmlns:a="http://schemas.openxmlformats.org/drawingml/2006/main" xmlns:r="http://schemas.openxmlformats.org/officeDocument/2006/relationships" xmlns:p="http://schemas.openxmlformats.org/presentationml/2006/main">
-  <p:cSld>
-    <p:spTree>
-      <p:nvGrpSpPr>
-        <p:cNvPr id="1" name=""/>
-        <p:cNvGrpSpPr/>
-        <p:nvPr/>
-      </p:nvGrpSpPr>
-      <p:grpSpPr>
-        <a:xfrm>
-          <a:off x="0" y="0"/>
-          <a:ext cx="0" cy="0"/>
-          <a:chOff x="0" y="0"/>
-          <a:chExt cx="0" cy="0"/>
-        </a:xfrm>
-      </p:grpSpPr>
-      <p:sp>
-        <p:nvSpPr>
-          <p:cNvPr id="3" name="Title 2">
-            <a:extLst>
-              <a:ext uri="{FF2B5EF4-FFF2-40B4-BE49-F238E27FC236}">
-                <a16:creationId xmlns:a16="http://schemas.microsoft.com/office/drawing/2014/main" id="{2E4AF904-CB08-F340-7698-66705C30594E}"/>
-              </a:ext>
-            </a:extLst>
-          </p:cNvPr>
-          <p:cNvSpPr>
-            <a:spLocks noGrp="1"/>
-          </p:cNvSpPr>
-          <p:nvPr>
-            <p:ph type="title"/>
-          </p:nvPr>
-        </p:nvSpPr>
-        <p:spPr>
-          <a:xfrm>
-            <a:off x="561600" y="169210"/>
-            <a:ext cx="8330400" cy="554690"/>
-          </a:xfrm>
-        </p:spPr>
-        <p:txBody>
-          <a:bodyPr/>
-          <a:lstStyle/>
-          <a:p>
-            <a:r>
-              <a:rPr lang="en-US" sz="1200" dirty="0">
-                <a:effectLst/>
-                <a:latin typeface="Verdana" panose="020B0604030504040204" pitchFamily="34" charset="0"/>
-                <a:ea typeface="Calibri" panose="020F0502020204030204" pitchFamily="34" charset="0"/>
-                <a:cs typeface="Times New Roman" panose="02020603050405020304" pitchFamily="18" charset="0"/>
-              </a:rPr>
-              <a:t>Is there significant difference within days,  with all Temperatures, </a:t>
-            </a:r>
-            <a:r>
-              <a:rPr lang="en-US" sz="1200" dirty="0">
-                <a:ea typeface="Calibri" panose="020F0502020204030204" pitchFamily="34" charset="0"/>
-                <a:cs typeface="Times New Roman" panose="02020603050405020304" pitchFamily="18" charset="0"/>
-              </a:rPr>
-              <a:t>in Masses 57 and 74</a:t>
-            </a:r>
-            <a:r>
-              <a:rPr lang="en-US" sz="1200" dirty="0">
-                <a:effectLst/>
-                <a:latin typeface="Verdana" panose="020B0604030504040204" pitchFamily="34" charset="0"/>
-                <a:ea typeface="Calibri" panose="020F0502020204030204" pitchFamily="34" charset="0"/>
-                <a:cs typeface="Times New Roman" panose="02020603050405020304" pitchFamily="18" charset="0"/>
-              </a:rPr>
-              <a:t>? </a:t>
-            </a:r>
-            <a:br>
-              <a:rPr lang="en-US" sz="2800" dirty="0">
-                <a:effectLst/>
-                <a:latin typeface="Verdana" panose="020B0604030504040204" pitchFamily="34" charset="0"/>
-                <a:ea typeface="Calibri" panose="020F0502020204030204" pitchFamily="34" charset="0"/>
-                <a:cs typeface="Times New Roman" panose="02020603050405020304" pitchFamily="18" charset="0"/>
-              </a:rPr>
-            </a:br>
-            <a:endParaRPr lang="en-GB" dirty="0"/>
-          </a:p>
-        </p:txBody>
-      </p:sp>
-      <p:sp>
-        <p:nvSpPr>
-          <p:cNvPr id="4" name="Slide Number Placeholder 3">
-            <a:extLst>
-              <a:ext uri="{FF2B5EF4-FFF2-40B4-BE49-F238E27FC236}">
-                <a16:creationId xmlns:a16="http://schemas.microsoft.com/office/drawing/2014/main" id="{E759A487-083D-362F-7E77-C80D6A9C5BB4}"/>
-              </a:ext>
-            </a:extLst>
-          </p:cNvPr>
-          <p:cNvSpPr>
-            <a:spLocks noGrp="1"/>
-          </p:cNvSpPr>
-          <p:nvPr>
-            <p:ph type="sldNum" sz="quarter" idx="11"/>
-          </p:nvPr>
-        </p:nvSpPr>
-        <p:spPr/>
-        <p:txBody>
-          <a:bodyPr/>
-          <a:lstStyle/>
-          <a:p>
-            <a:pPr algn="r"/>
-            <a:fld id="{F25965E0-7062-474C-8671-DB3A3CE669B0}" type="slidenum">
-              <a:rPr lang="en-GB" noProof="0" smtClean="0"/>
-              <a:pPr algn="r"/>
-              <a:t>9</a:t>
-            </a:fld>
-            <a:endParaRPr lang="en-GB" noProof="0" dirty="0"/>
-          </a:p>
-        </p:txBody>
-      </p:sp>
-      <p:pic>
-        <p:nvPicPr>
-          <p:cNvPr id="5" name="Picture 4">
-            <a:extLst>
-              <a:ext uri="{FF2B5EF4-FFF2-40B4-BE49-F238E27FC236}">
-                <a16:creationId xmlns:a16="http://schemas.microsoft.com/office/drawing/2014/main" id="{1934FD82-DB8D-18D1-3832-C58A83607FA0}"/>
-              </a:ext>
-            </a:extLst>
-          </p:cNvPr>
-          <p:cNvPicPr>
-            <a:picLocks noChangeAspect="1"/>
-          </p:cNvPicPr>
-          <p:nvPr/>
-        </p:nvPicPr>
-        <p:blipFill>
-          <a:blip r:embed="rId2"/>
-          <a:stretch>
-            <a:fillRect/>
-          </a:stretch>
-        </p:blipFill>
-        <p:spPr>
-          <a:xfrm>
-            <a:off x="5270500" y="1307655"/>
-            <a:ext cx="3314700" cy="3314700"/>
-          </a:xfrm>
-          <a:prstGeom prst="rect">
-            <a:avLst/>
-          </a:prstGeom>
-        </p:spPr>
-      </p:pic>
-      <p:pic>
-        <p:nvPicPr>
-          <p:cNvPr id="7" name="Picture 6">
-            <a:extLst>
-              <a:ext uri="{FF2B5EF4-FFF2-40B4-BE49-F238E27FC236}">
-                <a16:creationId xmlns:a16="http://schemas.microsoft.com/office/drawing/2014/main" id="{4CC8E983-71D0-9BA2-4068-DB64F76D310B}"/>
-              </a:ext>
-            </a:extLst>
-          </p:cNvPr>
-          <p:cNvPicPr>
-            <a:picLocks noChangeAspect="1"/>
-          </p:cNvPicPr>
-          <p:nvPr/>
-        </p:nvPicPr>
-        <p:blipFill>
-          <a:blip r:embed="rId3"/>
-          <a:stretch>
-            <a:fillRect/>
-          </a:stretch>
-        </p:blipFill>
-        <p:spPr>
-          <a:xfrm>
-            <a:off x="469900" y="1530350"/>
-            <a:ext cx="4724400" cy="1598481"/>
-          </a:xfrm>
-          <a:prstGeom prst="rect">
-            <a:avLst/>
-          </a:prstGeom>
-        </p:spPr>
-      </p:pic>
-      <p:pic>
-        <p:nvPicPr>
-          <p:cNvPr id="11" name="Picture 10">
-            <a:extLst>
-              <a:ext uri="{FF2B5EF4-FFF2-40B4-BE49-F238E27FC236}">
-                <a16:creationId xmlns:a16="http://schemas.microsoft.com/office/drawing/2014/main" id="{487BCF51-63A3-8F62-486C-DE8773D2FC47}"/>
-              </a:ext>
-            </a:extLst>
-          </p:cNvPr>
-          <p:cNvPicPr>
-            <a:picLocks noChangeAspect="1"/>
-          </p:cNvPicPr>
-          <p:nvPr/>
-        </p:nvPicPr>
-        <p:blipFill>
-          <a:blip r:embed="rId4"/>
-          <a:stretch>
-            <a:fillRect/>
-          </a:stretch>
-        </p:blipFill>
-        <p:spPr>
-          <a:xfrm>
-            <a:off x="320163" y="3803159"/>
-            <a:ext cx="5191637" cy="499179"/>
-          </a:xfrm>
-          <a:prstGeom prst="rect">
-            <a:avLst/>
-          </a:prstGeom>
-        </p:spPr>
-      </p:pic>
-    </p:spTree>
-    <p:extLst>
-      <p:ext uri="{BB962C8B-B14F-4D97-AF65-F5344CB8AC3E}">
-        <p14:creationId xmlns:p14="http://schemas.microsoft.com/office/powerpoint/2010/main" val="3697640760"/>
       </p:ext>
     </p:extLst>
   </p:cSld>
@@ -12669,20 +12926,20 @@
 </file>
 
 <file path=customXml/item1.xml><?xml version="1.0" encoding="utf-8"?>
+<p:properties xmlns:p="http://schemas.microsoft.com/office/2006/metadata/properties" xmlns:xsi="http://www.w3.org/2001/XMLSchema-instance" xmlns:pc="http://schemas.microsoft.com/office/infopath/2007/PartnerControls">
+  <documentManagement>
+    <_activity xmlns="f57bc8fc-db93-4706-8ea7-8a418546d01a" xsi:nil="true"/>
+  </documentManagement>
+</p:properties>
+</file>
+
+<file path=customXml/item2.xml><?xml version="1.0" encoding="utf-8"?>
 <?mso-contentType ?>
 <FormTemplates xmlns="http://schemas.microsoft.com/sharepoint/v3/contenttype/forms">
   <Display>DocumentLibraryForm</Display>
   <Edit>DocumentLibraryForm</Edit>
   <New>DocumentLibraryForm</New>
 </FormTemplates>
-</file>
-
-<file path=customXml/item2.xml><?xml version="1.0" encoding="utf-8"?>
-<p:properties xmlns:p="http://schemas.microsoft.com/office/2006/metadata/properties" xmlns:xsi="http://www.w3.org/2001/XMLSchema-instance" xmlns:pc="http://schemas.microsoft.com/office/infopath/2007/PartnerControls">
-  <documentManagement>
-    <_activity xmlns="f57bc8fc-db93-4706-8ea7-8a418546d01a" xsi:nil="true"/>
-  </documentManagement>
-</p:properties>
 </file>
 
 <file path=customXml/item3.xml><?xml version="1.0" encoding="utf-8"?>
@@ -12933,14 +13190,6 @@
 </file>
 
 <file path=customXml/itemProps1.xml><?xml version="1.0" encoding="utf-8"?>
-<ds:datastoreItem xmlns:ds="http://schemas.openxmlformats.org/officeDocument/2006/customXml" ds:itemID="{87607CC5-44B2-436F-9F2B-DC7C5A87C49F}">
-  <ds:schemaRefs>
-    <ds:schemaRef ds:uri="http://schemas.microsoft.com/sharepoint/v3/contenttype/forms"/>
-  </ds:schemaRefs>
-</ds:datastoreItem>
-</file>
-
-<file path=customXml/itemProps2.xml><?xml version="1.0" encoding="utf-8"?>
 <ds:datastoreItem xmlns:ds="http://schemas.openxmlformats.org/officeDocument/2006/customXml" ds:itemID="{B28F7ED2-CE71-4841-996C-F21FB056F158}">
   <ds:schemaRefs>
     <ds:schemaRef ds:uri="http://purl.org/dc/terms/"/>
@@ -12953,6 +13202,14 @@
     <ds:schemaRef ds:uri="f57bc8fc-db93-4706-8ea7-8a418546d01a"/>
     <ds:schemaRef ds:uri="http://schemas.microsoft.com/office/2006/metadata/properties"/>
     <ds:schemaRef ds:uri="http://www.w3.org/XML/1998/namespace"/>
+  </ds:schemaRefs>
+</ds:datastoreItem>
+</file>
+
+<file path=customXml/itemProps2.xml><?xml version="1.0" encoding="utf-8"?>
+<ds:datastoreItem xmlns:ds="http://schemas.openxmlformats.org/officeDocument/2006/customXml" ds:itemID="{87607CC5-44B2-436F-9F2B-DC7C5A87C49F}">
+  <ds:schemaRefs>
+    <ds:schemaRef ds:uri="http://schemas.microsoft.com/sharepoint/v3/contenttype/forms"/>
   </ds:schemaRefs>
 </ds:datastoreItem>
 </file>

--- a/Brines/UF.pptx
+++ b/Brines/UF.pptx
@@ -5,7 +5,7 @@
     <p:sldMasterId id="2147483648" r:id="rId4"/>
   </p:sldMasterIdLst>
   <p:notesMasterIdLst>
-    <p:notesMasterId r:id="rId22"/>
+    <p:notesMasterId r:id="rId25"/>
   </p:notesMasterIdLst>
   <p:sldIdLst>
     <p:sldId id="256" r:id="rId5"/>
@@ -14,17 +14,20 @@
     <p:sldId id="273" r:id="rId8"/>
     <p:sldId id="280" r:id="rId9"/>
     <p:sldId id="285" r:id="rId10"/>
-    <p:sldId id="281" r:id="rId11"/>
-    <p:sldId id="282" r:id="rId12"/>
-    <p:sldId id="275" r:id="rId13"/>
-    <p:sldId id="277" r:id="rId14"/>
-    <p:sldId id="278" r:id="rId15"/>
-    <p:sldId id="276" r:id="rId16"/>
-    <p:sldId id="279" r:id="rId17"/>
-    <p:sldId id="283" r:id="rId18"/>
-    <p:sldId id="284" r:id="rId19"/>
-    <p:sldId id="263" r:id="rId20"/>
-    <p:sldId id="259" r:id="rId21"/>
+    <p:sldId id="286" r:id="rId11"/>
+    <p:sldId id="288" r:id="rId12"/>
+    <p:sldId id="281" r:id="rId13"/>
+    <p:sldId id="287" r:id="rId14"/>
+    <p:sldId id="289" r:id="rId15"/>
+    <p:sldId id="275" r:id="rId16"/>
+    <p:sldId id="277" r:id="rId17"/>
+    <p:sldId id="278" r:id="rId18"/>
+    <p:sldId id="276" r:id="rId19"/>
+    <p:sldId id="279" r:id="rId20"/>
+    <p:sldId id="283" r:id="rId21"/>
+    <p:sldId id="284" r:id="rId22"/>
+    <p:sldId id="263" r:id="rId23"/>
+    <p:sldId id="259" r:id="rId24"/>
   </p:sldIdLst>
   <p:sldSz cx="9144000" cy="5143500" type="screen16x9"/>
   <p:notesSz cx="6858000" cy="9144000"/>
@@ -187,14 +190,6 @@
 </p:presentation>
 </file>
 
-<file path=ppt/revisionInfo.xml><?xml version="1.0" encoding="utf-8"?>
-<p1510:revInfo xmlns:a="http://schemas.openxmlformats.org/drawingml/2006/main" xmlns:r="http://schemas.openxmlformats.org/officeDocument/2006/relationships" xmlns:p1510="http://schemas.microsoft.com/office/powerpoint/2015/10/main">
-  <p1510:revLst>
-    <p1510:client id="{D6969838-2830-4C5A-A646-4BA4C2E445E3}" v="7" dt="2024-01-23T19:32:12.613"/>
-  </p1510:revLst>
-</p1510:revInfo>
-</file>
-
 <file path=ppt/notesMasters/notesMaster1.xml><?xml version="1.0" encoding="utf-8"?>
 <p:notesMaster xmlns:a="http://schemas.openxmlformats.org/drawingml/2006/main" xmlns:r="http://schemas.openxmlformats.org/officeDocument/2006/relationships" xmlns:p="http://schemas.openxmlformats.org/presentationml/2006/main">
   <p:cSld>
@@ -676,181 +671,6 @@
           <a:bodyPr/>
           <a:lstStyle/>
           <a:p>
-            <a:r>
-              <a:rPr lang="es-ES" dirty="0"/>
-              <a:t>El resultado que proporcionaste es el resumen de un modelo no lineal que ajusta la variable de respuesta "</a:t>
-            </a:r>
-            <a:r>
-              <a:rPr lang="es-ES" dirty="0" err="1"/>
-              <a:t>Intensity</a:t>
-            </a:r>
-            <a:r>
-              <a:rPr lang="es-ES" dirty="0"/>
-              <a:t>" en función del tiempo ("Day") utilizando un modelo cuadrático. Aquí está la interpretación de los resultados:</a:t>
-            </a:r>
-          </a:p>
-          <a:p>
-            <a:endParaRPr lang="es-ES" dirty="0"/>
-          </a:p>
-          <a:p>
-            <a:r>
-              <a:rPr lang="es-ES" dirty="0"/>
-              <a:t>Coeficientes del Modelo:</a:t>
-            </a:r>
-          </a:p>
-          <a:p>
-            <a:r>
-              <a:rPr lang="es-ES" dirty="0"/>
-              <a:t>b0 (Intercepto): 0.0006098. Este es el valor esperado de la intensidad cuando "Day" es igual a cero.</a:t>
-            </a:r>
-          </a:p>
-          <a:p>
-            <a:endParaRPr lang="es-ES" dirty="0"/>
-          </a:p>
-          <a:p>
-            <a:r>
-              <a:rPr lang="es-ES" dirty="0"/>
-              <a:t>b1 (Coeficiente de "Day"): 8.894e-06. Este coeficiente indica la tasa de cambio lineal en la intensidad respecto al tiempo.</a:t>
-            </a:r>
-          </a:p>
-          <a:p>
-            <a:endParaRPr lang="es-ES" dirty="0"/>
-          </a:p>
-          <a:p>
-            <a:r>
-              <a:rPr lang="es-ES" dirty="0"/>
-              <a:t>b2 (Coeficiente de "Day^2"): -2.776e-07. Este coeficiente indica la tasa de cambio cuadrática en la intensidad respecto al tiempo.</a:t>
-            </a:r>
-          </a:p>
-          <a:p>
-            <a:endParaRPr lang="es-ES" dirty="0"/>
-          </a:p>
-          <a:p>
-            <a:r>
-              <a:rPr lang="es-ES" dirty="0"/>
-              <a:t>Significancia Estadística:</a:t>
-            </a:r>
-          </a:p>
-          <a:p>
-            <a:r>
-              <a:rPr lang="es-ES" dirty="0"/>
-              <a:t>Todos los coeficientes son estadísticamente significativos según las estrellas y el valor p:</a:t>
-            </a:r>
-          </a:p>
-          <a:p>
-            <a:r>
-              <a:rPr lang="es-ES" dirty="0"/>
-              <a:t>b0: Muy significativo (p &lt; 0.001).</a:t>
-            </a:r>
-          </a:p>
-          <a:p>
-            <a:r>
-              <a:rPr lang="es-ES" dirty="0"/>
-              <a:t>b1: Significativo (0.01 &lt; p &lt; 0.05).</a:t>
-            </a:r>
-          </a:p>
-          <a:p>
-            <a:r>
-              <a:rPr lang="es-ES" dirty="0"/>
-              <a:t>b2: Significativo (0.01 &lt; p &lt; 0.05).</a:t>
-            </a:r>
-          </a:p>
-          <a:p>
-            <a:r>
-              <a:rPr lang="es-ES" dirty="0"/>
-              <a:t>Residual Standard Error:</a:t>
-            </a:r>
-          </a:p>
-          <a:p>
-            <a:r>
-              <a:rPr lang="es-ES" dirty="0"/>
-              <a:t>La "Residual standard error" es 0.004356. Es la desviación estándar de los residuos, que son las diferencias entre los valores observados y los valores predichos por el modelo.</a:t>
-            </a:r>
-          </a:p>
-          <a:p>
-            <a:r>
-              <a:rPr lang="es-ES" dirty="0"/>
-              <a:t>Número de Grados de Libertad y Convergencia:</a:t>
-            </a:r>
-          </a:p>
-          <a:p>
-            <a:r>
-              <a:rPr lang="es-ES" dirty="0"/>
-              <a:t>El modelo se ajustó a 188807 grados de libertad.</a:t>
-            </a:r>
-          </a:p>
-          <a:p>
-            <a:endParaRPr lang="es-ES" dirty="0"/>
-          </a:p>
-          <a:p>
-            <a:r>
-              <a:rPr lang="es-ES" dirty="0"/>
-              <a:t>El modelo alcanzó la convergencia en una sola iteración con una tolerancia de convergencia muy pequeña (3.226e-10).</a:t>
-            </a:r>
-          </a:p>
-          <a:p>
-            <a:endParaRPr lang="es-ES" dirty="0"/>
-          </a:p>
-          <a:p>
-            <a:r>
-              <a:rPr lang="es-ES" dirty="0"/>
-              <a:t>Interpretación Global:</a:t>
-            </a:r>
-          </a:p>
-          <a:p>
-            <a:r>
-              <a:rPr lang="es-ES" dirty="0"/>
-              <a:t>El modelo cuadrático proporciona una descripción significativa de cómo la intensidad cambia en función del tiempo.</a:t>
-            </a:r>
-          </a:p>
-          <a:p>
-            <a:endParaRPr lang="es-ES" dirty="0"/>
-          </a:p>
-          <a:p>
-            <a:r>
-              <a:rPr lang="es-ES" dirty="0"/>
-              <a:t>El intercepto (b0) es la intensidad estimada al comienzo del período de tiempo considerado.</a:t>
-            </a:r>
-          </a:p>
-          <a:p>
-            <a:endParaRPr lang="es-ES" dirty="0"/>
-          </a:p>
-          <a:p>
-            <a:r>
-              <a:rPr lang="es-ES" dirty="0"/>
-              <a:t>El coeficiente lineal (b1) y el coeficiente cuadrático (b2) indican las tasas de cambio lineal y cuadrática en la intensidad a lo largo del tiempo.</a:t>
-            </a:r>
-          </a:p>
-          <a:p>
-            <a:endParaRPr lang="es-ES" dirty="0"/>
-          </a:p>
-          <a:p>
-            <a:r>
-              <a:rPr lang="es-ES" dirty="0"/>
-              <a:t>En resumen, el modelo sugiere que la intensidad cambia de manera significativa con el tiempo, y la tasa de cambio no es constante. La significancia de los coeficientes y el buen ajuste del modelo (bajo residual standard error y rápida convergencia) respaldan la utilidad del modelo para describir la relación entre "</a:t>
-            </a:r>
-            <a:r>
-              <a:rPr lang="es-ES" dirty="0" err="1"/>
-              <a:t>Intensity</a:t>
-            </a:r>
-            <a:r>
-              <a:rPr lang="es-ES" dirty="0"/>
-              <a:t>" y "Day". La interpretación precisa dependerá del contexto específico de tu investigación y de la naturaleza de tus datos.</a:t>
-            </a:r>
-          </a:p>
-          <a:p>
-            <a:endParaRPr lang="es-ES" dirty="0"/>
-          </a:p>
-          <a:p>
-            <a:endParaRPr lang="es-ES" dirty="0"/>
-          </a:p>
-          <a:p>
-            <a:endParaRPr lang="es-ES" dirty="0"/>
-          </a:p>
-          <a:p>
-            <a:endParaRPr lang="es-ES" dirty="0"/>
-          </a:p>
-          <a:p>
             <a:endParaRPr lang="nl-NL" dirty="0"/>
           </a:p>
         </p:txBody>
@@ -872,7 +692,7 @@
           <a:p>
             <a:fld id="{55D45D2F-C69D-4D90-B22B-9B2DC58DBD55}" type="slidenum">
               <a:rPr lang="nl-NL" smtClean="0"/>
-              <a:t>13</a:t>
+              <a:t>10</a:t>
             </a:fld>
             <a:endParaRPr lang="nl-NL"/>
           </a:p>
@@ -881,7 +701,7 @@
     </p:spTree>
     <p:extLst>
       <p:ext uri="{BB962C8B-B14F-4D97-AF65-F5344CB8AC3E}">
-        <p14:creationId xmlns:p14="http://schemas.microsoft.com/office/powerpoint/2010/main" val="2463932513"/>
+        <p14:creationId xmlns:p14="http://schemas.microsoft.com/office/powerpoint/2010/main" val="3827684819"/>
       </p:ext>
     </p:extLst>
   </p:cSld>
@@ -935,6 +755,265 @@
           <a:bodyPr/>
           <a:lstStyle/>
           <a:p>
+            <a:r>
+              <a:rPr lang="es-ES" dirty="0"/>
+              <a:t>El resultado que proporcionaste es el resumen de un modelo no lineal que ajusta la variable de respuesta "</a:t>
+            </a:r>
+            <a:r>
+              <a:rPr lang="es-ES" dirty="0" err="1"/>
+              <a:t>Intensity</a:t>
+            </a:r>
+            <a:r>
+              <a:rPr lang="es-ES" dirty="0"/>
+              <a:t>" en función del tiempo ("Day") utilizando un modelo cuadrático. Aquí está la interpretación de los resultados:</a:t>
+            </a:r>
+          </a:p>
+          <a:p>
+            <a:endParaRPr lang="es-ES" dirty="0"/>
+          </a:p>
+          <a:p>
+            <a:r>
+              <a:rPr lang="es-ES" dirty="0"/>
+              <a:t>Coeficientes del Modelo:</a:t>
+            </a:r>
+          </a:p>
+          <a:p>
+            <a:r>
+              <a:rPr lang="es-ES" dirty="0"/>
+              <a:t>b0 (Intercepto): 0.0006098. Este es el valor esperado de la intensidad cuando "Day" es igual a cero.</a:t>
+            </a:r>
+          </a:p>
+          <a:p>
+            <a:endParaRPr lang="es-ES" dirty="0"/>
+          </a:p>
+          <a:p>
+            <a:r>
+              <a:rPr lang="es-ES" dirty="0"/>
+              <a:t>b1 (Coeficiente de "Day"): 8.894e-06. Este coeficiente indica la tasa de cambio lineal en la intensidad respecto al tiempo.</a:t>
+            </a:r>
+          </a:p>
+          <a:p>
+            <a:endParaRPr lang="es-ES" dirty="0"/>
+          </a:p>
+          <a:p>
+            <a:r>
+              <a:rPr lang="es-ES" dirty="0"/>
+              <a:t>b2 (Coeficiente de "Day^2"): -2.776e-07. Este coeficiente indica la tasa de cambio cuadrática en la intensidad respecto al tiempo.</a:t>
+            </a:r>
+          </a:p>
+          <a:p>
+            <a:endParaRPr lang="es-ES" dirty="0"/>
+          </a:p>
+          <a:p>
+            <a:r>
+              <a:rPr lang="es-ES" dirty="0"/>
+              <a:t>Significancia Estadística:</a:t>
+            </a:r>
+          </a:p>
+          <a:p>
+            <a:r>
+              <a:rPr lang="es-ES" dirty="0"/>
+              <a:t>Todos los coeficientes son estadísticamente significativos según las estrellas y el valor p:</a:t>
+            </a:r>
+          </a:p>
+          <a:p>
+            <a:r>
+              <a:rPr lang="es-ES" dirty="0"/>
+              <a:t>b0: Muy significativo (p &lt; 0.001).</a:t>
+            </a:r>
+          </a:p>
+          <a:p>
+            <a:r>
+              <a:rPr lang="es-ES" dirty="0"/>
+              <a:t>b1: Significativo (0.01 &lt; p &lt; 0.05).</a:t>
+            </a:r>
+          </a:p>
+          <a:p>
+            <a:r>
+              <a:rPr lang="es-ES" dirty="0"/>
+              <a:t>b2: Significativo (0.01 &lt; p &lt; 0.05).</a:t>
+            </a:r>
+          </a:p>
+          <a:p>
+            <a:r>
+              <a:rPr lang="es-ES" dirty="0"/>
+              <a:t>Residual Standard Error:</a:t>
+            </a:r>
+          </a:p>
+          <a:p>
+            <a:r>
+              <a:rPr lang="es-ES" dirty="0"/>
+              <a:t>La "Residual standard error" es 0.004356. Es la desviación estándar de los residuos, que son las diferencias entre los valores observados y los valores predichos por el modelo.</a:t>
+            </a:r>
+          </a:p>
+          <a:p>
+            <a:r>
+              <a:rPr lang="es-ES" dirty="0"/>
+              <a:t>Número de Grados de Libertad y Convergencia:</a:t>
+            </a:r>
+          </a:p>
+          <a:p>
+            <a:r>
+              <a:rPr lang="es-ES" dirty="0"/>
+              <a:t>El modelo se ajustó a 188807 grados de libertad.</a:t>
+            </a:r>
+          </a:p>
+          <a:p>
+            <a:endParaRPr lang="es-ES" dirty="0"/>
+          </a:p>
+          <a:p>
+            <a:r>
+              <a:rPr lang="es-ES" dirty="0"/>
+              <a:t>El modelo alcanzó la convergencia en una sola iteración con una tolerancia de convergencia muy pequeña (3.226e-10).</a:t>
+            </a:r>
+          </a:p>
+          <a:p>
+            <a:endParaRPr lang="es-ES" dirty="0"/>
+          </a:p>
+          <a:p>
+            <a:r>
+              <a:rPr lang="es-ES" dirty="0"/>
+              <a:t>Interpretación Global:</a:t>
+            </a:r>
+          </a:p>
+          <a:p>
+            <a:r>
+              <a:rPr lang="es-ES" dirty="0"/>
+              <a:t>El modelo cuadrático proporciona una descripción significativa de cómo la intensidad cambia en función del tiempo.</a:t>
+            </a:r>
+          </a:p>
+          <a:p>
+            <a:endParaRPr lang="es-ES" dirty="0"/>
+          </a:p>
+          <a:p>
+            <a:r>
+              <a:rPr lang="es-ES" dirty="0"/>
+              <a:t>El intercepto (b0) es la intensidad estimada al comienzo del período de tiempo considerado.</a:t>
+            </a:r>
+          </a:p>
+          <a:p>
+            <a:endParaRPr lang="es-ES" dirty="0"/>
+          </a:p>
+          <a:p>
+            <a:r>
+              <a:rPr lang="es-ES" dirty="0"/>
+              <a:t>El coeficiente lineal (b1) y el coeficiente cuadrático (b2) indican las tasas de cambio lineal y cuadrática en la intensidad a lo largo del tiempo.</a:t>
+            </a:r>
+          </a:p>
+          <a:p>
+            <a:endParaRPr lang="es-ES" dirty="0"/>
+          </a:p>
+          <a:p>
+            <a:r>
+              <a:rPr lang="es-ES" dirty="0"/>
+              <a:t>En resumen, el modelo sugiere que la intensidad cambia de manera significativa con el tiempo, y la tasa de cambio no es constante. La significancia de los coeficientes y el buen ajuste del modelo (bajo residual standard error y rápida convergencia) respaldan la utilidad del modelo para describir la relación entre "</a:t>
+            </a:r>
+            <a:r>
+              <a:rPr lang="es-ES" dirty="0" err="1"/>
+              <a:t>Intensity</a:t>
+            </a:r>
+            <a:r>
+              <a:rPr lang="es-ES" dirty="0"/>
+              <a:t>" y "Day". La interpretación precisa dependerá del contexto específico de tu investigación y de la naturaleza de tus datos.</a:t>
+            </a:r>
+          </a:p>
+          <a:p>
+            <a:endParaRPr lang="es-ES" dirty="0"/>
+          </a:p>
+          <a:p>
+            <a:endParaRPr lang="es-ES" dirty="0"/>
+          </a:p>
+          <a:p>
+            <a:endParaRPr lang="es-ES" dirty="0"/>
+          </a:p>
+          <a:p>
+            <a:endParaRPr lang="es-ES" dirty="0"/>
+          </a:p>
+          <a:p>
+            <a:endParaRPr lang="nl-NL" dirty="0"/>
+          </a:p>
+        </p:txBody>
+      </p:sp>
+      <p:sp>
+        <p:nvSpPr>
+          <p:cNvPr id="4" name="Slide Number Placeholder 3"/>
+          <p:cNvSpPr>
+            <a:spLocks noGrp="1"/>
+          </p:cNvSpPr>
+          <p:nvPr>
+            <p:ph type="sldNum" sz="quarter" idx="5"/>
+          </p:nvPr>
+        </p:nvSpPr>
+        <p:spPr/>
+        <p:txBody>
+          <a:bodyPr/>
+          <a:lstStyle/>
+          <a:p>
+            <a:fld id="{55D45D2F-C69D-4D90-B22B-9B2DC58DBD55}" type="slidenum">
+              <a:rPr lang="nl-NL" smtClean="0"/>
+              <a:t>16</a:t>
+            </a:fld>
+            <a:endParaRPr lang="nl-NL"/>
+          </a:p>
+        </p:txBody>
+      </p:sp>
+    </p:spTree>
+    <p:extLst>
+      <p:ext uri="{BB962C8B-B14F-4D97-AF65-F5344CB8AC3E}">
+        <p14:creationId xmlns:p14="http://schemas.microsoft.com/office/powerpoint/2010/main" val="2463932513"/>
+      </p:ext>
+    </p:extLst>
+  </p:cSld>
+  <p:clrMapOvr>
+    <a:masterClrMapping/>
+  </p:clrMapOvr>
+</p:notes>
+</file>
+
+<file path=ppt/notesSlides/notesSlide4.xml><?xml version="1.0" encoding="utf-8"?>
+<p:notes xmlns:a="http://schemas.openxmlformats.org/drawingml/2006/main" xmlns:r="http://schemas.openxmlformats.org/officeDocument/2006/relationships" xmlns:p="http://schemas.openxmlformats.org/presentationml/2006/main">
+  <p:cSld>
+    <p:spTree>
+      <p:nvGrpSpPr>
+        <p:cNvPr id="1" name=""/>
+        <p:cNvGrpSpPr/>
+        <p:nvPr/>
+      </p:nvGrpSpPr>
+      <p:grpSpPr>
+        <a:xfrm>
+          <a:off x="0" y="0"/>
+          <a:ext cx="0" cy="0"/>
+          <a:chOff x="0" y="0"/>
+          <a:chExt cx="0" cy="0"/>
+        </a:xfrm>
+      </p:grpSpPr>
+      <p:sp>
+        <p:nvSpPr>
+          <p:cNvPr id="2" name="Slide Image Placeholder 1"/>
+          <p:cNvSpPr>
+            <a:spLocks noGrp="1" noRot="1" noChangeAspect="1"/>
+          </p:cNvSpPr>
+          <p:nvPr>
+            <p:ph type="sldImg"/>
+          </p:nvPr>
+        </p:nvSpPr>
+        <p:spPr/>
+      </p:sp>
+      <p:sp>
+        <p:nvSpPr>
+          <p:cNvPr id="3" name="Notes Placeholder 2"/>
+          <p:cNvSpPr>
+            <a:spLocks noGrp="1"/>
+          </p:cNvSpPr>
+          <p:nvPr>
+            <p:ph type="body" idx="1"/>
+          </p:nvPr>
+        </p:nvSpPr>
+        <p:spPr/>
+        <p:txBody>
+          <a:bodyPr/>
+          <a:lstStyle/>
+          <a:p>
             <a:pPr algn="l">
               <a:buFont typeface="+mj-lt"/>
               <a:buAutoNum type="arabicPeriod"/>
@@ -1168,7 +1247,7 @@
           <a:p>
             <a:fld id="{55D45D2F-C69D-4D90-B22B-9B2DC58DBD55}" type="slidenum">
               <a:rPr lang="nl-NL" smtClean="0"/>
-              <a:t>14</a:t>
+              <a:t>17</a:t>
             </a:fld>
             <a:endParaRPr lang="nl-NL"/>
           </a:p>
@@ -8733,6 +8812,479 @@
       </p:grpSpPr>
       <p:sp>
         <p:nvSpPr>
+          <p:cNvPr id="2" name="Text Placeholder 1">
+            <a:extLst>
+              <a:ext uri="{FF2B5EF4-FFF2-40B4-BE49-F238E27FC236}">
+                <a16:creationId xmlns:a16="http://schemas.microsoft.com/office/drawing/2014/main" id="{4E5A86F8-A0DE-B940-5E2B-02E3C0EB16CC}"/>
+              </a:ext>
+            </a:extLst>
+          </p:cNvPr>
+          <p:cNvSpPr>
+            <a:spLocks noGrp="1"/>
+          </p:cNvSpPr>
+          <p:nvPr>
+            <p:ph type="body" sz="quarter" idx="10"/>
+          </p:nvPr>
+        </p:nvSpPr>
+        <p:spPr>
+          <a:xfrm>
+            <a:off x="372600" y="1225992"/>
+            <a:ext cx="8398800" cy="2233844"/>
+          </a:xfrm>
+        </p:spPr>
+        <p:txBody>
+          <a:bodyPr/>
+          <a:lstStyle/>
+          <a:p>
+            <a:r>
+              <a:rPr lang="en-US" sz="1400" dirty="0"/>
+              <a:t>By using a mixed model in which temperature is an independent variable, we can test the significance of the interaction between temperature and day</a:t>
+            </a:r>
+          </a:p>
+          <a:p>
+            <a:r>
+              <a:rPr lang="en-US" sz="1400" b="0" i="0" dirty="0">
+                <a:solidFill>
+                  <a:schemeClr val="tx1"/>
+                </a:solidFill>
+                <a:effectLst/>
+                <a:latin typeface="+mn-lt"/>
+              </a:rPr>
+              <a:t>The p-value of 0.4898 indicates that there is not enough evidence to reject the null hypothesis that the coefficient is equal to zero. This suggests that the difference in intensities between 15 and 30 degrees is not significant at a significance level of 0.05</a:t>
+            </a:r>
+            <a:endParaRPr lang="nl-NL" sz="1400" dirty="0">
+              <a:solidFill>
+                <a:schemeClr val="tx1"/>
+              </a:solidFill>
+              <a:latin typeface="+mn-lt"/>
+            </a:endParaRPr>
+          </a:p>
+          <a:p>
+            <a:endParaRPr lang="nl-NL" dirty="0"/>
+          </a:p>
+        </p:txBody>
+      </p:sp>
+      <p:sp>
+        <p:nvSpPr>
+          <p:cNvPr id="3" name="Title 2">
+            <a:extLst>
+              <a:ext uri="{FF2B5EF4-FFF2-40B4-BE49-F238E27FC236}">
+                <a16:creationId xmlns:a16="http://schemas.microsoft.com/office/drawing/2014/main" id="{0881E9A8-34D5-17A8-252C-C2D108EAB96C}"/>
+              </a:ext>
+            </a:extLst>
+          </p:cNvPr>
+          <p:cNvSpPr>
+            <a:spLocks noGrp="1"/>
+          </p:cNvSpPr>
+          <p:nvPr>
+            <p:ph type="title"/>
+          </p:nvPr>
+        </p:nvSpPr>
+        <p:spPr>
+          <a:xfrm>
+            <a:off x="561600" y="169211"/>
+            <a:ext cx="8330400" cy="947350"/>
+          </a:xfrm>
+        </p:spPr>
+        <p:txBody>
+          <a:bodyPr/>
+          <a:lstStyle/>
+          <a:p>
+            <a:pPr algn="ctr"/>
+            <a:r>
+              <a:rPr lang="nl-NL" sz="1600" dirty="0" err="1"/>
+              <a:t>Lineal</a:t>
+            </a:r>
+            <a:r>
+              <a:rPr lang="nl-NL" sz="1600" dirty="0"/>
+              <a:t> mixed model</a:t>
+            </a:r>
+            <a:br>
+              <a:rPr lang="nl-NL" dirty="0"/>
+            </a:br>
+            <a:r>
+              <a:rPr lang="nl-NL" sz="1200" b="1" dirty="0"/>
+              <a:t> </a:t>
+            </a:r>
+            <a:r>
+              <a:rPr lang="nl-NL" sz="1200" b="1" dirty="0" err="1"/>
+              <a:t>model_mix_nlme</a:t>
+            </a:r>
+            <a:r>
+              <a:rPr lang="nl-NL" sz="1200" b="1" dirty="0"/>
+              <a:t> &lt;- </a:t>
+            </a:r>
+            <a:r>
+              <a:rPr lang="nl-NL" sz="1200" b="1" dirty="0" err="1"/>
+              <a:t>lme</a:t>
+            </a:r>
+            <a:r>
+              <a:rPr lang="nl-NL" sz="1200" b="1" dirty="0"/>
+              <a:t>(</a:t>
+            </a:r>
+            <a:r>
+              <a:rPr lang="nl-NL" sz="1200" b="1" dirty="0" err="1"/>
+              <a:t>Intensity</a:t>
+            </a:r>
+            <a:r>
+              <a:rPr lang="nl-NL" sz="1200" b="1" dirty="0"/>
+              <a:t> ~ Temp * Day, random = ~1 | Mass, data = </a:t>
+            </a:r>
+            <a:r>
+              <a:rPr lang="nl-NL" sz="1200" b="1" dirty="0" err="1"/>
+              <a:t>LargeData</a:t>
+            </a:r>
+            <a:r>
+              <a:rPr lang="nl-NL" sz="1200" b="1" dirty="0"/>
+              <a:t>)</a:t>
+            </a:r>
+            <a:br>
+              <a:rPr lang="nl-NL" sz="1200" b="1" dirty="0"/>
+            </a:br>
+            <a:endParaRPr lang="nl-NL" sz="1200" b="1" dirty="0"/>
+          </a:p>
+        </p:txBody>
+      </p:sp>
+      <p:sp>
+        <p:nvSpPr>
+          <p:cNvPr id="4" name="Slide Number Placeholder 3">
+            <a:extLst>
+              <a:ext uri="{FF2B5EF4-FFF2-40B4-BE49-F238E27FC236}">
+                <a16:creationId xmlns:a16="http://schemas.microsoft.com/office/drawing/2014/main" id="{ACECF3A6-7080-2F95-6713-5C579A6CAB78}"/>
+              </a:ext>
+            </a:extLst>
+          </p:cNvPr>
+          <p:cNvSpPr>
+            <a:spLocks noGrp="1"/>
+          </p:cNvSpPr>
+          <p:nvPr>
+            <p:ph type="sldNum" sz="quarter" idx="11"/>
+          </p:nvPr>
+        </p:nvSpPr>
+        <p:spPr/>
+        <p:txBody>
+          <a:bodyPr/>
+          <a:lstStyle/>
+          <a:p>
+            <a:pPr algn="r"/>
+            <a:fld id="{F25965E0-7062-474C-8671-DB3A3CE669B0}" type="slidenum">
+              <a:rPr lang="en-GB" noProof="0" smtClean="0"/>
+              <a:pPr algn="r"/>
+              <a:t>10</a:t>
+            </a:fld>
+            <a:endParaRPr lang="en-GB" noProof="0" dirty="0"/>
+          </a:p>
+        </p:txBody>
+      </p:sp>
+      <p:pic>
+        <p:nvPicPr>
+          <p:cNvPr id="8" name="Picture 7">
+            <a:extLst>
+              <a:ext uri="{FF2B5EF4-FFF2-40B4-BE49-F238E27FC236}">
+                <a16:creationId xmlns:a16="http://schemas.microsoft.com/office/drawing/2014/main" id="{08A5DBA4-3E41-A7FC-F005-91556CD3E3A6}"/>
+              </a:ext>
+            </a:extLst>
+          </p:cNvPr>
+          <p:cNvPicPr>
+            <a:picLocks noChangeAspect="1"/>
+          </p:cNvPicPr>
+          <p:nvPr/>
+        </p:nvPicPr>
+        <p:blipFill>
+          <a:blip r:embed="rId3"/>
+          <a:stretch>
+            <a:fillRect/>
+          </a:stretch>
+        </p:blipFill>
+        <p:spPr>
+          <a:xfrm>
+            <a:off x="2424543" y="3172815"/>
+            <a:ext cx="4924109" cy="1662379"/>
+          </a:xfrm>
+          <a:prstGeom prst="rect">
+            <a:avLst/>
+          </a:prstGeom>
+        </p:spPr>
+      </p:pic>
+    </p:spTree>
+    <p:extLst>
+      <p:ext uri="{BB962C8B-B14F-4D97-AF65-F5344CB8AC3E}">
+        <p14:creationId xmlns:p14="http://schemas.microsoft.com/office/powerpoint/2010/main" val="1285718646"/>
+      </p:ext>
+    </p:extLst>
+  </p:cSld>
+  <p:clrMapOvr>
+    <a:masterClrMapping/>
+  </p:clrMapOvr>
+</p:sld>
+</file>
+
+<file path=ppt/slides/slide11.xml><?xml version="1.0" encoding="utf-8"?>
+<p:sld xmlns:a="http://schemas.openxmlformats.org/drawingml/2006/main" xmlns:r="http://schemas.openxmlformats.org/officeDocument/2006/relationships" xmlns:p="http://schemas.openxmlformats.org/presentationml/2006/main">
+  <p:cSld>
+    <p:spTree>
+      <p:nvGrpSpPr>
+        <p:cNvPr id="1" name=""/>
+        <p:cNvGrpSpPr/>
+        <p:nvPr/>
+      </p:nvGrpSpPr>
+      <p:grpSpPr>
+        <a:xfrm>
+          <a:off x="0" y="0"/>
+          <a:ext cx="0" cy="0"/>
+          <a:chOff x="0" y="0"/>
+          <a:chExt cx="0" cy="0"/>
+        </a:xfrm>
+      </p:grpSpPr>
+      <p:sp>
+        <p:nvSpPr>
+          <p:cNvPr id="4" name="Slide Number Placeholder 3">
+            <a:extLst>
+              <a:ext uri="{FF2B5EF4-FFF2-40B4-BE49-F238E27FC236}">
+                <a16:creationId xmlns:a16="http://schemas.microsoft.com/office/drawing/2014/main" id="{00C8211A-59F9-1BE5-2DF9-484512A82285}"/>
+              </a:ext>
+            </a:extLst>
+          </p:cNvPr>
+          <p:cNvSpPr>
+            <a:spLocks noGrp="1"/>
+          </p:cNvSpPr>
+          <p:nvPr>
+            <p:ph type="sldNum" sz="quarter" idx="11"/>
+          </p:nvPr>
+        </p:nvSpPr>
+        <p:spPr/>
+        <p:txBody>
+          <a:bodyPr/>
+          <a:lstStyle/>
+          <a:p>
+            <a:pPr algn="r"/>
+            <a:fld id="{F25965E0-7062-474C-8671-DB3A3CE669B0}" type="slidenum">
+              <a:rPr lang="en-GB" noProof="0" smtClean="0"/>
+              <a:pPr algn="r"/>
+              <a:t>11</a:t>
+            </a:fld>
+            <a:endParaRPr lang="en-GB" noProof="0" dirty="0"/>
+          </a:p>
+        </p:txBody>
+      </p:sp>
+      <p:graphicFrame>
+        <p:nvGraphicFramePr>
+          <p:cNvPr id="9" name="Object 8">
+            <a:extLst>
+              <a:ext uri="{FF2B5EF4-FFF2-40B4-BE49-F238E27FC236}">
+                <a16:creationId xmlns:a16="http://schemas.microsoft.com/office/drawing/2014/main" id="{8B69B246-12DB-2225-8213-647A7215108B}"/>
+              </a:ext>
+            </a:extLst>
+          </p:cNvPr>
+          <p:cNvGraphicFramePr>
+            <a:graphicFrameLocks noChangeAspect="1"/>
+          </p:cNvGraphicFramePr>
+          <p:nvPr>
+            <p:extLst>
+              <p:ext uri="{D42A27DB-BD31-4B8C-83A1-F6EECF244321}">
+                <p14:modId xmlns:p14="http://schemas.microsoft.com/office/powerpoint/2010/main" val="402812001"/>
+              </p:ext>
+            </p:extLst>
+          </p:nvPr>
+        </p:nvGraphicFramePr>
+        <p:xfrm>
+          <a:off x="2443163" y="265113"/>
+          <a:ext cx="5726112" cy="4572000"/>
+        </p:xfrm>
+        <a:graphic>
+          <a:graphicData uri="http://schemas.openxmlformats.org/presentationml/2006/ole">
+            <mc:AlternateContent xmlns:mc="http://schemas.openxmlformats.org/markup-compatibility/2006">
+              <mc:Choice xmlns:v="urn:schemas-microsoft-com:vml" Requires="v">
+                <p:oleObj name="Document" r:id="rId2" imgW="5775241" imgH="4607777" progId="Word.Document.12">
+                  <p:embed/>
+                </p:oleObj>
+              </mc:Choice>
+              <mc:Fallback>
+                <p:oleObj name="Document" r:id="rId2" imgW="5775241" imgH="4607777" progId="Word.Document.12">
+                  <p:embed/>
+                  <p:pic>
+                    <p:nvPicPr>
+                      <p:cNvPr id="0" name=""/>
+                      <p:cNvPicPr/>
+                      <p:nvPr/>
+                    </p:nvPicPr>
+                    <p:blipFill>
+                      <a:blip r:embed="rId3"/>
+                      <a:stretch>
+                        <a:fillRect/>
+                      </a:stretch>
+                    </p:blipFill>
+                    <p:spPr>
+                      <a:xfrm>
+                        <a:off x="2443163" y="265113"/>
+                        <a:ext cx="5726112" cy="4572000"/>
+                      </a:xfrm>
+                      <a:prstGeom prst="rect">
+                        <a:avLst/>
+                      </a:prstGeom>
+                    </p:spPr>
+                  </p:pic>
+                </p:oleObj>
+              </mc:Fallback>
+            </mc:AlternateContent>
+          </a:graphicData>
+        </a:graphic>
+      </p:graphicFrame>
+      <p:sp>
+        <p:nvSpPr>
+          <p:cNvPr id="12" name="TextBox 11">
+            <a:extLst>
+              <a:ext uri="{FF2B5EF4-FFF2-40B4-BE49-F238E27FC236}">
+                <a16:creationId xmlns:a16="http://schemas.microsoft.com/office/drawing/2014/main" id="{B406038E-0FF2-9349-AB82-F4CEFDFFE4B0}"/>
+              </a:ext>
+            </a:extLst>
+          </p:cNvPr>
+          <p:cNvSpPr txBox="1"/>
+          <p:nvPr/>
+        </p:nvSpPr>
+        <p:spPr>
+          <a:xfrm>
+            <a:off x="457200" y="2051824"/>
+            <a:ext cx="1801968" cy="302712"/>
+          </a:xfrm>
+          <a:prstGeom prst="rect">
+            <a:avLst/>
+          </a:prstGeom>
+          <a:noFill/>
+        </p:spPr>
+        <p:txBody>
+          <a:bodyPr wrap="none" rtlCol="0">
+            <a:spAutoFit/>
+          </a:bodyPr>
+          <a:lstStyle/>
+          <a:p>
+            <a:pPr>
+              <a:lnSpc>
+                <a:spcPts val="1800"/>
+              </a:lnSpc>
+            </a:pPr>
+            <a:r>
+              <a:rPr lang="nl-NL" sz="1400" dirty="0">
+                <a:latin typeface="Verdana" pitchFamily="34" charset="0"/>
+              </a:rPr>
+              <a:t>T-test in </a:t>
+            </a:r>
+            <a:r>
+              <a:rPr lang="nl-NL" sz="1400" dirty="0" err="1">
+                <a:latin typeface="Verdana" pitchFamily="34" charset="0"/>
+              </a:rPr>
+              <a:t>each</a:t>
+            </a:r>
+            <a:r>
+              <a:rPr lang="nl-NL" sz="1400" dirty="0">
+                <a:latin typeface="Verdana" pitchFamily="34" charset="0"/>
+              </a:rPr>
+              <a:t> </a:t>
+            </a:r>
+            <a:r>
+              <a:rPr lang="nl-NL" sz="1400" dirty="0" err="1">
+                <a:latin typeface="Verdana" pitchFamily="34" charset="0"/>
+              </a:rPr>
+              <a:t>day</a:t>
+            </a:r>
+            <a:endParaRPr lang="nl-NL" sz="1400" dirty="0">
+              <a:latin typeface="Verdana" pitchFamily="34" charset="0"/>
+            </a:endParaRPr>
+          </a:p>
+        </p:txBody>
+      </p:sp>
+    </p:spTree>
+    <p:extLst>
+      <p:ext uri="{BB962C8B-B14F-4D97-AF65-F5344CB8AC3E}">
+        <p14:creationId xmlns:p14="http://schemas.microsoft.com/office/powerpoint/2010/main" val="2429068994"/>
+      </p:ext>
+    </p:extLst>
+  </p:cSld>
+  <p:clrMapOvr>
+    <a:masterClrMapping/>
+  </p:clrMapOvr>
+</p:sld>
+</file>
+
+<file path=ppt/slides/slide12.xml><?xml version="1.0" encoding="utf-8"?>
+<p:sld xmlns:a="http://schemas.openxmlformats.org/drawingml/2006/main" xmlns:r="http://schemas.openxmlformats.org/officeDocument/2006/relationships" xmlns:p="http://schemas.openxmlformats.org/presentationml/2006/main">
+  <p:cSld>
+    <p:spTree>
+      <p:nvGrpSpPr>
+        <p:cNvPr id="1" name=""/>
+        <p:cNvGrpSpPr/>
+        <p:nvPr/>
+      </p:nvGrpSpPr>
+      <p:grpSpPr>
+        <a:xfrm>
+          <a:off x="0" y="0"/>
+          <a:ext cx="0" cy="0"/>
+          <a:chOff x="0" y="0"/>
+          <a:chExt cx="0" cy="0"/>
+        </a:xfrm>
+      </p:grpSpPr>
+      <p:pic>
+        <p:nvPicPr>
+          <p:cNvPr id="5" name="Picture 4">
+            <a:extLst>
+              <a:ext uri="{FF2B5EF4-FFF2-40B4-BE49-F238E27FC236}">
+                <a16:creationId xmlns:a16="http://schemas.microsoft.com/office/drawing/2014/main" id="{F3751F95-BEB2-3675-86DD-DC876276BBF3}"/>
+              </a:ext>
+            </a:extLst>
+          </p:cNvPr>
+          <p:cNvPicPr>
+            <a:picLocks noChangeAspect="1"/>
+          </p:cNvPicPr>
+          <p:nvPr/>
+        </p:nvPicPr>
+        <p:blipFill>
+          <a:blip r:embed="rId2"/>
+          <a:stretch>
+            <a:fillRect/>
+          </a:stretch>
+        </p:blipFill>
+        <p:spPr>
+          <a:xfrm>
+            <a:off x="462034" y="1375254"/>
+            <a:ext cx="3715701" cy="1196496"/>
+          </a:xfrm>
+          <a:prstGeom prst="rect">
+            <a:avLst/>
+          </a:prstGeom>
+        </p:spPr>
+      </p:pic>
+      <p:pic>
+        <p:nvPicPr>
+          <p:cNvPr id="6" name="Picture 5">
+            <a:extLst>
+              <a:ext uri="{FF2B5EF4-FFF2-40B4-BE49-F238E27FC236}">
+                <a16:creationId xmlns:a16="http://schemas.microsoft.com/office/drawing/2014/main" id="{180BD4DF-AB40-BF97-8C14-F79506DA2B54}"/>
+              </a:ext>
+            </a:extLst>
+          </p:cNvPr>
+          <p:cNvPicPr>
+            <a:picLocks noChangeAspect="1"/>
+          </p:cNvPicPr>
+          <p:nvPr/>
+        </p:nvPicPr>
+        <p:blipFill>
+          <a:blip r:embed="rId3"/>
+          <a:stretch>
+            <a:fillRect/>
+          </a:stretch>
+        </p:blipFill>
+        <p:spPr>
+          <a:xfrm>
+            <a:off x="276294" y="3262789"/>
+            <a:ext cx="4506215" cy="248223"/>
+          </a:xfrm>
+          <a:prstGeom prst="rect">
+            <a:avLst/>
+          </a:prstGeom>
+        </p:spPr>
+      </p:pic>
+      <p:sp>
+        <p:nvSpPr>
           <p:cNvPr id="3" name="Title 2">
             <a:extLst>
               <a:ext uri="{FF2B5EF4-FFF2-40B4-BE49-F238E27FC236}">
@@ -8750,7 +9302,7 @@
         <p:spPr>
           <a:xfrm>
             <a:off x="561600" y="169210"/>
-            <a:ext cx="8330400" cy="535640"/>
+            <a:ext cx="8330400" cy="987200"/>
           </a:xfrm>
         </p:spPr>
         <p:txBody>
@@ -8771,7 +9323,7 @@
                 <a:ea typeface="Calibri" panose="020F0502020204030204" pitchFamily="34" charset="0"/>
                 <a:cs typeface="Times New Roman" panose="02020603050405020304" pitchFamily="18" charset="0"/>
               </a:rPr>
-              <a:t>in Masses 57, 60 and 74</a:t>
+              <a:t>4</a:t>
             </a:r>
             <a:r>
               <a:rPr lang="en-US" sz="1200" dirty="0">
@@ -8780,7 +9332,7 @@
                 <a:ea typeface="Calibri" panose="020F0502020204030204" pitchFamily="34" charset="0"/>
                 <a:cs typeface="Times New Roman" panose="02020603050405020304" pitchFamily="18" charset="0"/>
               </a:rPr>
-              <a:t>? </a:t>
+              <a:t> masses? </a:t>
             </a:r>
             <a:br>
               <a:rPr lang="en-US" sz="2800" dirty="0">
@@ -8819,7 +9371,161 @@
             <a:fld id="{F25965E0-7062-474C-8671-DB3A3CE669B0}" type="slidenum">
               <a:rPr lang="en-GB" noProof="0" smtClean="0"/>
               <a:pPr algn="r"/>
-              <a:t>10</a:t>
+              <a:t>12</a:t>
+            </a:fld>
+            <a:endParaRPr lang="en-GB" noProof="0" dirty="0"/>
+          </a:p>
+        </p:txBody>
+      </p:sp>
+      <p:pic>
+        <p:nvPicPr>
+          <p:cNvPr id="7" name="Picture 6">
+            <a:extLst>
+              <a:ext uri="{FF2B5EF4-FFF2-40B4-BE49-F238E27FC236}">
+                <a16:creationId xmlns:a16="http://schemas.microsoft.com/office/drawing/2014/main" id="{21823522-4748-3234-28BA-121B1C3F73F6}"/>
+              </a:ext>
+            </a:extLst>
+          </p:cNvPr>
+          <p:cNvPicPr>
+            <a:picLocks noChangeAspect="1"/>
+          </p:cNvPicPr>
+          <p:nvPr/>
+        </p:nvPicPr>
+        <p:blipFill>
+          <a:blip r:embed="rId4"/>
+          <a:stretch>
+            <a:fillRect/>
+          </a:stretch>
+        </p:blipFill>
+        <p:spPr>
+          <a:xfrm>
+            <a:off x="5091772" y="1117918"/>
+            <a:ext cx="3371828" cy="3371828"/>
+          </a:xfrm>
+          <a:prstGeom prst="rect">
+            <a:avLst/>
+          </a:prstGeom>
+        </p:spPr>
+      </p:pic>
+    </p:spTree>
+    <p:extLst>
+      <p:ext uri="{BB962C8B-B14F-4D97-AF65-F5344CB8AC3E}">
+        <p14:creationId xmlns:p14="http://schemas.microsoft.com/office/powerpoint/2010/main" val="865172299"/>
+      </p:ext>
+    </p:extLst>
+  </p:cSld>
+  <p:clrMapOvr>
+    <a:masterClrMapping/>
+  </p:clrMapOvr>
+</p:sld>
+</file>
+
+<file path=ppt/slides/slide13.xml><?xml version="1.0" encoding="utf-8"?>
+<p:sld xmlns:a="http://schemas.openxmlformats.org/drawingml/2006/main" xmlns:r="http://schemas.openxmlformats.org/officeDocument/2006/relationships" xmlns:p="http://schemas.openxmlformats.org/presentationml/2006/main">
+  <p:cSld>
+    <p:spTree>
+      <p:nvGrpSpPr>
+        <p:cNvPr id="1" name=""/>
+        <p:cNvGrpSpPr/>
+        <p:nvPr/>
+      </p:nvGrpSpPr>
+      <p:grpSpPr>
+        <a:xfrm>
+          <a:off x="0" y="0"/>
+          <a:ext cx="0" cy="0"/>
+          <a:chOff x="0" y="0"/>
+          <a:chExt cx="0" cy="0"/>
+        </a:xfrm>
+      </p:grpSpPr>
+      <p:sp>
+        <p:nvSpPr>
+          <p:cNvPr id="3" name="Title 2">
+            <a:extLst>
+              <a:ext uri="{FF2B5EF4-FFF2-40B4-BE49-F238E27FC236}">
+                <a16:creationId xmlns:a16="http://schemas.microsoft.com/office/drawing/2014/main" id="{2E4AF904-CB08-F340-7698-66705C30594E}"/>
+              </a:ext>
+            </a:extLst>
+          </p:cNvPr>
+          <p:cNvSpPr>
+            <a:spLocks noGrp="1"/>
+          </p:cNvSpPr>
+          <p:nvPr>
+            <p:ph type="title"/>
+          </p:nvPr>
+        </p:nvSpPr>
+        <p:spPr>
+          <a:xfrm>
+            <a:off x="561600" y="169210"/>
+            <a:ext cx="8330400" cy="535640"/>
+          </a:xfrm>
+        </p:spPr>
+        <p:txBody>
+          <a:bodyPr/>
+          <a:lstStyle/>
+          <a:p>
+            <a:r>
+              <a:rPr lang="en-US" sz="1200" dirty="0">
+                <a:effectLst/>
+                <a:latin typeface="Verdana" panose="020B0604030504040204" pitchFamily="34" charset="0"/>
+                <a:ea typeface="Calibri" panose="020F0502020204030204" pitchFamily="34" charset="0"/>
+                <a:cs typeface="Times New Roman" panose="02020603050405020304" pitchFamily="18" charset="0"/>
+              </a:rPr>
+              <a:t>Is there significant difference within days,  with all Temperatures, </a:t>
+            </a:r>
+            <a:r>
+              <a:rPr lang="en-US" sz="1200" dirty="0">
+                <a:ea typeface="Calibri" panose="020F0502020204030204" pitchFamily="34" charset="0"/>
+                <a:cs typeface="Times New Roman" panose="02020603050405020304" pitchFamily="18" charset="0"/>
+              </a:rPr>
+              <a:t>in Masses 57, 60 and 74</a:t>
+            </a:r>
+            <a:r>
+              <a:rPr lang="en-US" sz="1200" dirty="0">
+                <a:effectLst/>
+                <a:latin typeface="Verdana" panose="020B0604030504040204" pitchFamily="34" charset="0"/>
+                <a:ea typeface="Calibri" panose="020F0502020204030204" pitchFamily="34" charset="0"/>
+                <a:cs typeface="Times New Roman" panose="02020603050405020304" pitchFamily="18" charset="0"/>
+              </a:rPr>
+              <a:t>? </a:t>
+            </a:r>
+            <a:br>
+              <a:rPr lang="en-US" sz="2800" dirty="0">
+                <a:effectLst/>
+                <a:latin typeface="Verdana" panose="020B0604030504040204" pitchFamily="34" charset="0"/>
+                <a:ea typeface="Calibri" panose="020F0502020204030204" pitchFamily="34" charset="0"/>
+                <a:cs typeface="Times New Roman" panose="02020603050405020304" pitchFamily="18" charset="0"/>
+              </a:rPr>
+            </a:br>
+            <a:endParaRPr lang="en-GB" dirty="0"/>
+          </a:p>
+        </p:txBody>
+      </p:sp>
+      <p:sp>
+        <p:nvSpPr>
+          <p:cNvPr id="4" name="Slide Number Placeholder 3">
+            <a:extLst>
+              <a:ext uri="{FF2B5EF4-FFF2-40B4-BE49-F238E27FC236}">
+                <a16:creationId xmlns:a16="http://schemas.microsoft.com/office/drawing/2014/main" id="{E759A487-083D-362F-7E77-C80D6A9C5BB4}"/>
+              </a:ext>
+            </a:extLst>
+          </p:cNvPr>
+          <p:cNvSpPr>
+            <a:spLocks noGrp="1"/>
+          </p:cNvSpPr>
+          <p:nvPr>
+            <p:ph type="sldNum" sz="quarter" idx="11"/>
+          </p:nvPr>
+        </p:nvSpPr>
+        <p:spPr/>
+        <p:txBody>
+          <a:bodyPr/>
+          <a:lstStyle/>
+          <a:p>
+            <a:pPr algn="r"/>
+            <a:fld id="{F25965E0-7062-474C-8671-DB3A3CE669B0}" type="slidenum">
+              <a:rPr lang="en-GB" noProof="0" smtClean="0"/>
+              <a:pPr algn="r"/>
+              <a:t>13</a:t>
             </a:fld>
             <a:endParaRPr lang="en-GB" noProof="0" dirty="0"/>
           </a:p>
@@ -8907,8 +9613,8 @@
         </p:blipFill>
         <p:spPr>
           <a:xfrm>
-            <a:off x="5607050" y="1084524"/>
-            <a:ext cx="2975350" cy="2975350"/>
+            <a:off x="5182131" y="873182"/>
+            <a:ext cx="3154942" cy="3154942"/>
           </a:xfrm>
           <a:prstGeom prst="rect">
             <a:avLst/>
@@ -8928,7 +9634,7 @@
 </p:sld>
 </file>
 
-<file path=ppt/slides/slide11.xml><?xml version="1.0" encoding="utf-8"?>
+<file path=ppt/slides/slide14.xml><?xml version="1.0" encoding="utf-8"?>
 <p:sld xmlns:a="http://schemas.openxmlformats.org/drawingml/2006/main" xmlns:r="http://schemas.openxmlformats.org/officeDocument/2006/relationships" xmlns:p="http://schemas.openxmlformats.org/presentationml/2006/main">
   <p:cSld>
     <p:spTree>
@@ -9033,7 +9739,7 @@
             <a:fld id="{F25965E0-7062-474C-8671-DB3A3CE669B0}" type="slidenum">
               <a:rPr lang="en-GB" noProof="0" smtClean="0"/>
               <a:pPr algn="r"/>
-              <a:t>11</a:t>
+              <a:t>14</a:t>
             </a:fld>
             <a:endParaRPr lang="en-GB" noProof="0" dirty="0"/>
           </a:p>
@@ -9142,7 +9848,7 @@
 </p:sld>
 </file>
 
-<file path=ppt/slides/slide12.xml><?xml version="1.0" encoding="utf-8"?>
+<file path=ppt/slides/slide15.xml><?xml version="1.0" encoding="utf-8"?>
 <p:sld xmlns:a="http://schemas.openxmlformats.org/drawingml/2006/main" xmlns:r="http://schemas.openxmlformats.org/officeDocument/2006/relationships" xmlns:p="http://schemas.openxmlformats.org/presentationml/2006/main">
   <p:cSld>
     <p:spTree>
@@ -9231,7 +9937,7 @@
             <a:fld id="{F25965E0-7062-474C-8671-DB3A3CE669B0}" type="slidenum">
               <a:rPr lang="en-GB" noProof="0" smtClean="0"/>
               <a:pPr algn="r"/>
-              <a:t>12</a:t>
+              <a:t>15</a:t>
             </a:fld>
             <a:endParaRPr lang="en-GB" noProof="0" dirty="0"/>
           </a:p>
@@ -9340,7 +10046,7 @@
 </p:sld>
 </file>
 
-<file path=ppt/slides/slide13.xml><?xml version="1.0" encoding="utf-8"?>
+<file path=ppt/slides/slide16.xml><?xml version="1.0" encoding="utf-8"?>
 <p:sld xmlns:a="http://schemas.openxmlformats.org/drawingml/2006/main" xmlns:r="http://schemas.openxmlformats.org/officeDocument/2006/relationships" xmlns:p="http://schemas.openxmlformats.org/presentationml/2006/main">
   <p:cSld>
     <p:spTree>
@@ -9410,7 +10116,7 @@
             <a:fld id="{F25965E0-7062-474C-8671-DB3A3CE669B0}" type="slidenum">
               <a:rPr lang="en-GB" noProof="0" smtClean="0"/>
               <a:pPr algn="r"/>
-              <a:t>13</a:t>
+              <a:t>16</a:t>
             </a:fld>
             <a:endParaRPr lang="en-GB" noProof="0" dirty="0"/>
           </a:p>
@@ -9636,661 +10342,6 @@
 </p:sld>
 </file>
 
-<file path=ppt/slides/slide14.xml><?xml version="1.0" encoding="utf-8"?>
-<p:sld xmlns:a="http://schemas.openxmlformats.org/drawingml/2006/main" xmlns:r="http://schemas.openxmlformats.org/officeDocument/2006/relationships" xmlns:p="http://schemas.openxmlformats.org/presentationml/2006/main">
-  <p:cSld>
-    <p:spTree>
-      <p:nvGrpSpPr>
-        <p:cNvPr id="1" name=""/>
-        <p:cNvGrpSpPr/>
-        <p:nvPr/>
-      </p:nvGrpSpPr>
-      <p:grpSpPr>
-        <a:xfrm>
-          <a:off x="0" y="0"/>
-          <a:ext cx="0" cy="0"/>
-          <a:chOff x="0" y="0"/>
-          <a:chExt cx="0" cy="0"/>
-        </a:xfrm>
-      </p:grpSpPr>
-      <p:sp>
-        <p:nvSpPr>
-          <p:cNvPr id="2" name="Text Placeholder 1">
-            <a:extLst>
-              <a:ext uri="{FF2B5EF4-FFF2-40B4-BE49-F238E27FC236}">
-                <a16:creationId xmlns:a16="http://schemas.microsoft.com/office/drawing/2014/main" id="{BB1709F7-0CDE-D45F-557B-7822FC24EAAF}"/>
-              </a:ext>
-            </a:extLst>
-          </p:cNvPr>
-          <p:cNvSpPr>
-            <a:spLocks noGrp="1"/>
-          </p:cNvSpPr>
-          <p:nvPr>
-            <p:ph type="body" sz="quarter" idx="10"/>
-          </p:nvPr>
-        </p:nvSpPr>
-        <p:spPr/>
-        <p:txBody>
-          <a:bodyPr/>
-          <a:lstStyle/>
-          <a:p>
-            <a:pPr algn="just"/>
-            <a:r>
-              <a:rPr lang="en-US" sz="1400" dirty="0">
-                <a:solidFill>
-                  <a:srgbClr val="374151"/>
-                </a:solidFill>
-                <a:latin typeface="+mn-lt"/>
-              </a:rPr>
-              <a:t>U</a:t>
-            </a:r>
-            <a:r>
-              <a:rPr lang="en-US" sz="1400" b="0" i="0" dirty="0">
-                <a:solidFill>
-                  <a:srgbClr val="374151"/>
-                </a:solidFill>
-                <a:effectLst/>
-                <a:latin typeface="+mn-lt"/>
-              </a:rPr>
-              <a:t>se the vertex of the parabola corresponding to the quadratic function. </a:t>
-            </a:r>
-          </a:p>
-          <a:p>
-            <a:pPr algn="just"/>
-            <a:r>
-              <a:rPr lang="en-US" sz="1400" b="0" i="0" dirty="0">
-                <a:solidFill>
-                  <a:srgbClr val="374151"/>
-                </a:solidFill>
-                <a:effectLst/>
-                <a:latin typeface="+mn-lt"/>
-              </a:rPr>
-              <a:t>The vertex of a quadratic parabola of the form </a:t>
-            </a:r>
-            <a:r>
-              <a:rPr lang="en-US" sz="1400" b="0" i="1" dirty="0">
-                <a:solidFill>
-                  <a:srgbClr val="374151"/>
-                </a:solidFill>
-                <a:effectLst/>
-                <a:latin typeface="+mn-lt"/>
-              </a:rPr>
-              <a:t>ax</a:t>
-            </a:r>
-            <a:r>
-              <a:rPr lang="en-US" sz="1400" b="0" i="0" baseline="30000" dirty="0">
-                <a:solidFill>
-                  <a:srgbClr val="374151"/>
-                </a:solidFill>
-                <a:effectLst/>
-                <a:latin typeface="+mn-lt"/>
-              </a:rPr>
-              <a:t>2</a:t>
-            </a:r>
-            <a:r>
-              <a:rPr lang="en-US" sz="1400" b="0" i="0" dirty="0">
-                <a:solidFill>
-                  <a:srgbClr val="374151"/>
-                </a:solidFill>
-                <a:effectLst/>
-                <a:latin typeface="+mn-lt"/>
-              </a:rPr>
-              <a:t>+</a:t>
-            </a:r>
-            <a:r>
-              <a:rPr lang="en-US" sz="1400" b="0" i="1" dirty="0">
-                <a:solidFill>
-                  <a:srgbClr val="374151"/>
-                </a:solidFill>
-                <a:effectLst/>
-                <a:latin typeface="+mn-lt"/>
-              </a:rPr>
-              <a:t>bx</a:t>
-            </a:r>
-            <a:r>
-              <a:rPr lang="en-US" sz="1400" b="0" i="0" dirty="0">
-                <a:solidFill>
-                  <a:srgbClr val="374151"/>
-                </a:solidFill>
-                <a:effectLst/>
-                <a:latin typeface="+mn-lt"/>
-              </a:rPr>
-              <a:t>+</a:t>
-            </a:r>
-            <a:r>
-              <a:rPr lang="en-US" sz="1400" b="0" i="1" dirty="0">
-                <a:solidFill>
-                  <a:srgbClr val="374151"/>
-                </a:solidFill>
-                <a:effectLst/>
-                <a:latin typeface="+mn-lt"/>
-              </a:rPr>
-              <a:t>c</a:t>
-            </a:r>
-            <a:r>
-              <a:rPr lang="en-US" sz="1400" b="0" i="0" dirty="0">
-                <a:solidFill>
-                  <a:srgbClr val="374151"/>
-                </a:solidFill>
-                <a:effectLst/>
-                <a:latin typeface="+mn-lt"/>
-              </a:rPr>
-              <a:t> would be, in this case, (−</a:t>
-            </a:r>
-            <a:r>
-              <a:rPr lang="en-US" sz="1400" b="0" i="1" dirty="0">
-                <a:solidFill>
-                  <a:srgbClr val="374151"/>
-                </a:solidFill>
-                <a:effectLst/>
-                <a:latin typeface="+mn-lt"/>
-              </a:rPr>
-              <a:t>b</a:t>
-            </a:r>
-            <a:r>
-              <a:rPr lang="en-US" sz="1400" b="0" i="0" dirty="0">
-                <a:solidFill>
-                  <a:srgbClr val="374151"/>
-                </a:solidFill>
-                <a:effectLst/>
-                <a:latin typeface="+mn-lt"/>
-              </a:rPr>
-              <a:t>1​/(2</a:t>
-            </a:r>
-            <a:r>
-              <a:rPr lang="en-US" sz="1400" b="0" i="1" dirty="0">
-                <a:solidFill>
-                  <a:srgbClr val="374151"/>
-                </a:solidFill>
-                <a:effectLst/>
-                <a:latin typeface="+mn-lt"/>
-              </a:rPr>
-              <a:t>b</a:t>
-            </a:r>
-            <a:r>
-              <a:rPr lang="en-US" sz="1400" b="0" i="0" dirty="0">
-                <a:solidFill>
-                  <a:srgbClr val="374151"/>
-                </a:solidFill>
-                <a:effectLst/>
-                <a:latin typeface="+mn-lt"/>
-              </a:rPr>
-              <a:t>2​), </a:t>
-            </a:r>
-            <a:r>
-              <a:rPr lang="en-US" sz="1400" b="0" i="1" dirty="0">
-                <a:solidFill>
-                  <a:srgbClr val="374151"/>
-                </a:solidFill>
-                <a:effectLst/>
-                <a:latin typeface="+mn-lt"/>
-              </a:rPr>
-              <a:t>f</a:t>
-            </a:r>
-            <a:r>
-              <a:rPr lang="en-US" sz="1400" b="0" i="0" dirty="0">
-                <a:solidFill>
-                  <a:srgbClr val="374151"/>
-                </a:solidFill>
-                <a:effectLst/>
-                <a:latin typeface="+mn-lt"/>
-              </a:rPr>
-              <a:t>(−</a:t>
-            </a:r>
-            <a:r>
-              <a:rPr lang="en-US" sz="1400" b="0" i="1" dirty="0">
-                <a:solidFill>
-                  <a:srgbClr val="374151"/>
-                </a:solidFill>
-                <a:effectLst/>
-                <a:latin typeface="+mn-lt"/>
-              </a:rPr>
-              <a:t>b</a:t>
-            </a:r>
-            <a:r>
-              <a:rPr lang="en-US" sz="1400" b="0" i="0" dirty="0">
-                <a:solidFill>
-                  <a:srgbClr val="374151"/>
-                </a:solidFill>
-                <a:effectLst/>
-                <a:latin typeface="+mn-lt"/>
-              </a:rPr>
-              <a:t>1​/(2</a:t>
-            </a:r>
-            <a:r>
-              <a:rPr lang="en-US" sz="1400" b="0" i="1" dirty="0">
-                <a:solidFill>
-                  <a:srgbClr val="374151"/>
-                </a:solidFill>
-                <a:effectLst/>
-                <a:latin typeface="+mn-lt"/>
-              </a:rPr>
-              <a:t>b</a:t>
-            </a:r>
-            <a:r>
-              <a:rPr lang="en-US" sz="1400" b="0" i="0" dirty="0">
-                <a:solidFill>
-                  <a:srgbClr val="374151"/>
-                </a:solidFill>
-                <a:effectLst/>
-                <a:latin typeface="+mn-lt"/>
-              </a:rPr>
-              <a:t>2​)). </a:t>
-            </a:r>
-          </a:p>
-          <a:p>
-            <a:pPr algn="just"/>
-            <a:r>
-              <a:rPr lang="en-US" sz="1400" b="0" i="0" dirty="0">
-                <a:solidFill>
-                  <a:srgbClr val="374151"/>
-                </a:solidFill>
-                <a:effectLst/>
-                <a:latin typeface="+mn-lt"/>
-              </a:rPr>
-              <a:t>The value of −</a:t>
-            </a:r>
-            <a:r>
-              <a:rPr lang="en-US" sz="1400" b="0" i="1" dirty="0">
-                <a:solidFill>
-                  <a:srgbClr val="374151"/>
-                </a:solidFill>
-                <a:effectLst/>
-                <a:latin typeface="+mn-lt"/>
-              </a:rPr>
-              <a:t>b</a:t>
-            </a:r>
-            <a:r>
-              <a:rPr lang="en-US" sz="1400" b="0" i="0" dirty="0">
-                <a:solidFill>
-                  <a:srgbClr val="374151"/>
-                </a:solidFill>
-                <a:effectLst/>
-                <a:latin typeface="+mn-lt"/>
-              </a:rPr>
-              <a:t>1​/(2</a:t>
-            </a:r>
-            <a:r>
-              <a:rPr lang="en-US" sz="1400" b="0" i="1" dirty="0">
-                <a:solidFill>
-                  <a:srgbClr val="374151"/>
-                </a:solidFill>
-                <a:effectLst/>
-                <a:latin typeface="+mn-lt"/>
-              </a:rPr>
-              <a:t>b</a:t>
-            </a:r>
-            <a:r>
-              <a:rPr lang="en-US" sz="1400" b="0" i="0" dirty="0">
-                <a:solidFill>
-                  <a:srgbClr val="374151"/>
-                </a:solidFill>
-                <a:effectLst/>
-                <a:latin typeface="+mn-lt"/>
-              </a:rPr>
-              <a:t>2​) will give  the day on which the intensity reached its minimum or maximum.</a:t>
-            </a:r>
-          </a:p>
-          <a:p>
-            <a:pPr algn="just"/>
-            <a:r>
-              <a:rPr lang="en-US" sz="1400" dirty="0">
-                <a:latin typeface="+mn-lt"/>
-              </a:rPr>
-              <a:t>Day at which the intensity reached its minimum or maximum: 16.02 </a:t>
-            </a:r>
-          </a:p>
-          <a:p>
-            <a:pPr algn="just"/>
-            <a:r>
-              <a:rPr lang="en-US" sz="1400" dirty="0">
-                <a:latin typeface="+mn-lt"/>
-              </a:rPr>
-              <a:t>Intensity on that day: 0.000681 </a:t>
-            </a:r>
-            <a:endParaRPr lang="nl-NL" sz="1400" dirty="0">
-              <a:latin typeface="+mn-lt"/>
-            </a:endParaRPr>
-          </a:p>
-        </p:txBody>
-      </p:sp>
-      <p:sp>
-        <p:nvSpPr>
-          <p:cNvPr id="3" name="Title 2">
-            <a:extLst>
-              <a:ext uri="{FF2B5EF4-FFF2-40B4-BE49-F238E27FC236}">
-                <a16:creationId xmlns:a16="http://schemas.microsoft.com/office/drawing/2014/main" id="{A31D4737-4826-C1E4-5F21-9981291F1DF7}"/>
-              </a:ext>
-            </a:extLst>
-          </p:cNvPr>
-          <p:cNvSpPr>
-            <a:spLocks noGrp="1"/>
-          </p:cNvSpPr>
-          <p:nvPr>
-            <p:ph type="title"/>
-          </p:nvPr>
-        </p:nvSpPr>
-        <p:spPr/>
-        <p:txBody>
-          <a:bodyPr/>
-          <a:lstStyle/>
-          <a:p>
-            <a:r>
-              <a:rPr lang="nl-NL" dirty="0" err="1"/>
-              <a:t>When</a:t>
-            </a:r>
-            <a:r>
-              <a:rPr lang="nl-NL" dirty="0"/>
-              <a:t> </a:t>
-            </a:r>
-            <a:r>
-              <a:rPr lang="nl-NL" dirty="0" err="1"/>
-              <a:t>did</a:t>
-            </a:r>
-            <a:r>
-              <a:rPr lang="nl-NL" dirty="0"/>
-              <a:t> </a:t>
-            </a:r>
-            <a:r>
-              <a:rPr lang="nl-NL" dirty="0" err="1"/>
-              <a:t>the</a:t>
-            </a:r>
-            <a:r>
-              <a:rPr lang="nl-NL" dirty="0"/>
-              <a:t> </a:t>
-            </a:r>
-            <a:r>
-              <a:rPr lang="nl-NL" dirty="0" err="1"/>
-              <a:t>intensity</a:t>
-            </a:r>
-            <a:r>
-              <a:rPr lang="nl-NL" dirty="0"/>
-              <a:t> </a:t>
-            </a:r>
-            <a:r>
-              <a:rPr lang="nl-NL" dirty="0" err="1"/>
-              <a:t>reach</a:t>
-            </a:r>
-            <a:r>
-              <a:rPr lang="nl-NL" dirty="0"/>
-              <a:t> </a:t>
-            </a:r>
-            <a:r>
-              <a:rPr lang="nl-NL" dirty="0" err="1"/>
-              <a:t>its</a:t>
-            </a:r>
-            <a:r>
-              <a:rPr lang="nl-NL" dirty="0"/>
-              <a:t> maximum?</a:t>
-            </a:r>
-          </a:p>
-        </p:txBody>
-      </p:sp>
-      <p:sp>
-        <p:nvSpPr>
-          <p:cNvPr id="4" name="Slide Number Placeholder 3">
-            <a:extLst>
-              <a:ext uri="{FF2B5EF4-FFF2-40B4-BE49-F238E27FC236}">
-                <a16:creationId xmlns:a16="http://schemas.microsoft.com/office/drawing/2014/main" id="{E6878C19-B317-4FF0-3F99-25147E4D4338}"/>
-              </a:ext>
-            </a:extLst>
-          </p:cNvPr>
-          <p:cNvSpPr>
-            <a:spLocks noGrp="1"/>
-          </p:cNvSpPr>
-          <p:nvPr>
-            <p:ph type="sldNum" sz="quarter" idx="11"/>
-          </p:nvPr>
-        </p:nvSpPr>
-        <p:spPr/>
-        <p:txBody>
-          <a:bodyPr/>
-          <a:lstStyle/>
-          <a:p>
-            <a:pPr algn="r"/>
-            <a:fld id="{F25965E0-7062-474C-8671-DB3A3CE669B0}" type="slidenum">
-              <a:rPr lang="en-GB" noProof="0" smtClean="0"/>
-              <a:pPr algn="r"/>
-              <a:t>14</a:t>
-            </a:fld>
-            <a:endParaRPr lang="en-GB" noProof="0" dirty="0"/>
-          </a:p>
-        </p:txBody>
-      </p:sp>
-    </p:spTree>
-    <p:extLst>
-      <p:ext uri="{BB962C8B-B14F-4D97-AF65-F5344CB8AC3E}">
-        <p14:creationId xmlns:p14="http://schemas.microsoft.com/office/powerpoint/2010/main" val="2116937404"/>
-      </p:ext>
-    </p:extLst>
-  </p:cSld>
-  <p:clrMapOvr>
-    <a:masterClrMapping/>
-  </p:clrMapOvr>
-</p:sld>
-</file>
-
-<file path=ppt/slides/slide15.xml><?xml version="1.0" encoding="utf-8"?>
-<p:sld xmlns:a="http://schemas.openxmlformats.org/drawingml/2006/main" xmlns:r="http://schemas.openxmlformats.org/officeDocument/2006/relationships" xmlns:p="http://schemas.openxmlformats.org/presentationml/2006/main">
-  <p:cSld>
-    <p:spTree>
-      <p:nvGrpSpPr>
-        <p:cNvPr id="1" name=""/>
-        <p:cNvGrpSpPr/>
-        <p:nvPr/>
-      </p:nvGrpSpPr>
-      <p:grpSpPr>
-        <a:xfrm>
-          <a:off x="0" y="0"/>
-          <a:ext cx="0" cy="0"/>
-          <a:chOff x="0" y="0"/>
-          <a:chExt cx="0" cy="0"/>
-        </a:xfrm>
-      </p:grpSpPr>
-      <p:sp>
-        <p:nvSpPr>
-          <p:cNvPr id="2" name="Text Placeholder 1">
-            <a:extLst>
-              <a:ext uri="{FF2B5EF4-FFF2-40B4-BE49-F238E27FC236}">
-                <a16:creationId xmlns:a16="http://schemas.microsoft.com/office/drawing/2014/main" id="{C9E4C348-E7EF-035D-6F2F-BE58FE96FEC4}"/>
-              </a:ext>
-            </a:extLst>
-          </p:cNvPr>
-          <p:cNvSpPr>
-            <a:spLocks noGrp="1"/>
-          </p:cNvSpPr>
-          <p:nvPr>
-            <p:ph type="body" sz="quarter" idx="10"/>
-          </p:nvPr>
-        </p:nvSpPr>
-        <p:spPr/>
-        <p:txBody>
-          <a:bodyPr/>
-          <a:lstStyle/>
-          <a:p>
-            <a:endParaRPr lang="nl-NL"/>
-          </a:p>
-        </p:txBody>
-      </p:sp>
-      <p:sp>
-        <p:nvSpPr>
-          <p:cNvPr id="3" name="Title 2">
-            <a:extLst>
-              <a:ext uri="{FF2B5EF4-FFF2-40B4-BE49-F238E27FC236}">
-                <a16:creationId xmlns:a16="http://schemas.microsoft.com/office/drawing/2014/main" id="{D8A84E37-5C6F-4D57-CCD6-F6D758C761EC}"/>
-              </a:ext>
-            </a:extLst>
-          </p:cNvPr>
-          <p:cNvSpPr>
-            <a:spLocks noGrp="1"/>
-          </p:cNvSpPr>
-          <p:nvPr>
-            <p:ph type="title"/>
-          </p:nvPr>
-        </p:nvSpPr>
-        <p:spPr>
-          <a:xfrm>
-            <a:off x="561600" y="169210"/>
-            <a:ext cx="8330400" cy="960655"/>
-          </a:xfrm>
-        </p:spPr>
-        <p:txBody>
-          <a:bodyPr/>
-          <a:lstStyle/>
-          <a:p>
-            <a:r>
-              <a:rPr lang="en-US" sz="1600" dirty="0"/>
-              <a:t>Can we say that the change on day 16 was significantly different between temperatures of 15 and 30 degrees?</a:t>
-            </a:r>
-            <a:endParaRPr lang="nl-NL" sz="1600" dirty="0"/>
-          </a:p>
-        </p:txBody>
-      </p:sp>
-      <p:sp>
-        <p:nvSpPr>
-          <p:cNvPr id="4" name="Slide Number Placeholder 3">
-            <a:extLst>
-              <a:ext uri="{FF2B5EF4-FFF2-40B4-BE49-F238E27FC236}">
-                <a16:creationId xmlns:a16="http://schemas.microsoft.com/office/drawing/2014/main" id="{306CE8CD-92CC-212A-DF4C-14EBE27C3795}"/>
-              </a:ext>
-            </a:extLst>
-          </p:cNvPr>
-          <p:cNvSpPr>
-            <a:spLocks noGrp="1"/>
-          </p:cNvSpPr>
-          <p:nvPr>
-            <p:ph type="sldNum" sz="quarter" idx="11"/>
-          </p:nvPr>
-        </p:nvSpPr>
-        <p:spPr/>
-        <p:txBody>
-          <a:bodyPr/>
-          <a:lstStyle/>
-          <a:p>
-            <a:pPr algn="r"/>
-            <a:fld id="{F25965E0-7062-474C-8671-DB3A3CE669B0}" type="slidenum">
-              <a:rPr lang="en-GB" noProof="0" smtClean="0"/>
-              <a:pPr algn="r"/>
-              <a:t>15</a:t>
-            </a:fld>
-            <a:endParaRPr lang="en-GB" noProof="0" dirty="0"/>
-          </a:p>
-        </p:txBody>
-      </p:sp>
-    </p:spTree>
-    <p:extLst>
-      <p:ext uri="{BB962C8B-B14F-4D97-AF65-F5344CB8AC3E}">
-        <p14:creationId xmlns:p14="http://schemas.microsoft.com/office/powerpoint/2010/main" val="3924669336"/>
-      </p:ext>
-    </p:extLst>
-  </p:cSld>
-  <p:clrMapOvr>
-    <a:masterClrMapping/>
-  </p:clrMapOvr>
-</p:sld>
-</file>
-
-<file path=ppt/slides/slide16.xml><?xml version="1.0" encoding="utf-8"?>
-<p:sld xmlns:a="http://schemas.openxmlformats.org/drawingml/2006/main" xmlns:r="http://schemas.openxmlformats.org/officeDocument/2006/relationships" xmlns:p="http://schemas.openxmlformats.org/presentationml/2006/main">
-  <p:cSld>
-    <p:spTree>
-      <p:nvGrpSpPr>
-        <p:cNvPr id="1" name=""/>
-        <p:cNvGrpSpPr/>
-        <p:nvPr/>
-      </p:nvGrpSpPr>
-      <p:grpSpPr>
-        <a:xfrm>
-          <a:off x="0" y="0"/>
-          <a:ext cx="0" cy="0"/>
-          <a:chOff x="0" y="0"/>
-          <a:chExt cx="0" cy="0"/>
-        </a:xfrm>
-      </p:grpSpPr>
-      <p:sp>
-        <p:nvSpPr>
-          <p:cNvPr id="7" name="Tijdelijke aanduiding voor afbeelding 6"/>
-          <p:cNvSpPr>
-            <a:spLocks noGrp="1"/>
-          </p:cNvSpPr>
-          <p:nvPr>
-            <p:ph type="pic" sz="quarter" idx="16"/>
-          </p:nvPr>
-        </p:nvSpPr>
-        <p:spPr/>
-        <p:txBody>
-          <a:bodyPr/>
-          <a:lstStyle/>
-          <a:p>
-            <a:endParaRPr lang="en-GB" dirty="0"/>
-          </a:p>
-        </p:txBody>
-      </p:sp>
-      <p:sp>
-        <p:nvSpPr>
-          <p:cNvPr id="2" name="Titel 1"/>
-          <p:cNvSpPr>
-            <a:spLocks noGrp="1"/>
-          </p:cNvSpPr>
-          <p:nvPr>
-            <p:ph type="title"/>
-          </p:nvPr>
-        </p:nvSpPr>
-        <p:spPr>
-          <a:xfrm>
-            <a:off x="561600" y="172641"/>
-            <a:ext cx="8330400" cy="576832"/>
-          </a:xfrm>
-        </p:spPr>
-        <p:txBody>
-          <a:bodyPr/>
-          <a:lstStyle/>
-          <a:p>
-            <a:r>
-              <a:rPr lang="en-GB" dirty="0"/>
-              <a:t>Full screen image with title</a:t>
-            </a:r>
-          </a:p>
-        </p:txBody>
-      </p:sp>
-      <p:sp>
-        <p:nvSpPr>
-          <p:cNvPr id="8" name="Tijdelijke aanduiding voor dianummer 7"/>
-          <p:cNvSpPr>
-            <a:spLocks noGrp="1"/>
-          </p:cNvSpPr>
-          <p:nvPr>
-            <p:ph type="sldNum" sz="quarter" idx="17"/>
-          </p:nvPr>
-        </p:nvSpPr>
-        <p:spPr/>
-        <p:txBody>
-          <a:bodyPr/>
-          <a:lstStyle/>
-          <a:p>
-            <a:pPr algn="r"/>
-            <a:fld id="{F25965E0-7062-474C-8671-DB3A3CE669B0}" type="slidenum">
-              <a:rPr lang="en-GB" smtClean="0"/>
-              <a:pPr algn="r"/>
-              <a:t>16</a:t>
-            </a:fld>
-            <a:endParaRPr lang="en-GB" dirty="0"/>
-          </a:p>
-        </p:txBody>
-      </p:sp>
-    </p:spTree>
-    <p:extLst>
-      <p:ext uri="{BB962C8B-B14F-4D97-AF65-F5344CB8AC3E}">
-        <p14:creationId xmlns:p14="http://schemas.microsoft.com/office/powerpoint/2010/main" val="3765826031"/>
-      </p:ext>
-    </p:extLst>
-  </p:cSld>
-  <p:clrMapOvr>
-    <a:masterClrMapping/>
-  </p:clrMapOvr>
-</p:sld>
-</file>
-
 <file path=ppt/slides/slide17.xml><?xml version="1.0" encoding="utf-8"?>
 <p:sld xmlns:a="http://schemas.openxmlformats.org/drawingml/2006/main" xmlns:r="http://schemas.openxmlformats.org/officeDocument/2006/relationships" xmlns:p="http://schemas.openxmlformats.org/presentationml/2006/main">
   <p:cSld>
@@ -10310,7 +10361,472 @@
       </p:grpSpPr>
       <p:sp>
         <p:nvSpPr>
-          <p:cNvPr id="4" name="Titel 3"/>
+          <p:cNvPr id="2" name="Text Placeholder 1">
+            <a:extLst>
+              <a:ext uri="{FF2B5EF4-FFF2-40B4-BE49-F238E27FC236}">
+                <a16:creationId xmlns:a16="http://schemas.microsoft.com/office/drawing/2014/main" id="{BB1709F7-0CDE-D45F-557B-7822FC24EAAF}"/>
+              </a:ext>
+            </a:extLst>
+          </p:cNvPr>
+          <p:cNvSpPr>
+            <a:spLocks noGrp="1"/>
+          </p:cNvSpPr>
+          <p:nvPr>
+            <p:ph type="body" sz="quarter" idx="10"/>
+          </p:nvPr>
+        </p:nvSpPr>
+        <p:spPr/>
+        <p:txBody>
+          <a:bodyPr/>
+          <a:lstStyle/>
+          <a:p>
+            <a:pPr algn="just"/>
+            <a:r>
+              <a:rPr lang="en-US" sz="1400" dirty="0">
+                <a:solidFill>
+                  <a:srgbClr val="374151"/>
+                </a:solidFill>
+                <a:latin typeface="+mn-lt"/>
+              </a:rPr>
+              <a:t>U</a:t>
+            </a:r>
+            <a:r>
+              <a:rPr lang="en-US" sz="1400" b="0" i="0" dirty="0">
+                <a:solidFill>
+                  <a:srgbClr val="374151"/>
+                </a:solidFill>
+                <a:effectLst/>
+                <a:latin typeface="+mn-lt"/>
+              </a:rPr>
+              <a:t>se the vertex of the parabola corresponding to the quadratic function. </a:t>
+            </a:r>
+          </a:p>
+          <a:p>
+            <a:pPr algn="just"/>
+            <a:r>
+              <a:rPr lang="en-US" sz="1400" b="0" i="0" dirty="0">
+                <a:solidFill>
+                  <a:srgbClr val="374151"/>
+                </a:solidFill>
+                <a:effectLst/>
+                <a:latin typeface="+mn-lt"/>
+              </a:rPr>
+              <a:t>The vertex of a quadratic parabola of the form </a:t>
+            </a:r>
+            <a:r>
+              <a:rPr lang="en-US" sz="1400" b="0" i="1" dirty="0">
+                <a:solidFill>
+                  <a:srgbClr val="374151"/>
+                </a:solidFill>
+                <a:effectLst/>
+                <a:latin typeface="+mn-lt"/>
+              </a:rPr>
+              <a:t>ax</a:t>
+            </a:r>
+            <a:r>
+              <a:rPr lang="en-US" sz="1400" b="0" i="0" baseline="30000" dirty="0">
+                <a:solidFill>
+                  <a:srgbClr val="374151"/>
+                </a:solidFill>
+                <a:effectLst/>
+                <a:latin typeface="+mn-lt"/>
+              </a:rPr>
+              <a:t>2</a:t>
+            </a:r>
+            <a:r>
+              <a:rPr lang="en-US" sz="1400" b="0" i="0" dirty="0">
+                <a:solidFill>
+                  <a:srgbClr val="374151"/>
+                </a:solidFill>
+                <a:effectLst/>
+                <a:latin typeface="+mn-lt"/>
+              </a:rPr>
+              <a:t>+</a:t>
+            </a:r>
+            <a:r>
+              <a:rPr lang="en-US" sz="1400" b="0" i="1" dirty="0">
+                <a:solidFill>
+                  <a:srgbClr val="374151"/>
+                </a:solidFill>
+                <a:effectLst/>
+                <a:latin typeface="+mn-lt"/>
+              </a:rPr>
+              <a:t>bx</a:t>
+            </a:r>
+            <a:r>
+              <a:rPr lang="en-US" sz="1400" b="0" i="0" dirty="0">
+                <a:solidFill>
+                  <a:srgbClr val="374151"/>
+                </a:solidFill>
+                <a:effectLst/>
+                <a:latin typeface="+mn-lt"/>
+              </a:rPr>
+              <a:t>+</a:t>
+            </a:r>
+            <a:r>
+              <a:rPr lang="en-US" sz="1400" b="0" i="1" dirty="0">
+                <a:solidFill>
+                  <a:srgbClr val="374151"/>
+                </a:solidFill>
+                <a:effectLst/>
+                <a:latin typeface="+mn-lt"/>
+              </a:rPr>
+              <a:t>c</a:t>
+            </a:r>
+            <a:r>
+              <a:rPr lang="en-US" sz="1400" b="0" i="0" dirty="0">
+                <a:solidFill>
+                  <a:srgbClr val="374151"/>
+                </a:solidFill>
+                <a:effectLst/>
+                <a:latin typeface="+mn-lt"/>
+              </a:rPr>
+              <a:t> would be, in this case, (−</a:t>
+            </a:r>
+            <a:r>
+              <a:rPr lang="en-US" sz="1400" b="0" i="1" dirty="0">
+                <a:solidFill>
+                  <a:srgbClr val="374151"/>
+                </a:solidFill>
+                <a:effectLst/>
+                <a:latin typeface="+mn-lt"/>
+              </a:rPr>
+              <a:t>b</a:t>
+            </a:r>
+            <a:r>
+              <a:rPr lang="en-US" sz="1400" b="0" i="0" dirty="0">
+                <a:solidFill>
+                  <a:srgbClr val="374151"/>
+                </a:solidFill>
+                <a:effectLst/>
+                <a:latin typeface="+mn-lt"/>
+              </a:rPr>
+              <a:t>1​/(2</a:t>
+            </a:r>
+            <a:r>
+              <a:rPr lang="en-US" sz="1400" b="0" i="1" dirty="0">
+                <a:solidFill>
+                  <a:srgbClr val="374151"/>
+                </a:solidFill>
+                <a:effectLst/>
+                <a:latin typeface="+mn-lt"/>
+              </a:rPr>
+              <a:t>b</a:t>
+            </a:r>
+            <a:r>
+              <a:rPr lang="en-US" sz="1400" b="0" i="0" dirty="0">
+                <a:solidFill>
+                  <a:srgbClr val="374151"/>
+                </a:solidFill>
+                <a:effectLst/>
+                <a:latin typeface="+mn-lt"/>
+              </a:rPr>
+              <a:t>2​), </a:t>
+            </a:r>
+            <a:r>
+              <a:rPr lang="en-US" sz="1400" b="0" i="1" dirty="0">
+                <a:solidFill>
+                  <a:srgbClr val="374151"/>
+                </a:solidFill>
+                <a:effectLst/>
+                <a:latin typeface="+mn-lt"/>
+              </a:rPr>
+              <a:t>f</a:t>
+            </a:r>
+            <a:r>
+              <a:rPr lang="en-US" sz="1400" b="0" i="0" dirty="0">
+                <a:solidFill>
+                  <a:srgbClr val="374151"/>
+                </a:solidFill>
+                <a:effectLst/>
+                <a:latin typeface="+mn-lt"/>
+              </a:rPr>
+              <a:t>(−</a:t>
+            </a:r>
+            <a:r>
+              <a:rPr lang="en-US" sz="1400" b="0" i="1" dirty="0">
+                <a:solidFill>
+                  <a:srgbClr val="374151"/>
+                </a:solidFill>
+                <a:effectLst/>
+                <a:latin typeface="+mn-lt"/>
+              </a:rPr>
+              <a:t>b</a:t>
+            </a:r>
+            <a:r>
+              <a:rPr lang="en-US" sz="1400" b="0" i="0" dirty="0">
+                <a:solidFill>
+                  <a:srgbClr val="374151"/>
+                </a:solidFill>
+                <a:effectLst/>
+                <a:latin typeface="+mn-lt"/>
+              </a:rPr>
+              <a:t>1​/(2</a:t>
+            </a:r>
+            <a:r>
+              <a:rPr lang="en-US" sz="1400" b="0" i="1" dirty="0">
+                <a:solidFill>
+                  <a:srgbClr val="374151"/>
+                </a:solidFill>
+                <a:effectLst/>
+                <a:latin typeface="+mn-lt"/>
+              </a:rPr>
+              <a:t>b</a:t>
+            </a:r>
+            <a:r>
+              <a:rPr lang="en-US" sz="1400" b="0" i="0" dirty="0">
+                <a:solidFill>
+                  <a:srgbClr val="374151"/>
+                </a:solidFill>
+                <a:effectLst/>
+                <a:latin typeface="+mn-lt"/>
+              </a:rPr>
+              <a:t>2​)). </a:t>
+            </a:r>
+          </a:p>
+          <a:p>
+            <a:pPr algn="just"/>
+            <a:r>
+              <a:rPr lang="en-US" sz="1400" b="0" i="0" dirty="0">
+                <a:solidFill>
+                  <a:srgbClr val="374151"/>
+                </a:solidFill>
+                <a:effectLst/>
+                <a:latin typeface="+mn-lt"/>
+              </a:rPr>
+              <a:t>The value of −</a:t>
+            </a:r>
+            <a:r>
+              <a:rPr lang="en-US" sz="1400" b="0" i="1" dirty="0">
+                <a:solidFill>
+                  <a:srgbClr val="374151"/>
+                </a:solidFill>
+                <a:effectLst/>
+                <a:latin typeface="+mn-lt"/>
+              </a:rPr>
+              <a:t>b</a:t>
+            </a:r>
+            <a:r>
+              <a:rPr lang="en-US" sz="1400" b="0" i="0" dirty="0">
+                <a:solidFill>
+                  <a:srgbClr val="374151"/>
+                </a:solidFill>
+                <a:effectLst/>
+                <a:latin typeface="+mn-lt"/>
+              </a:rPr>
+              <a:t>1​/(2</a:t>
+            </a:r>
+            <a:r>
+              <a:rPr lang="en-US" sz="1400" b="0" i="1" dirty="0">
+                <a:solidFill>
+                  <a:srgbClr val="374151"/>
+                </a:solidFill>
+                <a:effectLst/>
+                <a:latin typeface="+mn-lt"/>
+              </a:rPr>
+              <a:t>b</a:t>
+            </a:r>
+            <a:r>
+              <a:rPr lang="en-US" sz="1400" b="0" i="0" dirty="0">
+                <a:solidFill>
+                  <a:srgbClr val="374151"/>
+                </a:solidFill>
+                <a:effectLst/>
+                <a:latin typeface="+mn-lt"/>
+              </a:rPr>
+              <a:t>2​) will give  the day on which the intensity reached its minimum or maximum.</a:t>
+            </a:r>
+          </a:p>
+          <a:p>
+            <a:pPr algn="just"/>
+            <a:r>
+              <a:rPr lang="en-US" sz="1400" dirty="0">
+                <a:latin typeface="+mn-lt"/>
+              </a:rPr>
+              <a:t>Day at which the intensity reached its minimum or maximum: 16.02 </a:t>
+            </a:r>
+          </a:p>
+          <a:p>
+            <a:pPr algn="just"/>
+            <a:r>
+              <a:rPr lang="en-US" sz="1400" dirty="0">
+                <a:latin typeface="+mn-lt"/>
+              </a:rPr>
+              <a:t>Intensity on that day: 0.000681 </a:t>
+            </a:r>
+            <a:endParaRPr lang="nl-NL" sz="1400" dirty="0">
+              <a:latin typeface="+mn-lt"/>
+            </a:endParaRPr>
+          </a:p>
+        </p:txBody>
+      </p:sp>
+      <p:sp>
+        <p:nvSpPr>
+          <p:cNvPr id="3" name="Title 2">
+            <a:extLst>
+              <a:ext uri="{FF2B5EF4-FFF2-40B4-BE49-F238E27FC236}">
+                <a16:creationId xmlns:a16="http://schemas.microsoft.com/office/drawing/2014/main" id="{A31D4737-4826-C1E4-5F21-9981291F1DF7}"/>
+              </a:ext>
+            </a:extLst>
+          </p:cNvPr>
+          <p:cNvSpPr>
+            <a:spLocks noGrp="1"/>
+          </p:cNvSpPr>
+          <p:nvPr>
+            <p:ph type="title"/>
+          </p:nvPr>
+        </p:nvSpPr>
+        <p:spPr/>
+        <p:txBody>
+          <a:bodyPr/>
+          <a:lstStyle/>
+          <a:p>
+            <a:r>
+              <a:rPr lang="nl-NL" dirty="0" err="1"/>
+              <a:t>When</a:t>
+            </a:r>
+            <a:r>
+              <a:rPr lang="nl-NL" dirty="0"/>
+              <a:t> </a:t>
+            </a:r>
+            <a:r>
+              <a:rPr lang="nl-NL" dirty="0" err="1"/>
+              <a:t>did</a:t>
+            </a:r>
+            <a:r>
+              <a:rPr lang="nl-NL" dirty="0"/>
+              <a:t> </a:t>
+            </a:r>
+            <a:r>
+              <a:rPr lang="nl-NL" dirty="0" err="1"/>
+              <a:t>the</a:t>
+            </a:r>
+            <a:r>
+              <a:rPr lang="nl-NL" dirty="0"/>
+              <a:t> </a:t>
+            </a:r>
+            <a:r>
+              <a:rPr lang="nl-NL" dirty="0" err="1"/>
+              <a:t>intensity</a:t>
+            </a:r>
+            <a:r>
+              <a:rPr lang="nl-NL" dirty="0"/>
+              <a:t> </a:t>
+            </a:r>
+            <a:r>
+              <a:rPr lang="nl-NL" dirty="0" err="1"/>
+              <a:t>reach</a:t>
+            </a:r>
+            <a:r>
+              <a:rPr lang="nl-NL" dirty="0"/>
+              <a:t> </a:t>
+            </a:r>
+            <a:r>
+              <a:rPr lang="nl-NL" dirty="0" err="1"/>
+              <a:t>its</a:t>
+            </a:r>
+            <a:r>
+              <a:rPr lang="nl-NL" dirty="0"/>
+              <a:t> maximum?</a:t>
+            </a:r>
+          </a:p>
+        </p:txBody>
+      </p:sp>
+      <p:sp>
+        <p:nvSpPr>
+          <p:cNvPr id="4" name="Slide Number Placeholder 3">
+            <a:extLst>
+              <a:ext uri="{FF2B5EF4-FFF2-40B4-BE49-F238E27FC236}">
+                <a16:creationId xmlns:a16="http://schemas.microsoft.com/office/drawing/2014/main" id="{E6878C19-B317-4FF0-3F99-25147E4D4338}"/>
+              </a:ext>
+            </a:extLst>
+          </p:cNvPr>
+          <p:cNvSpPr>
+            <a:spLocks noGrp="1"/>
+          </p:cNvSpPr>
+          <p:nvPr>
+            <p:ph type="sldNum" sz="quarter" idx="11"/>
+          </p:nvPr>
+        </p:nvSpPr>
+        <p:spPr/>
+        <p:txBody>
+          <a:bodyPr/>
+          <a:lstStyle/>
+          <a:p>
+            <a:pPr algn="r"/>
+            <a:fld id="{F25965E0-7062-474C-8671-DB3A3CE669B0}" type="slidenum">
+              <a:rPr lang="en-GB" noProof="0" smtClean="0"/>
+              <a:pPr algn="r"/>
+              <a:t>17</a:t>
+            </a:fld>
+            <a:endParaRPr lang="en-GB" noProof="0" dirty="0"/>
+          </a:p>
+        </p:txBody>
+      </p:sp>
+    </p:spTree>
+    <p:extLst>
+      <p:ext uri="{BB962C8B-B14F-4D97-AF65-F5344CB8AC3E}">
+        <p14:creationId xmlns:p14="http://schemas.microsoft.com/office/powerpoint/2010/main" val="2116937404"/>
+      </p:ext>
+    </p:extLst>
+  </p:cSld>
+  <p:clrMapOvr>
+    <a:masterClrMapping/>
+  </p:clrMapOvr>
+</p:sld>
+</file>
+
+<file path=ppt/slides/slide18.xml><?xml version="1.0" encoding="utf-8"?>
+<p:sld xmlns:a="http://schemas.openxmlformats.org/drawingml/2006/main" xmlns:r="http://schemas.openxmlformats.org/officeDocument/2006/relationships" xmlns:p="http://schemas.openxmlformats.org/presentationml/2006/main">
+  <p:cSld>
+    <p:spTree>
+      <p:nvGrpSpPr>
+        <p:cNvPr id="1" name=""/>
+        <p:cNvGrpSpPr/>
+        <p:nvPr/>
+      </p:nvGrpSpPr>
+      <p:grpSpPr>
+        <a:xfrm>
+          <a:off x="0" y="0"/>
+          <a:ext cx="0" cy="0"/>
+          <a:chOff x="0" y="0"/>
+          <a:chExt cx="0" cy="0"/>
+        </a:xfrm>
+      </p:grpSpPr>
+      <p:sp>
+        <p:nvSpPr>
+          <p:cNvPr id="2" name="Text Placeholder 1">
+            <a:extLst>
+              <a:ext uri="{FF2B5EF4-FFF2-40B4-BE49-F238E27FC236}">
+                <a16:creationId xmlns:a16="http://schemas.microsoft.com/office/drawing/2014/main" id="{C9E4C348-E7EF-035D-6F2F-BE58FE96FEC4}"/>
+              </a:ext>
+            </a:extLst>
+          </p:cNvPr>
+          <p:cNvSpPr>
+            <a:spLocks noGrp="1"/>
+          </p:cNvSpPr>
+          <p:nvPr>
+            <p:ph type="body" sz="quarter" idx="10"/>
+          </p:nvPr>
+        </p:nvSpPr>
+        <p:spPr/>
+        <p:txBody>
+          <a:bodyPr/>
+          <a:lstStyle/>
+          <a:p>
+            <a:endParaRPr lang="nl-NL"/>
+          </a:p>
+        </p:txBody>
+      </p:sp>
+      <p:sp>
+        <p:nvSpPr>
+          <p:cNvPr id="3" name="Title 2">
+            <a:extLst>
+              <a:ext uri="{FF2B5EF4-FFF2-40B4-BE49-F238E27FC236}">
+                <a16:creationId xmlns:a16="http://schemas.microsoft.com/office/drawing/2014/main" id="{D8A84E37-5C6F-4D57-CCD6-F6D758C761EC}"/>
+              </a:ext>
+            </a:extLst>
+          </p:cNvPr>
           <p:cNvSpPr>
             <a:spLocks noGrp="1"/>
           </p:cNvSpPr>
@@ -10321,7 +10837,7 @@
         <p:spPr>
           <a:xfrm>
             <a:off x="561600" y="169210"/>
-            <a:ext cx="3816000" cy="1020671"/>
+            <a:ext cx="8330400" cy="960655"/>
           </a:xfrm>
         </p:spPr>
         <p:txBody>
@@ -10329,27 +10845,27 @@
           <a:lstStyle/>
           <a:p>
             <a:r>
-              <a:rPr lang="en-GB" dirty="0"/>
-              <a:t>End slide </a:t>
-            </a:r>
-            <a:br>
-              <a:rPr lang="en-GB" dirty="0"/>
-            </a:br>
-            <a:r>
-              <a:rPr lang="en-GB" dirty="0"/>
-              <a:t>or section heading</a:t>
-            </a:r>
-          </a:p>
-        </p:txBody>
-      </p:sp>
-      <p:sp>
-        <p:nvSpPr>
-          <p:cNvPr id="18" name="Tijdelijke aanduiding voor afbeelding 17"/>
+              <a:rPr lang="en-US" sz="1600" dirty="0"/>
+              <a:t>Can we say that the change on day 16 was significantly different between temperatures of 15 and 30 degrees?</a:t>
+            </a:r>
+            <a:endParaRPr lang="nl-NL" sz="1600" dirty="0"/>
+          </a:p>
+        </p:txBody>
+      </p:sp>
+      <p:sp>
+        <p:nvSpPr>
+          <p:cNvPr id="4" name="Slide Number Placeholder 3">
+            <a:extLst>
+              <a:ext uri="{FF2B5EF4-FFF2-40B4-BE49-F238E27FC236}">
+                <a16:creationId xmlns:a16="http://schemas.microsoft.com/office/drawing/2014/main" id="{306CE8CD-92CC-212A-DF4C-14EBE27C3795}"/>
+              </a:ext>
+            </a:extLst>
+          </p:cNvPr>
           <p:cNvSpPr>
             <a:spLocks noGrp="1"/>
           </p:cNvSpPr>
           <p:nvPr>
-            <p:ph type="pic" sz="quarter" idx="16"/>
+            <p:ph type="sldNum" sz="quarter" idx="11"/>
           </p:nvPr>
         </p:nvSpPr>
         <p:spPr/>
@@ -10357,18 +10873,54 @@
           <a:bodyPr/>
           <a:lstStyle/>
           <a:p>
-            <a:endParaRPr lang="en-GB" dirty="0"/>
-          </a:p>
-        </p:txBody>
-      </p:sp>
-      <p:sp>
-        <p:nvSpPr>
-          <p:cNvPr id="6" name="Tijdelijke aanduiding voor tekst 5"/>
+            <a:pPr algn="r"/>
+            <a:fld id="{F25965E0-7062-474C-8671-DB3A3CE669B0}" type="slidenum">
+              <a:rPr lang="en-GB" noProof="0" smtClean="0"/>
+              <a:pPr algn="r"/>
+              <a:t>18</a:t>
+            </a:fld>
+            <a:endParaRPr lang="en-GB" noProof="0" dirty="0"/>
+          </a:p>
+        </p:txBody>
+      </p:sp>
+    </p:spTree>
+    <p:extLst>
+      <p:ext uri="{BB962C8B-B14F-4D97-AF65-F5344CB8AC3E}">
+        <p14:creationId xmlns:p14="http://schemas.microsoft.com/office/powerpoint/2010/main" val="3924669336"/>
+      </p:ext>
+    </p:extLst>
+  </p:cSld>
+  <p:clrMapOvr>
+    <a:masterClrMapping/>
+  </p:clrMapOvr>
+</p:sld>
+</file>
+
+<file path=ppt/slides/slide19.xml><?xml version="1.0" encoding="utf-8"?>
+<p:sld xmlns:a="http://schemas.openxmlformats.org/drawingml/2006/main" xmlns:r="http://schemas.openxmlformats.org/officeDocument/2006/relationships" xmlns:p="http://schemas.openxmlformats.org/presentationml/2006/main">
+  <p:cSld>
+    <p:spTree>
+      <p:nvGrpSpPr>
+        <p:cNvPr id="1" name=""/>
+        <p:cNvGrpSpPr/>
+        <p:nvPr/>
+      </p:nvGrpSpPr>
+      <p:grpSpPr>
+        <a:xfrm>
+          <a:off x="0" y="0"/>
+          <a:ext cx="0" cy="0"/>
+          <a:chOff x="0" y="0"/>
+          <a:chExt cx="0" cy="0"/>
+        </a:xfrm>
+      </p:grpSpPr>
+      <p:sp>
+        <p:nvSpPr>
+          <p:cNvPr id="7" name="Tijdelijke aanduiding voor afbeelding 6"/>
           <p:cNvSpPr>
             <a:spLocks noGrp="1"/>
           </p:cNvSpPr>
           <p:nvPr>
-            <p:ph type="body" sz="quarter" idx="17"/>
+            <p:ph type="pic" sz="quarter" idx="16"/>
           </p:nvPr>
         </p:nvSpPr>
         <p:spPr/>
@@ -10376,21 +10928,45 @@
           <a:bodyPr/>
           <a:lstStyle/>
           <a:p>
+            <a:endParaRPr lang="en-GB" dirty="0"/>
+          </a:p>
+        </p:txBody>
+      </p:sp>
+      <p:sp>
+        <p:nvSpPr>
+          <p:cNvPr id="2" name="Titel 1"/>
+          <p:cNvSpPr>
+            <a:spLocks noGrp="1"/>
+          </p:cNvSpPr>
+          <p:nvPr>
+            <p:ph type="title"/>
+          </p:nvPr>
+        </p:nvSpPr>
+        <p:spPr>
+          <a:xfrm>
+            <a:off x="561600" y="172641"/>
+            <a:ext cx="8330400" cy="576832"/>
+          </a:xfrm>
+        </p:spPr>
+        <p:txBody>
+          <a:bodyPr/>
+          <a:lstStyle/>
+          <a:p>
             <a:r>
               <a:rPr lang="en-GB" dirty="0"/>
-              <a:t>Text</a:t>
-            </a:r>
-          </a:p>
-        </p:txBody>
-      </p:sp>
-      <p:sp>
-        <p:nvSpPr>
-          <p:cNvPr id="19" name="Tijdelijke aanduiding voor dianummer 18"/>
+              <a:t>Full screen image with title</a:t>
+            </a:r>
+          </a:p>
+        </p:txBody>
+      </p:sp>
+      <p:sp>
+        <p:nvSpPr>
+          <p:cNvPr id="8" name="Tijdelijke aanduiding voor dianummer 7"/>
           <p:cNvSpPr>
             <a:spLocks noGrp="1"/>
           </p:cNvSpPr>
           <p:nvPr>
-            <p:ph type="sldNum" sz="quarter" idx="27"/>
+            <p:ph type="sldNum" sz="quarter" idx="17"/>
           </p:nvPr>
         </p:nvSpPr>
         <p:spPr/>
@@ -10402,7 +10978,7 @@
             <a:fld id="{F25965E0-7062-474C-8671-DB3A3CE669B0}" type="slidenum">
               <a:rPr lang="en-GB" smtClean="0"/>
               <a:pPr algn="r"/>
-              <a:t>17</a:t>
+              <a:t>19</a:t>
             </a:fld>
             <a:endParaRPr lang="en-GB" dirty="0"/>
           </a:p>
@@ -10411,7 +10987,7 @@
     </p:spTree>
     <p:extLst>
       <p:ext uri="{BB962C8B-B14F-4D97-AF65-F5344CB8AC3E}">
-        <p14:creationId xmlns:p14="http://schemas.microsoft.com/office/powerpoint/2010/main" val="483436754"/>
+        <p14:creationId xmlns:p14="http://schemas.microsoft.com/office/powerpoint/2010/main" val="3765826031"/>
       </p:ext>
     </p:extLst>
   </p:cSld>
@@ -10692,6 +11268,136 @@
     <p:extLst>
       <p:ext uri="{BB962C8B-B14F-4D97-AF65-F5344CB8AC3E}">
         <p14:creationId xmlns:p14="http://schemas.microsoft.com/office/powerpoint/2010/main" val="1767033384"/>
+      </p:ext>
+    </p:extLst>
+  </p:cSld>
+  <p:clrMapOvr>
+    <a:masterClrMapping/>
+  </p:clrMapOvr>
+</p:sld>
+</file>
+
+<file path=ppt/slides/slide20.xml><?xml version="1.0" encoding="utf-8"?>
+<p:sld xmlns:a="http://schemas.openxmlformats.org/drawingml/2006/main" xmlns:r="http://schemas.openxmlformats.org/officeDocument/2006/relationships" xmlns:p="http://schemas.openxmlformats.org/presentationml/2006/main">
+  <p:cSld>
+    <p:spTree>
+      <p:nvGrpSpPr>
+        <p:cNvPr id="1" name=""/>
+        <p:cNvGrpSpPr/>
+        <p:nvPr/>
+      </p:nvGrpSpPr>
+      <p:grpSpPr>
+        <a:xfrm>
+          <a:off x="0" y="0"/>
+          <a:ext cx="0" cy="0"/>
+          <a:chOff x="0" y="0"/>
+          <a:chExt cx="0" cy="0"/>
+        </a:xfrm>
+      </p:grpSpPr>
+      <p:sp>
+        <p:nvSpPr>
+          <p:cNvPr id="4" name="Titel 3"/>
+          <p:cNvSpPr>
+            <a:spLocks noGrp="1"/>
+          </p:cNvSpPr>
+          <p:nvPr>
+            <p:ph type="title"/>
+          </p:nvPr>
+        </p:nvSpPr>
+        <p:spPr>
+          <a:xfrm>
+            <a:off x="561600" y="169210"/>
+            <a:ext cx="3816000" cy="1020671"/>
+          </a:xfrm>
+        </p:spPr>
+        <p:txBody>
+          <a:bodyPr/>
+          <a:lstStyle/>
+          <a:p>
+            <a:r>
+              <a:rPr lang="en-GB" dirty="0"/>
+              <a:t>End slide </a:t>
+            </a:r>
+            <a:br>
+              <a:rPr lang="en-GB" dirty="0"/>
+            </a:br>
+            <a:r>
+              <a:rPr lang="en-GB" dirty="0"/>
+              <a:t>or section heading</a:t>
+            </a:r>
+          </a:p>
+        </p:txBody>
+      </p:sp>
+      <p:sp>
+        <p:nvSpPr>
+          <p:cNvPr id="18" name="Tijdelijke aanduiding voor afbeelding 17"/>
+          <p:cNvSpPr>
+            <a:spLocks noGrp="1"/>
+          </p:cNvSpPr>
+          <p:nvPr>
+            <p:ph type="pic" sz="quarter" idx="16"/>
+          </p:nvPr>
+        </p:nvSpPr>
+        <p:spPr/>
+        <p:txBody>
+          <a:bodyPr/>
+          <a:lstStyle/>
+          <a:p>
+            <a:endParaRPr lang="en-GB" dirty="0"/>
+          </a:p>
+        </p:txBody>
+      </p:sp>
+      <p:sp>
+        <p:nvSpPr>
+          <p:cNvPr id="6" name="Tijdelijke aanduiding voor tekst 5"/>
+          <p:cNvSpPr>
+            <a:spLocks noGrp="1"/>
+          </p:cNvSpPr>
+          <p:nvPr>
+            <p:ph type="body" sz="quarter" idx="17"/>
+          </p:nvPr>
+        </p:nvSpPr>
+        <p:spPr/>
+        <p:txBody>
+          <a:bodyPr/>
+          <a:lstStyle/>
+          <a:p>
+            <a:r>
+              <a:rPr lang="en-GB" dirty="0"/>
+              <a:t>Text</a:t>
+            </a:r>
+          </a:p>
+        </p:txBody>
+      </p:sp>
+      <p:sp>
+        <p:nvSpPr>
+          <p:cNvPr id="19" name="Tijdelijke aanduiding voor dianummer 18"/>
+          <p:cNvSpPr>
+            <a:spLocks noGrp="1"/>
+          </p:cNvSpPr>
+          <p:nvPr>
+            <p:ph type="sldNum" sz="quarter" idx="27"/>
+          </p:nvPr>
+        </p:nvSpPr>
+        <p:spPr/>
+        <p:txBody>
+          <a:bodyPr/>
+          <a:lstStyle/>
+          <a:p>
+            <a:pPr algn="r"/>
+            <a:fld id="{F25965E0-7062-474C-8671-DB3A3CE669B0}" type="slidenum">
+              <a:rPr lang="en-GB" smtClean="0"/>
+              <a:pPr algn="r"/>
+              <a:t>20</a:t>
+            </a:fld>
+            <a:endParaRPr lang="en-GB" dirty="0"/>
+          </a:p>
+        </p:txBody>
+      </p:sp>
+    </p:spTree>
+    <p:extLst>
+      <p:ext uri="{BB962C8B-B14F-4D97-AF65-F5344CB8AC3E}">
+        <p14:creationId xmlns:p14="http://schemas.microsoft.com/office/powerpoint/2010/main" val="483436754"/>
       </p:ext>
     </p:extLst>
   </p:cSld>
@@ -11813,100 +12519,12 @@
           <a:chExt cx="0" cy="0"/>
         </a:xfrm>
       </p:grpSpPr>
-      <p:sp>
-        <p:nvSpPr>
-          <p:cNvPr id="3" name="Title 2">
+      <p:pic>
+        <p:nvPicPr>
+          <p:cNvPr id="5" name="Picture 4">
             <a:extLst>
               <a:ext uri="{FF2B5EF4-FFF2-40B4-BE49-F238E27FC236}">
-                <a16:creationId xmlns:a16="http://schemas.microsoft.com/office/drawing/2014/main" id="{F8782EA8-B321-F1BF-3831-4D180408DE49}"/>
-              </a:ext>
-            </a:extLst>
-          </p:cNvPr>
-          <p:cNvSpPr>
-            <a:spLocks noGrp="1"/>
-          </p:cNvSpPr>
-          <p:nvPr>
-            <p:ph type="title"/>
-          </p:nvPr>
-        </p:nvSpPr>
-        <p:spPr/>
-        <p:txBody>
-          <a:bodyPr/>
-          <a:lstStyle/>
-          <a:p>
-            <a:r>
-              <a:rPr lang="nl-NL" dirty="0"/>
-              <a:t> A </a:t>
-            </a:r>
-            <a:r>
-              <a:rPr lang="nl-NL" dirty="0" err="1"/>
-              <a:t>linear</a:t>
-            </a:r>
-            <a:r>
-              <a:rPr lang="nl-NL" dirty="0"/>
-              <a:t>-mixed model </a:t>
-            </a:r>
-            <a:r>
-              <a:rPr lang="nl-NL" dirty="0" err="1"/>
-              <a:t>with</a:t>
-            </a:r>
-            <a:r>
-              <a:rPr lang="nl-NL" dirty="0"/>
-              <a:t> </a:t>
-            </a:r>
-            <a:r>
-              <a:rPr lang="nl-NL" dirty="0" err="1"/>
-              <a:t>all</a:t>
-            </a:r>
-            <a:r>
-              <a:rPr lang="nl-NL" dirty="0"/>
-              <a:t> </a:t>
-            </a:r>
-            <a:r>
-              <a:rPr lang="nl-NL" dirty="0" err="1"/>
-              <a:t>masses</a:t>
-            </a:r>
-            <a:endParaRPr lang="nl-NL" dirty="0"/>
-          </a:p>
-        </p:txBody>
-      </p:sp>
-      <p:sp>
-        <p:nvSpPr>
-          <p:cNvPr id="4" name="Slide Number Placeholder 3">
-            <a:extLst>
-              <a:ext uri="{FF2B5EF4-FFF2-40B4-BE49-F238E27FC236}">
-                <a16:creationId xmlns:a16="http://schemas.microsoft.com/office/drawing/2014/main" id="{7D759922-F1C9-DFC0-1B93-339C9C7F7AC8}"/>
-              </a:ext>
-            </a:extLst>
-          </p:cNvPr>
-          <p:cNvSpPr>
-            <a:spLocks noGrp="1"/>
-          </p:cNvSpPr>
-          <p:nvPr>
-            <p:ph type="sldNum" sz="quarter" idx="11"/>
-          </p:nvPr>
-        </p:nvSpPr>
-        <p:spPr/>
-        <p:txBody>
-          <a:bodyPr/>
-          <a:lstStyle/>
-          <a:p>
-            <a:pPr algn="r"/>
-            <a:fld id="{F25965E0-7062-474C-8671-DB3A3CE669B0}" type="slidenum">
-              <a:rPr lang="en-GB" noProof="0" smtClean="0"/>
-              <a:pPr algn="r"/>
-              <a:t>7</a:t>
-            </a:fld>
-            <a:endParaRPr lang="en-GB" noProof="0" dirty="0"/>
-          </a:p>
-        </p:txBody>
-      </p:sp>
-      <p:pic>
-        <p:nvPicPr>
-          <p:cNvPr id="6" name="Picture 5">
-            <a:extLst>
-              <a:ext uri="{FF2B5EF4-FFF2-40B4-BE49-F238E27FC236}">
-                <a16:creationId xmlns:a16="http://schemas.microsoft.com/office/drawing/2014/main" id="{66479A42-8A0B-0382-1D75-5577EB23F0E2}"/>
+                <a16:creationId xmlns:a16="http://schemas.microsoft.com/office/drawing/2014/main" id="{60CA96E3-796D-10C4-C102-F768691C3018}"/>
               </a:ext>
             </a:extLst>
           </p:cNvPr>
@@ -11923,8 +12541,8 @@
         </p:blipFill>
         <p:spPr>
           <a:xfrm>
-            <a:off x="660399" y="1145267"/>
-            <a:ext cx="4744721" cy="3064299"/>
+            <a:off x="1413129" y="95035"/>
+            <a:ext cx="6629975" cy="4953429"/>
           </a:xfrm>
           <a:prstGeom prst="rect">
             <a:avLst/>
@@ -11933,105 +12551,39 @@
       </p:pic>
       <p:sp>
         <p:nvSpPr>
-          <p:cNvPr id="7" name="TextBox 6">
+          <p:cNvPr id="4" name="Slide Number Placeholder 3">
             <a:extLst>
               <a:ext uri="{FF2B5EF4-FFF2-40B4-BE49-F238E27FC236}">
-                <a16:creationId xmlns:a16="http://schemas.microsoft.com/office/drawing/2014/main" id="{B6A85890-EA59-3B7F-0874-722817FCF4A2}"/>
+                <a16:creationId xmlns:a16="http://schemas.microsoft.com/office/drawing/2014/main" id="{F9D3B183-BB45-F4D1-C037-BB8DBD478773}"/>
               </a:ext>
             </a:extLst>
           </p:cNvPr>
-          <p:cNvSpPr txBox="1"/>
-          <p:nvPr/>
-        </p:nvSpPr>
-        <p:spPr>
-          <a:xfrm>
-            <a:off x="5004240" y="2571750"/>
-            <a:ext cx="3798027" cy="302712"/>
-          </a:xfrm>
-          <a:prstGeom prst="rect">
-            <a:avLst/>
-          </a:prstGeom>
-        </p:spPr>
-        <p:style>
-          <a:lnRef idx="1">
-            <a:schemeClr val="accent1"/>
-          </a:lnRef>
-          <a:fillRef idx="2">
-            <a:schemeClr val="accent1"/>
-          </a:fillRef>
-          <a:effectRef idx="1">
-            <a:schemeClr val="accent1"/>
-          </a:effectRef>
-          <a:fontRef idx="minor">
-            <a:schemeClr val="dk1"/>
-          </a:fontRef>
-        </p:style>
-        <p:txBody>
-          <a:bodyPr wrap="none" rtlCol="0">
-            <a:spAutoFit/>
-          </a:bodyPr>
+          <p:cNvSpPr>
+            <a:spLocks noGrp="1"/>
+          </p:cNvSpPr>
+          <p:nvPr>
+            <p:ph type="sldNum" sz="quarter" idx="11"/>
+          </p:nvPr>
+        </p:nvSpPr>
+        <p:spPr/>
+        <p:txBody>
+          <a:bodyPr/>
           <a:lstStyle/>
           <a:p>
-            <a:pPr>
-              <a:lnSpc>
-                <a:spcPts val="1800"/>
-              </a:lnSpc>
-            </a:pPr>
-            <a:r>
-              <a:rPr lang="nl-NL" sz="1400" dirty="0" err="1">
-                <a:latin typeface="Verdana" pitchFamily="34" charset="0"/>
-              </a:rPr>
-              <a:t>Temperature</a:t>
-            </a:r>
-            <a:r>
-              <a:rPr lang="nl-NL" sz="1400" dirty="0">
-                <a:latin typeface="Verdana" pitchFamily="34" charset="0"/>
-              </a:rPr>
-              <a:t> </a:t>
-            </a:r>
-            <a:r>
-              <a:rPr lang="nl-NL" sz="1400" dirty="0" err="1">
-                <a:latin typeface="Verdana" pitchFamily="34" charset="0"/>
-              </a:rPr>
-              <a:t>and</a:t>
-            </a:r>
-            <a:r>
-              <a:rPr lang="nl-NL" sz="1400" dirty="0">
-                <a:latin typeface="Verdana" pitchFamily="34" charset="0"/>
-              </a:rPr>
-              <a:t> </a:t>
-            </a:r>
-            <a:r>
-              <a:rPr lang="nl-NL" sz="1400" dirty="0" err="1">
-                <a:latin typeface="Verdana" pitchFamily="34" charset="0"/>
-              </a:rPr>
-              <a:t>day</a:t>
-            </a:r>
-            <a:r>
-              <a:rPr lang="nl-NL" sz="1400" dirty="0">
-                <a:latin typeface="Verdana" pitchFamily="34" charset="0"/>
-              </a:rPr>
-              <a:t> are </a:t>
-            </a:r>
-            <a:r>
-              <a:rPr lang="nl-NL" sz="1400" dirty="0" err="1">
-                <a:latin typeface="Verdana" pitchFamily="34" charset="0"/>
-              </a:rPr>
-              <a:t>not</a:t>
-            </a:r>
-            <a:r>
-              <a:rPr lang="nl-NL" sz="1400" dirty="0">
-                <a:latin typeface="Verdana" pitchFamily="34" charset="0"/>
-              </a:rPr>
-              <a:t> significant</a:t>
-            </a:r>
+            <a:pPr algn="r"/>
+            <a:fld id="{F25965E0-7062-474C-8671-DB3A3CE669B0}" type="slidenum">
+              <a:rPr lang="en-GB" noProof="0" smtClean="0"/>
+              <a:pPr algn="r"/>
+              <a:t>7</a:t>
+            </a:fld>
+            <a:endParaRPr lang="en-GB" noProof="0" dirty="0"/>
           </a:p>
         </p:txBody>
       </p:sp>
     </p:spTree>
     <p:extLst>
       <p:ext uri="{BB962C8B-B14F-4D97-AF65-F5344CB8AC3E}">
-        <p14:creationId xmlns:p14="http://schemas.microsoft.com/office/powerpoint/2010/main" val="1874969847"/>
+        <p14:creationId xmlns:p14="http://schemas.microsoft.com/office/powerpoint/2010/main" val="2026322567"/>
       </p:ext>
     </p:extLst>
   </p:cSld>
@@ -12058,12 +12610,43 @@
           <a:chExt cx="0" cy="0"/>
         </a:xfrm>
       </p:grpSpPr>
+      <p:sp>
+        <p:nvSpPr>
+          <p:cNvPr id="4" name="Slide Number Placeholder 3">
+            <a:extLst>
+              <a:ext uri="{FF2B5EF4-FFF2-40B4-BE49-F238E27FC236}">
+                <a16:creationId xmlns:a16="http://schemas.microsoft.com/office/drawing/2014/main" id="{AECD3BBF-E15E-3A65-8E0E-4190B34D7C16}"/>
+              </a:ext>
+            </a:extLst>
+          </p:cNvPr>
+          <p:cNvSpPr>
+            <a:spLocks noGrp="1"/>
+          </p:cNvSpPr>
+          <p:nvPr>
+            <p:ph type="sldNum" sz="quarter" idx="11"/>
+          </p:nvPr>
+        </p:nvSpPr>
+        <p:spPr/>
+        <p:txBody>
+          <a:bodyPr/>
+          <a:lstStyle/>
+          <a:p>
+            <a:pPr algn="r"/>
+            <a:fld id="{F25965E0-7062-474C-8671-DB3A3CE669B0}" type="slidenum">
+              <a:rPr lang="en-GB" noProof="0" smtClean="0"/>
+              <a:pPr algn="r"/>
+              <a:t>8</a:t>
+            </a:fld>
+            <a:endParaRPr lang="en-GB" noProof="0" dirty="0"/>
+          </a:p>
+        </p:txBody>
+      </p:sp>
       <p:pic>
         <p:nvPicPr>
-          <p:cNvPr id="5" name="Picture 4">
+          <p:cNvPr id="6" name="Picture 5">
             <a:extLst>
               <a:ext uri="{FF2B5EF4-FFF2-40B4-BE49-F238E27FC236}">
-                <a16:creationId xmlns:a16="http://schemas.microsoft.com/office/drawing/2014/main" id="{2A986B79-CABE-0E10-C533-8F95820BD1CC}"/>
+                <a16:creationId xmlns:a16="http://schemas.microsoft.com/office/drawing/2014/main" id="{67C555EA-2F24-2310-6B7F-A06AF32FD098}"/>
               </a:ext>
             </a:extLst>
           </p:cNvPr>
@@ -12080,49 +12663,18 @@
         </p:blipFill>
         <p:spPr>
           <a:xfrm>
-            <a:off x="1849120" y="64552"/>
-            <a:ext cx="6119147" cy="4628045"/>
+            <a:off x="167531" y="188119"/>
+            <a:ext cx="8808937" cy="4767262"/>
           </a:xfrm>
           <a:prstGeom prst="rect">
             <a:avLst/>
           </a:prstGeom>
         </p:spPr>
       </p:pic>
-      <p:sp>
-        <p:nvSpPr>
-          <p:cNvPr id="4" name="Slide Number Placeholder 3">
-            <a:extLst>
-              <a:ext uri="{FF2B5EF4-FFF2-40B4-BE49-F238E27FC236}">
-                <a16:creationId xmlns:a16="http://schemas.microsoft.com/office/drawing/2014/main" id="{AC5CE59B-B1AB-2FEB-9223-63FB185D4E88}"/>
-              </a:ext>
-            </a:extLst>
-          </p:cNvPr>
-          <p:cNvSpPr>
-            <a:spLocks noGrp="1"/>
-          </p:cNvSpPr>
-          <p:nvPr>
-            <p:ph type="sldNum" sz="quarter" idx="11"/>
-          </p:nvPr>
-        </p:nvSpPr>
-        <p:spPr/>
-        <p:txBody>
-          <a:bodyPr/>
-          <a:lstStyle/>
-          <a:p>
-            <a:pPr algn="r"/>
-            <a:fld id="{F25965E0-7062-474C-8671-DB3A3CE669B0}" type="slidenum">
-              <a:rPr lang="en-GB" noProof="0" smtClean="0"/>
-              <a:pPr algn="r"/>
-              <a:t>8</a:t>
-            </a:fld>
-            <a:endParaRPr lang="en-GB" noProof="0" dirty="0"/>
-          </a:p>
-        </p:txBody>
-      </p:sp>
     </p:spTree>
     <p:extLst>
       <p:ext uri="{BB962C8B-B14F-4D97-AF65-F5344CB8AC3E}">
-        <p14:creationId xmlns:p14="http://schemas.microsoft.com/office/powerpoint/2010/main" val="2877605687"/>
+        <p14:creationId xmlns:p14="http://schemas.microsoft.com/office/powerpoint/2010/main" val="3219321567"/>
       </p:ext>
     </p:extLst>
   </p:cSld>
@@ -12149,12 +12701,100 @@
           <a:chExt cx="0" cy="0"/>
         </a:xfrm>
       </p:grpSpPr>
+      <p:sp>
+        <p:nvSpPr>
+          <p:cNvPr id="3" name="Title 2">
+            <a:extLst>
+              <a:ext uri="{FF2B5EF4-FFF2-40B4-BE49-F238E27FC236}">
+                <a16:creationId xmlns:a16="http://schemas.microsoft.com/office/drawing/2014/main" id="{F8782EA8-B321-F1BF-3831-4D180408DE49}"/>
+              </a:ext>
+            </a:extLst>
+          </p:cNvPr>
+          <p:cNvSpPr>
+            <a:spLocks noGrp="1"/>
+          </p:cNvSpPr>
+          <p:nvPr>
+            <p:ph type="title"/>
+          </p:nvPr>
+        </p:nvSpPr>
+        <p:spPr/>
+        <p:txBody>
+          <a:bodyPr/>
+          <a:lstStyle/>
+          <a:p>
+            <a:r>
+              <a:rPr lang="nl-NL" dirty="0"/>
+              <a:t> A </a:t>
+            </a:r>
+            <a:r>
+              <a:rPr lang="nl-NL" dirty="0" err="1"/>
+              <a:t>linear</a:t>
+            </a:r>
+            <a:r>
+              <a:rPr lang="nl-NL" dirty="0"/>
+              <a:t>-mixed model </a:t>
+            </a:r>
+            <a:r>
+              <a:rPr lang="nl-NL" dirty="0" err="1"/>
+              <a:t>with</a:t>
+            </a:r>
+            <a:r>
+              <a:rPr lang="nl-NL" dirty="0"/>
+              <a:t> </a:t>
+            </a:r>
+            <a:r>
+              <a:rPr lang="nl-NL" dirty="0" err="1"/>
+              <a:t>all</a:t>
+            </a:r>
+            <a:r>
+              <a:rPr lang="nl-NL" dirty="0"/>
+              <a:t> </a:t>
+            </a:r>
+            <a:r>
+              <a:rPr lang="nl-NL" dirty="0" err="1"/>
+              <a:t>masses</a:t>
+            </a:r>
+            <a:endParaRPr lang="nl-NL" dirty="0"/>
+          </a:p>
+        </p:txBody>
+      </p:sp>
+      <p:sp>
+        <p:nvSpPr>
+          <p:cNvPr id="4" name="Slide Number Placeholder 3">
+            <a:extLst>
+              <a:ext uri="{FF2B5EF4-FFF2-40B4-BE49-F238E27FC236}">
+                <a16:creationId xmlns:a16="http://schemas.microsoft.com/office/drawing/2014/main" id="{7D759922-F1C9-DFC0-1B93-339C9C7F7AC8}"/>
+              </a:ext>
+            </a:extLst>
+          </p:cNvPr>
+          <p:cNvSpPr>
+            <a:spLocks noGrp="1"/>
+          </p:cNvSpPr>
+          <p:nvPr>
+            <p:ph type="sldNum" sz="quarter" idx="11"/>
+          </p:nvPr>
+        </p:nvSpPr>
+        <p:spPr/>
+        <p:txBody>
+          <a:bodyPr/>
+          <a:lstStyle/>
+          <a:p>
+            <a:pPr algn="r"/>
+            <a:fld id="{F25965E0-7062-474C-8671-DB3A3CE669B0}" type="slidenum">
+              <a:rPr lang="en-GB" noProof="0" smtClean="0"/>
+              <a:pPr algn="r"/>
+              <a:t>9</a:t>
+            </a:fld>
+            <a:endParaRPr lang="en-GB" noProof="0" dirty="0"/>
+          </a:p>
+        </p:txBody>
+      </p:sp>
       <p:pic>
         <p:nvPicPr>
-          <p:cNvPr id="5" name="Picture 4">
+          <p:cNvPr id="6" name="Picture 5">
             <a:extLst>
               <a:ext uri="{FF2B5EF4-FFF2-40B4-BE49-F238E27FC236}">
-                <a16:creationId xmlns:a16="http://schemas.microsoft.com/office/drawing/2014/main" id="{F3751F95-BEB2-3675-86DD-DC876276BBF3}"/>
+                <a16:creationId xmlns:a16="http://schemas.microsoft.com/office/drawing/2014/main" id="{66479A42-8A0B-0382-1D75-5577EB23F0E2}"/>
               </a:ext>
             </a:extLst>
           </p:cNvPr>
@@ -12171,156 +12811,115 @@
         </p:blipFill>
         <p:spPr>
           <a:xfrm>
-            <a:off x="462034" y="1375254"/>
-            <a:ext cx="3715701" cy="1196496"/>
+            <a:off x="561600" y="1100211"/>
+            <a:ext cx="5283201" cy="3412067"/>
           </a:xfrm>
           <a:prstGeom prst="rect">
             <a:avLst/>
           </a:prstGeom>
         </p:spPr>
       </p:pic>
-      <p:pic>
-        <p:nvPicPr>
-          <p:cNvPr id="6" name="Picture 5">
+      <p:sp>
+        <p:nvSpPr>
+          <p:cNvPr id="7" name="TextBox 6">
             <a:extLst>
               <a:ext uri="{FF2B5EF4-FFF2-40B4-BE49-F238E27FC236}">
-                <a16:creationId xmlns:a16="http://schemas.microsoft.com/office/drawing/2014/main" id="{180BD4DF-AB40-BF97-8C14-F79506DA2B54}"/>
+                <a16:creationId xmlns:a16="http://schemas.microsoft.com/office/drawing/2014/main" id="{B6A85890-EA59-3B7F-0874-722817FCF4A2}"/>
               </a:ext>
             </a:extLst>
           </p:cNvPr>
-          <p:cNvPicPr>
-            <a:picLocks noChangeAspect="1"/>
-          </p:cNvPicPr>
+          <p:cNvSpPr txBox="1"/>
           <p:nvPr/>
-        </p:nvPicPr>
-        <p:blipFill>
-          <a:blip r:embed="rId3"/>
-          <a:stretch>
-            <a:fillRect/>
-          </a:stretch>
-        </p:blipFill>
+        </p:nvSpPr>
         <p:spPr>
           <a:xfrm>
-            <a:off x="276294" y="3262789"/>
-            <a:ext cx="4506215" cy="248223"/>
+            <a:off x="5093973" y="2806244"/>
+            <a:ext cx="3798027" cy="302712"/>
           </a:xfrm>
           <a:prstGeom prst="rect">
             <a:avLst/>
           </a:prstGeom>
         </p:spPr>
-      </p:pic>
-      <p:sp>
-        <p:nvSpPr>
-          <p:cNvPr id="3" name="Title 2">
-            <a:extLst>
-              <a:ext uri="{FF2B5EF4-FFF2-40B4-BE49-F238E27FC236}">
-                <a16:creationId xmlns:a16="http://schemas.microsoft.com/office/drawing/2014/main" id="{2E4AF904-CB08-F340-7698-66705C30594E}"/>
-              </a:ext>
-            </a:extLst>
-          </p:cNvPr>
-          <p:cNvSpPr>
-            <a:spLocks noGrp="1"/>
-          </p:cNvSpPr>
-          <p:nvPr>
-            <p:ph type="title"/>
-          </p:nvPr>
-        </p:nvSpPr>
-        <p:spPr>
-          <a:xfrm>
-            <a:off x="561600" y="169210"/>
-            <a:ext cx="8330400" cy="513889"/>
-          </a:xfrm>
-        </p:spPr>
-        <p:txBody>
-          <a:bodyPr/>
+        <p:style>
+          <a:lnRef idx="1">
+            <a:schemeClr val="accent1"/>
+          </a:lnRef>
+          <a:fillRef idx="2">
+            <a:schemeClr val="accent1"/>
+          </a:fillRef>
+          <a:effectRef idx="1">
+            <a:schemeClr val="accent1"/>
+          </a:effectRef>
+          <a:fontRef idx="minor">
+            <a:schemeClr val="dk1"/>
+          </a:fontRef>
+        </p:style>
+        <p:txBody>
+          <a:bodyPr wrap="none" rtlCol="0">
+            <a:spAutoFit/>
+          </a:bodyPr>
           <a:lstStyle/>
           <a:p>
-            <a:r>
-              <a:rPr lang="en-US" sz="1200" dirty="0">
-                <a:effectLst/>
-                <a:latin typeface="Verdana" panose="020B0604030504040204" pitchFamily="34" charset="0"/>
-                <a:ea typeface="Calibri" panose="020F0502020204030204" pitchFamily="34" charset="0"/>
-                <a:cs typeface="Times New Roman" panose="02020603050405020304" pitchFamily="18" charset="0"/>
-              </a:rPr>
-              <a:t>Is there significant difference within days,  with all Temperatures, all masses? </a:t>
-            </a:r>
-            <a:br>
-              <a:rPr lang="en-US" sz="2800" dirty="0">
-                <a:effectLst/>
-                <a:latin typeface="Verdana" panose="020B0604030504040204" pitchFamily="34" charset="0"/>
-                <a:ea typeface="Calibri" panose="020F0502020204030204" pitchFamily="34" charset="0"/>
-                <a:cs typeface="Times New Roman" panose="02020603050405020304" pitchFamily="18" charset="0"/>
-              </a:rPr>
-            </a:br>
-            <a:endParaRPr lang="en-GB" dirty="0"/>
-          </a:p>
-        </p:txBody>
-      </p:sp>
-      <p:sp>
-        <p:nvSpPr>
-          <p:cNvPr id="4" name="Slide Number Placeholder 3">
-            <a:extLst>
-              <a:ext uri="{FF2B5EF4-FFF2-40B4-BE49-F238E27FC236}">
-                <a16:creationId xmlns:a16="http://schemas.microsoft.com/office/drawing/2014/main" id="{E759A487-083D-362F-7E77-C80D6A9C5BB4}"/>
-              </a:ext>
-            </a:extLst>
-          </p:cNvPr>
-          <p:cNvSpPr>
-            <a:spLocks noGrp="1"/>
-          </p:cNvSpPr>
-          <p:nvPr>
-            <p:ph type="sldNum" sz="quarter" idx="11"/>
-          </p:nvPr>
-        </p:nvSpPr>
-        <p:spPr/>
-        <p:txBody>
-          <a:bodyPr/>
-          <a:lstStyle/>
-          <a:p>
-            <a:pPr algn="r"/>
-            <a:fld id="{F25965E0-7062-474C-8671-DB3A3CE669B0}" type="slidenum">
-              <a:rPr lang="en-GB" noProof="0" smtClean="0"/>
-              <a:pPr algn="r"/>
-              <a:t>9</a:t>
-            </a:fld>
-            <a:endParaRPr lang="en-GB" noProof="0" dirty="0"/>
-          </a:p>
-        </p:txBody>
-      </p:sp>
-      <p:pic>
-        <p:nvPicPr>
-          <p:cNvPr id="7" name="Picture 6">
-            <a:extLst>
-              <a:ext uri="{FF2B5EF4-FFF2-40B4-BE49-F238E27FC236}">
-                <a16:creationId xmlns:a16="http://schemas.microsoft.com/office/drawing/2014/main" id="{21823522-4748-3234-28BA-121B1C3F73F6}"/>
-              </a:ext>
-            </a:extLst>
-          </p:cNvPr>
-          <p:cNvPicPr>
-            <a:picLocks noChangeAspect="1"/>
-          </p:cNvPicPr>
-          <p:nvPr/>
-        </p:nvPicPr>
-        <p:blipFill>
-          <a:blip r:embed="rId4"/>
-          <a:stretch>
-            <a:fillRect/>
-          </a:stretch>
-        </p:blipFill>
-        <p:spPr>
-          <a:xfrm>
-            <a:off x="5091772" y="1117918"/>
-            <a:ext cx="3371828" cy="3371828"/>
-          </a:xfrm>
-          <a:prstGeom prst="rect">
-            <a:avLst/>
-          </a:prstGeom>
-        </p:spPr>
-      </p:pic>
+            <a:pPr>
+              <a:lnSpc>
+                <a:spcPts val="1800"/>
+              </a:lnSpc>
+            </a:pPr>
+            <a:r>
+              <a:rPr lang="nl-NL" sz="1400" dirty="0" err="1">
+                <a:latin typeface="Verdana" pitchFamily="34" charset="0"/>
+              </a:rPr>
+              <a:t>Temperature</a:t>
+            </a:r>
+            <a:r>
+              <a:rPr lang="nl-NL" sz="1400" dirty="0">
+                <a:latin typeface="Verdana" pitchFamily="34" charset="0"/>
+              </a:rPr>
+              <a:t> </a:t>
+            </a:r>
+            <a:r>
+              <a:rPr lang="nl-NL" sz="1400" dirty="0" err="1">
+                <a:latin typeface="Verdana" pitchFamily="34" charset="0"/>
+              </a:rPr>
+              <a:t>and</a:t>
+            </a:r>
+            <a:r>
+              <a:rPr lang="nl-NL" sz="1400" dirty="0">
+                <a:latin typeface="Verdana" pitchFamily="34" charset="0"/>
+              </a:rPr>
+              <a:t> </a:t>
+            </a:r>
+            <a:r>
+              <a:rPr lang="nl-NL" sz="1400" dirty="0" err="1">
+                <a:latin typeface="Verdana" pitchFamily="34" charset="0"/>
+              </a:rPr>
+              <a:t>day</a:t>
+            </a:r>
+            <a:r>
+              <a:rPr lang="nl-NL" sz="1400" dirty="0">
+                <a:latin typeface="Verdana" pitchFamily="34" charset="0"/>
+              </a:rPr>
+              <a:t> are </a:t>
+            </a:r>
+            <a:r>
+              <a:rPr lang="nl-NL" sz="1400" dirty="0" err="1">
+                <a:latin typeface="Verdana" pitchFamily="34" charset="0"/>
+              </a:rPr>
+              <a:t>not</a:t>
+            </a:r>
+            <a:r>
+              <a:rPr lang="nl-NL" sz="1400" dirty="0">
+                <a:latin typeface="Verdana" pitchFamily="34" charset="0"/>
+              </a:rPr>
+              <a:t> significant</a:t>
+            </a:r>
+          </a:p>
+        </p:txBody>
+      </p:sp>
     </p:spTree>
     <p:extLst>
       <p:ext uri="{BB962C8B-B14F-4D97-AF65-F5344CB8AC3E}">
-        <p14:creationId xmlns:p14="http://schemas.microsoft.com/office/powerpoint/2010/main" val="865172299"/>
+        <p14:creationId xmlns:p14="http://schemas.microsoft.com/office/powerpoint/2010/main" val="1874969847"/>
       </p:ext>
     </p:extLst>
   </p:cSld>
@@ -12926,20 +13525,20 @@
 </file>
 
 <file path=customXml/item1.xml><?xml version="1.0" encoding="utf-8"?>
-<p:properties xmlns:p="http://schemas.microsoft.com/office/2006/metadata/properties" xmlns:xsi="http://www.w3.org/2001/XMLSchema-instance" xmlns:pc="http://schemas.microsoft.com/office/infopath/2007/PartnerControls">
-  <documentManagement>
-    <_activity xmlns="f57bc8fc-db93-4706-8ea7-8a418546d01a" xsi:nil="true"/>
-  </documentManagement>
-</p:properties>
-</file>
-
-<file path=customXml/item2.xml><?xml version="1.0" encoding="utf-8"?>
 <?mso-contentType ?>
 <FormTemplates xmlns="http://schemas.microsoft.com/sharepoint/v3/contenttype/forms">
   <Display>DocumentLibraryForm</Display>
   <Edit>DocumentLibraryForm</Edit>
   <New>DocumentLibraryForm</New>
 </FormTemplates>
+</file>
+
+<file path=customXml/item2.xml><?xml version="1.0" encoding="utf-8"?>
+<p:properties xmlns:p="http://schemas.microsoft.com/office/2006/metadata/properties" xmlns:xsi="http://www.w3.org/2001/XMLSchema-instance" xmlns:pc="http://schemas.microsoft.com/office/infopath/2007/PartnerControls">
+  <documentManagement>
+    <_activity xmlns="f57bc8fc-db93-4706-8ea7-8a418546d01a" xsi:nil="true"/>
+  </documentManagement>
+</p:properties>
 </file>
 
 <file path=customXml/item3.xml><?xml version="1.0" encoding="utf-8"?>
@@ -13190,26 +13789,26 @@
 </file>
 
 <file path=customXml/itemProps1.xml><?xml version="1.0" encoding="utf-8"?>
-<ds:datastoreItem xmlns:ds="http://schemas.openxmlformats.org/officeDocument/2006/customXml" ds:itemID="{B28F7ED2-CE71-4841-996C-F21FB056F158}">
+<ds:datastoreItem xmlns:ds="http://schemas.openxmlformats.org/officeDocument/2006/customXml" ds:itemID="{87607CC5-44B2-436F-9F2B-DC7C5A87C49F}">
   <ds:schemaRefs>
-    <ds:schemaRef ds:uri="http://purl.org/dc/terms/"/>
-    <ds:schemaRef ds:uri="http://purl.org/dc/dcmitype/"/>
-    <ds:schemaRef ds:uri="http://schemas.microsoft.com/office/2006/documentManagement/types"/>
-    <ds:schemaRef ds:uri="b86151ff-f084-444e-9e9a-673684c5f9bc"/>
-    <ds:schemaRef ds:uri="http://purl.org/dc/elements/1.1/"/>
-    <ds:schemaRef ds:uri="http://schemas.microsoft.com/office/infopath/2007/PartnerControls"/>
-    <ds:schemaRef ds:uri="http://schemas.openxmlformats.org/package/2006/metadata/core-properties"/>
-    <ds:schemaRef ds:uri="f57bc8fc-db93-4706-8ea7-8a418546d01a"/>
-    <ds:schemaRef ds:uri="http://schemas.microsoft.com/office/2006/metadata/properties"/>
-    <ds:schemaRef ds:uri="http://www.w3.org/XML/1998/namespace"/>
+    <ds:schemaRef ds:uri="http://schemas.microsoft.com/sharepoint/v3/contenttype/forms"/>
   </ds:schemaRefs>
 </ds:datastoreItem>
 </file>
 
 <file path=customXml/itemProps2.xml><?xml version="1.0" encoding="utf-8"?>
-<ds:datastoreItem xmlns:ds="http://schemas.openxmlformats.org/officeDocument/2006/customXml" ds:itemID="{87607CC5-44B2-436F-9F2B-DC7C5A87C49F}">
+<ds:datastoreItem xmlns:ds="http://schemas.openxmlformats.org/officeDocument/2006/customXml" ds:itemID="{B28F7ED2-CE71-4841-996C-F21FB056F158}">
   <ds:schemaRefs>
-    <ds:schemaRef ds:uri="http://schemas.microsoft.com/sharepoint/v3/contenttype/forms"/>
+    <ds:schemaRef ds:uri="http://schemas.microsoft.com/office/2006/documentManagement/types"/>
+    <ds:schemaRef ds:uri="http://schemas.microsoft.com/office/infopath/2007/PartnerControls"/>
+    <ds:schemaRef ds:uri="http://purl.org/dc/elements/1.1/"/>
+    <ds:schemaRef ds:uri="http://schemas.microsoft.com/office/2006/metadata/properties"/>
+    <ds:schemaRef ds:uri="http://schemas.openxmlformats.org/package/2006/metadata/core-properties"/>
+    <ds:schemaRef ds:uri="http://purl.org/dc/terms/"/>
+    <ds:schemaRef ds:uri="b86151ff-f084-444e-9e9a-673684c5f9bc"/>
+    <ds:schemaRef ds:uri="f57bc8fc-db93-4706-8ea7-8a418546d01a"/>
+    <ds:schemaRef ds:uri="http://www.w3.org/XML/1998/namespace"/>
+    <ds:schemaRef ds:uri="http://purl.org/dc/dcmitype/"/>
   </ds:schemaRefs>
 </ds:datastoreItem>
 </file>
